--- a/0_why_and_how.pptx
+++ b/0_why_and_how.pptx
@@ -6,8 +6,11 @@
   </p:sldMasterIdLst>
   <p:sldIdLst>
     <p:sldId id="256" r:id="rId2"/>
-    <p:sldId id="257" r:id="rId3"/>
-    <p:sldId id="258" r:id="rId4"/>
+    <p:sldId id="259" r:id="rId3"/>
+    <p:sldId id="260" r:id="rId4"/>
+    <p:sldId id="261" r:id="rId5"/>
+    <p:sldId id="257" r:id="rId6"/>
+    <p:sldId id="258" r:id="rId7"/>
   </p:sldIdLst>
   <p:sldSz cx="12192000" cy="6858000"/>
   <p:notesSz cx="6858000" cy="9144000"/>
@@ -5935,7 +5938,7 @@
           <p:cNvPr id="2" name="标题 1">
             <a:extLst>
               <a:ext uri="{FF2B5EF4-FFF2-40B4-BE49-F238E27FC236}">
-                <a16:creationId xmlns:a16="http://schemas.microsoft.com/office/drawing/2014/main" id="{DF926A48-CEF4-4306-8BD3-4B6F1DBB65BD}"/>
+                <a16:creationId xmlns:a16="http://schemas.microsoft.com/office/drawing/2014/main" id="{134BB379-6CAB-4B71-BAFA-3096B06280D0}"/>
               </a:ext>
             </a:extLst>
           </p:cNvPr>
@@ -5953,7 +5956,7 @@
           <a:p>
             <a:r>
               <a:rPr lang="zh-CN" altLang="en-US"/>
-              <a:t>为什么生物医学背景要学习机器学习？</a:t>
+              <a:t>课程理念</a:t>
             </a:r>
           </a:p>
         </p:txBody>
@@ -5963,7 +5966,7 @@
           <p:cNvPr id="3" name="内容占位符 2">
             <a:extLst>
               <a:ext uri="{FF2B5EF4-FFF2-40B4-BE49-F238E27FC236}">
-                <a16:creationId xmlns:a16="http://schemas.microsoft.com/office/drawing/2014/main" id="{7A4240CC-41A0-49AC-85A3-07484FAE4E3A}"/>
+                <a16:creationId xmlns:a16="http://schemas.microsoft.com/office/drawing/2014/main" id="{BB2FF8DC-DD02-4041-A207-5DF1BD89D475}"/>
               </a:ext>
             </a:extLst>
           </p:cNvPr>
@@ -5982,54 +5985,37 @@
           <a:lstStyle/>
           <a:p>
             <a:r>
-              <a:rPr lang="en-US" altLang="zh-CN"/>
-              <a:t>AI</a:t>
-            </a:r>
-            <a:r>
-              <a:rPr lang="zh-CN" altLang="en-US"/>
-              <a:t>是人类的梦想，也是工业革命</a:t>
-            </a:r>
-            <a:endParaRPr lang="en-US" altLang="zh-CN"/>
-          </a:p>
-          <a:p>
-            <a:r>
-              <a:rPr lang="zh-CN" altLang="en-US"/>
-              <a:t>生物医学中的需求越来越大，体现为 </a:t>
-            </a:r>
-            <a:r>
-              <a:rPr lang="en-US" altLang="zh-CN"/>
-              <a:t>AI x</a:t>
-            </a:r>
-          </a:p>
-          <a:p>
-            <a:r>
-              <a:rPr lang="zh-CN" altLang="en-US"/>
-              <a:t>生物</a:t>
-            </a:r>
-            <a:r>
-              <a:rPr lang="en-US" altLang="zh-CN"/>
-              <a:t>+</a:t>
-            </a:r>
-            <a:r>
-              <a:rPr lang="zh-CN" altLang="en-US"/>
-              <a:t>统计</a:t>
-            </a:r>
-            <a:r>
-              <a:rPr lang="en-US" altLang="zh-CN"/>
-              <a:t>+</a:t>
-            </a:r>
-            <a:r>
-              <a:rPr lang="zh-CN" altLang="en-US"/>
-              <a:t>计算机的复合型人才是未来的竞争要求</a:t>
-            </a:r>
-            <a:endParaRPr lang="en-US" altLang="zh-CN"/>
+              <a:rPr lang="zh-CN" altLang="en-US" sz="2200"/>
+              <a:t>入门性质，求浅求易</a:t>
+            </a:r>
+            <a:endParaRPr lang="en-US" altLang="zh-CN" sz="2200"/>
+          </a:p>
+          <a:p>
+            <a:endParaRPr lang="en-US" altLang="zh-CN" sz="2200"/>
+          </a:p>
+          <a:p>
+            <a:r>
+              <a:rPr lang="zh-CN" altLang="en-US" sz="2200"/>
+              <a:t>重视操作，一半时间上机</a:t>
+            </a:r>
+            <a:endParaRPr lang="en-US" altLang="zh-CN" sz="2200"/>
+          </a:p>
+          <a:p>
+            <a:endParaRPr lang="en-US" altLang="zh-CN" sz="2200"/>
+          </a:p>
+          <a:p>
+            <a:r>
+              <a:rPr lang="zh-CN" altLang="en-US" sz="2200"/>
+              <a:t>点拨理念，处处留个念想</a:t>
+            </a:r>
+            <a:endParaRPr lang="en-US" altLang="zh-CN" sz="2200"/>
           </a:p>
         </p:txBody>
       </p:sp>
     </p:spTree>
     <p:extLst>
       <p:ext uri="{BB962C8B-B14F-4D97-AF65-F5344CB8AC3E}">
-        <p14:creationId xmlns:p14="http://schemas.microsoft.com/office/powerpoint/2010/main" val="415938458"/>
+        <p14:creationId xmlns:p14="http://schemas.microsoft.com/office/powerpoint/2010/main" val="1538923167"/>
       </p:ext>
     </p:extLst>
   </p:cSld>
@@ -6061,6 +6047,392 @@
           <p:cNvPr id="2" name="标题 1">
             <a:extLst>
               <a:ext uri="{FF2B5EF4-FFF2-40B4-BE49-F238E27FC236}">
+                <a16:creationId xmlns:a16="http://schemas.microsoft.com/office/drawing/2014/main" id="{963A604B-D581-4308-832C-86001C99A904}"/>
+              </a:ext>
+            </a:extLst>
+          </p:cNvPr>
+          <p:cNvSpPr>
+            <a:spLocks noGrp="1"/>
+          </p:cNvSpPr>
+          <p:nvPr>
+            <p:ph type="title"/>
+          </p:nvPr>
+        </p:nvSpPr>
+        <p:spPr/>
+        <p:txBody>
+          <a:bodyPr/>
+          <a:lstStyle/>
+          <a:p>
+            <a:r>
+              <a:rPr lang="zh-CN" altLang="en-US"/>
+              <a:t>课程要求</a:t>
+            </a:r>
+          </a:p>
+        </p:txBody>
+      </p:sp>
+      <p:sp>
+        <p:nvSpPr>
+          <p:cNvPr id="3" name="内容占位符 2">
+            <a:extLst>
+              <a:ext uri="{FF2B5EF4-FFF2-40B4-BE49-F238E27FC236}">
+                <a16:creationId xmlns:a16="http://schemas.microsoft.com/office/drawing/2014/main" id="{39C73EB8-F441-4F0E-B960-1F515E942ADB}"/>
+              </a:ext>
+            </a:extLst>
+          </p:cNvPr>
+          <p:cNvSpPr>
+            <a:spLocks noGrp="1"/>
+          </p:cNvSpPr>
+          <p:nvPr>
+            <p:ph idx="1"/>
+          </p:nvPr>
+        </p:nvSpPr>
+        <p:spPr/>
+        <p:txBody>
+          <a:bodyPr>
+            <a:normAutofit/>
+          </a:bodyPr>
+          <a:lstStyle/>
+          <a:p>
+            <a:r>
+              <a:rPr lang="zh-CN" altLang="en-US" sz="2200"/>
+              <a:t>自带笔记本电脑听课</a:t>
+            </a:r>
+            <a:endParaRPr lang="en-US" altLang="zh-CN" sz="2200"/>
+          </a:p>
+          <a:p>
+            <a:endParaRPr lang="en-US" altLang="zh-CN" sz="2200"/>
+          </a:p>
+          <a:p>
+            <a:r>
+              <a:rPr lang="zh-CN" altLang="en-US" sz="2200"/>
+              <a:t>考试成绩权重：</a:t>
+            </a:r>
+            <a:endParaRPr lang="en-US" altLang="zh-CN" sz="2200"/>
+          </a:p>
+          <a:p>
+            <a:pPr lvl="1"/>
+            <a:r>
+              <a:rPr lang="zh-CN" altLang="en-US" sz="2200"/>
+              <a:t>上课出勤：</a:t>
+            </a:r>
+            <a:r>
+              <a:rPr lang="en-US" altLang="zh-CN" sz="2200"/>
+              <a:t>50%</a:t>
+            </a:r>
+          </a:p>
+          <a:p>
+            <a:pPr lvl="1"/>
+            <a:r>
+              <a:rPr lang="zh-CN" altLang="en-US" sz="2200"/>
+              <a:t>课堂活跃：</a:t>
+            </a:r>
+            <a:r>
+              <a:rPr lang="en-US" altLang="zh-CN" sz="2200"/>
+              <a:t>20%</a:t>
+            </a:r>
+          </a:p>
+          <a:p>
+            <a:pPr lvl="1"/>
+            <a:r>
+              <a:rPr lang="zh-CN" altLang="en-US" sz="2200"/>
+              <a:t>期末考试：</a:t>
+            </a:r>
+            <a:r>
+              <a:rPr lang="en-US" altLang="zh-CN" sz="2200"/>
+              <a:t>30%</a:t>
+            </a:r>
+          </a:p>
+          <a:p>
+            <a:pPr lvl="1"/>
+            <a:endParaRPr lang="zh-CN" altLang="en-US" sz="2200"/>
+          </a:p>
+        </p:txBody>
+      </p:sp>
+    </p:spTree>
+    <p:extLst>
+      <p:ext uri="{BB962C8B-B14F-4D97-AF65-F5344CB8AC3E}">
+        <p14:creationId xmlns:p14="http://schemas.microsoft.com/office/powerpoint/2010/main" val="2006941573"/>
+      </p:ext>
+    </p:extLst>
+  </p:cSld>
+  <p:clrMapOvr>
+    <a:masterClrMapping/>
+  </p:clrMapOvr>
+</p:sld>
+</file>
+
+<file path=ppt/slides/slide4.xml><?xml version="1.0" encoding="utf-8"?>
+<p:sld xmlns:a="http://schemas.openxmlformats.org/drawingml/2006/main" xmlns:r="http://schemas.openxmlformats.org/officeDocument/2006/relationships" xmlns:p="http://schemas.openxmlformats.org/presentationml/2006/main">
+  <p:cSld>
+    <p:spTree>
+      <p:nvGrpSpPr>
+        <p:cNvPr id="1" name=""/>
+        <p:cNvGrpSpPr/>
+        <p:nvPr/>
+      </p:nvGrpSpPr>
+      <p:grpSpPr>
+        <a:xfrm>
+          <a:off x="0" y="0"/>
+          <a:ext cx="0" cy="0"/>
+          <a:chOff x="0" y="0"/>
+          <a:chExt cx="0" cy="0"/>
+        </a:xfrm>
+      </p:grpSpPr>
+      <p:sp>
+        <p:nvSpPr>
+          <p:cNvPr id="2" name="标题 1">
+            <a:extLst>
+              <a:ext uri="{FF2B5EF4-FFF2-40B4-BE49-F238E27FC236}">
+                <a16:creationId xmlns:a16="http://schemas.microsoft.com/office/drawing/2014/main" id="{F6CD1AA7-CBFC-49A8-A3C9-BF1B7698328B}"/>
+              </a:ext>
+            </a:extLst>
+          </p:cNvPr>
+          <p:cNvSpPr>
+            <a:spLocks noGrp="1"/>
+          </p:cNvSpPr>
+          <p:nvPr>
+            <p:ph type="title"/>
+          </p:nvPr>
+        </p:nvSpPr>
+        <p:spPr/>
+        <p:txBody>
+          <a:bodyPr/>
+          <a:lstStyle/>
+          <a:p>
+            <a:r>
+              <a:rPr lang="zh-CN" altLang="en-US"/>
+              <a:t>上课老师介绍</a:t>
+            </a:r>
+          </a:p>
+        </p:txBody>
+      </p:sp>
+      <p:sp>
+        <p:nvSpPr>
+          <p:cNvPr id="3" name="内容占位符 2">
+            <a:extLst>
+              <a:ext uri="{FF2B5EF4-FFF2-40B4-BE49-F238E27FC236}">
+                <a16:creationId xmlns:a16="http://schemas.microsoft.com/office/drawing/2014/main" id="{DF942953-084C-4015-B109-A81AF05BF7DE}"/>
+              </a:ext>
+            </a:extLst>
+          </p:cNvPr>
+          <p:cNvSpPr>
+            <a:spLocks noGrp="1"/>
+          </p:cNvSpPr>
+          <p:nvPr>
+            <p:ph idx="1"/>
+          </p:nvPr>
+        </p:nvSpPr>
+        <p:spPr/>
+        <p:txBody>
+          <a:bodyPr>
+            <a:normAutofit/>
+          </a:bodyPr>
+          <a:lstStyle/>
+          <a:p>
+            <a:r>
+              <a:rPr lang="zh-CN" altLang="en-US" sz="2200"/>
+              <a:t>姚音</a:t>
+            </a:r>
+            <a:endParaRPr lang="en-US" altLang="zh-CN" sz="2200"/>
+          </a:p>
+          <a:p>
+            <a:endParaRPr lang="en-US" altLang="zh-CN" sz="2200"/>
+          </a:p>
+          <a:p>
+            <a:r>
+              <a:rPr lang="zh-CN" altLang="en-US" sz="2200"/>
+              <a:t>黄强</a:t>
+            </a:r>
+            <a:endParaRPr lang="en-US" altLang="zh-CN" sz="2200"/>
+          </a:p>
+          <a:p>
+            <a:endParaRPr lang="en-US" altLang="zh-CN" sz="2200"/>
+          </a:p>
+          <a:p>
+            <a:r>
+              <a:rPr lang="zh-CN" altLang="en-US" sz="2200"/>
+              <a:t>陆晨琪</a:t>
+            </a:r>
+            <a:endParaRPr lang="en-US" altLang="zh-CN" sz="2200"/>
+          </a:p>
+          <a:p>
+            <a:endParaRPr lang="en-US" altLang="zh-CN" sz="2200"/>
+          </a:p>
+          <a:p>
+            <a:r>
+              <a:rPr lang="zh-CN" altLang="en-US" sz="2200"/>
+              <a:t>王一</a:t>
+            </a:r>
+          </a:p>
+        </p:txBody>
+      </p:sp>
+    </p:spTree>
+    <p:extLst>
+      <p:ext uri="{BB962C8B-B14F-4D97-AF65-F5344CB8AC3E}">
+        <p14:creationId xmlns:p14="http://schemas.microsoft.com/office/powerpoint/2010/main" val="1268136190"/>
+      </p:ext>
+    </p:extLst>
+  </p:cSld>
+  <p:clrMapOvr>
+    <a:masterClrMapping/>
+  </p:clrMapOvr>
+</p:sld>
+</file>
+
+<file path=ppt/slides/slide5.xml><?xml version="1.0" encoding="utf-8"?>
+<p:sld xmlns:a="http://schemas.openxmlformats.org/drawingml/2006/main" xmlns:r="http://schemas.openxmlformats.org/officeDocument/2006/relationships" xmlns:p="http://schemas.openxmlformats.org/presentationml/2006/main">
+  <p:cSld>
+    <p:spTree>
+      <p:nvGrpSpPr>
+        <p:cNvPr id="1" name=""/>
+        <p:cNvGrpSpPr/>
+        <p:nvPr/>
+      </p:nvGrpSpPr>
+      <p:grpSpPr>
+        <a:xfrm>
+          <a:off x="0" y="0"/>
+          <a:ext cx="0" cy="0"/>
+          <a:chOff x="0" y="0"/>
+          <a:chExt cx="0" cy="0"/>
+        </a:xfrm>
+      </p:grpSpPr>
+      <p:sp>
+        <p:nvSpPr>
+          <p:cNvPr id="2" name="标题 1">
+            <a:extLst>
+              <a:ext uri="{FF2B5EF4-FFF2-40B4-BE49-F238E27FC236}">
+                <a16:creationId xmlns:a16="http://schemas.microsoft.com/office/drawing/2014/main" id="{DF926A48-CEF4-4306-8BD3-4B6F1DBB65BD}"/>
+              </a:ext>
+            </a:extLst>
+          </p:cNvPr>
+          <p:cNvSpPr>
+            <a:spLocks noGrp="1"/>
+          </p:cNvSpPr>
+          <p:nvPr>
+            <p:ph type="title"/>
+          </p:nvPr>
+        </p:nvSpPr>
+        <p:spPr/>
+        <p:txBody>
+          <a:bodyPr/>
+          <a:lstStyle/>
+          <a:p>
+            <a:r>
+              <a:rPr lang="zh-CN" altLang="en-US"/>
+              <a:t>为什么生物医学背景要学习机器学习？</a:t>
+            </a:r>
+          </a:p>
+        </p:txBody>
+      </p:sp>
+      <p:sp>
+        <p:nvSpPr>
+          <p:cNvPr id="3" name="内容占位符 2">
+            <a:extLst>
+              <a:ext uri="{FF2B5EF4-FFF2-40B4-BE49-F238E27FC236}">
+                <a16:creationId xmlns:a16="http://schemas.microsoft.com/office/drawing/2014/main" id="{7A4240CC-41A0-49AC-85A3-07484FAE4E3A}"/>
+              </a:ext>
+            </a:extLst>
+          </p:cNvPr>
+          <p:cNvSpPr>
+            <a:spLocks noGrp="1"/>
+          </p:cNvSpPr>
+          <p:nvPr>
+            <p:ph idx="1"/>
+          </p:nvPr>
+        </p:nvSpPr>
+        <p:spPr/>
+        <p:txBody>
+          <a:bodyPr>
+            <a:normAutofit/>
+          </a:bodyPr>
+          <a:lstStyle/>
+          <a:p>
+            <a:r>
+              <a:rPr lang="en-US" altLang="zh-CN" sz="2200"/>
+              <a:t>AI</a:t>
+            </a:r>
+            <a:r>
+              <a:rPr lang="zh-CN" altLang="en-US" sz="2200"/>
+              <a:t>既是人类的梦想，也是现实中工业革命</a:t>
+            </a:r>
+            <a:endParaRPr lang="en-US" altLang="zh-CN" sz="2200"/>
+          </a:p>
+          <a:p>
+            <a:endParaRPr lang="en-US" altLang="zh-CN" sz="2200"/>
+          </a:p>
+          <a:p>
+            <a:r>
+              <a:rPr lang="zh-CN" altLang="en-US" sz="2200"/>
+              <a:t>生物医学中的需求越来越大，体现为 </a:t>
+            </a:r>
+            <a:r>
+              <a:rPr lang="en-US" altLang="zh-CN" sz="2200"/>
+              <a:t>AI x</a:t>
+            </a:r>
+          </a:p>
+          <a:p>
+            <a:endParaRPr lang="en-US" altLang="zh-CN" sz="2200"/>
+          </a:p>
+          <a:p>
+            <a:r>
+              <a:rPr lang="zh-CN" altLang="en-US" sz="2200"/>
+              <a:t>生物</a:t>
+            </a:r>
+            <a:r>
+              <a:rPr lang="en-US" altLang="zh-CN" sz="2200"/>
+              <a:t>+</a:t>
+            </a:r>
+            <a:r>
+              <a:rPr lang="zh-CN" altLang="en-US" sz="2200"/>
+              <a:t>统计</a:t>
+            </a:r>
+            <a:r>
+              <a:rPr lang="en-US" altLang="zh-CN" sz="2200"/>
+              <a:t>+</a:t>
+            </a:r>
+            <a:r>
+              <a:rPr lang="zh-CN" altLang="en-US" sz="2200"/>
+              <a:t>计算机的复合型人才是未来的竞争要求</a:t>
+            </a:r>
+            <a:endParaRPr lang="en-US" altLang="zh-CN" sz="2200"/>
+          </a:p>
+        </p:txBody>
+      </p:sp>
+    </p:spTree>
+    <p:extLst>
+      <p:ext uri="{BB962C8B-B14F-4D97-AF65-F5344CB8AC3E}">
+        <p14:creationId xmlns:p14="http://schemas.microsoft.com/office/powerpoint/2010/main" val="415938458"/>
+      </p:ext>
+    </p:extLst>
+  </p:cSld>
+  <p:clrMapOvr>
+    <a:masterClrMapping/>
+  </p:clrMapOvr>
+</p:sld>
+</file>
+
+<file path=ppt/slides/slide6.xml><?xml version="1.0" encoding="utf-8"?>
+<p:sld xmlns:a="http://schemas.openxmlformats.org/drawingml/2006/main" xmlns:r="http://schemas.openxmlformats.org/officeDocument/2006/relationships" xmlns:p="http://schemas.openxmlformats.org/presentationml/2006/main">
+  <p:cSld>
+    <p:spTree>
+      <p:nvGrpSpPr>
+        <p:cNvPr id="1" name=""/>
+        <p:cNvGrpSpPr/>
+        <p:nvPr/>
+      </p:nvGrpSpPr>
+      <p:grpSpPr>
+        <a:xfrm>
+          <a:off x="0" y="0"/>
+          <a:ext cx="0" cy="0"/>
+          <a:chOff x="0" y="0"/>
+          <a:chExt cx="0" cy="0"/>
+        </a:xfrm>
+      </p:grpSpPr>
+      <p:sp>
+        <p:nvSpPr>
+          <p:cNvPr id="2" name="标题 1">
+            <a:extLst>
+              <a:ext uri="{FF2B5EF4-FFF2-40B4-BE49-F238E27FC236}">
                 <a16:creationId xmlns:a16="http://schemas.microsoft.com/office/drawing/2014/main" id="{0B2D841E-4580-450E-ACD7-2FEA99D565BA}"/>
               </a:ext>
             </a:extLst>
@@ -6106,80 +6478,64 @@
         </p:nvSpPr>
         <p:spPr/>
         <p:txBody>
-          <a:bodyPr/>
-          <a:lstStyle/>
-          <a:p>
-            <a:r>
-              <a:rPr lang="zh-CN" altLang="en-US"/>
+          <a:bodyPr>
+            <a:normAutofit fontScale="92500" lnSpcReduction="10000"/>
+          </a:bodyPr>
+          <a:lstStyle/>
+          <a:p>
+            <a:r>
+              <a:rPr lang="zh-CN" altLang="en-US" sz="2400"/>
               <a:t>高中和本科数学不要丢掉</a:t>
             </a:r>
-            <a:endParaRPr lang="en-US" altLang="zh-CN"/>
-          </a:p>
-          <a:p>
-            <a:r>
-              <a:rPr lang="zh-CN" altLang="en-US"/>
+            <a:endParaRPr lang="en-US" altLang="zh-CN" sz="2400"/>
+          </a:p>
+          <a:p>
+            <a:endParaRPr lang="en-US" altLang="zh-CN" sz="2400"/>
+          </a:p>
+          <a:p>
+            <a:r>
+              <a:rPr lang="zh-CN" altLang="en-US" sz="2400"/>
               <a:t>充分掌握一门编程语言</a:t>
             </a:r>
-            <a:r>
-              <a:rPr lang="en-US" altLang="zh-CN"/>
-              <a:t>(C++=</a:t>
-            </a:r>
-            <a:r>
-              <a:rPr lang="zh-CN" altLang="en-US"/>
-              <a:t>信息编程，</a:t>
-            </a:r>
-            <a:r>
-              <a:rPr lang="en-US" altLang="zh-CN"/>
-              <a:t>R=</a:t>
-            </a:r>
-            <a:r>
-              <a:rPr lang="zh-CN" altLang="en-US"/>
-              <a:t>统计编程，</a:t>
-            </a:r>
-            <a:r>
-              <a:rPr lang="en-US" altLang="zh-CN"/>
-              <a:t>Python=AI</a:t>
-            </a:r>
-            <a:r>
-              <a:rPr lang="zh-CN" altLang="en-US"/>
-              <a:t>编程</a:t>
-            </a:r>
-            <a:r>
-              <a:rPr lang="en-US" altLang="zh-CN"/>
-              <a:t>)</a:t>
-            </a:r>
-          </a:p>
-          <a:p>
-            <a:r>
-              <a:rPr lang="zh-CN" altLang="en-US"/>
+            <a:endParaRPr lang="en-US" altLang="zh-CN" sz="2400"/>
+          </a:p>
+          <a:p>
+            <a:endParaRPr lang="en-US" altLang="zh-CN" sz="2400"/>
+          </a:p>
+          <a:p>
+            <a:r>
+              <a:rPr lang="zh-CN" altLang="en-US" sz="2400"/>
               <a:t>打好统计学基础</a:t>
             </a:r>
-            <a:endParaRPr lang="en-US" altLang="zh-CN"/>
-          </a:p>
-          <a:p>
-            <a:r>
-              <a:rPr lang="zh-CN" altLang="en-US"/>
+            <a:endParaRPr lang="en-US" altLang="zh-CN" sz="2400"/>
+          </a:p>
+          <a:p>
+            <a:endParaRPr lang="en-US" altLang="zh-CN" sz="2400"/>
+          </a:p>
+          <a:p>
+            <a:r>
+              <a:rPr lang="zh-CN" altLang="en-US" sz="2400"/>
               <a:t>学一点机器学习理念</a:t>
             </a:r>
-            <a:endParaRPr lang="en-US" altLang="zh-CN"/>
-          </a:p>
-          <a:p>
-            <a:r>
-              <a:rPr lang="zh-CN" altLang="en-US"/>
+            <a:endParaRPr lang="en-US" altLang="zh-CN" sz="2400"/>
+          </a:p>
+          <a:p>
+            <a:endParaRPr lang="en-US" altLang="zh-CN" sz="2400"/>
+          </a:p>
+          <a:p>
+            <a:r>
+              <a:rPr lang="zh-CN" altLang="en-US" sz="2400"/>
               <a:t>听说一点</a:t>
             </a:r>
             <a:r>
-              <a:rPr lang="en-US" altLang="zh-CN"/>
+              <a:rPr lang="en-US" altLang="zh-CN" sz="2400"/>
               <a:t>AI</a:t>
             </a:r>
             <a:r>
-              <a:rPr lang="zh-CN" altLang="en-US"/>
+              <a:rPr lang="zh-CN" altLang="en-US" sz="2400"/>
               <a:t>知识</a:t>
             </a:r>
-            <a:endParaRPr lang="en-US" altLang="zh-CN"/>
-          </a:p>
-          <a:p>
-            <a:endParaRPr lang="zh-CN" altLang="en-US"/>
+            <a:endParaRPr lang="en-US" altLang="zh-CN" sz="2400"/>
           </a:p>
         </p:txBody>
       </p:sp>

--- a/0_why_and_how.pptx
+++ b/0_why_and_how.pptx
@@ -10,7 +10,14 @@
     <p:sldId id="260" r:id="rId4"/>
     <p:sldId id="261" r:id="rId5"/>
     <p:sldId id="257" r:id="rId6"/>
-    <p:sldId id="258" r:id="rId7"/>
+    <p:sldId id="262" r:id="rId7"/>
+    <p:sldId id="263" r:id="rId8"/>
+    <p:sldId id="264" r:id="rId9"/>
+    <p:sldId id="265" r:id="rId10"/>
+    <p:sldId id="266" r:id="rId11"/>
+    <p:sldId id="267" r:id="rId12"/>
+    <p:sldId id="268" r:id="rId13"/>
+    <p:sldId id="258" r:id="rId14"/>
   </p:sldIdLst>
   <p:sldSz cx="12192000" cy="6858000"/>
   <p:notesSz cx="6858000" cy="9144000"/>
@@ -839,7 +846,7 @@
           <a:p>
             <a:fld id="{172A82DE-3DBB-4EE9-9B00-16515567728F}" type="datetimeFigureOut">
               <a:rPr lang="zh-CN" altLang="en-US" smtClean="0"/>
-              <a:t>2019/8/21</a:t>
+              <a:t>2019/8/22</a:t>
             </a:fld>
             <a:endParaRPr lang="zh-CN" altLang="en-US"/>
           </a:p>
@@ -1090,7 +1097,7 @@
           <a:p>
             <a:fld id="{172A82DE-3DBB-4EE9-9B00-16515567728F}" type="datetimeFigureOut">
               <a:rPr lang="zh-CN" altLang="en-US" smtClean="0"/>
-              <a:t>2019/8/21</a:t>
+              <a:t>2019/8/22</a:t>
             </a:fld>
             <a:endParaRPr lang="zh-CN" altLang="en-US"/>
           </a:p>
@@ -1404,7 +1411,7 @@
           <a:p>
             <a:fld id="{172A82DE-3DBB-4EE9-9B00-16515567728F}" type="datetimeFigureOut">
               <a:rPr lang="zh-CN" altLang="en-US" smtClean="0"/>
-              <a:t>2019/8/21</a:t>
+              <a:t>2019/8/22</a:t>
             </a:fld>
             <a:endParaRPr lang="zh-CN" altLang="en-US"/>
           </a:p>
@@ -1745,7 +1752,7 @@
           <a:p>
             <a:fld id="{172A82DE-3DBB-4EE9-9B00-16515567728F}" type="datetimeFigureOut">
               <a:rPr lang="zh-CN" altLang="en-US" smtClean="0"/>
-              <a:t>2019/8/21</a:t>
+              <a:t>2019/8/22</a:t>
             </a:fld>
             <a:endParaRPr lang="zh-CN" altLang="en-US"/>
           </a:p>
@@ -2059,7 +2066,7 @@
           <a:p>
             <a:fld id="{172A82DE-3DBB-4EE9-9B00-16515567728F}" type="datetimeFigureOut">
               <a:rPr lang="zh-CN" altLang="en-US" smtClean="0"/>
-              <a:t>2019/8/21</a:t>
+              <a:t>2019/8/22</a:t>
             </a:fld>
             <a:endParaRPr lang="zh-CN" altLang="en-US"/>
           </a:p>
@@ -2452,7 +2459,7 @@
           <a:p>
             <a:fld id="{172A82DE-3DBB-4EE9-9B00-16515567728F}" type="datetimeFigureOut">
               <a:rPr lang="zh-CN" altLang="en-US" smtClean="0"/>
-              <a:t>2019/8/21</a:t>
+              <a:t>2019/8/22</a:t>
             </a:fld>
             <a:endParaRPr lang="zh-CN" altLang="en-US"/>
           </a:p>
@@ -2622,7 +2629,7 @@
           <a:p>
             <a:fld id="{172A82DE-3DBB-4EE9-9B00-16515567728F}" type="datetimeFigureOut">
               <a:rPr lang="zh-CN" altLang="en-US" smtClean="0"/>
-              <a:t>2019/8/21</a:t>
+              <a:t>2019/8/22</a:t>
             </a:fld>
             <a:endParaRPr lang="zh-CN" altLang="en-US"/>
           </a:p>
@@ -2802,7 +2809,7 @@
           <a:p>
             <a:fld id="{172A82DE-3DBB-4EE9-9B00-16515567728F}" type="datetimeFigureOut">
               <a:rPr lang="zh-CN" altLang="en-US" smtClean="0"/>
-              <a:t>2019/8/21</a:t>
+              <a:t>2019/8/22</a:t>
             </a:fld>
             <a:endParaRPr lang="zh-CN" altLang="en-US"/>
           </a:p>
@@ -2978,7 +2985,7 @@
           <a:p>
             <a:fld id="{172A82DE-3DBB-4EE9-9B00-16515567728F}" type="datetimeFigureOut">
               <a:rPr lang="zh-CN" altLang="en-US" smtClean="0"/>
-              <a:t>2019/8/21</a:t>
+              <a:t>2019/8/22</a:t>
             </a:fld>
             <a:endParaRPr lang="zh-CN" altLang="en-US"/>
           </a:p>
@@ -3225,7 +3232,7 @@
           <a:p>
             <a:fld id="{172A82DE-3DBB-4EE9-9B00-16515567728F}" type="datetimeFigureOut">
               <a:rPr lang="zh-CN" altLang="en-US" smtClean="0"/>
-              <a:t>2019/8/21</a:t>
+              <a:t>2019/8/22</a:t>
             </a:fld>
             <a:endParaRPr lang="zh-CN" altLang="en-US"/>
           </a:p>
@@ -3457,7 +3464,7 @@
           <a:p>
             <a:fld id="{172A82DE-3DBB-4EE9-9B00-16515567728F}" type="datetimeFigureOut">
               <a:rPr lang="zh-CN" altLang="en-US" smtClean="0"/>
-              <a:t>2019/8/21</a:t>
+              <a:t>2019/8/22</a:t>
             </a:fld>
             <a:endParaRPr lang="zh-CN" altLang="en-US"/>
           </a:p>
@@ -3831,7 +3838,7 @@
           <a:p>
             <a:fld id="{172A82DE-3DBB-4EE9-9B00-16515567728F}" type="datetimeFigureOut">
               <a:rPr lang="zh-CN" altLang="en-US" smtClean="0"/>
-              <a:t>2019/8/21</a:t>
+              <a:t>2019/8/22</a:t>
             </a:fld>
             <a:endParaRPr lang="zh-CN" altLang="en-US"/>
           </a:p>
@@ -3954,7 +3961,7 @@
           <a:p>
             <a:fld id="{172A82DE-3DBB-4EE9-9B00-16515567728F}" type="datetimeFigureOut">
               <a:rPr lang="zh-CN" altLang="en-US" smtClean="0"/>
-              <a:t>2019/8/21</a:t>
+              <a:t>2019/8/22</a:t>
             </a:fld>
             <a:endParaRPr lang="zh-CN" altLang="en-US"/>
           </a:p>
@@ -4049,7 +4056,7 @@
           <a:p>
             <a:fld id="{172A82DE-3DBB-4EE9-9B00-16515567728F}" type="datetimeFigureOut">
               <a:rPr lang="zh-CN" altLang="en-US" smtClean="0"/>
-              <a:t>2019/8/21</a:t>
+              <a:t>2019/8/22</a:t>
             </a:fld>
             <a:endParaRPr lang="zh-CN" altLang="en-US"/>
           </a:p>
@@ -4304,7 +4311,7 @@
           <a:p>
             <a:fld id="{172A82DE-3DBB-4EE9-9B00-16515567728F}" type="datetimeFigureOut">
               <a:rPr lang="zh-CN" altLang="en-US" smtClean="0"/>
-              <a:t>2019/8/21</a:t>
+              <a:t>2019/8/22</a:t>
             </a:fld>
             <a:endParaRPr lang="zh-CN" altLang="en-US"/>
           </a:p>
@@ -4567,7 +4574,7 @@
           <a:p>
             <a:fld id="{172A82DE-3DBB-4EE9-9B00-16515567728F}" type="datetimeFigureOut">
               <a:rPr lang="zh-CN" altLang="en-US" smtClean="0"/>
-              <a:t>2019/8/21</a:t>
+              <a:t>2019/8/22</a:t>
             </a:fld>
             <a:endParaRPr lang="zh-CN" altLang="en-US"/>
           </a:p>
@@ -5310,7 +5317,7 @@
           <a:p>
             <a:fld id="{172A82DE-3DBB-4EE9-9B00-16515567728F}" type="datetimeFigureOut">
               <a:rPr lang="zh-CN" altLang="en-US" smtClean="0"/>
-              <a:t>2019/8/21</a:t>
+              <a:t>2019/8/22</a:t>
             </a:fld>
             <a:endParaRPr lang="zh-CN" altLang="en-US"/>
           </a:p>
@@ -5916,6 +5923,583 @@
 </p:sld>
 </file>
 
+<file path=ppt/slides/slide10.xml><?xml version="1.0" encoding="utf-8"?>
+<p:sld xmlns:a="http://schemas.openxmlformats.org/drawingml/2006/main" xmlns:r="http://schemas.openxmlformats.org/officeDocument/2006/relationships" xmlns:p="http://schemas.openxmlformats.org/presentationml/2006/main">
+  <p:cSld>
+    <p:spTree>
+      <p:nvGrpSpPr>
+        <p:cNvPr id="1" name=""/>
+        <p:cNvGrpSpPr/>
+        <p:nvPr/>
+      </p:nvGrpSpPr>
+      <p:grpSpPr>
+        <a:xfrm>
+          <a:off x="0" y="0"/>
+          <a:ext cx="0" cy="0"/>
+          <a:chOff x="0" y="0"/>
+          <a:chExt cx="0" cy="0"/>
+        </a:xfrm>
+      </p:grpSpPr>
+      <p:sp>
+        <p:nvSpPr>
+          <p:cNvPr id="2" name="标题 1">
+            <a:extLst>
+              <a:ext uri="{FF2B5EF4-FFF2-40B4-BE49-F238E27FC236}">
+                <a16:creationId xmlns:a16="http://schemas.microsoft.com/office/drawing/2014/main" id="{BE84D168-4CC7-468C-8332-9AAE10D9B0FD}"/>
+              </a:ext>
+            </a:extLst>
+          </p:cNvPr>
+          <p:cNvSpPr>
+            <a:spLocks noGrp="1"/>
+          </p:cNvSpPr>
+          <p:nvPr>
+            <p:ph type="title"/>
+          </p:nvPr>
+        </p:nvSpPr>
+        <p:spPr/>
+        <p:txBody>
+          <a:bodyPr/>
+          <a:lstStyle/>
+          <a:p>
+            <a:r>
+              <a:rPr lang="zh-CN" altLang="en-US"/>
+              <a:t>机器人是工业文明的梦</a:t>
+            </a:r>
+            <a:br>
+              <a:rPr lang="en-US" altLang="zh-CN"/>
+            </a:br>
+            <a:r>
+              <a:rPr lang="zh-CN" altLang="en-US"/>
+              <a:t>人工智能是后工业文明的梦</a:t>
+            </a:r>
+          </a:p>
+        </p:txBody>
+      </p:sp>
+      <p:pic>
+        <p:nvPicPr>
+          <p:cNvPr id="6" name="内容占位符 5">
+            <a:extLst>
+              <a:ext uri="{FF2B5EF4-FFF2-40B4-BE49-F238E27FC236}">
+                <a16:creationId xmlns:a16="http://schemas.microsoft.com/office/drawing/2014/main" id="{B335C395-013B-4CA2-9540-6140E99F9A09}"/>
+              </a:ext>
+            </a:extLst>
+          </p:cNvPr>
+          <p:cNvPicPr>
+            <a:picLocks noGrp="1" noChangeAspect="1"/>
+          </p:cNvPicPr>
+          <p:nvPr>
+            <p:ph idx="1"/>
+          </p:nvPr>
+        </p:nvPicPr>
+        <p:blipFill>
+          <a:blip r:embed="rId2">
+            <a:extLst>
+              <a:ext uri="{28A0092B-C50C-407E-A947-70E740481C1C}">
+                <a14:useLocalDpi xmlns:a14="http://schemas.microsoft.com/office/drawing/2010/main" val="0"/>
+              </a:ext>
+            </a:extLst>
+          </a:blip>
+          <a:stretch>
+            <a:fillRect/>
+          </a:stretch>
+        </p:blipFill>
+        <p:spPr>
+          <a:xfrm>
+            <a:off x="142704" y="2437606"/>
+            <a:ext cx="4508500" cy="3327400"/>
+          </a:xfrm>
+        </p:spPr>
+      </p:pic>
+      <p:pic>
+        <p:nvPicPr>
+          <p:cNvPr id="4" name="图片 3">
+            <a:extLst>
+              <a:ext uri="{FF2B5EF4-FFF2-40B4-BE49-F238E27FC236}">
+                <a16:creationId xmlns:a16="http://schemas.microsoft.com/office/drawing/2014/main" id="{9EE97CB2-1BEF-4C0A-9F65-43AA4FC84BFD}"/>
+              </a:ext>
+            </a:extLst>
+          </p:cNvPr>
+          <p:cNvPicPr>
+            <a:picLocks noChangeAspect="1"/>
+          </p:cNvPicPr>
+          <p:nvPr/>
+        </p:nvPicPr>
+        <p:blipFill>
+          <a:blip r:embed="rId3"/>
+          <a:stretch>
+            <a:fillRect/>
+          </a:stretch>
+        </p:blipFill>
+        <p:spPr>
+          <a:xfrm>
+            <a:off x="5722391" y="2379413"/>
+            <a:ext cx="6400800" cy="3600450"/>
+          </a:xfrm>
+          <a:prstGeom prst="rect">
+            <a:avLst/>
+          </a:prstGeom>
+        </p:spPr>
+      </p:pic>
+      <p:sp>
+        <p:nvSpPr>
+          <p:cNvPr id="7" name="箭头: 右 6">
+            <a:extLst>
+              <a:ext uri="{FF2B5EF4-FFF2-40B4-BE49-F238E27FC236}">
+                <a16:creationId xmlns:a16="http://schemas.microsoft.com/office/drawing/2014/main" id="{38A6FE75-F329-4921-A394-71DE0FB27FC0}"/>
+              </a:ext>
+            </a:extLst>
+          </p:cNvPr>
+          <p:cNvSpPr/>
+          <p:nvPr/>
+        </p:nvSpPr>
+        <p:spPr>
+          <a:xfrm>
+            <a:off x="4837471" y="3755923"/>
+            <a:ext cx="589936" cy="432619"/>
+          </a:xfrm>
+          <a:prstGeom prst="rightArrow">
+            <a:avLst/>
+          </a:prstGeom>
+        </p:spPr>
+        <p:style>
+          <a:lnRef idx="2">
+            <a:schemeClr val="accent1">
+              <a:shade val="50000"/>
+            </a:schemeClr>
+          </a:lnRef>
+          <a:fillRef idx="1">
+            <a:schemeClr val="accent1"/>
+          </a:fillRef>
+          <a:effectRef idx="0">
+            <a:schemeClr val="accent1"/>
+          </a:effectRef>
+          <a:fontRef idx="minor">
+            <a:schemeClr val="lt1"/>
+          </a:fontRef>
+        </p:style>
+        <p:txBody>
+          <a:bodyPr rtlCol="0" anchor="ctr"/>
+          <a:lstStyle/>
+          <a:p>
+            <a:pPr algn="ctr"/>
+            <a:endParaRPr lang="zh-CN" altLang="en-US"/>
+          </a:p>
+        </p:txBody>
+      </p:sp>
+    </p:spTree>
+    <p:extLst>
+      <p:ext uri="{BB962C8B-B14F-4D97-AF65-F5344CB8AC3E}">
+        <p14:creationId xmlns:p14="http://schemas.microsoft.com/office/powerpoint/2010/main" val="1833887009"/>
+      </p:ext>
+    </p:extLst>
+  </p:cSld>
+  <p:clrMapOvr>
+    <a:masterClrMapping/>
+  </p:clrMapOvr>
+</p:sld>
+</file>
+
+<file path=ppt/slides/slide11.xml><?xml version="1.0" encoding="utf-8"?>
+<p:sld xmlns:a="http://schemas.openxmlformats.org/drawingml/2006/main" xmlns:r="http://schemas.openxmlformats.org/officeDocument/2006/relationships" xmlns:p="http://schemas.openxmlformats.org/presentationml/2006/main">
+  <p:cSld>
+    <p:spTree>
+      <p:nvGrpSpPr>
+        <p:cNvPr id="1" name=""/>
+        <p:cNvGrpSpPr/>
+        <p:nvPr/>
+      </p:nvGrpSpPr>
+      <p:grpSpPr>
+        <a:xfrm>
+          <a:off x="0" y="0"/>
+          <a:ext cx="0" cy="0"/>
+          <a:chOff x="0" y="0"/>
+          <a:chExt cx="0" cy="0"/>
+        </a:xfrm>
+      </p:grpSpPr>
+      <p:sp>
+        <p:nvSpPr>
+          <p:cNvPr id="2" name="标题 1">
+            <a:extLst>
+              <a:ext uri="{FF2B5EF4-FFF2-40B4-BE49-F238E27FC236}">
+                <a16:creationId xmlns:a16="http://schemas.microsoft.com/office/drawing/2014/main" id="{AF185387-140F-48D5-BA99-FB53923867A0}"/>
+              </a:ext>
+            </a:extLst>
+          </p:cNvPr>
+          <p:cNvSpPr>
+            <a:spLocks noGrp="1"/>
+          </p:cNvSpPr>
+          <p:nvPr>
+            <p:ph type="title"/>
+          </p:nvPr>
+        </p:nvSpPr>
+        <p:spPr/>
+        <p:txBody>
+          <a:bodyPr/>
+          <a:lstStyle/>
+          <a:p>
+            <a:r>
+              <a:rPr lang="zh-CN" altLang="en-US"/>
+              <a:t>以人工智能为代表的第四次工业革命</a:t>
+            </a:r>
+          </a:p>
+        </p:txBody>
+      </p:sp>
+      <p:pic>
+        <p:nvPicPr>
+          <p:cNvPr id="11" name="图片 10">
+            <a:extLst>
+              <a:ext uri="{FF2B5EF4-FFF2-40B4-BE49-F238E27FC236}">
+                <a16:creationId xmlns:a16="http://schemas.microsoft.com/office/drawing/2014/main" id="{E48BB679-320F-4A7C-9E5F-C2613D0D6C6E}"/>
+              </a:ext>
+            </a:extLst>
+          </p:cNvPr>
+          <p:cNvPicPr>
+            <a:picLocks noChangeAspect="1"/>
+          </p:cNvPicPr>
+          <p:nvPr/>
+        </p:nvPicPr>
+        <p:blipFill>
+          <a:blip r:embed="rId2">
+            <a:extLst>
+              <a:ext uri="{28A0092B-C50C-407E-A947-70E740481C1C}">
+                <a14:useLocalDpi xmlns:a14="http://schemas.microsoft.com/office/drawing/2010/main" val="0"/>
+              </a:ext>
+            </a:extLst>
+          </a:blip>
+          <a:stretch>
+            <a:fillRect/>
+          </a:stretch>
+        </p:blipFill>
+        <p:spPr>
+          <a:xfrm>
+            <a:off x="5085963" y="3088753"/>
+            <a:ext cx="7061200" cy="3733800"/>
+          </a:xfrm>
+          <a:prstGeom prst="rect">
+            <a:avLst/>
+          </a:prstGeom>
+        </p:spPr>
+      </p:pic>
+      <p:pic>
+        <p:nvPicPr>
+          <p:cNvPr id="5" name="内容占位符 4">
+            <a:extLst>
+              <a:ext uri="{FF2B5EF4-FFF2-40B4-BE49-F238E27FC236}">
+                <a16:creationId xmlns:a16="http://schemas.microsoft.com/office/drawing/2014/main" id="{FC611F8A-2FF8-433D-B9AA-965BB241E27D}"/>
+              </a:ext>
+            </a:extLst>
+          </p:cNvPr>
+          <p:cNvPicPr>
+            <a:picLocks noGrp="1" noChangeAspect="1"/>
+          </p:cNvPicPr>
+          <p:nvPr>
+            <p:ph idx="1"/>
+          </p:nvPr>
+        </p:nvPicPr>
+        <p:blipFill>
+          <a:blip r:embed="rId3">
+            <a:extLst>
+              <a:ext uri="{28A0092B-C50C-407E-A947-70E740481C1C}">
+                <a14:useLocalDpi xmlns:a14="http://schemas.microsoft.com/office/drawing/2010/main" val="0"/>
+              </a:ext>
+            </a:extLst>
+          </a:blip>
+          <a:stretch>
+            <a:fillRect/>
+          </a:stretch>
+        </p:blipFill>
+        <p:spPr>
+          <a:xfrm>
+            <a:off x="16267" y="1421115"/>
+            <a:ext cx="6102888" cy="3881437"/>
+          </a:xfrm>
+        </p:spPr>
+      </p:pic>
+    </p:spTree>
+    <p:extLst>
+      <p:ext uri="{BB962C8B-B14F-4D97-AF65-F5344CB8AC3E}">
+        <p14:creationId xmlns:p14="http://schemas.microsoft.com/office/powerpoint/2010/main" val="600229743"/>
+      </p:ext>
+    </p:extLst>
+  </p:cSld>
+  <p:clrMapOvr>
+    <a:masterClrMapping/>
+  </p:clrMapOvr>
+</p:sld>
+</file>
+
+<file path=ppt/slides/slide12.xml><?xml version="1.0" encoding="utf-8"?>
+<p:sld xmlns:a="http://schemas.openxmlformats.org/drawingml/2006/main" xmlns:r="http://schemas.openxmlformats.org/officeDocument/2006/relationships" xmlns:p="http://schemas.openxmlformats.org/presentationml/2006/main">
+  <p:cSld>
+    <p:spTree>
+      <p:nvGrpSpPr>
+        <p:cNvPr id="1" name=""/>
+        <p:cNvGrpSpPr/>
+        <p:nvPr/>
+      </p:nvGrpSpPr>
+      <p:grpSpPr>
+        <a:xfrm>
+          <a:off x="0" y="0"/>
+          <a:ext cx="0" cy="0"/>
+          <a:chOff x="0" y="0"/>
+          <a:chExt cx="0" cy="0"/>
+        </a:xfrm>
+      </p:grpSpPr>
+      <p:sp>
+        <p:nvSpPr>
+          <p:cNvPr id="2" name="标题 1">
+            <a:extLst>
+              <a:ext uri="{FF2B5EF4-FFF2-40B4-BE49-F238E27FC236}">
+                <a16:creationId xmlns:a16="http://schemas.microsoft.com/office/drawing/2014/main" id="{A1CCE884-91D1-4FE2-ABAA-AEE346665A97}"/>
+              </a:ext>
+            </a:extLst>
+          </p:cNvPr>
+          <p:cNvSpPr>
+            <a:spLocks noGrp="1"/>
+          </p:cNvSpPr>
+          <p:nvPr>
+            <p:ph type="title"/>
+          </p:nvPr>
+        </p:nvSpPr>
+        <p:spPr/>
+        <p:txBody>
+          <a:bodyPr>
+            <a:normAutofit/>
+          </a:bodyPr>
+          <a:lstStyle/>
+          <a:p>
+            <a:r>
+              <a:rPr lang="zh-CN" altLang="en-US" sz="3200"/>
+              <a:t>工业革命，浩浩汤汤，顺之者昌，逆之者亡。</a:t>
+            </a:r>
+          </a:p>
+        </p:txBody>
+      </p:sp>
+      <p:pic>
+        <p:nvPicPr>
+          <p:cNvPr id="4" name="图片 3">
+            <a:extLst>
+              <a:ext uri="{FF2B5EF4-FFF2-40B4-BE49-F238E27FC236}">
+                <a16:creationId xmlns:a16="http://schemas.microsoft.com/office/drawing/2014/main" id="{1008ADF8-0B17-4DC9-BA9F-3835B50ECB28}"/>
+              </a:ext>
+            </a:extLst>
+          </p:cNvPr>
+          <p:cNvPicPr>
+            <a:picLocks noChangeAspect="1"/>
+          </p:cNvPicPr>
+          <p:nvPr/>
+        </p:nvPicPr>
+        <p:blipFill>
+          <a:blip r:embed="rId2">
+            <a:extLst>
+              <a:ext uri="{28A0092B-C50C-407E-A947-70E740481C1C}">
+                <a14:useLocalDpi xmlns:a14="http://schemas.microsoft.com/office/drawing/2010/main" val="0"/>
+              </a:ext>
+            </a:extLst>
+          </a:blip>
+          <a:stretch>
+            <a:fillRect/>
+          </a:stretch>
+        </p:blipFill>
+        <p:spPr>
+          <a:xfrm>
+            <a:off x="27998" y="3271468"/>
+            <a:ext cx="7810500" cy="3543300"/>
+          </a:xfrm>
+          <a:prstGeom prst="rect">
+            <a:avLst/>
+          </a:prstGeom>
+        </p:spPr>
+      </p:pic>
+      <p:pic>
+        <p:nvPicPr>
+          <p:cNvPr id="6" name="内容占位符 5">
+            <a:extLst>
+              <a:ext uri="{FF2B5EF4-FFF2-40B4-BE49-F238E27FC236}">
+                <a16:creationId xmlns:a16="http://schemas.microsoft.com/office/drawing/2014/main" id="{A5C2C19D-B290-4CBE-A634-0A905C8C2402}"/>
+              </a:ext>
+            </a:extLst>
+          </p:cNvPr>
+          <p:cNvPicPr>
+            <a:picLocks noGrp="1" noChangeAspect="1"/>
+          </p:cNvPicPr>
+          <p:nvPr>
+            <p:ph idx="1"/>
+          </p:nvPr>
+        </p:nvPicPr>
+        <p:blipFill>
+          <a:blip r:embed="rId3">
+            <a:extLst>
+              <a:ext uri="{28A0092B-C50C-407E-A947-70E740481C1C}">
+                <a14:useLocalDpi xmlns:a14="http://schemas.microsoft.com/office/drawing/2010/main" val="0"/>
+              </a:ext>
+            </a:extLst>
+          </a:blip>
+          <a:stretch>
+            <a:fillRect/>
+          </a:stretch>
+        </p:blipFill>
+        <p:spPr>
+          <a:xfrm>
+            <a:off x="6223470" y="1945903"/>
+            <a:ext cx="5822155" cy="3881437"/>
+          </a:xfrm>
+        </p:spPr>
+      </p:pic>
+    </p:spTree>
+    <p:extLst>
+      <p:ext uri="{BB962C8B-B14F-4D97-AF65-F5344CB8AC3E}">
+        <p14:creationId xmlns:p14="http://schemas.microsoft.com/office/powerpoint/2010/main" val="1083687680"/>
+      </p:ext>
+    </p:extLst>
+  </p:cSld>
+  <p:clrMapOvr>
+    <a:masterClrMapping/>
+  </p:clrMapOvr>
+</p:sld>
+</file>
+
+<file path=ppt/slides/slide13.xml><?xml version="1.0" encoding="utf-8"?>
+<p:sld xmlns:a="http://schemas.openxmlformats.org/drawingml/2006/main" xmlns:r="http://schemas.openxmlformats.org/officeDocument/2006/relationships" xmlns:p="http://schemas.openxmlformats.org/presentationml/2006/main">
+  <p:cSld>
+    <p:spTree>
+      <p:nvGrpSpPr>
+        <p:cNvPr id="1" name=""/>
+        <p:cNvGrpSpPr/>
+        <p:nvPr/>
+      </p:nvGrpSpPr>
+      <p:grpSpPr>
+        <a:xfrm>
+          <a:off x="0" y="0"/>
+          <a:ext cx="0" cy="0"/>
+          <a:chOff x="0" y="0"/>
+          <a:chExt cx="0" cy="0"/>
+        </a:xfrm>
+      </p:grpSpPr>
+      <p:sp>
+        <p:nvSpPr>
+          <p:cNvPr id="2" name="标题 1">
+            <a:extLst>
+              <a:ext uri="{FF2B5EF4-FFF2-40B4-BE49-F238E27FC236}">
+                <a16:creationId xmlns:a16="http://schemas.microsoft.com/office/drawing/2014/main" id="{0B2D841E-4580-450E-ACD7-2FEA99D565BA}"/>
+              </a:ext>
+            </a:extLst>
+          </p:cNvPr>
+          <p:cNvSpPr>
+            <a:spLocks noGrp="1"/>
+          </p:cNvSpPr>
+          <p:nvPr>
+            <p:ph type="title"/>
+          </p:nvPr>
+        </p:nvSpPr>
+        <p:spPr/>
+        <p:txBody>
+          <a:bodyPr/>
+          <a:lstStyle/>
+          <a:p>
+            <a:r>
+              <a:rPr lang="zh-CN" altLang="en-US"/>
+              <a:t>如何在生物医学背景下学习机器学习？</a:t>
+            </a:r>
+            <a:br>
+              <a:rPr lang="en-US" altLang="zh-CN"/>
+            </a:br>
+            <a:endParaRPr lang="zh-CN" altLang="en-US"/>
+          </a:p>
+        </p:txBody>
+      </p:sp>
+      <p:sp>
+        <p:nvSpPr>
+          <p:cNvPr id="3" name="内容占位符 2">
+            <a:extLst>
+              <a:ext uri="{FF2B5EF4-FFF2-40B4-BE49-F238E27FC236}">
+                <a16:creationId xmlns:a16="http://schemas.microsoft.com/office/drawing/2014/main" id="{1B46607D-99BD-4E35-9FF1-DD98CF081C6D}"/>
+              </a:ext>
+            </a:extLst>
+          </p:cNvPr>
+          <p:cNvSpPr>
+            <a:spLocks noGrp="1"/>
+          </p:cNvSpPr>
+          <p:nvPr>
+            <p:ph idx="1"/>
+          </p:nvPr>
+        </p:nvSpPr>
+        <p:spPr/>
+        <p:txBody>
+          <a:bodyPr>
+            <a:normAutofit fontScale="92500" lnSpcReduction="10000"/>
+          </a:bodyPr>
+          <a:lstStyle/>
+          <a:p>
+            <a:r>
+              <a:rPr lang="zh-CN" altLang="en-US" sz="2400"/>
+              <a:t>高中和本科数学不要丢掉</a:t>
+            </a:r>
+            <a:endParaRPr lang="en-US" altLang="zh-CN" sz="2400"/>
+          </a:p>
+          <a:p>
+            <a:endParaRPr lang="en-US" altLang="zh-CN" sz="2400"/>
+          </a:p>
+          <a:p>
+            <a:r>
+              <a:rPr lang="zh-CN" altLang="en-US" sz="2400"/>
+              <a:t>充分掌握一门编程语言</a:t>
+            </a:r>
+            <a:endParaRPr lang="en-US" altLang="zh-CN" sz="2400"/>
+          </a:p>
+          <a:p>
+            <a:endParaRPr lang="en-US" altLang="zh-CN" sz="2400"/>
+          </a:p>
+          <a:p>
+            <a:r>
+              <a:rPr lang="zh-CN" altLang="en-US" sz="2400"/>
+              <a:t>打好统计学基础</a:t>
+            </a:r>
+            <a:endParaRPr lang="en-US" altLang="zh-CN" sz="2400"/>
+          </a:p>
+          <a:p>
+            <a:endParaRPr lang="en-US" altLang="zh-CN" sz="2400"/>
+          </a:p>
+          <a:p>
+            <a:r>
+              <a:rPr lang="zh-CN" altLang="en-US" sz="2400"/>
+              <a:t>学一点机器学习理念</a:t>
+            </a:r>
+            <a:endParaRPr lang="en-US" altLang="zh-CN" sz="2400"/>
+          </a:p>
+          <a:p>
+            <a:endParaRPr lang="en-US" altLang="zh-CN" sz="2400"/>
+          </a:p>
+          <a:p>
+            <a:r>
+              <a:rPr lang="zh-CN" altLang="en-US" sz="2400"/>
+              <a:t>听说一点</a:t>
+            </a:r>
+            <a:r>
+              <a:rPr lang="en-US" altLang="zh-CN" sz="2400"/>
+              <a:t>AI</a:t>
+            </a:r>
+            <a:r>
+              <a:rPr lang="zh-CN" altLang="en-US" sz="2400"/>
+              <a:t>知识</a:t>
+            </a:r>
+            <a:endParaRPr lang="en-US" altLang="zh-CN" sz="2400"/>
+          </a:p>
+        </p:txBody>
+      </p:sp>
+    </p:spTree>
+    <p:extLst>
+      <p:ext uri="{BB962C8B-B14F-4D97-AF65-F5344CB8AC3E}">
+        <p14:creationId xmlns:p14="http://schemas.microsoft.com/office/powerpoint/2010/main" val="2285253975"/>
+      </p:ext>
+    </p:extLst>
+  </p:cSld>
+  <p:clrMapOvr>
+    <a:masterClrMapping/>
+  </p:clrMapOvr>
+</p:sld>
+</file>
+
 <file path=ppt/slides/slide2.xml><?xml version="1.0" encoding="utf-8"?>
 <p:sld xmlns:a="http://schemas.openxmlformats.org/drawingml/2006/main" xmlns:r="http://schemas.openxmlformats.org/officeDocument/2006/relationships" xmlns:p="http://schemas.openxmlformats.org/presentationml/2006/main">
   <p:cSld>
@@ -6433,7 +7017,7 @@
           <p:cNvPr id="2" name="标题 1">
             <a:extLst>
               <a:ext uri="{FF2B5EF4-FFF2-40B4-BE49-F238E27FC236}">
-                <a16:creationId xmlns:a16="http://schemas.microsoft.com/office/drawing/2014/main" id="{0B2D841E-4580-450E-ACD7-2FEA99D565BA}"/>
+                <a16:creationId xmlns:a16="http://schemas.microsoft.com/office/drawing/2014/main" id="{BF9C2EB4-8CB7-446F-A66F-D38712D645C6}"/>
               </a:ext>
             </a:extLst>
           </p:cNvPr>
@@ -6446,16 +7030,260 @@
         </p:nvSpPr>
         <p:spPr/>
         <p:txBody>
+          <a:bodyPr>
+            <a:normAutofit/>
+          </a:bodyPr>
+          <a:lstStyle/>
+          <a:p>
+            <a:r>
+              <a:rPr lang="zh-CN" altLang="en-US" sz="2800"/>
+              <a:t>“人不是因为伟大才善梦，而是因为善梦才伟大”</a:t>
+            </a:r>
+            <a:br>
+              <a:rPr lang="en-US" altLang="zh-CN" sz="2800"/>
+            </a:br>
+            <a:r>
+              <a:rPr lang="zh-CN" altLang="en-US" sz="2800"/>
+              <a:t>－－钟扬</a:t>
+            </a:r>
+          </a:p>
+        </p:txBody>
+      </p:sp>
+      <p:pic>
+        <p:nvPicPr>
+          <p:cNvPr id="13" name="内容占位符 12">
+            <a:extLst>
+              <a:ext uri="{FF2B5EF4-FFF2-40B4-BE49-F238E27FC236}">
+                <a16:creationId xmlns:a16="http://schemas.microsoft.com/office/drawing/2014/main" id="{6E781C5C-B259-43DA-B840-39917257F0B6}"/>
+              </a:ext>
+            </a:extLst>
+          </p:cNvPr>
+          <p:cNvPicPr>
+            <a:picLocks noGrp="1" noChangeAspect="1"/>
+          </p:cNvPicPr>
+          <p:nvPr>
+            <p:ph idx="1"/>
+          </p:nvPr>
+        </p:nvPicPr>
+        <p:blipFill>
+          <a:blip r:embed="rId2">
+            <a:extLst>
+              <a:ext uri="{28A0092B-C50C-407E-A947-70E740481C1C}">
+                <a14:useLocalDpi xmlns:a14="http://schemas.microsoft.com/office/drawing/2010/main" val="0"/>
+              </a:ext>
+            </a:extLst>
+          </a:blip>
+          <a:stretch>
+            <a:fillRect/>
+          </a:stretch>
+        </p:blipFill>
+        <p:spPr>
+          <a:xfrm>
+            <a:off x="6336942" y="1826892"/>
+            <a:ext cx="5785714" cy="4512857"/>
+          </a:xfrm>
+        </p:spPr>
+      </p:pic>
+      <p:sp>
+        <p:nvSpPr>
+          <p:cNvPr id="14" name="文本框 13">
+            <a:extLst>
+              <a:ext uri="{FF2B5EF4-FFF2-40B4-BE49-F238E27FC236}">
+                <a16:creationId xmlns:a16="http://schemas.microsoft.com/office/drawing/2014/main" id="{0AD7379C-BD81-488A-98B1-C7D51E292444}"/>
+              </a:ext>
+            </a:extLst>
+          </p:cNvPr>
+          <p:cNvSpPr txBox="1"/>
+          <p:nvPr/>
+        </p:nvSpPr>
+        <p:spPr>
+          <a:xfrm>
+            <a:off x="53442" y="1846837"/>
+            <a:ext cx="6267598" cy="4401205"/>
+          </a:xfrm>
+          <a:prstGeom prst="rect">
+            <a:avLst/>
+          </a:prstGeom>
+          <a:noFill/>
+        </p:spPr>
+        <p:txBody>
+          <a:bodyPr wrap="square" rtlCol="0">
+            <a:spAutoFit/>
+          </a:bodyPr>
+          <a:lstStyle/>
+          <a:p>
+            <a:r>
+              <a:rPr lang="zh-CN" altLang="en-US" sz="2800">
+                <a:solidFill>
+                  <a:srgbClr val="00B0F0"/>
+                </a:solidFill>
+              </a:rPr>
+              <a:t>高考</a:t>
+            </a:r>
+            <a:endParaRPr lang="en-US" altLang="zh-CN" sz="2800">
+              <a:solidFill>
+                <a:srgbClr val="00B0F0"/>
+              </a:solidFill>
+            </a:endParaRPr>
+          </a:p>
+          <a:p>
+            <a:r>
+              <a:rPr lang="zh-CN" altLang="en-US" sz="2800"/>
+              <a:t>我：想去中科大学机器人。</a:t>
+            </a:r>
+            <a:endParaRPr lang="en-US" altLang="zh-CN" sz="2800"/>
+          </a:p>
+          <a:p>
+            <a:r>
+              <a:rPr lang="zh-CN" altLang="en-US" sz="2800"/>
+              <a:t>父亲：二十一世纪是生物的世纪。。。</a:t>
+            </a:r>
+            <a:endParaRPr lang="en-US" altLang="zh-CN" sz="2800"/>
+          </a:p>
+          <a:p>
+            <a:r>
+              <a:rPr lang="zh-CN" altLang="en-US" sz="2800">
+                <a:solidFill>
+                  <a:srgbClr val="00B0F0"/>
+                </a:solidFill>
+              </a:rPr>
+              <a:t>二十年历程</a:t>
+            </a:r>
+            <a:endParaRPr lang="en-US" altLang="zh-CN" sz="2800">
+              <a:solidFill>
+                <a:srgbClr val="00B0F0"/>
+              </a:solidFill>
+            </a:endParaRPr>
+          </a:p>
+          <a:p>
+            <a:r>
+              <a:rPr lang="zh-CN" altLang="en-US" sz="2800"/>
+              <a:t>父亲是对的：不念生物不上科学正轨。当年</a:t>
+            </a:r>
+            <a:r>
+              <a:rPr lang="en-US" altLang="zh-CN" sz="2800"/>
+              <a:t>AI</a:t>
+            </a:r>
+            <a:r>
+              <a:rPr lang="zh-CN" altLang="en-US" sz="2800"/>
+              <a:t>还没上正轨，入坑即死坑。</a:t>
+            </a:r>
+            <a:endParaRPr lang="en-US" altLang="zh-CN" sz="2800"/>
+          </a:p>
+          <a:p>
+            <a:r>
+              <a:rPr lang="zh-CN" altLang="en-US" sz="2800"/>
+              <a:t>我也是对的：人工智能是未来的大势所趋，体现为工业革命。</a:t>
+            </a:r>
+            <a:endParaRPr lang="en-US" altLang="zh-CN" sz="2800"/>
+          </a:p>
+          <a:p>
+            <a:r>
+              <a:rPr lang="zh-CN" altLang="en-US" sz="2800">
+                <a:solidFill>
+                  <a:srgbClr val="C00000"/>
+                </a:solidFill>
+              </a:rPr>
+              <a:t>生命科学是所有科技发力的对象，</a:t>
+            </a:r>
+            <a:endParaRPr lang="en-US" altLang="zh-CN" sz="2800">
+              <a:solidFill>
+                <a:srgbClr val="C00000"/>
+              </a:solidFill>
+            </a:endParaRPr>
+          </a:p>
+          <a:p>
+            <a:r>
+              <a:rPr lang="zh-CN" altLang="en-US" sz="2800">
+                <a:solidFill>
+                  <a:srgbClr val="C00000"/>
+                </a:solidFill>
+              </a:rPr>
+              <a:t>人工智能是对所有领域发力武器。</a:t>
+            </a:r>
+            <a:endParaRPr lang="en-US" altLang="zh-CN" sz="2800">
+              <a:solidFill>
+                <a:srgbClr val="C00000"/>
+              </a:solidFill>
+            </a:endParaRPr>
+          </a:p>
+        </p:txBody>
+      </p:sp>
+    </p:spTree>
+    <p:extLst>
+      <p:ext uri="{BB962C8B-B14F-4D97-AF65-F5344CB8AC3E}">
+        <p14:creationId xmlns:p14="http://schemas.microsoft.com/office/powerpoint/2010/main" val="1883128606"/>
+      </p:ext>
+    </p:extLst>
+  </p:cSld>
+  <p:clrMapOvr>
+    <a:masterClrMapping/>
+  </p:clrMapOvr>
+</p:sld>
+</file>
+
+<file path=ppt/slides/slide7.xml><?xml version="1.0" encoding="utf-8"?>
+<p:sld xmlns:a="http://schemas.openxmlformats.org/drawingml/2006/main" xmlns:r="http://schemas.openxmlformats.org/officeDocument/2006/relationships" xmlns:p="http://schemas.openxmlformats.org/presentationml/2006/main">
+  <p:cSld>
+    <p:spTree>
+      <p:nvGrpSpPr>
+        <p:cNvPr id="1" name=""/>
+        <p:cNvGrpSpPr/>
+        <p:nvPr/>
+      </p:nvGrpSpPr>
+      <p:grpSpPr>
+        <a:xfrm>
+          <a:off x="0" y="0"/>
+          <a:ext cx="0" cy="0"/>
+          <a:chOff x="0" y="0"/>
+          <a:chExt cx="0" cy="0"/>
+        </a:xfrm>
+      </p:grpSpPr>
+      <p:sp>
+        <p:nvSpPr>
+          <p:cNvPr id="2" name="标题 1">
+            <a:extLst>
+              <a:ext uri="{FF2B5EF4-FFF2-40B4-BE49-F238E27FC236}">
+                <a16:creationId xmlns:a16="http://schemas.microsoft.com/office/drawing/2014/main" id="{BD8AAC5B-DF2F-40CE-B553-A56961176DB0}"/>
+              </a:ext>
+            </a:extLst>
+          </p:cNvPr>
+          <p:cNvSpPr>
+            <a:spLocks noGrp="1"/>
+          </p:cNvSpPr>
+          <p:nvPr>
+            <p:ph type="title"/>
+          </p:nvPr>
+        </p:nvSpPr>
+        <p:spPr>
+          <a:xfrm>
+            <a:off x="677334" y="538037"/>
+            <a:ext cx="8596668" cy="1320800"/>
+          </a:xfrm>
+        </p:spPr>
+        <p:txBody>
           <a:bodyPr/>
           <a:lstStyle/>
           <a:p>
             <a:r>
               <a:rPr lang="zh-CN" altLang="en-US"/>
-              <a:t>如何在生物医学背景下学习机器学习？</a:t>
+              <a:t>论文投稿推荐和</a:t>
+            </a:r>
+            <a:r>
+              <a:rPr lang="en-US" altLang="zh-CN"/>
+              <a:t>Chinglish</a:t>
+            </a:r>
+            <a:r>
+              <a:rPr lang="zh-CN" altLang="en-US"/>
+              <a:t>检出</a:t>
             </a:r>
             <a:br>
               <a:rPr lang="en-US" altLang="zh-CN"/>
             </a:br>
+            <a:r>
+              <a:rPr lang="en-US" altLang="zh-CN"/>
+              <a:t>www.drwang.top</a:t>
+            </a:r>
             <a:endParaRPr lang="zh-CN" altLang="en-US"/>
           </a:p>
         </p:txBody>
@@ -6465,7 +7293,7 @@
           <p:cNvPr id="3" name="内容占位符 2">
             <a:extLst>
               <a:ext uri="{FF2B5EF4-FFF2-40B4-BE49-F238E27FC236}">
-                <a16:creationId xmlns:a16="http://schemas.microsoft.com/office/drawing/2014/main" id="{1B46607D-99BD-4E35-9FF1-DD98CF081C6D}"/>
+                <a16:creationId xmlns:a16="http://schemas.microsoft.com/office/drawing/2014/main" id="{E4C3AB18-8266-4276-A343-5653159A4C79}"/>
               </a:ext>
             </a:extLst>
           </p:cNvPr>
@@ -6478,71 +7306,297 @@
         </p:nvSpPr>
         <p:spPr/>
         <p:txBody>
-          <a:bodyPr>
-            <a:normAutofit fontScale="92500" lnSpcReduction="10000"/>
-          </a:bodyPr>
-          <a:lstStyle/>
-          <a:p>
-            <a:r>
-              <a:rPr lang="zh-CN" altLang="en-US" sz="2400"/>
-              <a:t>高中和本科数学不要丢掉</a:t>
-            </a:r>
-            <a:endParaRPr lang="en-US" altLang="zh-CN" sz="2400"/>
-          </a:p>
-          <a:p>
-            <a:endParaRPr lang="en-US" altLang="zh-CN" sz="2400"/>
-          </a:p>
-          <a:p>
-            <a:r>
-              <a:rPr lang="zh-CN" altLang="en-US" sz="2400"/>
-              <a:t>充分掌握一门编程语言</a:t>
-            </a:r>
-            <a:endParaRPr lang="en-US" altLang="zh-CN" sz="2400"/>
-          </a:p>
-          <a:p>
-            <a:endParaRPr lang="en-US" altLang="zh-CN" sz="2400"/>
-          </a:p>
-          <a:p>
-            <a:r>
-              <a:rPr lang="zh-CN" altLang="en-US" sz="2400"/>
-              <a:t>打好统计学基础</a:t>
-            </a:r>
-            <a:endParaRPr lang="en-US" altLang="zh-CN" sz="2400"/>
-          </a:p>
-          <a:p>
-            <a:endParaRPr lang="en-US" altLang="zh-CN" sz="2400"/>
-          </a:p>
-          <a:p>
-            <a:r>
-              <a:rPr lang="zh-CN" altLang="en-US" sz="2400"/>
-              <a:t>学一点机器学习理念</a:t>
-            </a:r>
-            <a:endParaRPr lang="en-US" altLang="zh-CN" sz="2400"/>
-          </a:p>
-          <a:p>
-            <a:endParaRPr lang="en-US" altLang="zh-CN" sz="2400"/>
-          </a:p>
-          <a:p>
-            <a:r>
-              <a:rPr lang="zh-CN" altLang="en-US" sz="2400"/>
-              <a:t>听说一点</a:t>
-            </a:r>
-            <a:r>
-              <a:rPr lang="en-US" altLang="zh-CN" sz="2400"/>
-              <a:t>AI</a:t>
-            </a:r>
-            <a:r>
-              <a:rPr lang="zh-CN" altLang="en-US" sz="2400"/>
-              <a:t>知识</a:t>
-            </a:r>
-            <a:endParaRPr lang="en-US" altLang="zh-CN" sz="2400"/>
-          </a:p>
-        </p:txBody>
-      </p:sp>
+          <a:bodyPr/>
+          <a:lstStyle/>
+          <a:p>
+            <a:endParaRPr lang="zh-CN" altLang="en-US"/>
+          </a:p>
+        </p:txBody>
+      </p:sp>
+      <p:pic>
+        <p:nvPicPr>
+          <p:cNvPr id="4" name="图片 3">
+            <a:extLst>
+              <a:ext uri="{FF2B5EF4-FFF2-40B4-BE49-F238E27FC236}">
+                <a16:creationId xmlns:a16="http://schemas.microsoft.com/office/drawing/2014/main" id="{8BEAD2E6-55CC-412E-8FB6-48E61ECAC798}"/>
+              </a:ext>
+            </a:extLst>
+          </p:cNvPr>
+          <p:cNvPicPr>
+            <a:picLocks noChangeAspect="1"/>
+          </p:cNvPicPr>
+          <p:nvPr/>
+        </p:nvPicPr>
+        <p:blipFill>
+          <a:blip r:embed="rId2"/>
+          <a:stretch>
+            <a:fillRect/>
+          </a:stretch>
+        </p:blipFill>
+        <p:spPr>
+          <a:xfrm>
+            <a:off x="15902" y="1693627"/>
+            <a:ext cx="9144000" cy="5143500"/>
+          </a:xfrm>
+          <a:prstGeom prst="rect">
+            <a:avLst/>
+          </a:prstGeom>
+        </p:spPr>
+      </p:pic>
     </p:spTree>
     <p:extLst>
       <p:ext uri="{BB962C8B-B14F-4D97-AF65-F5344CB8AC3E}">
-        <p14:creationId xmlns:p14="http://schemas.microsoft.com/office/powerpoint/2010/main" val="2285253975"/>
+        <p14:creationId xmlns:p14="http://schemas.microsoft.com/office/powerpoint/2010/main" val="4172098231"/>
+      </p:ext>
+    </p:extLst>
+  </p:cSld>
+  <p:clrMapOvr>
+    <a:masterClrMapping/>
+  </p:clrMapOvr>
+</p:sld>
+</file>
+
+<file path=ppt/slides/slide8.xml><?xml version="1.0" encoding="utf-8"?>
+<p:sld xmlns:a="http://schemas.openxmlformats.org/drawingml/2006/main" xmlns:r="http://schemas.openxmlformats.org/officeDocument/2006/relationships" xmlns:p="http://schemas.openxmlformats.org/presentationml/2006/main">
+  <p:cSld>
+    <p:spTree>
+      <p:nvGrpSpPr>
+        <p:cNvPr id="1" name=""/>
+        <p:cNvGrpSpPr/>
+        <p:nvPr/>
+      </p:nvGrpSpPr>
+      <p:grpSpPr>
+        <a:xfrm>
+          <a:off x="0" y="0"/>
+          <a:ext cx="0" cy="0"/>
+          <a:chOff x="0" y="0"/>
+          <a:chExt cx="0" cy="0"/>
+        </a:xfrm>
+      </p:grpSpPr>
+      <p:sp>
+        <p:nvSpPr>
+          <p:cNvPr id="2" name="标题 1">
+            <a:extLst>
+              <a:ext uri="{FF2B5EF4-FFF2-40B4-BE49-F238E27FC236}">
+                <a16:creationId xmlns:a16="http://schemas.microsoft.com/office/drawing/2014/main" id="{60953D16-E0CC-4DB4-814F-FF0FD598EDF3}"/>
+              </a:ext>
+            </a:extLst>
+          </p:cNvPr>
+          <p:cNvSpPr>
+            <a:spLocks noGrp="1"/>
+          </p:cNvSpPr>
+          <p:nvPr>
+            <p:ph type="title"/>
+          </p:nvPr>
+        </p:nvSpPr>
+        <p:spPr/>
+        <p:txBody>
+          <a:bodyPr/>
+          <a:lstStyle/>
+          <a:p>
+            <a:r>
+              <a:rPr lang="zh-CN" altLang="en-US"/>
+              <a:t>小一机器人健康点评</a:t>
+            </a:r>
+          </a:p>
+        </p:txBody>
+      </p:sp>
+      <p:sp>
+        <p:nvSpPr>
+          <p:cNvPr id="3" name="内容占位符 2">
+            <a:extLst>
+              <a:ext uri="{FF2B5EF4-FFF2-40B4-BE49-F238E27FC236}">
+                <a16:creationId xmlns:a16="http://schemas.microsoft.com/office/drawing/2014/main" id="{1C97832C-9964-4068-84A7-715D030B42A9}"/>
+              </a:ext>
+            </a:extLst>
+          </p:cNvPr>
+          <p:cNvSpPr>
+            <a:spLocks noGrp="1"/>
+          </p:cNvSpPr>
+          <p:nvPr>
+            <p:ph idx="1"/>
+          </p:nvPr>
+        </p:nvSpPr>
+        <p:spPr/>
+        <p:txBody>
+          <a:bodyPr/>
+          <a:lstStyle/>
+          <a:p>
+            <a:endParaRPr lang="zh-CN" altLang="en-US"/>
+          </a:p>
+        </p:txBody>
+      </p:sp>
+      <p:pic>
+        <p:nvPicPr>
+          <p:cNvPr id="4" name="图片 3">
+            <a:extLst>
+              <a:ext uri="{FF2B5EF4-FFF2-40B4-BE49-F238E27FC236}">
+                <a16:creationId xmlns:a16="http://schemas.microsoft.com/office/drawing/2014/main" id="{4D06BCCC-B85E-4AE4-83DD-4048CF6ABBA7}"/>
+              </a:ext>
+            </a:extLst>
+          </p:cNvPr>
+          <p:cNvPicPr>
+            <a:picLocks noChangeAspect="1"/>
+          </p:cNvPicPr>
+          <p:nvPr/>
+        </p:nvPicPr>
+        <p:blipFill>
+          <a:blip r:embed="rId2"/>
+          <a:stretch>
+            <a:fillRect/>
+          </a:stretch>
+        </p:blipFill>
+        <p:spPr>
+          <a:xfrm>
+            <a:off x="0" y="1710813"/>
+            <a:ext cx="9144000" cy="5143500"/>
+          </a:xfrm>
+          <a:prstGeom prst="rect">
+            <a:avLst/>
+          </a:prstGeom>
+        </p:spPr>
+      </p:pic>
+    </p:spTree>
+    <p:extLst>
+      <p:ext uri="{BB962C8B-B14F-4D97-AF65-F5344CB8AC3E}">
+        <p14:creationId xmlns:p14="http://schemas.microsoft.com/office/powerpoint/2010/main" val="3870096952"/>
+      </p:ext>
+    </p:extLst>
+  </p:cSld>
+  <p:clrMapOvr>
+    <a:masterClrMapping/>
+  </p:clrMapOvr>
+</p:sld>
+</file>
+
+<file path=ppt/slides/slide9.xml><?xml version="1.0" encoding="utf-8"?>
+<p:sld xmlns:a="http://schemas.openxmlformats.org/drawingml/2006/main" xmlns:r="http://schemas.openxmlformats.org/officeDocument/2006/relationships" xmlns:p="http://schemas.openxmlformats.org/presentationml/2006/main">
+  <p:cSld>
+    <p:spTree>
+      <p:nvGrpSpPr>
+        <p:cNvPr id="1" name=""/>
+        <p:cNvGrpSpPr/>
+        <p:nvPr/>
+      </p:nvGrpSpPr>
+      <p:grpSpPr>
+        <a:xfrm>
+          <a:off x="0" y="0"/>
+          <a:ext cx="0" cy="0"/>
+          <a:chOff x="0" y="0"/>
+          <a:chExt cx="0" cy="0"/>
+        </a:xfrm>
+      </p:grpSpPr>
+      <p:sp>
+        <p:nvSpPr>
+          <p:cNvPr id="2" name="标题 1">
+            <a:extLst>
+              <a:ext uri="{FF2B5EF4-FFF2-40B4-BE49-F238E27FC236}">
+                <a16:creationId xmlns:a16="http://schemas.microsoft.com/office/drawing/2014/main" id="{F9BF0C2A-D4A6-42B7-9BEF-5373C9E9A711}"/>
+              </a:ext>
+            </a:extLst>
+          </p:cNvPr>
+          <p:cNvSpPr>
+            <a:spLocks noGrp="1"/>
+          </p:cNvSpPr>
+          <p:nvPr>
+            <p:ph type="title"/>
+          </p:nvPr>
+        </p:nvSpPr>
+        <p:spPr/>
+        <p:txBody>
+          <a:bodyPr/>
+          <a:lstStyle/>
+          <a:p>
+            <a:r>
+              <a:rPr lang="zh-CN" altLang="en-US"/>
+              <a:t>基于电子病历的</a:t>
+            </a:r>
+            <a:r>
+              <a:rPr lang="en-US" altLang="zh-CN"/>
+              <a:t>AI</a:t>
+            </a:r>
+            <a:r>
+              <a:rPr lang="zh-CN" altLang="en-US"/>
+              <a:t>诊断</a:t>
+            </a:r>
+          </a:p>
+        </p:txBody>
+      </p:sp>
+      <p:pic>
+        <p:nvPicPr>
+          <p:cNvPr id="7" name="图片 6">
+            <a:extLst>
+              <a:ext uri="{FF2B5EF4-FFF2-40B4-BE49-F238E27FC236}">
+                <a16:creationId xmlns:a16="http://schemas.microsoft.com/office/drawing/2014/main" id="{C597E609-C035-460B-869C-4E22AC5D35B5}"/>
+              </a:ext>
+            </a:extLst>
+          </p:cNvPr>
+          <p:cNvPicPr>
+            <a:picLocks noChangeAspect="1"/>
+          </p:cNvPicPr>
+          <p:nvPr/>
+        </p:nvPicPr>
+        <p:blipFill>
+          <a:blip r:embed="rId2">
+            <a:extLst>
+              <a:ext uri="{28A0092B-C50C-407E-A947-70E740481C1C}">
+                <a14:useLocalDpi xmlns:a14="http://schemas.microsoft.com/office/drawing/2010/main" val="0"/>
+              </a:ext>
+            </a:extLst>
+          </a:blip>
+          <a:stretch>
+            <a:fillRect/>
+          </a:stretch>
+        </p:blipFill>
+        <p:spPr>
+          <a:xfrm>
+            <a:off x="19664" y="1986119"/>
+            <a:ext cx="7315200" cy="4114800"/>
+          </a:xfrm>
+          <a:prstGeom prst="rect">
+            <a:avLst/>
+          </a:prstGeom>
+        </p:spPr>
+      </p:pic>
+      <p:pic>
+        <p:nvPicPr>
+          <p:cNvPr id="11" name="内容占位符 10">
+            <a:extLst>
+              <a:ext uri="{FF2B5EF4-FFF2-40B4-BE49-F238E27FC236}">
+                <a16:creationId xmlns:a16="http://schemas.microsoft.com/office/drawing/2014/main" id="{BED76E10-EAD1-49A9-ADEC-79F9726292AC}"/>
+              </a:ext>
+            </a:extLst>
+          </p:cNvPr>
+          <p:cNvPicPr>
+            <a:picLocks noGrp="1" noChangeAspect="1"/>
+          </p:cNvPicPr>
+          <p:nvPr>
+            <p:ph idx="1"/>
+          </p:nvPr>
+        </p:nvPicPr>
+        <p:blipFill>
+          <a:blip r:embed="rId3">
+            <a:extLst>
+              <a:ext uri="{28A0092B-C50C-407E-A947-70E740481C1C}">
+                <a14:useLocalDpi xmlns:a14="http://schemas.microsoft.com/office/drawing/2010/main" val="0"/>
+              </a:ext>
+            </a:extLst>
+          </a:blip>
+          <a:stretch>
+            <a:fillRect/>
+          </a:stretch>
+        </p:blipFill>
+        <p:spPr>
+          <a:xfrm>
+            <a:off x="4868828" y="2740689"/>
+            <a:ext cx="7315200" cy="4114800"/>
+          </a:xfrm>
+        </p:spPr>
+      </p:pic>
+    </p:spTree>
+    <p:extLst>
+      <p:ext uri="{BB962C8B-B14F-4D97-AF65-F5344CB8AC3E}">
+        <p14:creationId xmlns:p14="http://schemas.microsoft.com/office/powerpoint/2010/main" val="1672078440"/>
       </p:ext>
     </p:extLst>
   </p:cSld>

--- a/0_why_and_how.pptx
+++ b/0_why_and_how.pptx
@@ -17,7 +17,14 @@
     <p:sldId id="266" r:id="rId11"/>
     <p:sldId id="267" r:id="rId12"/>
     <p:sldId id="268" r:id="rId13"/>
-    <p:sldId id="258" r:id="rId14"/>
+    <p:sldId id="269" r:id="rId14"/>
+    <p:sldId id="271" r:id="rId15"/>
+    <p:sldId id="272" r:id="rId16"/>
+    <p:sldId id="273" r:id="rId17"/>
+    <p:sldId id="270" r:id="rId18"/>
+    <p:sldId id="274" r:id="rId19"/>
+    <p:sldId id="275" r:id="rId20"/>
+    <p:sldId id="258" r:id="rId21"/>
   </p:sldIdLst>
   <p:sldSz cx="12192000" cy="6858000"/>
   <p:notesSz cx="6858000" cy="9144000"/>
@@ -122,6 +129,3368 @@
     </p:ext>
   </p:extLst>
 </p:presentation>
+</file>
+
+<file path=ppt/diagrams/colors1.xml><?xml version="1.0" encoding="utf-8"?>
+<dgm:colorsDef xmlns:dgm="http://schemas.openxmlformats.org/drawingml/2006/diagram" xmlns:a="http://schemas.openxmlformats.org/drawingml/2006/main" uniqueId="urn:microsoft.com/office/officeart/2005/8/colors/colorful1">
+  <dgm:title val=""/>
+  <dgm:desc val=""/>
+  <dgm:catLst>
+    <dgm:cat type="colorful" pri="10100"/>
+  </dgm:catLst>
+  <dgm:styleLbl name="node0">
+    <dgm:fillClrLst meth="repeat">
+      <a:schemeClr val="accent1"/>
+    </dgm:fillClrLst>
+    <dgm:linClrLst meth="repeat">
+      <a:schemeClr val="lt1"/>
+    </dgm:linClrLst>
+    <dgm:effectClrLst/>
+    <dgm:txLinClrLst/>
+    <dgm:txFillClrLst/>
+    <dgm:txEffectClrLst/>
+  </dgm:styleLbl>
+  <dgm:styleLbl name="node1">
+    <dgm:fillClrLst meth="repeat">
+      <a:schemeClr val="accent2"/>
+      <a:schemeClr val="accent3"/>
+      <a:schemeClr val="accent4"/>
+      <a:schemeClr val="accent5"/>
+      <a:schemeClr val="accent6"/>
+    </dgm:fillClrLst>
+    <dgm:linClrLst meth="repeat">
+      <a:schemeClr val="lt1"/>
+    </dgm:linClrLst>
+    <dgm:effectClrLst/>
+    <dgm:txLinClrLst/>
+    <dgm:txFillClrLst/>
+    <dgm:txEffectClrLst/>
+  </dgm:styleLbl>
+  <dgm:styleLbl name="alignNode1">
+    <dgm:fillClrLst meth="repeat">
+      <a:schemeClr val="accent2"/>
+      <a:schemeClr val="accent3"/>
+      <a:schemeClr val="accent4"/>
+      <a:schemeClr val="accent5"/>
+      <a:schemeClr val="accent6"/>
+    </dgm:fillClrLst>
+    <dgm:linClrLst meth="repeat">
+      <a:schemeClr val="accent2"/>
+      <a:schemeClr val="accent3"/>
+      <a:schemeClr val="accent4"/>
+      <a:schemeClr val="accent5"/>
+      <a:schemeClr val="accent6"/>
+    </dgm:linClrLst>
+    <dgm:effectClrLst/>
+    <dgm:txLinClrLst/>
+    <dgm:txFillClrLst/>
+    <dgm:txEffectClrLst/>
+  </dgm:styleLbl>
+  <dgm:styleLbl name="lnNode1">
+    <dgm:fillClrLst meth="repeat">
+      <a:schemeClr val="accent2"/>
+      <a:schemeClr val="accent3"/>
+      <a:schemeClr val="accent4"/>
+      <a:schemeClr val="accent5"/>
+      <a:schemeClr val="accent6"/>
+    </dgm:fillClrLst>
+    <dgm:linClrLst meth="repeat">
+      <a:schemeClr val="lt1"/>
+    </dgm:linClrLst>
+    <dgm:effectClrLst/>
+    <dgm:txLinClrLst/>
+    <dgm:txFillClrLst/>
+    <dgm:txEffectClrLst/>
+  </dgm:styleLbl>
+  <dgm:styleLbl name="vennNode1">
+    <dgm:fillClrLst meth="repeat">
+      <a:schemeClr val="accent2">
+        <a:alpha val="50000"/>
+      </a:schemeClr>
+      <a:schemeClr val="accent3">
+        <a:alpha val="50000"/>
+      </a:schemeClr>
+      <a:schemeClr val="accent4">
+        <a:alpha val="50000"/>
+      </a:schemeClr>
+      <a:schemeClr val="accent5">
+        <a:alpha val="50000"/>
+      </a:schemeClr>
+      <a:schemeClr val="accent6">
+        <a:alpha val="50000"/>
+      </a:schemeClr>
+    </dgm:fillClrLst>
+    <dgm:linClrLst meth="repeat">
+      <a:schemeClr val="lt1"/>
+    </dgm:linClrLst>
+    <dgm:effectClrLst/>
+    <dgm:txLinClrLst/>
+    <dgm:txFillClrLst/>
+    <dgm:txEffectClrLst/>
+  </dgm:styleLbl>
+  <dgm:styleLbl name="node2">
+    <dgm:fillClrLst>
+      <a:schemeClr val="accent2"/>
+    </dgm:fillClrLst>
+    <dgm:linClrLst meth="repeat">
+      <a:schemeClr val="lt1"/>
+    </dgm:linClrLst>
+    <dgm:effectClrLst/>
+    <dgm:txLinClrLst/>
+    <dgm:txFillClrLst/>
+    <dgm:txEffectClrLst/>
+  </dgm:styleLbl>
+  <dgm:styleLbl name="node3">
+    <dgm:fillClrLst>
+      <a:schemeClr val="accent3"/>
+    </dgm:fillClrLst>
+    <dgm:linClrLst meth="repeat">
+      <a:schemeClr val="lt1"/>
+    </dgm:linClrLst>
+    <dgm:effectClrLst/>
+    <dgm:txLinClrLst/>
+    <dgm:txFillClrLst/>
+    <dgm:txEffectClrLst/>
+  </dgm:styleLbl>
+  <dgm:styleLbl name="node4">
+    <dgm:fillClrLst>
+      <a:schemeClr val="accent4"/>
+    </dgm:fillClrLst>
+    <dgm:linClrLst meth="repeat">
+      <a:schemeClr val="lt1"/>
+    </dgm:linClrLst>
+    <dgm:effectClrLst/>
+    <dgm:txLinClrLst/>
+    <dgm:txFillClrLst/>
+    <dgm:txEffectClrLst/>
+  </dgm:styleLbl>
+  <dgm:styleLbl name="fgImgPlace1">
+    <dgm:fillClrLst meth="repeat">
+      <a:schemeClr val="accent2">
+        <a:tint val="50000"/>
+      </a:schemeClr>
+      <a:schemeClr val="accent3">
+        <a:tint val="50000"/>
+      </a:schemeClr>
+      <a:schemeClr val="accent4">
+        <a:tint val="50000"/>
+      </a:schemeClr>
+      <a:schemeClr val="accent5">
+        <a:tint val="50000"/>
+      </a:schemeClr>
+      <a:schemeClr val="accent6">
+        <a:tint val="50000"/>
+      </a:schemeClr>
+    </dgm:fillClrLst>
+    <dgm:linClrLst meth="repeat">
+      <a:schemeClr val="lt1"/>
+    </dgm:linClrLst>
+    <dgm:effectClrLst/>
+    <dgm:txLinClrLst/>
+    <dgm:txFillClrLst meth="repeat">
+      <a:schemeClr val="lt1"/>
+    </dgm:txFillClrLst>
+    <dgm:txEffectClrLst/>
+  </dgm:styleLbl>
+  <dgm:styleLbl name="alignImgPlace1">
+    <dgm:fillClrLst>
+      <a:schemeClr val="accent1">
+        <a:tint val="50000"/>
+      </a:schemeClr>
+      <a:schemeClr val="accent2">
+        <a:tint val="20000"/>
+      </a:schemeClr>
+    </dgm:fillClrLst>
+    <dgm:linClrLst meth="repeat">
+      <a:schemeClr val="lt1"/>
+    </dgm:linClrLst>
+    <dgm:effectClrLst/>
+    <dgm:txLinClrLst/>
+    <dgm:txFillClrLst meth="repeat">
+      <a:schemeClr val="lt1"/>
+    </dgm:txFillClrLst>
+    <dgm:txEffectClrLst/>
+  </dgm:styleLbl>
+  <dgm:styleLbl name="bgImgPlace1">
+    <dgm:fillClrLst>
+      <a:schemeClr val="accent1">
+        <a:tint val="50000"/>
+      </a:schemeClr>
+      <a:schemeClr val="accent2">
+        <a:tint val="20000"/>
+      </a:schemeClr>
+    </dgm:fillClrLst>
+    <dgm:linClrLst meth="repeat">
+      <a:schemeClr val="lt1"/>
+    </dgm:linClrLst>
+    <dgm:effectClrLst/>
+    <dgm:txLinClrLst/>
+    <dgm:txFillClrLst meth="repeat">
+      <a:schemeClr val="lt1"/>
+    </dgm:txFillClrLst>
+    <dgm:txEffectClrLst/>
+  </dgm:styleLbl>
+  <dgm:styleLbl name="sibTrans2D1">
+    <dgm:fillClrLst meth="repeat">
+      <a:schemeClr val="accent2"/>
+      <a:schemeClr val="accent3"/>
+      <a:schemeClr val="accent4"/>
+      <a:schemeClr val="accent5"/>
+      <a:schemeClr val="accent6"/>
+    </dgm:fillClrLst>
+    <dgm:linClrLst meth="cycle">
+      <a:schemeClr val="lt1"/>
+    </dgm:linClrLst>
+    <dgm:effectClrLst/>
+    <dgm:txLinClrLst/>
+    <dgm:txFillClrLst/>
+    <dgm:txEffectClrLst/>
+  </dgm:styleLbl>
+  <dgm:styleLbl name="fgSibTrans2D1">
+    <dgm:fillClrLst meth="repeat">
+      <a:schemeClr val="accent2"/>
+      <a:schemeClr val="accent3"/>
+      <a:schemeClr val="accent4"/>
+      <a:schemeClr val="accent5"/>
+      <a:schemeClr val="accent6"/>
+    </dgm:fillClrLst>
+    <dgm:linClrLst meth="cycle">
+      <a:schemeClr val="lt1"/>
+    </dgm:linClrLst>
+    <dgm:effectClrLst/>
+    <dgm:txLinClrLst/>
+    <dgm:txFillClrLst meth="repeat">
+      <a:schemeClr val="lt1"/>
+    </dgm:txFillClrLst>
+    <dgm:txEffectClrLst/>
+  </dgm:styleLbl>
+  <dgm:styleLbl name="bgSibTrans2D1">
+    <dgm:fillClrLst meth="repeat">
+      <a:schemeClr val="accent2"/>
+      <a:schemeClr val="accent3"/>
+      <a:schemeClr val="accent4"/>
+      <a:schemeClr val="accent5"/>
+      <a:schemeClr val="accent6"/>
+    </dgm:fillClrLst>
+    <dgm:linClrLst meth="cycle">
+      <a:schemeClr val="lt1"/>
+    </dgm:linClrLst>
+    <dgm:effectClrLst/>
+    <dgm:txLinClrLst/>
+    <dgm:txFillClrLst meth="repeat">
+      <a:schemeClr val="lt1"/>
+    </dgm:txFillClrLst>
+    <dgm:txEffectClrLst/>
+  </dgm:styleLbl>
+  <dgm:styleLbl name="sibTrans1D1">
+    <dgm:fillClrLst meth="repeat">
+      <a:schemeClr val="accent2"/>
+      <a:schemeClr val="accent3"/>
+      <a:schemeClr val="accent4"/>
+      <a:schemeClr val="accent5"/>
+      <a:schemeClr val="accent6"/>
+    </dgm:fillClrLst>
+    <dgm:linClrLst meth="repeat">
+      <a:schemeClr val="accent2"/>
+      <a:schemeClr val="accent3"/>
+      <a:schemeClr val="accent4"/>
+      <a:schemeClr val="accent5"/>
+      <a:schemeClr val="accent6"/>
+    </dgm:linClrLst>
+    <dgm:effectClrLst/>
+    <dgm:txLinClrLst/>
+    <dgm:txFillClrLst meth="repeat">
+      <a:schemeClr val="tx1"/>
+    </dgm:txFillClrLst>
+    <dgm:txEffectClrLst/>
+  </dgm:styleLbl>
+  <dgm:styleLbl name="callout">
+    <dgm:fillClrLst meth="repeat">
+      <a:schemeClr val="accent2"/>
+    </dgm:fillClrLst>
+    <dgm:linClrLst meth="repeat">
+      <a:schemeClr val="accent2">
+        <a:tint val="50000"/>
+      </a:schemeClr>
+    </dgm:linClrLst>
+    <dgm:effectClrLst/>
+    <dgm:txLinClrLst/>
+    <dgm:txFillClrLst meth="repeat">
+      <a:schemeClr val="tx1"/>
+    </dgm:txFillClrLst>
+    <dgm:txEffectClrLst/>
+  </dgm:styleLbl>
+  <dgm:styleLbl name="asst0">
+    <dgm:fillClrLst meth="repeat">
+      <a:schemeClr val="accent1"/>
+    </dgm:fillClrLst>
+    <dgm:linClrLst meth="repeat">
+      <a:schemeClr val="lt1"/>
+    </dgm:linClrLst>
+    <dgm:effectClrLst/>
+    <dgm:txLinClrLst/>
+    <dgm:txFillClrLst/>
+    <dgm:txEffectClrLst/>
+  </dgm:styleLbl>
+  <dgm:styleLbl name="asst1">
+    <dgm:fillClrLst meth="repeat">
+      <a:schemeClr val="accent2"/>
+    </dgm:fillClrLst>
+    <dgm:linClrLst meth="repeat">
+      <a:schemeClr val="lt1"/>
+    </dgm:linClrLst>
+    <dgm:effectClrLst/>
+    <dgm:txLinClrLst/>
+    <dgm:txFillClrLst/>
+    <dgm:txEffectClrLst/>
+  </dgm:styleLbl>
+  <dgm:styleLbl name="asst2">
+    <dgm:fillClrLst>
+      <a:schemeClr val="accent3"/>
+    </dgm:fillClrLst>
+    <dgm:linClrLst meth="repeat">
+      <a:schemeClr val="lt1"/>
+    </dgm:linClrLst>
+    <dgm:effectClrLst/>
+    <dgm:txLinClrLst/>
+    <dgm:txFillClrLst/>
+    <dgm:txEffectClrLst/>
+  </dgm:styleLbl>
+  <dgm:styleLbl name="asst3">
+    <dgm:fillClrLst>
+      <a:schemeClr val="accent4"/>
+    </dgm:fillClrLst>
+    <dgm:linClrLst meth="repeat">
+      <a:schemeClr val="lt1"/>
+    </dgm:linClrLst>
+    <dgm:effectClrLst/>
+    <dgm:txLinClrLst/>
+    <dgm:txFillClrLst/>
+    <dgm:txEffectClrLst/>
+  </dgm:styleLbl>
+  <dgm:styleLbl name="asst4">
+    <dgm:fillClrLst>
+      <a:schemeClr val="accent5"/>
+    </dgm:fillClrLst>
+    <dgm:linClrLst meth="repeat">
+      <a:schemeClr val="lt1"/>
+    </dgm:linClrLst>
+    <dgm:effectClrLst/>
+    <dgm:txLinClrLst/>
+    <dgm:txFillClrLst/>
+    <dgm:txEffectClrLst/>
+  </dgm:styleLbl>
+  <dgm:styleLbl name="parChTrans2D1">
+    <dgm:fillClrLst meth="repeat">
+      <a:schemeClr val="accent2"/>
+    </dgm:fillClrLst>
+    <dgm:linClrLst meth="repeat">
+      <a:schemeClr val="lt1"/>
+    </dgm:linClrLst>
+    <dgm:effectClrLst/>
+    <dgm:txLinClrLst/>
+    <dgm:txFillClrLst meth="repeat">
+      <a:schemeClr val="lt1"/>
+    </dgm:txFillClrLst>
+    <dgm:txEffectClrLst/>
+  </dgm:styleLbl>
+  <dgm:styleLbl name="parChTrans2D2">
+    <dgm:fillClrLst meth="repeat">
+      <a:schemeClr val="accent3"/>
+    </dgm:fillClrLst>
+    <dgm:linClrLst meth="repeat">
+      <a:schemeClr val="lt1"/>
+    </dgm:linClrLst>
+    <dgm:effectClrLst/>
+    <dgm:txLinClrLst/>
+    <dgm:txFillClrLst/>
+    <dgm:txEffectClrLst/>
+  </dgm:styleLbl>
+  <dgm:styleLbl name="parChTrans2D3">
+    <dgm:fillClrLst meth="repeat">
+      <a:schemeClr val="accent4"/>
+    </dgm:fillClrLst>
+    <dgm:linClrLst meth="repeat">
+      <a:schemeClr val="lt1"/>
+    </dgm:linClrLst>
+    <dgm:effectClrLst/>
+    <dgm:txLinClrLst/>
+    <dgm:txFillClrLst/>
+    <dgm:txEffectClrLst/>
+  </dgm:styleLbl>
+  <dgm:styleLbl name="parChTrans2D4">
+    <dgm:fillClrLst meth="repeat">
+      <a:schemeClr val="accent5"/>
+    </dgm:fillClrLst>
+    <dgm:linClrLst meth="repeat">
+      <a:schemeClr val="lt1"/>
+    </dgm:linClrLst>
+    <dgm:effectClrLst/>
+    <dgm:txLinClrLst/>
+    <dgm:txFillClrLst meth="repeat">
+      <a:schemeClr val="lt1"/>
+    </dgm:txFillClrLst>
+    <dgm:txEffectClrLst/>
+  </dgm:styleLbl>
+  <dgm:styleLbl name="parChTrans1D1">
+    <dgm:fillClrLst meth="repeat">
+      <a:schemeClr val="accent2"/>
+    </dgm:fillClrLst>
+    <dgm:linClrLst meth="repeat">
+      <a:schemeClr val="accent1"/>
+    </dgm:linClrLst>
+    <dgm:effectClrLst/>
+    <dgm:txLinClrLst/>
+    <dgm:txFillClrLst meth="repeat">
+      <a:schemeClr val="tx1"/>
+    </dgm:txFillClrLst>
+    <dgm:txEffectClrLst/>
+  </dgm:styleLbl>
+  <dgm:styleLbl name="parChTrans1D2">
+    <dgm:fillClrLst meth="repeat">
+      <a:schemeClr val="accent3">
+        <a:tint val="90000"/>
+      </a:schemeClr>
+    </dgm:fillClrLst>
+    <dgm:linClrLst meth="repeat">
+      <a:schemeClr val="accent2"/>
+    </dgm:linClrLst>
+    <dgm:effectClrLst/>
+    <dgm:txLinClrLst/>
+    <dgm:txFillClrLst meth="repeat">
+      <a:schemeClr val="tx1"/>
+    </dgm:txFillClrLst>
+    <dgm:txEffectClrLst/>
+  </dgm:styleLbl>
+  <dgm:styleLbl name="parChTrans1D3">
+    <dgm:fillClrLst meth="repeat">
+      <a:schemeClr val="accent4">
+        <a:tint val="70000"/>
+      </a:schemeClr>
+    </dgm:fillClrLst>
+    <dgm:linClrLst meth="repeat">
+      <a:schemeClr val="accent3"/>
+    </dgm:linClrLst>
+    <dgm:effectClrLst/>
+    <dgm:txLinClrLst/>
+    <dgm:txFillClrLst meth="repeat">
+      <a:schemeClr val="tx1"/>
+    </dgm:txFillClrLst>
+    <dgm:txEffectClrLst/>
+  </dgm:styleLbl>
+  <dgm:styleLbl name="parChTrans1D4">
+    <dgm:fillClrLst meth="repeat">
+      <a:schemeClr val="accent5">
+        <a:tint val="50000"/>
+      </a:schemeClr>
+    </dgm:fillClrLst>
+    <dgm:linClrLst meth="repeat">
+      <a:schemeClr val="accent4"/>
+    </dgm:linClrLst>
+    <dgm:effectClrLst/>
+    <dgm:txLinClrLst/>
+    <dgm:txFillClrLst meth="repeat">
+      <a:schemeClr val="tx1"/>
+    </dgm:txFillClrLst>
+    <dgm:txEffectClrLst/>
+  </dgm:styleLbl>
+  <dgm:styleLbl name="fgAcc1">
+    <dgm:fillClrLst meth="repeat">
+      <a:schemeClr val="lt1">
+        <a:alpha val="90000"/>
+      </a:schemeClr>
+    </dgm:fillClrLst>
+    <dgm:linClrLst meth="repeat">
+      <a:schemeClr val="accent2"/>
+      <a:schemeClr val="accent3"/>
+      <a:schemeClr val="accent4"/>
+      <a:schemeClr val="accent5"/>
+      <a:schemeClr val="accent6"/>
+    </dgm:linClrLst>
+    <dgm:effectClrLst/>
+    <dgm:txLinClrLst/>
+    <dgm:txFillClrLst meth="repeat">
+      <a:schemeClr val="dk1"/>
+    </dgm:txFillClrLst>
+    <dgm:txEffectClrLst/>
+  </dgm:styleLbl>
+  <dgm:styleLbl name="conFgAcc1">
+    <dgm:fillClrLst meth="repeat">
+      <a:schemeClr val="lt1">
+        <a:alpha val="90000"/>
+      </a:schemeClr>
+    </dgm:fillClrLst>
+    <dgm:linClrLst meth="repeat">
+      <a:schemeClr val="accent2"/>
+      <a:schemeClr val="accent3"/>
+      <a:schemeClr val="accent4"/>
+      <a:schemeClr val="accent5"/>
+      <a:schemeClr val="accent6"/>
+    </dgm:linClrLst>
+    <dgm:effectClrLst/>
+    <dgm:txLinClrLst/>
+    <dgm:txFillClrLst meth="repeat">
+      <a:schemeClr val="dk1"/>
+    </dgm:txFillClrLst>
+    <dgm:txEffectClrLst/>
+  </dgm:styleLbl>
+  <dgm:styleLbl name="alignAcc1">
+    <dgm:fillClrLst meth="repeat">
+      <a:schemeClr val="lt1">
+        <a:alpha val="90000"/>
+      </a:schemeClr>
+    </dgm:fillClrLst>
+    <dgm:linClrLst meth="repeat">
+      <a:schemeClr val="accent2"/>
+      <a:schemeClr val="accent3"/>
+      <a:schemeClr val="accent4"/>
+      <a:schemeClr val="accent5"/>
+      <a:schemeClr val="accent6"/>
+    </dgm:linClrLst>
+    <dgm:effectClrLst/>
+    <dgm:txLinClrLst/>
+    <dgm:txFillClrLst meth="repeat">
+      <a:schemeClr val="dk1"/>
+    </dgm:txFillClrLst>
+    <dgm:txEffectClrLst/>
+  </dgm:styleLbl>
+  <dgm:styleLbl name="trAlignAcc1">
+    <dgm:fillClrLst meth="repeat">
+      <a:schemeClr val="lt1">
+        <a:alpha val="40000"/>
+      </a:schemeClr>
+    </dgm:fillClrLst>
+    <dgm:linClrLst meth="repeat">
+      <a:schemeClr val="accent1"/>
+    </dgm:linClrLst>
+    <dgm:effectClrLst/>
+    <dgm:txLinClrLst/>
+    <dgm:txFillClrLst meth="repeat">
+      <a:schemeClr val="dk1"/>
+    </dgm:txFillClrLst>
+    <dgm:txEffectClrLst/>
+  </dgm:styleLbl>
+  <dgm:styleLbl name="bgAcc1">
+    <dgm:fillClrLst meth="repeat">
+      <a:schemeClr val="lt1">
+        <a:alpha val="90000"/>
+      </a:schemeClr>
+    </dgm:fillClrLst>
+    <dgm:linClrLst meth="repeat">
+      <a:schemeClr val="accent2"/>
+      <a:schemeClr val="accent3"/>
+      <a:schemeClr val="accent4"/>
+      <a:schemeClr val="accent5"/>
+      <a:schemeClr val="accent6"/>
+    </dgm:linClrLst>
+    <dgm:effectClrLst/>
+    <dgm:txLinClrLst/>
+    <dgm:txFillClrLst meth="repeat">
+      <a:schemeClr val="dk1"/>
+    </dgm:txFillClrLst>
+    <dgm:txEffectClrLst/>
+  </dgm:styleLbl>
+  <dgm:styleLbl name="solidFgAcc1">
+    <dgm:fillClrLst meth="repeat">
+      <a:schemeClr val="lt1"/>
+    </dgm:fillClrLst>
+    <dgm:linClrLst meth="repeat">
+      <a:schemeClr val="accent2"/>
+      <a:schemeClr val="accent3"/>
+      <a:schemeClr val="accent4"/>
+      <a:schemeClr val="accent5"/>
+      <a:schemeClr val="accent6"/>
+    </dgm:linClrLst>
+    <dgm:effectClrLst/>
+    <dgm:txLinClrLst/>
+    <dgm:txFillClrLst meth="repeat">
+      <a:schemeClr val="dk1"/>
+    </dgm:txFillClrLst>
+    <dgm:txEffectClrLst/>
+  </dgm:styleLbl>
+  <dgm:styleLbl name="solidAlignAcc1">
+    <dgm:fillClrLst meth="repeat">
+      <a:schemeClr val="lt1"/>
+    </dgm:fillClrLst>
+    <dgm:linClrLst meth="repeat">
+      <a:schemeClr val="accent2"/>
+      <a:schemeClr val="accent3"/>
+      <a:schemeClr val="accent4"/>
+      <a:schemeClr val="accent5"/>
+      <a:schemeClr val="accent6"/>
+    </dgm:linClrLst>
+    <dgm:effectClrLst/>
+    <dgm:txLinClrLst/>
+    <dgm:txFillClrLst meth="repeat">
+      <a:schemeClr val="dk1"/>
+    </dgm:txFillClrLst>
+    <dgm:txEffectClrLst/>
+  </dgm:styleLbl>
+  <dgm:styleLbl name="solidBgAcc1">
+    <dgm:fillClrLst meth="repeat">
+      <a:schemeClr val="lt1"/>
+    </dgm:fillClrLst>
+    <dgm:linClrLst meth="repeat">
+      <a:schemeClr val="accent2"/>
+      <a:schemeClr val="accent3"/>
+      <a:schemeClr val="accent4"/>
+      <a:schemeClr val="accent5"/>
+      <a:schemeClr val="accent6"/>
+    </dgm:linClrLst>
+    <dgm:effectClrLst/>
+    <dgm:txLinClrLst/>
+    <dgm:txFillClrLst meth="repeat">
+      <a:schemeClr val="dk1"/>
+    </dgm:txFillClrLst>
+    <dgm:txEffectClrLst/>
+  </dgm:styleLbl>
+  <dgm:styleLbl name="fgAccFollowNode1">
+    <dgm:fillClrLst meth="repeat">
+      <a:schemeClr val="accent2">
+        <a:tint val="40000"/>
+        <a:alpha val="90000"/>
+      </a:schemeClr>
+      <a:schemeClr val="accent3">
+        <a:tint val="40000"/>
+        <a:alpha val="90000"/>
+      </a:schemeClr>
+      <a:schemeClr val="accent4">
+        <a:tint val="40000"/>
+        <a:alpha val="90000"/>
+      </a:schemeClr>
+      <a:schemeClr val="accent5">
+        <a:tint val="40000"/>
+        <a:alpha val="90000"/>
+      </a:schemeClr>
+      <a:schemeClr val="accent6">
+        <a:tint val="40000"/>
+        <a:alpha val="90000"/>
+      </a:schemeClr>
+    </dgm:fillClrLst>
+    <dgm:linClrLst meth="repeat">
+      <a:schemeClr val="accent2">
+        <a:tint val="40000"/>
+        <a:alpha val="90000"/>
+      </a:schemeClr>
+      <a:schemeClr val="accent3">
+        <a:tint val="40000"/>
+        <a:alpha val="90000"/>
+      </a:schemeClr>
+      <a:schemeClr val="accent4">
+        <a:tint val="40000"/>
+        <a:alpha val="90000"/>
+      </a:schemeClr>
+      <a:schemeClr val="accent5">
+        <a:tint val="40000"/>
+        <a:alpha val="90000"/>
+      </a:schemeClr>
+      <a:schemeClr val="accent6">
+        <a:tint val="40000"/>
+        <a:alpha val="90000"/>
+      </a:schemeClr>
+    </dgm:linClrLst>
+    <dgm:effectClrLst/>
+    <dgm:txLinClrLst/>
+    <dgm:txFillClrLst meth="repeat">
+      <a:schemeClr val="dk1"/>
+    </dgm:txFillClrLst>
+    <dgm:txEffectClrLst/>
+  </dgm:styleLbl>
+  <dgm:styleLbl name="alignAccFollowNode1">
+    <dgm:fillClrLst meth="repeat">
+      <a:schemeClr val="accent2">
+        <a:tint val="40000"/>
+        <a:alpha val="90000"/>
+      </a:schemeClr>
+      <a:schemeClr val="accent3">
+        <a:tint val="40000"/>
+        <a:alpha val="90000"/>
+      </a:schemeClr>
+      <a:schemeClr val="accent4">
+        <a:tint val="40000"/>
+        <a:alpha val="90000"/>
+      </a:schemeClr>
+      <a:schemeClr val="accent5">
+        <a:tint val="40000"/>
+        <a:alpha val="90000"/>
+      </a:schemeClr>
+      <a:schemeClr val="accent6">
+        <a:tint val="40000"/>
+        <a:alpha val="90000"/>
+      </a:schemeClr>
+    </dgm:fillClrLst>
+    <dgm:linClrLst meth="repeat">
+      <a:schemeClr val="accent2">
+        <a:tint val="40000"/>
+        <a:alpha val="90000"/>
+      </a:schemeClr>
+      <a:schemeClr val="accent3">
+        <a:tint val="40000"/>
+        <a:alpha val="90000"/>
+      </a:schemeClr>
+      <a:schemeClr val="accent4">
+        <a:tint val="40000"/>
+        <a:alpha val="90000"/>
+      </a:schemeClr>
+      <a:schemeClr val="accent5">
+        <a:tint val="40000"/>
+        <a:alpha val="90000"/>
+      </a:schemeClr>
+      <a:schemeClr val="accent6">
+        <a:tint val="40000"/>
+        <a:alpha val="90000"/>
+      </a:schemeClr>
+    </dgm:linClrLst>
+    <dgm:effectClrLst/>
+    <dgm:txLinClrLst/>
+    <dgm:txFillClrLst meth="repeat">
+      <a:schemeClr val="dk1"/>
+    </dgm:txFillClrLst>
+    <dgm:txEffectClrLst/>
+  </dgm:styleLbl>
+  <dgm:styleLbl name="bgAccFollowNode1">
+    <dgm:fillClrLst meth="repeat">
+      <a:schemeClr val="accent2">
+        <a:tint val="40000"/>
+        <a:alpha val="90000"/>
+      </a:schemeClr>
+      <a:schemeClr val="accent3">
+        <a:tint val="40000"/>
+        <a:alpha val="90000"/>
+      </a:schemeClr>
+      <a:schemeClr val="accent4">
+        <a:tint val="40000"/>
+        <a:alpha val="90000"/>
+      </a:schemeClr>
+      <a:schemeClr val="accent5">
+        <a:tint val="40000"/>
+        <a:alpha val="90000"/>
+      </a:schemeClr>
+      <a:schemeClr val="accent6">
+        <a:tint val="40000"/>
+        <a:alpha val="90000"/>
+      </a:schemeClr>
+    </dgm:fillClrLst>
+    <dgm:linClrLst meth="repeat">
+      <a:schemeClr val="accent2">
+        <a:tint val="40000"/>
+        <a:alpha val="90000"/>
+      </a:schemeClr>
+      <a:schemeClr val="accent3">
+        <a:tint val="40000"/>
+        <a:alpha val="90000"/>
+      </a:schemeClr>
+      <a:schemeClr val="accent4">
+        <a:tint val="40000"/>
+        <a:alpha val="90000"/>
+      </a:schemeClr>
+      <a:schemeClr val="accent5">
+        <a:tint val="40000"/>
+        <a:alpha val="90000"/>
+      </a:schemeClr>
+      <a:schemeClr val="accent6">
+        <a:tint val="40000"/>
+        <a:alpha val="90000"/>
+      </a:schemeClr>
+    </dgm:linClrLst>
+    <dgm:effectClrLst/>
+    <dgm:txLinClrLst/>
+    <dgm:txFillClrLst meth="repeat">
+      <a:schemeClr val="dk1"/>
+    </dgm:txFillClrLst>
+    <dgm:txEffectClrLst/>
+  </dgm:styleLbl>
+  <dgm:styleLbl name="fgAcc0">
+    <dgm:fillClrLst meth="repeat">
+      <a:schemeClr val="lt1">
+        <a:alpha val="90000"/>
+      </a:schemeClr>
+    </dgm:fillClrLst>
+    <dgm:linClrLst>
+      <a:schemeClr val="accent1"/>
+    </dgm:linClrLst>
+    <dgm:effectClrLst/>
+    <dgm:txLinClrLst/>
+    <dgm:txFillClrLst meth="repeat">
+      <a:schemeClr val="dk1"/>
+    </dgm:txFillClrLst>
+    <dgm:txEffectClrLst/>
+  </dgm:styleLbl>
+  <dgm:styleLbl name="fgAcc2">
+    <dgm:fillClrLst meth="repeat">
+      <a:schemeClr val="lt1">
+        <a:alpha val="90000"/>
+      </a:schemeClr>
+    </dgm:fillClrLst>
+    <dgm:linClrLst>
+      <a:schemeClr val="accent2"/>
+    </dgm:linClrLst>
+    <dgm:effectClrLst/>
+    <dgm:txLinClrLst/>
+    <dgm:txFillClrLst meth="repeat">
+      <a:schemeClr val="dk1"/>
+    </dgm:txFillClrLst>
+    <dgm:txEffectClrLst/>
+  </dgm:styleLbl>
+  <dgm:styleLbl name="fgAcc3">
+    <dgm:fillClrLst meth="repeat">
+      <a:schemeClr val="lt1">
+        <a:alpha val="90000"/>
+      </a:schemeClr>
+    </dgm:fillClrLst>
+    <dgm:linClrLst>
+      <a:schemeClr val="accent3"/>
+    </dgm:linClrLst>
+    <dgm:effectClrLst/>
+    <dgm:txLinClrLst/>
+    <dgm:txFillClrLst meth="repeat">
+      <a:schemeClr val="dk1"/>
+    </dgm:txFillClrLst>
+    <dgm:txEffectClrLst/>
+  </dgm:styleLbl>
+  <dgm:styleLbl name="fgAcc4">
+    <dgm:fillClrLst meth="repeat">
+      <a:schemeClr val="lt1">
+        <a:alpha val="90000"/>
+      </a:schemeClr>
+    </dgm:fillClrLst>
+    <dgm:linClrLst>
+      <a:schemeClr val="accent4"/>
+    </dgm:linClrLst>
+    <dgm:effectClrLst/>
+    <dgm:txLinClrLst/>
+    <dgm:txFillClrLst meth="repeat">
+      <a:schemeClr val="dk1"/>
+    </dgm:txFillClrLst>
+    <dgm:txEffectClrLst/>
+  </dgm:styleLbl>
+  <dgm:styleLbl name="bgShp">
+    <dgm:fillClrLst meth="repeat">
+      <a:schemeClr val="accent2">
+        <a:tint val="40000"/>
+      </a:schemeClr>
+    </dgm:fillClrLst>
+    <dgm:linClrLst meth="repeat">
+      <a:schemeClr val="dk1"/>
+    </dgm:linClrLst>
+    <dgm:effectClrLst/>
+    <dgm:txLinClrLst/>
+    <dgm:txFillClrLst meth="repeat">
+      <a:schemeClr val="dk1"/>
+    </dgm:txFillClrLst>
+    <dgm:txEffectClrLst/>
+  </dgm:styleLbl>
+  <dgm:styleLbl name="dkBgShp">
+    <dgm:fillClrLst meth="repeat">
+      <a:schemeClr val="accent2">
+        <a:shade val="90000"/>
+      </a:schemeClr>
+    </dgm:fillClrLst>
+    <dgm:linClrLst meth="repeat">
+      <a:schemeClr val="dk1"/>
+    </dgm:linClrLst>
+    <dgm:effectClrLst/>
+    <dgm:txLinClrLst/>
+    <dgm:txFillClrLst meth="repeat">
+      <a:schemeClr val="lt1"/>
+    </dgm:txFillClrLst>
+    <dgm:txEffectClrLst/>
+  </dgm:styleLbl>
+  <dgm:styleLbl name="trBgShp">
+    <dgm:fillClrLst meth="repeat">
+      <a:schemeClr val="accent1">
+        <a:tint val="50000"/>
+        <a:alpha val="40000"/>
+      </a:schemeClr>
+    </dgm:fillClrLst>
+    <dgm:linClrLst meth="repeat">
+      <a:schemeClr val="accent2"/>
+    </dgm:linClrLst>
+    <dgm:effectClrLst/>
+    <dgm:txLinClrLst/>
+    <dgm:txFillClrLst meth="repeat">
+      <a:schemeClr val="lt1"/>
+    </dgm:txFillClrLst>
+    <dgm:txEffectClrLst/>
+  </dgm:styleLbl>
+  <dgm:styleLbl name="fgShp">
+    <dgm:fillClrLst meth="repeat">
+      <a:schemeClr val="accent2">
+        <a:tint val="40000"/>
+      </a:schemeClr>
+    </dgm:fillClrLst>
+    <dgm:linClrLst meth="repeat">
+      <a:schemeClr val="lt1"/>
+    </dgm:linClrLst>
+    <dgm:effectClrLst/>
+    <dgm:txLinClrLst/>
+    <dgm:txFillClrLst meth="repeat">
+      <a:schemeClr val="dk1"/>
+    </dgm:txFillClrLst>
+    <dgm:txEffectClrLst/>
+  </dgm:styleLbl>
+  <dgm:styleLbl name="revTx">
+    <dgm:fillClrLst meth="repeat">
+      <a:schemeClr val="lt1">
+        <a:alpha val="0"/>
+      </a:schemeClr>
+    </dgm:fillClrLst>
+    <dgm:linClrLst meth="repeat">
+      <a:schemeClr val="dk1">
+        <a:alpha val="0"/>
+      </a:schemeClr>
+    </dgm:linClrLst>
+    <dgm:effectClrLst/>
+    <dgm:txLinClrLst/>
+    <dgm:txFillClrLst meth="repeat">
+      <a:schemeClr val="tx1"/>
+    </dgm:txFillClrLst>
+    <dgm:txEffectClrLst/>
+  </dgm:styleLbl>
+</dgm:colorsDef>
+</file>
+
+<file path=ppt/diagrams/data1.xml><?xml version="1.0" encoding="utf-8"?>
+<dgm:dataModel xmlns:dgm="http://schemas.openxmlformats.org/drawingml/2006/diagram" xmlns:a="http://schemas.openxmlformats.org/drawingml/2006/main">
+  <dgm:ptLst>
+    <dgm:pt modelId="{DBC5A42E-710A-4206-AC27-30C9E47E378A}" type="doc">
+      <dgm:prSet loTypeId="urn:microsoft.com/office/officeart/2005/8/layout/radial3" loCatId="relationship" qsTypeId="urn:microsoft.com/office/officeart/2005/8/quickstyle/3d2#3" qsCatId="3D" csTypeId="urn:microsoft.com/office/officeart/2005/8/colors/colorful1" csCatId="colorful" phldr="1"/>
+      <dgm:spPr/>
+      <dgm:t>
+        <a:bodyPr/>
+        <a:lstStyle/>
+        <a:p>
+          <a:endParaRPr lang="zh-CN" altLang="en-US"/>
+        </a:p>
+      </dgm:t>
+    </dgm:pt>
+    <dgm:pt modelId="{B10CB38E-318D-4EC2-BA3D-F6426EC7C51C}">
+      <dgm:prSet phldrT="[文本]" custT="1"/>
+      <dgm:spPr/>
+      <dgm:t>
+        <a:bodyPr/>
+        <a:lstStyle/>
+        <a:p>
+          <a:r>
+            <a:rPr lang="zh-CN" altLang="en-US" sz="2800" dirty="0">
+              <a:latin typeface="黑体" panose="02010609060101010101" pitchFamily="49" charset="-122"/>
+              <a:ea typeface="黑体" panose="02010609060101010101" pitchFamily="49" charset="-122"/>
+            </a:rPr>
+            <a:t>生命科学</a:t>
+          </a:r>
+          <a:endParaRPr lang="en-US" altLang="zh-CN" sz="2800" dirty="0">
+            <a:latin typeface="黑体" panose="02010609060101010101" pitchFamily="49" charset="-122"/>
+            <a:ea typeface="黑体" panose="02010609060101010101" pitchFamily="49" charset="-122"/>
+          </a:endParaRPr>
+        </a:p>
+        <a:p>
+          <a:r>
+            <a:rPr lang="zh-CN" altLang="en-US" sz="2800">
+              <a:latin typeface="黑体" panose="02010609060101010101" pitchFamily="49" charset="-122"/>
+              <a:ea typeface="黑体" panose="02010609060101010101" pitchFamily="49" charset="-122"/>
+            </a:rPr>
+            <a:t>计算机 数学</a:t>
+          </a:r>
+          <a:endParaRPr lang="zh-CN" altLang="en-US" sz="2800" dirty="0">
+            <a:latin typeface="黑体" panose="02010609060101010101" pitchFamily="49" charset="-122"/>
+            <a:ea typeface="黑体" panose="02010609060101010101" pitchFamily="49" charset="-122"/>
+          </a:endParaRPr>
+        </a:p>
+      </dgm:t>
+    </dgm:pt>
+    <dgm:pt modelId="{DBEAED6F-E259-420B-9545-7C1504EF257F}" type="parTrans" cxnId="{DF4441E4-BEC1-42C6-8CC5-38BA4FC88DB6}">
+      <dgm:prSet/>
+      <dgm:spPr/>
+      <dgm:t>
+        <a:bodyPr/>
+        <a:lstStyle/>
+        <a:p>
+          <a:endParaRPr lang="zh-CN" altLang="en-US"/>
+        </a:p>
+      </dgm:t>
+    </dgm:pt>
+    <dgm:pt modelId="{BF68566F-92F1-407B-B1F4-F7805956CE2F}" type="sibTrans" cxnId="{DF4441E4-BEC1-42C6-8CC5-38BA4FC88DB6}">
+      <dgm:prSet/>
+      <dgm:spPr/>
+      <dgm:t>
+        <a:bodyPr/>
+        <a:lstStyle/>
+        <a:p>
+          <a:endParaRPr lang="zh-CN" altLang="en-US"/>
+        </a:p>
+      </dgm:t>
+    </dgm:pt>
+    <dgm:pt modelId="{B00339D5-CE91-4C51-8AE4-4DAA228F5E13}">
+      <dgm:prSet phldrT="[文本]"/>
+      <dgm:spPr/>
+      <dgm:t>
+        <a:bodyPr/>
+        <a:lstStyle/>
+        <a:p>
+          <a:pPr>
+            <a:spcAft>
+              <a:spcPts val="600"/>
+            </a:spcAft>
+          </a:pPr>
+          <a:r>
+            <a:rPr lang="zh-CN" altLang="en-US" dirty="0">
+              <a:latin typeface="黑体" panose="02010609060101010101" pitchFamily="49" charset="-122"/>
+              <a:ea typeface="黑体" panose="02010609060101010101" pitchFamily="49" charset="-122"/>
+            </a:rPr>
+            <a:t>二代</a:t>
+          </a:r>
+          <a:endParaRPr lang="en-US" altLang="zh-CN" dirty="0">
+            <a:latin typeface="黑体" panose="02010609060101010101" pitchFamily="49" charset="-122"/>
+            <a:ea typeface="黑体" panose="02010609060101010101" pitchFamily="49" charset="-122"/>
+          </a:endParaRPr>
+        </a:p>
+        <a:p>
+          <a:pPr>
+            <a:spcAft>
+              <a:spcPts val="600"/>
+            </a:spcAft>
+          </a:pPr>
+          <a:r>
+            <a:rPr lang="zh-CN" altLang="en-US" dirty="0">
+              <a:latin typeface="黑体" panose="02010609060101010101" pitchFamily="49" charset="-122"/>
+              <a:ea typeface="黑体" panose="02010609060101010101" pitchFamily="49" charset="-122"/>
+            </a:rPr>
+            <a:t>测序</a:t>
+          </a:r>
+        </a:p>
+      </dgm:t>
+    </dgm:pt>
+    <dgm:pt modelId="{F6853BE1-CA89-4B0F-B850-6EA21252D238}" type="parTrans" cxnId="{41623EDA-EE98-4247-8F30-EBE0CC4802AB}">
+      <dgm:prSet/>
+      <dgm:spPr/>
+      <dgm:t>
+        <a:bodyPr/>
+        <a:lstStyle/>
+        <a:p>
+          <a:endParaRPr lang="zh-CN" altLang="en-US"/>
+        </a:p>
+      </dgm:t>
+    </dgm:pt>
+    <dgm:pt modelId="{B9900714-BAF3-4E4D-A3F2-D1E7FB8EC28E}" type="sibTrans" cxnId="{41623EDA-EE98-4247-8F30-EBE0CC4802AB}">
+      <dgm:prSet/>
+      <dgm:spPr/>
+      <dgm:t>
+        <a:bodyPr/>
+        <a:lstStyle/>
+        <a:p>
+          <a:endParaRPr lang="zh-CN" altLang="en-US"/>
+        </a:p>
+      </dgm:t>
+    </dgm:pt>
+    <dgm:pt modelId="{2D68A33A-2DDA-4D64-B64C-B0FB63EEC06D}">
+      <dgm:prSet phldrT="[文本]"/>
+      <dgm:spPr/>
+      <dgm:t>
+        <a:bodyPr/>
+        <a:lstStyle/>
+        <a:p>
+          <a:pPr>
+            <a:spcAft>
+              <a:spcPts val="600"/>
+            </a:spcAft>
+          </a:pPr>
+          <a:r>
+            <a:rPr lang="zh-CN" altLang="en-US" dirty="0">
+              <a:latin typeface="黑体" panose="02010609060101010101" pitchFamily="49" charset="-122"/>
+              <a:ea typeface="黑体" panose="02010609060101010101" pitchFamily="49" charset="-122"/>
+            </a:rPr>
+            <a:t>统计算法</a:t>
+          </a:r>
+          <a:endParaRPr lang="en-US" altLang="zh-CN" dirty="0">
+            <a:latin typeface="黑体" panose="02010609060101010101" pitchFamily="49" charset="-122"/>
+            <a:ea typeface="黑体" panose="02010609060101010101" pitchFamily="49" charset="-122"/>
+          </a:endParaRPr>
+        </a:p>
+      </dgm:t>
+    </dgm:pt>
+    <dgm:pt modelId="{BEC7D083-4338-4862-8C60-1BCE814F6D68}" type="parTrans" cxnId="{BF5BB273-0651-464C-BB12-BCA883D527F3}">
+      <dgm:prSet/>
+      <dgm:spPr/>
+      <dgm:t>
+        <a:bodyPr/>
+        <a:lstStyle/>
+        <a:p>
+          <a:endParaRPr lang="zh-CN" altLang="en-US"/>
+        </a:p>
+      </dgm:t>
+    </dgm:pt>
+    <dgm:pt modelId="{5E83C395-70C3-4F14-852B-9A81748133C0}" type="sibTrans" cxnId="{BF5BB273-0651-464C-BB12-BCA883D527F3}">
+      <dgm:prSet/>
+      <dgm:spPr/>
+      <dgm:t>
+        <a:bodyPr/>
+        <a:lstStyle/>
+        <a:p>
+          <a:endParaRPr lang="zh-CN" altLang="en-US"/>
+        </a:p>
+      </dgm:t>
+    </dgm:pt>
+    <dgm:pt modelId="{B8BDD185-4478-43F1-A039-948C2AEFFDB3}">
+      <dgm:prSet phldrT="[文本]"/>
+      <dgm:spPr/>
+      <dgm:t>
+        <a:bodyPr/>
+        <a:lstStyle/>
+        <a:p>
+          <a:pPr>
+            <a:spcAft>
+              <a:spcPts val="600"/>
+            </a:spcAft>
+          </a:pPr>
+          <a:r>
+            <a:rPr lang="zh-CN" altLang="en-US" dirty="0">
+              <a:latin typeface="黑体" panose="02010609060101010101" pitchFamily="49" charset="-122"/>
+              <a:ea typeface="黑体" panose="02010609060101010101" pitchFamily="49" charset="-122"/>
+            </a:rPr>
+            <a:t>医学</a:t>
+          </a:r>
+          <a:endParaRPr lang="en-US" altLang="zh-CN" dirty="0">
+            <a:latin typeface="黑体" panose="02010609060101010101" pitchFamily="49" charset="-122"/>
+            <a:ea typeface="黑体" panose="02010609060101010101" pitchFamily="49" charset="-122"/>
+          </a:endParaRPr>
+        </a:p>
+        <a:p>
+          <a:pPr>
+            <a:spcAft>
+              <a:spcPts val="600"/>
+            </a:spcAft>
+          </a:pPr>
+          <a:r>
+            <a:rPr lang="zh-CN" altLang="en-US" dirty="0">
+              <a:latin typeface="黑体" panose="02010609060101010101" pitchFamily="49" charset="-122"/>
+              <a:ea typeface="黑体" panose="02010609060101010101" pitchFamily="49" charset="-122"/>
+            </a:rPr>
+            <a:t>智能</a:t>
+          </a:r>
+        </a:p>
+      </dgm:t>
+    </dgm:pt>
+    <dgm:pt modelId="{AF8E0F4A-2F25-4D37-87A7-2D72B3E75859}" type="parTrans" cxnId="{946ED4C5-AAE8-432B-B9DC-EABB3855EF18}">
+      <dgm:prSet/>
+      <dgm:spPr/>
+      <dgm:t>
+        <a:bodyPr/>
+        <a:lstStyle/>
+        <a:p>
+          <a:endParaRPr lang="zh-CN" altLang="en-US"/>
+        </a:p>
+      </dgm:t>
+    </dgm:pt>
+    <dgm:pt modelId="{ECF6BA5E-8036-4FFD-8C6A-D8DDB716559C}" type="sibTrans" cxnId="{946ED4C5-AAE8-432B-B9DC-EABB3855EF18}">
+      <dgm:prSet/>
+      <dgm:spPr/>
+      <dgm:t>
+        <a:bodyPr/>
+        <a:lstStyle/>
+        <a:p>
+          <a:endParaRPr lang="zh-CN" altLang="en-US"/>
+        </a:p>
+      </dgm:t>
+    </dgm:pt>
+    <dgm:pt modelId="{1C447DE1-B7D3-4A8C-8352-96F263814497}">
+      <dgm:prSet phldrT="[文本]"/>
+      <dgm:spPr/>
+      <dgm:t>
+        <a:bodyPr/>
+        <a:lstStyle/>
+        <a:p>
+          <a:r>
+            <a:rPr lang="zh-CN" altLang="en-US" dirty="0">
+              <a:latin typeface="黑体" panose="02010609060101010101" pitchFamily="49" charset="-122"/>
+              <a:ea typeface="黑体" panose="02010609060101010101" pitchFamily="49" charset="-122"/>
+            </a:rPr>
+            <a:t>罕见病</a:t>
+          </a:r>
+        </a:p>
+      </dgm:t>
+    </dgm:pt>
+    <dgm:pt modelId="{6055C5D7-0246-410D-B949-E3DEE3F4F1CC}" type="parTrans" cxnId="{31AB219A-B259-40FC-B840-CDB151E547F7}">
+      <dgm:prSet/>
+      <dgm:spPr/>
+      <dgm:t>
+        <a:bodyPr/>
+        <a:lstStyle/>
+        <a:p>
+          <a:endParaRPr lang="zh-CN" altLang="en-US"/>
+        </a:p>
+      </dgm:t>
+    </dgm:pt>
+    <dgm:pt modelId="{61981177-3CCE-46BD-AA04-64AE6A8AE435}" type="sibTrans" cxnId="{31AB219A-B259-40FC-B840-CDB151E547F7}">
+      <dgm:prSet/>
+      <dgm:spPr/>
+      <dgm:t>
+        <a:bodyPr/>
+        <a:lstStyle/>
+        <a:p>
+          <a:endParaRPr lang="zh-CN" altLang="en-US"/>
+        </a:p>
+      </dgm:t>
+    </dgm:pt>
+    <dgm:pt modelId="{BCC2A1E0-F5BB-42F0-B346-3BF26E731DCF}" type="pres">
+      <dgm:prSet presAssocID="{DBC5A42E-710A-4206-AC27-30C9E47E378A}" presName="composite" presStyleCnt="0">
+        <dgm:presLayoutVars>
+          <dgm:chMax val="1"/>
+          <dgm:dir/>
+          <dgm:resizeHandles val="exact"/>
+        </dgm:presLayoutVars>
+      </dgm:prSet>
+      <dgm:spPr/>
+    </dgm:pt>
+    <dgm:pt modelId="{04E3A70E-976E-4C42-8377-C731EB75DC83}" type="pres">
+      <dgm:prSet presAssocID="{DBC5A42E-710A-4206-AC27-30C9E47E378A}" presName="radial" presStyleCnt="0">
+        <dgm:presLayoutVars>
+          <dgm:animLvl val="ctr"/>
+        </dgm:presLayoutVars>
+      </dgm:prSet>
+      <dgm:spPr/>
+    </dgm:pt>
+    <dgm:pt modelId="{6FEA431D-A2CA-4043-8131-580635354D2E}" type="pres">
+      <dgm:prSet presAssocID="{B10CB38E-318D-4EC2-BA3D-F6426EC7C51C}" presName="centerShape" presStyleLbl="vennNode1" presStyleIdx="0" presStyleCnt="5"/>
+      <dgm:spPr/>
+    </dgm:pt>
+    <dgm:pt modelId="{7358D172-53BA-4DE5-8818-7AE035043731}" type="pres">
+      <dgm:prSet presAssocID="{B00339D5-CE91-4C51-8AE4-4DAA228F5E13}" presName="node" presStyleLbl="vennNode1" presStyleIdx="1" presStyleCnt="5">
+        <dgm:presLayoutVars>
+          <dgm:bulletEnabled val="1"/>
+        </dgm:presLayoutVars>
+      </dgm:prSet>
+      <dgm:spPr/>
+    </dgm:pt>
+    <dgm:pt modelId="{B2824CA0-FE13-4B8D-BF94-95AA9D338ED3}" type="pres">
+      <dgm:prSet presAssocID="{2D68A33A-2DDA-4D64-B64C-B0FB63EEC06D}" presName="node" presStyleLbl="vennNode1" presStyleIdx="2" presStyleCnt="5">
+        <dgm:presLayoutVars>
+          <dgm:bulletEnabled val="1"/>
+        </dgm:presLayoutVars>
+      </dgm:prSet>
+      <dgm:spPr/>
+    </dgm:pt>
+    <dgm:pt modelId="{A2F9F9E6-465B-4E36-8A45-4CF1CDFC5105}" type="pres">
+      <dgm:prSet presAssocID="{B8BDD185-4478-43F1-A039-948C2AEFFDB3}" presName="node" presStyleLbl="vennNode1" presStyleIdx="3" presStyleCnt="5">
+        <dgm:presLayoutVars>
+          <dgm:bulletEnabled val="1"/>
+        </dgm:presLayoutVars>
+      </dgm:prSet>
+      <dgm:spPr/>
+    </dgm:pt>
+    <dgm:pt modelId="{6CDBECA2-9A92-4493-BA3D-DB1AAC9BEA1C}" type="pres">
+      <dgm:prSet presAssocID="{1C447DE1-B7D3-4A8C-8352-96F263814497}" presName="node" presStyleLbl="vennNode1" presStyleIdx="4" presStyleCnt="5">
+        <dgm:presLayoutVars>
+          <dgm:bulletEnabled val="1"/>
+        </dgm:presLayoutVars>
+      </dgm:prSet>
+      <dgm:spPr/>
+    </dgm:pt>
+  </dgm:ptLst>
+  <dgm:cxnLst>
+    <dgm:cxn modelId="{E74C952A-9E25-4EBB-AB4A-35FA1F9E60DD}" type="presOf" srcId="{2D68A33A-2DDA-4D64-B64C-B0FB63EEC06D}" destId="{B2824CA0-FE13-4B8D-BF94-95AA9D338ED3}" srcOrd="0" destOrd="0" presId="urn:microsoft.com/office/officeart/2005/8/layout/radial3"/>
+    <dgm:cxn modelId="{04C1F944-10BD-425D-83CF-8F50EAF222BB}" type="presOf" srcId="{DBC5A42E-710A-4206-AC27-30C9E47E378A}" destId="{BCC2A1E0-F5BB-42F0-B346-3BF26E731DCF}" srcOrd="0" destOrd="0" presId="urn:microsoft.com/office/officeart/2005/8/layout/radial3"/>
+    <dgm:cxn modelId="{BF5BB273-0651-464C-BB12-BCA883D527F3}" srcId="{B10CB38E-318D-4EC2-BA3D-F6426EC7C51C}" destId="{2D68A33A-2DDA-4D64-B64C-B0FB63EEC06D}" srcOrd="1" destOrd="0" parTransId="{BEC7D083-4338-4862-8C60-1BCE814F6D68}" sibTransId="{5E83C395-70C3-4F14-852B-9A81748133C0}"/>
+    <dgm:cxn modelId="{A433FD93-4DFC-46FD-B006-1BAB84059E2F}" type="presOf" srcId="{B8BDD185-4478-43F1-A039-948C2AEFFDB3}" destId="{A2F9F9E6-465B-4E36-8A45-4CF1CDFC5105}" srcOrd="0" destOrd="0" presId="urn:microsoft.com/office/officeart/2005/8/layout/radial3"/>
+    <dgm:cxn modelId="{31AB219A-B259-40FC-B840-CDB151E547F7}" srcId="{B10CB38E-318D-4EC2-BA3D-F6426EC7C51C}" destId="{1C447DE1-B7D3-4A8C-8352-96F263814497}" srcOrd="3" destOrd="0" parTransId="{6055C5D7-0246-410D-B949-E3DEE3F4F1CC}" sibTransId="{61981177-3CCE-46BD-AA04-64AE6A8AE435}"/>
+    <dgm:cxn modelId="{CF3612A9-0217-4EE9-819D-7B56A126AAD3}" type="presOf" srcId="{1C447DE1-B7D3-4A8C-8352-96F263814497}" destId="{6CDBECA2-9A92-4493-BA3D-DB1AAC9BEA1C}" srcOrd="0" destOrd="0" presId="urn:microsoft.com/office/officeart/2005/8/layout/radial3"/>
+    <dgm:cxn modelId="{4B2287C2-C08F-4176-9A30-39EA35474A21}" type="presOf" srcId="{B10CB38E-318D-4EC2-BA3D-F6426EC7C51C}" destId="{6FEA431D-A2CA-4043-8131-580635354D2E}" srcOrd="0" destOrd="0" presId="urn:microsoft.com/office/officeart/2005/8/layout/radial3"/>
+    <dgm:cxn modelId="{946ED4C5-AAE8-432B-B9DC-EABB3855EF18}" srcId="{B10CB38E-318D-4EC2-BA3D-F6426EC7C51C}" destId="{B8BDD185-4478-43F1-A039-948C2AEFFDB3}" srcOrd="2" destOrd="0" parTransId="{AF8E0F4A-2F25-4D37-87A7-2D72B3E75859}" sibTransId="{ECF6BA5E-8036-4FFD-8C6A-D8DDB716559C}"/>
+    <dgm:cxn modelId="{41623EDA-EE98-4247-8F30-EBE0CC4802AB}" srcId="{B10CB38E-318D-4EC2-BA3D-F6426EC7C51C}" destId="{B00339D5-CE91-4C51-8AE4-4DAA228F5E13}" srcOrd="0" destOrd="0" parTransId="{F6853BE1-CA89-4B0F-B850-6EA21252D238}" sibTransId="{B9900714-BAF3-4E4D-A3F2-D1E7FB8EC28E}"/>
+    <dgm:cxn modelId="{DF4441E4-BEC1-42C6-8CC5-38BA4FC88DB6}" srcId="{DBC5A42E-710A-4206-AC27-30C9E47E378A}" destId="{B10CB38E-318D-4EC2-BA3D-F6426EC7C51C}" srcOrd="0" destOrd="0" parTransId="{DBEAED6F-E259-420B-9545-7C1504EF257F}" sibTransId="{BF68566F-92F1-407B-B1F4-F7805956CE2F}"/>
+    <dgm:cxn modelId="{F20F38E8-2BCD-49B3-9DA7-1337606D3CD8}" type="presOf" srcId="{B00339D5-CE91-4C51-8AE4-4DAA228F5E13}" destId="{7358D172-53BA-4DE5-8818-7AE035043731}" srcOrd="0" destOrd="0" presId="urn:microsoft.com/office/officeart/2005/8/layout/radial3"/>
+    <dgm:cxn modelId="{3C7EB670-D7E5-4B08-80E8-A43DAC1846FD}" type="presParOf" srcId="{BCC2A1E0-F5BB-42F0-B346-3BF26E731DCF}" destId="{04E3A70E-976E-4C42-8377-C731EB75DC83}" srcOrd="0" destOrd="0" presId="urn:microsoft.com/office/officeart/2005/8/layout/radial3"/>
+    <dgm:cxn modelId="{03C1B8B8-08D6-4593-8F18-339E1121FA38}" type="presParOf" srcId="{04E3A70E-976E-4C42-8377-C731EB75DC83}" destId="{6FEA431D-A2CA-4043-8131-580635354D2E}" srcOrd="0" destOrd="0" presId="urn:microsoft.com/office/officeart/2005/8/layout/radial3"/>
+    <dgm:cxn modelId="{1D574BD3-E2AF-4922-B85A-7784DDE2B279}" type="presParOf" srcId="{04E3A70E-976E-4C42-8377-C731EB75DC83}" destId="{7358D172-53BA-4DE5-8818-7AE035043731}" srcOrd="1" destOrd="0" presId="urn:microsoft.com/office/officeart/2005/8/layout/radial3"/>
+    <dgm:cxn modelId="{56D9BE9F-96FE-4D4D-881E-3A051A96E9C0}" type="presParOf" srcId="{04E3A70E-976E-4C42-8377-C731EB75DC83}" destId="{B2824CA0-FE13-4B8D-BF94-95AA9D338ED3}" srcOrd="2" destOrd="0" presId="urn:microsoft.com/office/officeart/2005/8/layout/radial3"/>
+    <dgm:cxn modelId="{7216FA39-AE85-4327-9895-B0096899FF91}" type="presParOf" srcId="{04E3A70E-976E-4C42-8377-C731EB75DC83}" destId="{A2F9F9E6-465B-4E36-8A45-4CF1CDFC5105}" srcOrd="3" destOrd="0" presId="urn:microsoft.com/office/officeart/2005/8/layout/radial3"/>
+    <dgm:cxn modelId="{10C7D197-28C9-4D8C-A31C-428869E96DA0}" type="presParOf" srcId="{04E3A70E-976E-4C42-8377-C731EB75DC83}" destId="{6CDBECA2-9A92-4493-BA3D-DB1AAC9BEA1C}" srcOrd="4" destOrd="0" presId="urn:microsoft.com/office/officeart/2005/8/layout/radial3"/>
+  </dgm:cxnLst>
+  <dgm:bg/>
+  <dgm:whole/>
+  <dgm:extLst>
+    <a:ext uri="http://schemas.microsoft.com/office/drawing/2008/diagram">
+      <dsp:dataModelExt xmlns:dsp="http://schemas.microsoft.com/office/drawing/2008/diagram" relId="rId6" minVer="http://schemas.openxmlformats.org/drawingml/2006/diagram"/>
+    </a:ext>
+  </dgm:extLst>
+</dgm:dataModel>
+</file>
+
+<file path=ppt/diagrams/drawing1.xml><?xml version="1.0" encoding="utf-8"?>
+<dsp:drawing xmlns:dgm="http://schemas.openxmlformats.org/drawingml/2006/diagram" xmlns:dsp="http://schemas.microsoft.com/office/drawing/2008/diagram" xmlns:a="http://schemas.openxmlformats.org/drawingml/2006/main">
+  <dsp:spTree>
+    <dsp:nvGrpSpPr>
+      <dsp:cNvPr id="0" name=""/>
+      <dsp:cNvGrpSpPr/>
+    </dsp:nvGrpSpPr>
+    <dsp:grpSpPr/>
+    <dsp:sp modelId="{6FEA431D-A2CA-4043-8131-580635354D2E}">
+      <dsp:nvSpPr>
+        <dsp:cNvPr id="0" name=""/>
+        <dsp:cNvSpPr/>
+      </dsp:nvSpPr>
+      <dsp:spPr>
+        <a:xfrm>
+          <a:off x="2446584" y="1186444"/>
+          <a:ext cx="2955703" cy="2955703"/>
+        </a:xfrm>
+        <a:prstGeom prst="ellipse">
+          <a:avLst/>
+        </a:prstGeom>
+        <a:gradFill rotWithShape="0">
+          <a:gsLst>
+            <a:gs pos="0">
+              <a:schemeClr val="accent2">
+                <a:alpha val="50000"/>
+                <a:hueOff val="0"/>
+                <a:satOff val="0"/>
+                <a:lumOff val="0"/>
+                <a:alphaOff val="0"/>
+                <a:tint val="96000"/>
+                <a:lumMod val="100000"/>
+              </a:schemeClr>
+            </a:gs>
+            <a:gs pos="78000">
+              <a:schemeClr val="accent2">
+                <a:alpha val="50000"/>
+                <a:hueOff val="0"/>
+                <a:satOff val="0"/>
+                <a:lumOff val="0"/>
+                <a:alphaOff val="0"/>
+                <a:shade val="94000"/>
+                <a:lumMod val="94000"/>
+              </a:schemeClr>
+            </a:gs>
+          </a:gsLst>
+          <a:lin ang="5400000" scaled="0"/>
+        </a:gradFill>
+        <a:ln>
+          <a:noFill/>
+        </a:ln>
+        <a:effectLst>
+          <a:outerShdw blurRad="38100" dist="25400" dir="5400000" rotWithShape="0">
+            <a:srgbClr val="000000">
+              <a:alpha val="35000"/>
+            </a:srgbClr>
+          </a:outerShdw>
+        </a:effectLst>
+        <a:scene3d>
+          <a:camera prst="orthographicFront"/>
+          <a:lightRig rig="threePt" dir="t">
+            <a:rot lat="0" lon="0" rev="7500000"/>
+          </a:lightRig>
+        </a:scene3d>
+        <a:sp3d prstMaterial="plastic">
+          <a:bevelT w="127000" h="25400" prst="relaxedInset"/>
+        </a:sp3d>
+      </dsp:spPr>
+      <dsp:style>
+        <a:lnRef idx="0">
+          <a:scrgbClr r="0" g="0" b="0"/>
+        </a:lnRef>
+        <a:fillRef idx="3">
+          <a:scrgbClr r="0" g="0" b="0"/>
+        </a:fillRef>
+        <a:effectRef idx="2">
+          <a:scrgbClr r="0" g="0" b="0"/>
+        </a:effectRef>
+        <a:fontRef idx="minor">
+          <a:schemeClr val="tx1"/>
+        </a:fontRef>
+      </dsp:style>
+      <dsp:txBody>
+        <a:bodyPr spcFirstLastPara="0" vert="horz" wrap="square" lIns="35560" tIns="35560" rIns="35560" bIns="35560" numCol="1" spcCol="1270" anchor="ctr" anchorCtr="0">
+          <a:noAutofit/>
+        </a:bodyPr>
+        <a:lstStyle/>
+        <a:p>
+          <a:pPr marL="0" lvl="0" indent="0" algn="ctr" defTabSz="1244600">
+            <a:lnSpc>
+              <a:spcPct val="90000"/>
+            </a:lnSpc>
+            <a:spcBef>
+              <a:spcPct val="0"/>
+            </a:spcBef>
+            <a:spcAft>
+              <a:spcPct val="35000"/>
+            </a:spcAft>
+            <a:buNone/>
+          </a:pPr>
+          <a:r>
+            <a:rPr lang="zh-CN" altLang="en-US" sz="2800" kern="1200" dirty="0">
+              <a:latin typeface="黑体" panose="02010609060101010101" pitchFamily="49" charset="-122"/>
+              <a:ea typeface="黑体" panose="02010609060101010101" pitchFamily="49" charset="-122"/>
+            </a:rPr>
+            <a:t>生命科学</a:t>
+          </a:r>
+          <a:endParaRPr lang="en-US" altLang="zh-CN" sz="2800" kern="1200" dirty="0">
+            <a:latin typeface="黑体" panose="02010609060101010101" pitchFamily="49" charset="-122"/>
+            <a:ea typeface="黑体" panose="02010609060101010101" pitchFamily="49" charset="-122"/>
+          </a:endParaRPr>
+        </a:p>
+        <a:p>
+          <a:pPr marL="0" lvl="0" indent="0" algn="ctr" defTabSz="1244600">
+            <a:lnSpc>
+              <a:spcPct val="90000"/>
+            </a:lnSpc>
+            <a:spcBef>
+              <a:spcPct val="0"/>
+            </a:spcBef>
+            <a:spcAft>
+              <a:spcPct val="35000"/>
+            </a:spcAft>
+            <a:buNone/>
+          </a:pPr>
+          <a:r>
+            <a:rPr lang="zh-CN" altLang="en-US" sz="2800" kern="1200">
+              <a:latin typeface="黑体" panose="02010609060101010101" pitchFamily="49" charset="-122"/>
+              <a:ea typeface="黑体" panose="02010609060101010101" pitchFamily="49" charset="-122"/>
+            </a:rPr>
+            <a:t>计算机 数学</a:t>
+          </a:r>
+          <a:endParaRPr lang="zh-CN" altLang="en-US" sz="2800" kern="1200" dirty="0">
+            <a:latin typeface="黑体" panose="02010609060101010101" pitchFamily="49" charset="-122"/>
+            <a:ea typeface="黑体" panose="02010609060101010101" pitchFamily="49" charset="-122"/>
+          </a:endParaRPr>
+        </a:p>
+      </dsp:txBody>
+      <dsp:txXfrm>
+        <a:off x="2879437" y="1619297"/>
+        <a:ext cx="2089997" cy="2089997"/>
+      </dsp:txXfrm>
+    </dsp:sp>
+    <dsp:sp modelId="{7358D172-53BA-4DE5-8818-7AE035043731}">
+      <dsp:nvSpPr>
+        <dsp:cNvPr id="0" name=""/>
+        <dsp:cNvSpPr/>
+      </dsp:nvSpPr>
+      <dsp:spPr>
+        <a:xfrm>
+          <a:off x="3185510" y="527"/>
+          <a:ext cx="1477851" cy="1477851"/>
+        </a:xfrm>
+        <a:prstGeom prst="ellipse">
+          <a:avLst/>
+        </a:prstGeom>
+        <a:gradFill rotWithShape="0">
+          <a:gsLst>
+            <a:gs pos="0">
+              <a:schemeClr val="accent3">
+                <a:alpha val="50000"/>
+                <a:hueOff val="0"/>
+                <a:satOff val="0"/>
+                <a:lumOff val="0"/>
+                <a:alphaOff val="0"/>
+                <a:tint val="96000"/>
+                <a:lumMod val="100000"/>
+              </a:schemeClr>
+            </a:gs>
+            <a:gs pos="78000">
+              <a:schemeClr val="accent3">
+                <a:alpha val="50000"/>
+                <a:hueOff val="0"/>
+                <a:satOff val="0"/>
+                <a:lumOff val="0"/>
+                <a:alphaOff val="0"/>
+                <a:shade val="94000"/>
+                <a:lumMod val="94000"/>
+              </a:schemeClr>
+            </a:gs>
+          </a:gsLst>
+          <a:lin ang="5400000" scaled="0"/>
+        </a:gradFill>
+        <a:ln>
+          <a:noFill/>
+        </a:ln>
+        <a:effectLst>
+          <a:outerShdw blurRad="38100" dist="25400" dir="5400000" rotWithShape="0">
+            <a:srgbClr val="000000">
+              <a:alpha val="35000"/>
+            </a:srgbClr>
+          </a:outerShdw>
+        </a:effectLst>
+        <a:scene3d>
+          <a:camera prst="orthographicFront"/>
+          <a:lightRig rig="threePt" dir="t">
+            <a:rot lat="0" lon="0" rev="7500000"/>
+          </a:lightRig>
+        </a:scene3d>
+        <a:sp3d prstMaterial="plastic">
+          <a:bevelT w="127000" h="25400" prst="relaxedInset"/>
+        </a:sp3d>
+      </dsp:spPr>
+      <dsp:style>
+        <a:lnRef idx="0">
+          <a:scrgbClr r="0" g="0" b="0"/>
+        </a:lnRef>
+        <a:fillRef idx="3">
+          <a:scrgbClr r="0" g="0" b="0"/>
+        </a:fillRef>
+        <a:effectRef idx="2">
+          <a:scrgbClr r="0" g="0" b="0"/>
+        </a:effectRef>
+        <a:fontRef idx="minor">
+          <a:schemeClr val="tx1"/>
+        </a:fontRef>
+      </dsp:style>
+      <dsp:txBody>
+        <a:bodyPr spcFirstLastPara="0" vert="horz" wrap="square" lIns="38100" tIns="38100" rIns="38100" bIns="38100" numCol="1" spcCol="1270" anchor="ctr" anchorCtr="0">
+          <a:noAutofit/>
+        </a:bodyPr>
+        <a:lstStyle/>
+        <a:p>
+          <a:pPr marL="0" lvl="0" indent="0" algn="ctr" defTabSz="1333500">
+            <a:lnSpc>
+              <a:spcPct val="90000"/>
+            </a:lnSpc>
+            <a:spcBef>
+              <a:spcPct val="0"/>
+            </a:spcBef>
+            <a:spcAft>
+              <a:spcPts val="600"/>
+            </a:spcAft>
+            <a:buNone/>
+          </a:pPr>
+          <a:r>
+            <a:rPr lang="zh-CN" altLang="en-US" sz="3000" kern="1200" dirty="0">
+              <a:latin typeface="黑体" panose="02010609060101010101" pitchFamily="49" charset="-122"/>
+              <a:ea typeface="黑体" panose="02010609060101010101" pitchFamily="49" charset="-122"/>
+            </a:rPr>
+            <a:t>二代</a:t>
+          </a:r>
+          <a:endParaRPr lang="en-US" altLang="zh-CN" sz="3000" kern="1200" dirty="0">
+            <a:latin typeface="黑体" panose="02010609060101010101" pitchFamily="49" charset="-122"/>
+            <a:ea typeface="黑体" panose="02010609060101010101" pitchFamily="49" charset="-122"/>
+          </a:endParaRPr>
+        </a:p>
+        <a:p>
+          <a:pPr marL="0" lvl="0" indent="0" algn="ctr" defTabSz="1333500">
+            <a:lnSpc>
+              <a:spcPct val="90000"/>
+            </a:lnSpc>
+            <a:spcBef>
+              <a:spcPct val="0"/>
+            </a:spcBef>
+            <a:spcAft>
+              <a:spcPts val="600"/>
+            </a:spcAft>
+            <a:buNone/>
+          </a:pPr>
+          <a:r>
+            <a:rPr lang="zh-CN" altLang="en-US" sz="3000" kern="1200" dirty="0">
+              <a:latin typeface="黑体" panose="02010609060101010101" pitchFamily="49" charset="-122"/>
+              <a:ea typeface="黑体" panose="02010609060101010101" pitchFamily="49" charset="-122"/>
+            </a:rPr>
+            <a:t>测序</a:t>
+          </a:r>
+        </a:p>
+      </dsp:txBody>
+      <dsp:txXfrm>
+        <a:off x="3401936" y="216953"/>
+        <a:ext cx="1044999" cy="1044999"/>
+      </dsp:txXfrm>
+    </dsp:sp>
+    <dsp:sp modelId="{B2824CA0-FE13-4B8D-BF94-95AA9D338ED3}">
+      <dsp:nvSpPr>
+        <dsp:cNvPr id="0" name=""/>
+        <dsp:cNvSpPr/>
+      </dsp:nvSpPr>
+      <dsp:spPr>
+        <a:xfrm>
+          <a:off x="5110352" y="1925370"/>
+          <a:ext cx="1477851" cy="1477851"/>
+        </a:xfrm>
+        <a:prstGeom prst="ellipse">
+          <a:avLst/>
+        </a:prstGeom>
+        <a:gradFill rotWithShape="0">
+          <a:gsLst>
+            <a:gs pos="0">
+              <a:schemeClr val="accent4">
+                <a:alpha val="50000"/>
+                <a:hueOff val="0"/>
+                <a:satOff val="0"/>
+                <a:lumOff val="0"/>
+                <a:alphaOff val="0"/>
+                <a:tint val="96000"/>
+                <a:lumMod val="100000"/>
+              </a:schemeClr>
+            </a:gs>
+            <a:gs pos="78000">
+              <a:schemeClr val="accent4">
+                <a:alpha val="50000"/>
+                <a:hueOff val="0"/>
+                <a:satOff val="0"/>
+                <a:lumOff val="0"/>
+                <a:alphaOff val="0"/>
+                <a:shade val="94000"/>
+                <a:lumMod val="94000"/>
+              </a:schemeClr>
+            </a:gs>
+          </a:gsLst>
+          <a:lin ang="5400000" scaled="0"/>
+        </a:gradFill>
+        <a:ln>
+          <a:noFill/>
+        </a:ln>
+        <a:effectLst>
+          <a:outerShdw blurRad="38100" dist="25400" dir="5400000" rotWithShape="0">
+            <a:srgbClr val="000000">
+              <a:alpha val="35000"/>
+            </a:srgbClr>
+          </a:outerShdw>
+        </a:effectLst>
+        <a:scene3d>
+          <a:camera prst="orthographicFront"/>
+          <a:lightRig rig="threePt" dir="t">
+            <a:rot lat="0" lon="0" rev="7500000"/>
+          </a:lightRig>
+        </a:scene3d>
+        <a:sp3d prstMaterial="plastic">
+          <a:bevelT w="127000" h="25400" prst="relaxedInset"/>
+        </a:sp3d>
+      </dsp:spPr>
+      <dsp:style>
+        <a:lnRef idx="0">
+          <a:scrgbClr r="0" g="0" b="0"/>
+        </a:lnRef>
+        <a:fillRef idx="3">
+          <a:scrgbClr r="0" g="0" b="0"/>
+        </a:fillRef>
+        <a:effectRef idx="2">
+          <a:scrgbClr r="0" g="0" b="0"/>
+        </a:effectRef>
+        <a:fontRef idx="minor">
+          <a:schemeClr val="tx1"/>
+        </a:fontRef>
+      </dsp:style>
+      <dsp:txBody>
+        <a:bodyPr spcFirstLastPara="0" vert="horz" wrap="square" lIns="38100" tIns="38100" rIns="38100" bIns="38100" numCol="1" spcCol="1270" anchor="ctr" anchorCtr="0">
+          <a:noAutofit/>
+        </a:bodyPr>
+        <a:lstStyle/>
+        <a:p>
+          <a:pPr marL="0" lvl="0" indent="0" algn="ctr" defTabSz="1333500">
+            <a:lnSpc>
+              <a:spcPct val="90000"/>
+            </a:lnSpc>
+            <a:spcBef>
+              <a:spcPct val="0"/>
+            </a:spcBef>
+            <a:spcAft>
+              <a:spcPts val="600"/>
+            </a:spcAft>
+            <a:buNone/>
+          </a:pPr>
+          <a:r>
+            <a:rPr lang="zh-CN" altLang="en-US" sz="3000" kern="1200" dirty="0">
+              <a:latin typeface="黑体" panose="02010609060101010101" pitchFamily="49" charset="-122"/>
+              <a:ea typeface="黑体" panose="02010609060101010101" pitchFamily="49" charset="-122"/>
+            </a:rPr>
+            <a:t>统计算法</a:t>
+          </a:r>
+          <a:endParaRPr lang="en-US" altLang="zh-CN" sz="3000" kern="1200" dirty="0">
+            <a:latin typeface="黑体" panose="02010609060101010101" pitchFamily="49" charset="-122"/>
+            <a:ea typeface="黑体" panose="02010609060101010101" pitchFamily="49" charset="-122"/>
+          </a:endParaRPr>
+        </a:p>
+      </dsp:txBody>
+      <dsp:txXfrm>
+        <a:off x="5326778" y="2141796"/>
+        <a:ext cx="1044999" cy="1044999"/>
+      </dsp:txXfrm>
+    </dsp:sp>
+    <dsp:sp modelId="{A2F9F9E6-465B-4E36-8A45-4CF1CDFC5105}">
+      <dsp:nvSpPr>
+        <dsp:cNvPr id="0" name=""/>
+        <dsp:cNvSpPr/>
+      </dsp:nvSpPr>
+      <dsp:spPr>
+        <a:xfrm>
+          <a:off x="3185510" y="3850212"/>
+          <a:ext cx="1477851" cy="1477851"/>
+        </a:xfrm>
+        <a:prstGeom prst="ellipse">
+          <a:avLst/>
+        </a:prstGeom>
+        <a:gradFill rotWithShape="0">
+          <a:gsLst>
+            <a:gs pos="0">
+              <a:schemeClr val="accent5">
+                <a:alpha val="50000"/>
+                <a:hueOff val="0"/>
+                <a:satOff val="0"/>
+                <a:lumOff val="0"/>
+                <a:alphaOff val="0"/>
+                <a:tint val="96000"/>
+                <a:lumMod val="100000"/>
+              </a:schemeClr>
+            </a:gs>
+            <a:gs pos="78000">
+              <a:schemeClr val="accent5">
+                <a:alpha val="50000"/>
+                <a:hueOff val="0"/>
+                <a:satOff val="0"/>
+                <a:lumOff val="0"/>
+                <a:alphaOff val="0"/>
+                <a:shade val="94000"/>
+                <a:lumMod val="94000"/>
+              </a:schemeClr>
+            </a:gs>
+          </a:gsLst>
+          <a:lin ang="5400000" scaled="0"/>
+        </a:gradFill>
+        <a:ln>
+          <a:noFill/>
+        </a:ln>
+        <a:effectLst>
+          <a:outerShdw blurRad="38100" dist="25400" dir="5400000" rotWithShape="0">
+            <a:srgbClr val="000000">
+              <a:alpha val="35000"/>
+            </a:srgbClr>
+          </a:outerShdw>
+        </a:effectLst>
+        <a:scene3d>
+          <a:camera prst="orthographicFront"/>
+          <a:lightRig rig="threePt" dir="t">
+            <a:rot lat="0" lon="0" rev="7500000"/>
+          </a:lightRig>
+        </a:scene3d>
+        <a:sp3d prstMaterial="plastic">
+          <a:bevelT w="127000" h="25400" prst="relaxedInset"/>
+        </a:sp3d>
+      </dsp:spPr>
+      <dsp:style>
+        <a:lnRef idx="0">
+          <a:scrgbClr r="0" g="0" b="0"/>
+        </a:lnRef>
+        <a:fillRef idx="3">
+          <a:scrgbClr r="0" g="0" b="0"/>
+        </a:fillRef>
+        <a:effectRef idx="2">
+          <a:scrgbClr r="0" g="0" b="0"/>
+        </a:effectRef>
+        <a:fontRef idx="minor">
+          <a:schemeClr val="tx1"/>
+        </a:fontRef>
+      </dsp:style>
+      <dsp:txBody>
+        <a:bodyPr spcFirstLastPara="0" vert="horz" wrap="square" lIns="38100" tIns="38100" rIns="38100" bIns="38100" numCol="1" spcCol="1270" anchor="ctr" anchorCtr="0">
+          <a:noAutofit/>
+        </a:bodyPr>
+        <a:lstStyle/>
+        <a:p>
+          <a:pPr marL="0" lvl="0" indent="0" algn="ctr" defTabSz="1333500">
+            <a:lnSpc>
+              <a:spcPct val="90000"/>
+            </a:lnSpc>
+            <a:spcBef>
+              <a:spcPct val="0"/>
+            </a:spcBef>
+            <a:spcAft>
+              <a:spcPts val="600"/>
+            </a:spcAft>
+            <a:buNone/>
+          </a:pPr>
+          <a:r>
+            <a:rPr lang="zh-CN" altLang="en-US" sz="3000" kern="1200" dirty="0">
+              <a:latin typeface="黑体" panose="02010609060101010101" pitchFamily="49" charset="-122"/>
+              <a:ea typeface="黑体" panose="02010609060101010101" pitchFamily="49" charset="-122"/>
+            </a:rPr>
+            <a:t>医学</a:t>
+          </a:r>
+          <a:endParaRPr lang="en-US" altLang="zh-CN" sz="3000" kern="1200" dirty="0">
+            <a:latin typeface="黑体" panose="02010609060101010101" pitchFamily="49" charset="-122"/>
+            <a:ea typeface="黑体" panose="02010609060101010101" pitchFamily="49" charset="-122"/>
+          </a:endParaRPr>
+        </a:p>
+        <a:p>
+          <a:pPr marL="0" lvl="0" indent="0" algn="ctr" defTabSz="1333500">
+            <a:lnSpc>
+              <a:spcPct val="90000"/>
+            </a:lnSpc>
+            <a:spcBef>
+              <a:spcPct val="0"/>
+            </a:spcBef>
+            <a:spcAft>
+              <a:spcPts val="600"/>
+            </a:spcAft>
+            <a:buNone/>
+          </a:pPr>
+          <a:r>
+            <a:rPr lang="zh-CN" altLang="en-US" sz="3000" kern="1200" dirty="0">
+              <a:latin typeface="黑体" panose="02010609060101010101" pitchFamily="49" charset="-122"/>
+              <a:ea typeface="黑体" panose="02010609060101010101" pitchFamily="49" charset="-122"/>
+            </a:rPr>
+            <a:t>智能</a:t>
+          </a:r>
+        </a:p>
+      </dsp:txBody>
+      <dsp:txXfrm>
+        <a:off x="3401936" y="4066638"/>
+        <a:ext cx="1044999" cy="1044999"/>
+      </dsp:txXfrm>
+    </dsp:sp>
+    <dsp:sp modelId="{6CDBECA2-9A92-4493-BA3D-DB1AAC9BEA1C}">
+      <dsp:nvSpPr>
+        <dsp:cNvPr id="0" name=""/>
+        <dsp:cNvSpPr/>
+      </dsp:nvSpPr>
+      <dsp:spPr>
+        <a:xfrm>
+          <a:off x="1260667" y="1925370"/>
+          <a:ext cx="1477851" cy="1477851"/>
+        </a:xfrm>
+        <a:prstGeom prst="ellipse">
+          <a:avLst/>
+        </a:prstGeom>
+        <a:gradFill rotWithShape="0">
+          <a:gsLst>
+            <a:gs pos="0">
+              <a:schemeClr val="accent6">
+                <a:alpha val="50000"/>
+                <a:hueOff val="0"/>
+                <a:satOff val="0"/>
+                <a:lumOff val="0"/>
+                <a:alphaOff val="0"/>
+                <a:tint val="96000"/>
+                <a:lumMod val="100000"/>
+              </a:schemeClr>
+            </a:gs>
+            <a:gs pos="78000">
+              <a:schemeClr val="accent6">
+                <a:alpha val="50000"/>
+                <a:hueOff val="0"/>
+                <a:satOff val="0"/>
+                <a:lumOff val="0"/>
+                <a:alphaOff val="0"/>
+                <a:shade val="94000"/>
+                <a:lumMod val="94000"/>
+              </a:schemeClr>
+            </a:gs>
+          </a:gsLst>
+          <a:lin ang="5400000" scaled="0"/>
+        </a:gradFill>
+        <a:ln>
+          <a:noFill/>
+        </a:ln>
+        <a:effectLst>
+          <a:outerShdw blurRad="38100" dist="25400" dir="5400000" rotWithShape="0">
+            <a:srgbClr val="000000">
+              <a:alpha val="35000"/>
+            </a:srgbClr>
+          </a:outerShdw>
+        </a:effectLst>
+        <a:scene3d>
+          <a:camera prst="orthographicFront"/>
+          <a:lightRig rig="threePt" dir="t">
+            <a:rot lat="0" lon="0" rev="7500000"/>
+          </a:lightRig>
+        </a:scene3d>
+        <a:sp3d prstMaterial="plastic">
+          <a:bevelT w="127000" h="25400" prst="relaxedInset"/>
+        </a:sp3d>
+      </dsp:spPr>
+      <dsp:style>
+        <a:lnRef idx="0">
+          <a:scrgbClr r="0" g="0" b="0"/>
+        </a:lnRef>
+        <a:fillRef idx="3">
+          <a:scrgbClr r="0" g="0" b="0"/>
+        </a:fillRef>
+        <a:effectRef idx="2">
+          <a:scrgbClr r="0" g="0" b="0"/>
+        </a:effectRef>
+        <a:fontRef idx="minor">
+          <a:schemeClr val="tx1"/>
+        </a:fontRef>
+      </dsp:style>
+      <dsp:txBody>
+        <a:bodyPr spcFirstLastPara="0" vert="horz" wrap="square" lIns="38100" tIns="38100" rIns="38100" bIns="38100" numCol="1" spcCol="1270" anchor="ctr" anchorCtr="0">
+          <a:noAutofit/>
+        </a:bodyPr>
+        <a:lstStyle/>
+        <a:p>
+          <a:pPr marL="0" lvl="0" indent="0" algn="ctr" defTabSz="1333500">
+            <a:lnSpc>
+              <a:spcPct val="90000"/>
+            </a:lnSpc>
+            <a:spcBef>
+              <a:spcPct val="0"/>
+            </a:spcBef>
+            <a:spcAft>
+              <a:spcPct val="35000"/>
+            </a:spcAft>
+            <a:buNone/>
+          </a:pPr>
+          <a:r>
+            <a:rPr lang="zh-CN" altLang="en-US" sz="3000" kern="1200" dirty="0">
+              <a:latin typeface="黑体" panose="02010609060101010101" pitchFamily="49" charset="-122"/>
+              <a:ea typeface="黑体" panose="02010609060101010101" pitchFamily="49" charset="-122"/>
+            </a:rPr>
+            <a:t>罕见病</a:t>
+          </a:r>
+        </a:p>
+      </dsp:txBody>
+      <dsp:txXfrm>
+        <a:off x="1477093" y="2141796"/>
+        <a:ext cx="1044999" cy="1044999"/>
+      </dsp:txXfrm>
+    </dsp:sp>
+  </dsp:spTree>
+</dsp:drawing>
+</file>
+
+<file path=ppt/diagrams/layout1.xml><?xml version="1.0" encoding="utf-8"?>
+<dgm:layoutDef xmlns:dgm="http://schemas.openxmlformats.org/drawingml/2006/diagram" xmlns:a="http://schemas.openxmlformats.org/drawingml/2006/main" uniqueId="urn:microsoft.com/office/officeart/2005/8/layout/radial3">
+  <dgm:title val=""/>
+  <dgm:desc val=""/>
+  <dgm:catLst>
+    <dgm:cat type="relationship" pri="31000"/>
+    <dgm:cat type="cycle" pri="12000"/>
+  </dgm:catLst>
+  <dgm:sampData>
+    <dgm:dataModel>
+      <dgm:ptLst>
+        <dgm:pt modelId="0" type="doc"/>
+        <dgm:pt modelId="1">
+          <dgm:prSet phldr="1"/>
+        </dgm:pt>
+        <dgm:pt modelId="11">
+          <dgm:prSet phldr="1"/>
+        </dgm:pt>
+        <dgm:pt modelId="12">
+          <dgm:prSet phldr="1"/>
+        </dgm:pt>
+        <dgm:pt modelId="13">
+          <dgm:prSet phldr="1"/>
+        </dgm:pt>
+        <dgm:pt modelId="14">
+          <dgm:prSet phldr="1"/>
+        </dgm:pt>
+      </dgm:ptLst>
+      <dgm:cxnLst>
+        <dgm:cxn modelId="2" srcId="0" destId="1" srcOrd="0" destOrd="0"/>
+        <dgm:cxn modelId="3" srcId="1" destId="11" srcOrd="0" destOrd="0"/>
+        <dgm:cxn modelId="4" srcId="1" destId="12" srcOrd="1" destOrd="0"/>
+        <dgm:cxn modelId="5" srcId="1" destId="13" srcOrd="2" destOrd="0"/>
+        <dgm:cxn modelId="6" srcId="1" destId="14" srcOrd="3" destOrd="0"/>
+      </dgm:cxnLst>
+      <dgm:bg/>
+      <dgm:whole/>
+    </dgm:dataModel>
+  </dgm:sampData>
+  <dgm:styleData>
+    <dgm:dataModel>
+      <dgm:ptLst>
+        <dgm:pt modelId="0" type="doc"/>
+        <dgm:pt modelId="1"/>
+        <dgm:pt modelId="11"/>
+        <dgm:pt modelId="12"/>
+        <dgm:pt modelId="13"/>
+      </dgm:ptLst>
+      <dgm:cxnLst>
+        <dgm:cxn modelId="2" srcId="0" destId="1" srcOrd="0" destOrd="0"/>
+        <dgm:cxn modelId="15" srcId="1" destId="11" srcOrd="0" destOrd="0"/>
+        <dgm:cxn modelId="16" srcId="1" destId="12" srcOrd="1" destOrd="0"/>
+        <dgm:cxn modelId="17" srcId="1" destId="13" srcOrd="2" destOrd="0"/>
+      </dgm:cxnLst>
+      <dgm:bg/>
+      <dgm:whole/>
+    </dgm:dataModel>
+  </dgm:styleData>
+  <dgm:clrData>
+    <dgm:dataModel>
+      <dgm:ptLst>
+        <dgm:pt modelId="0" type="doc"/>
+        <dgm:pt modelId="1"/>
+        <dgm:pt modelId="11"/>
+        <dgm:pt modelId="12"/>
+        <dgm:pt modelId="13"/>
+        <dgm:pt modelId="14"/>
+        <dgm:pt modelId="15"/>
+        <dgm:pt modelId="16"/>
+      </dgm:ptLst>
+      <dgm:cxnLst>
+        <dgm:cxn modelId="2" srcId="0" destId="1" srcOrd="0" destOrd="0"/>
+        <dgm:cxn modelId="16" srcId="1" destId="11" srcOrd="0" destOrd="0"/>
+        <dgm:cxn modelId="17" srcId="1" destId="12" srcOrd="1" destOrd="0"/>
+        <dgm:cxn modelId="18" srcId="1" destId="13" srcOrd="2" destOrd="0"/>
+        <dgm:cxn modelId="19" srcId="1" destId="14" srcOrd="3" destOrd="0"/>
+        <dgm:cxn modelId="20" srcId="1" destId="15" srcOrd="4" destOrd="0"/>
+        <dgm:cxn modelId="21" srcId="1" destId="16" srcOrd="5" destOrd="0"/>
+      </dgm:cxnLst>
+      <dgm:bg/>
+      <dgm:whole/>
+    </dgm:dataModel>
+  </dgm:clrData>
+  <dgm:layoutNode name="composite">
+    <dgm:varLst>
+      <dgm:chMax val="1"/>
+      <dgm:dir/>
+      <dgm:resizeHandles val="exact"/>
+    </dgm:varLst>
+    <dgm:alg type="composite">
+      <dgm:param type="ar" val="1"/>
+    </dgm:alg>
+    <dgm:shape xmlns:r="http://schemas.openxmlformats.org/officeDocument/2006/relationships" r:blip="">
+      <dgm:adjLst/>
+    </dgm:shape>
+    <dgm:presOf/>
+    <dgm:constrLst/>
+    <dgm:ruleLst/>
+    <dgm:layoutNode name="radial">
+      <dgm:varLst>
+        <dgm:animLvl val="ctr"/>
+      </dgm:varLst>
+      <dgm:choose name="Name0">
+        <dgm:if name="Name1" func="var" arg="dir" op="equ" val="norm">
+          <dgm:choose name="Name2">
+            <dgm:if name="Name3" axis="ch ch" ptType="node node" st="1 1" cnt="1 0" func="cnt" op="lte" val="1">
+              <dgm:alg type="cycle">
+                <dgm:param type="stAng" val="90"/>
+                <dgm:param type="spanAng" val="360"/>
+                <dgm:param type="ctrShpMap" val="fNode"/>
+              </dgm:alg>
+            </dgm:if>
+            <dgm:else name="Name4">
+              <dgm:alg type="cycle">
+                <dgm:param type="stAng" val="0"/>
+                <dgm:param type="spanAng" val="360"/>
+                <dgm:param type="ctrShpMap" val="fNode"/>
+              </dgm:alg>
+            </dgm:else>
+          </dgm:choose>
+        </dgm:if>
+        <dgm:else name="Name5">
+          <dgm:alg type="cycle">
+            <dgm:param type="stAng" val="0"/>
+            <dgm:param type="spanAng" val="-360"/>
+            <dgm:param type="ctrShpMap" val="fNode"/>
+          </dgm:alg>
+        </dgm:else>
+      </dgm:choose>
+      <dgm:shape xmlns:r="http://schemas.openxmlformats.org/officeDocument/2006/relationships" r:blip="">
+        <dgm:adjLst/>
+      </dgm:shape>
+      <dgm:presOf/>
+      <dgm:constrLst>
+        <dgm:constr type="w" for="ch" forName="centerShape" refType="w"/>
+        <dgm:constr type="h" for="ch" forName="centerShape" refType="h"/>
+        <dgm:constr type="w" for="ch" forName="node" refType="w" fact="0.5"/>
+        <dgm:constr type="h" for="ch" forName="node" refType="h" fact="0.5"/>
+        <dgm:constr type="sp" refType="w" refFor="ch" refForName="node" fact="-0.2"/>
+        <dgm:constr type="sibSp" refType="w" refFor="ch" refForName="node" fact="-0.2"/>
+        <dgm:constr type="primFontSz" for="ch" forName="centerShape" val="65"/>
+        <dgm:constr type="primFontSz" for="des" forName="node" val="65"/>
+        <dgm:constr type="primFontSz" for="ch" forName="node" refType="primFontSz" refFor="ch" refForName="centerShape" op="lte"/>
+      </dgm:constrLst>
+      <dgm:ruleLst/>
+      <dgm:forEach name="Name6" axis="ch" ptType="node" cnt="1">
+        <dgm:layoutNode name="centerShape" styleLbl="vennNode1">
+          <dgm:alg type="tx"/>
+          <dgm:shape xmlns:r="http://schemas.openxmlformats.org/officeDocument/2006/relationships" type="ellipse" r:blip="">
+            <dgm:adjLst/>
+          </dgm:shape>
+          <dgm:presOf axis="self"/>
+          <dgm:constrLst>
+            <dgm:constr type="tMarg" refType="primFontSz" fact="0.1"/>
+            <dgm:constr type="bMarg" refType="primFontSz" fact="0.1"/>
+            <dgm:constr type="lMarg" refType="primFontSz" fact="0.1"/>
+            <dgm:constr type="rMarg" refType="primFontSz" fact="0.1"/>
+          </dgm:constrLst>
+          <dgm:ruleLst>
+            <dgm:rule type="primFontSz" val="5" fact="NaN" max="NaN"/>
+          </dgm:ruleLst>
+        </dgm:layoutNode>
+        <dgm:forEach name="Name7" axis="ch" ptType="node">
+          <dgm:layoutNode name="node" styleLbl="vennNode1">
+            <dgm:varLst>
+              <dgm:bulletEnabled val="1"/>
+            </dgm:varLst>
+            <dgm:alg type="tx">
+              <dgm:param type="txAnchorVertCh" val="mid"/>
+            </dgm:alg>
+            <dgm:shape xmlns:r="http://schemas.openxmlformats.org/officeDocument/2006/relationships" type="ellipse" r:blip="">
+              <dgm:adjLst/>
+            </dgm:shape>
+            <dgm:presOf axis="desOrSelf" ptType="node"/>
+            <dgm:constrLst>
+              <dgm:constr type="tMarg" refType="primFontSz" fact="0.1"/>
+              <dgm:constr type="bMarg" refType="primFontSz" fact="0.1"/>
+              <dgm:constr type="lMarg" refType="primFontSz" fact="0.1"/>
+              <dgm:constr type="rMarg" refType="primFontSz" fact="0.1"/>
+            </dgm:constrLst>
+            <dgm:ruleLst>
+              <dgm:rule type="primFontSz" val="5" fact="NaN" max="NaN"/>
+            </dgm:ruleLst>
+          </dgm:layoutNode>
+        </dgm:forEach>
+      </dgm:forEach>
+    </dgm:layoutNode>
+  </dgm:layoutNode>
+</dgm:layoutDef>
+</file>
+
+<file path=ppt/diagrams/quickStyle1.xml><?xml version="1.0" encoding="utf-8"?>
+<dgm:styleDef xmlns:dgm="http://schemas.openxmlformats.org/drawingml/2006/diagram" xmlns:a="http://schemas.openxmlformats.org/drawingml/2006/main" uniqueId="urn:microsoft.com/office/officeart/2005/8/quickstyle/3d2#3">
+  <dgm:title val=""/>
+  <dgm:desc val=""/>
+  <dgm:catLst>
+    <dgm:cat type="3D" pri="11200"/>
+  </dgm:catLst>
+  <dgm:scene3d>
+    <a:camera prst="orthographicFront"/>
+    <a:lightRig rig="threePt" dir="t"/>
+  </dgm:scene3d>
+  <dgm:styleLbl name="node0">
+    <dgm:scene3d>
+      <a:camera prst="orthographicFront"/>
+      <a:lightRig rig="threePt" dir="t">
+        <a:rot lat="0" lon="0" rev="7500000"/>
+      </a:lightRig>
+    </dgm:scene3d>
+    <dgm:sp3d prstMaterial="plastic">
+      <a:bevelT w="127000" h="25400" prst="relaxedInset"/>
+    </dgm:sp3d>
+    <dgm:txPr/>
+    <dgm:style>
+      <a:lnRef idx="0">
+        <a:scrgbClr r="0" g="0" b="0"/>
+      </a:lnRef>
+      <a:fillRef idx="3">
+        <a:scrgbClr r="0" g="0" b="0"/>
+      </a:fillRef>
+      <a:effectRef idx="2">
+        <a:scrgbClr r="0" g="0" b="0"/>
+      </a:effectRef>
+      <a:fontRef idx="minor">
+        <a:schemeClr val="lt1"/>
+      </a:fontRef>
+    </dgm:style>
+  </dgm:styleLbl>
+  <dgm:styleLbl name="lnNode1">
+    <dgm:scene3d>
+      <a:camera prst="orthographicFront"/>
+      <a:lightRig rig="threePt" dir="t">
+        <a:rot lat="0" lon="0" rev="7500000"/>
+      </a:lightRig>
+    </dgm:scene3d>
+    <dgm:sp3d prstMaterial="plastic">
+      <a:bevelT w="127000" h="25400" prst="relaxedInset"/>
+    </dgm:sp3d>
+    <dgm:txPr/>
+    <dgm:style>
+      <a:lnRef idx="1">
+        <a:scrgbClr r="0" g="0" b="0"/>
+      </a:lnRef>
+      <a:fillRef idx="3">
+        <a:scrgbClr r="0" g="0" b="0"/>
+      </a:fillRef>
+      <a:effectRef idx="2">
+        <a:scrgbClr r="0" g="0" b="0"/>
+      </a:effectRef>
+      <a:fontRef idx="minor">
+        <a:schemeClr val="lt1"/>
+      </a:fontRef>
+    </dgm:style>
+  </dgm:styleLbl>
+  <dgm:styleLbl name="vennNode1">
+    <dgm:scene3d>
+      <a:camera prst="orthographicFront"/>
+      <a:lightRig rig="threePt" dir="t">
+        <a:rot lat="0" lon="0" rev="7500000"/>
+      </a:lightRig>
+    </dgm:scene3d>
+    <dgm:sp3d prstMaterial="plastic">
+      <a:bevelT w="127000" h="25400" prst="relaxedInset"/>
+    </dgm:sp3d>
+    <dgm:txPr/>
+    <dgm:style>
+      <a:lnRef idx="0">
+        <a:scrgbClr r="0" g="0" b="0"/>
+      </a:lnRef>
+      <a:fillRef idx="3">
+        <a:scrgbClr r="0" g="0" b="0"/>
+      </a:fillRef>
+      <a:effectRef idx="2">
+        <a:scrgbClr r="0" g="0" b="0"/>
+      </a:effectRef>
+      <a:fontRef idx="minor">
+        <a:schemeClr val="tx1"/>
+      </a:fontRef>
+    </dgm:style>
+  </dgm:styleLbl>
+  <dgm:styleLbl name="alingNode1">
+    <dgm:scene3d>
+      <a:camera prst="orthographicFront"/>
+      <a:lightRig rig="threePt" dir="t">
+        <a:rot lat="0" lon="0" rev="7500000"/>
+      </a:lightRig>
+    </dgm:scene3d>
+    <dgm:sp3d prstMaterial="plastic">
+      <a:bevelT w="127000" h="25400" prst="relaxedInset"/>
+    </dgm:sp3d>
+    <dgm:txPr/>
+    <dgm:style>
+      <a:lnRef idx="0">
+        <a:scrgbClr r="0" g="0" b="0"/>
+      </a:lnRef>
+      <a:fillRef idx="3">
+        <a:scrgbClr r="0" g="0" b="0"/>
+      </a:fillRef>
+      <a:effectRef idx="2">
+        <a:scrgbClr r="0" g="0" b="0"/>
+      </a:effectRef>
+      <a:fontRef idx="minor">
+        <a:schemeClr val="lt1"/>
+      </a:fontRef>
+    </dgm:style>
+  </dgm:styleLbl>
+  <dgm:styleLbl name="node1">
+    <dgm:scene3d>
+      <a:camera prst="orthographicFront"/>
+      <a:lightRig rig="threePt" dir="t">
+        <a:rot lat="0" lon="0" rev="7500000"/>
+      </a:lightRig>
+    </dgm:scene3d>
+    <dgm:sp3d prstMaterial="plastic">
+      <a:bevelT w="127000" h="25400" prst="relaxedInset"/>
+    </dgm:sp3d>
+    <dgm:txPr/>
+    <dgm:style>
+      <a:lnRef idx="0">
+        <a:scrgbClr r="0" g="0" b="0"/>
+      </a:lnRef>
+      <a:fillRef idx="3">
+        <a:scrgbClr r="0" g="0" b="0"/>
+      </a:fillRef>
+      <a:effectRef idx="2">
+        <a:scrgbClr r="0" g="0" b="0"/>
+      </a:effectRef>
+      <a:fontRef idx="minor">
+        <a:schemeClr val="lt1"/>
+      </a:fontRef>
+    </dgm:style>
+  </dgm:styleLbl>
+  <dgm:styleLbl name="node2">
+    <dgm:scene3d>
+      <a:camera prst="orthographicFront"/>
+      <a:lightRig rig="threePt" dir="t">
+        <a:rot lat="0" lon="0" rev="7500000"/>
+      </a:lightRig>
+    </dgm:scene3d>
+    <dgm:sp3d prstMaterial="plastic">
+      <a:bevelT w="127000" h="25400" prst="relaxedInset"/>
+    </dgm:sp3d>
+    <dgm:txPr/>
+    <dgm:style>
+      <a:lnRef idx="0">
+        <a:scrgbClr r="0" g="0" b="0"/>
+      </a:lnRef>
+      <a:fillRef idx="3">
+        <a:scrgbClr r="0" g="0" b="0"/>
+      </a:fillRef>
+      <a:effectRef idx="2">
+        <a:scrgbClr r="0" g="0" b="0"/>
+      </a:effectRef>
+      <a:fontRef idx="minor">
+        <a:schemeClr val="lt1"/>
+      </a:fontRef>
+    </dgm:style>
+  </dgm:styleLbl>
+  <dgm:styleLbl name="node3">
+    <dgm:scene3d>
+      <a:camera prst="orthographicFront"/>
+      <a:lightRig rig="threePt" dir="t">
+        <a:rot lat="0" lon="0" rev="7500000"/>
+      </a:lightRig>
+    </dgm:scene3d>
+    <dgm:sp3d prstMaterial="plastic">
+      <a:bevelT w="127000" h="25400" prst="relaxedInset"/>
+    </dgm:sp3d>
+    <dgm:txPr/>
+    <dgm:style>
+      <a:lnRef idx="0">
+        <a:scrgbClr r="0" g="0" b="0"/>
+      </a:lnRef>
+      <a:fillRef idx="3">
+        <a:scrgbClr r="0" g="0" b="0"/>
+      </a:fillRef>
+      <a:effectRef idx="2">
+        <a:scrgbClr r="0" g="0" b="0"/>
+      </a:effectRef>
+      <a:fontRef idx="minor">
+        <a:schemeClr val="lt1"/>
+      </a:fontRef>
+    </dgm:style>
+  </dgm:styleLbl>
+  <dgm:styleLbl name="node4">
+    <dgm:scene3d>
+      <a:camera prst="orthographicFront"/>
+      <a:lightRig rig="threePt" dir="t">
+        <a:rot lat="0" lon="0" rev="7500000"/>
+      </a:lightRig>
+    </dgm:scene3d>
+    <dgm:sp3d prstMaterial="plastic">
+      <a:bevelT w="127000" h="25400" prst="relaxedInset"/>
+    </dgm:sp3d>
+    <dgm:txPr/>
+    <dgm:style>
+      <a:lnRef idx="0">
+        <a:scrgbClr r="0" g="0" b="0"/>
+      </a:lnRef>
+      <a:fillRef idx="3">
+        <a:scrgbClr r="0" g="0" b="0"/>
+      </a:fillRef>
+      <a:effectRef idx="2">
+        <a:scrgbClr r="0" g="0" b="0"/>
+      </a:effectRef>
+      <a:fontRef idx="minor">
+        <a:schemeClr val="lt1"/>
+      </a:fontRef>
+    </dgm:style>
+  </dgm:styleLbl>
+  <dgm:styleLbl name="fgImgPlace1">
+    <dgm:scene3d>
+      <a:camera prst="orthographicFront"/>
+      <a:lightRig rig="threePt" dir="t">
+        <a:rot lat="0" lon="0" rev="7500000"/>
+      </a:lightRig>
+    </dgm:scene3d>
+    <dgm:sp3d z="152400" extrusionH="63500" prstMaterial="matte">
+      <a:bevelT w="50800" h="19050" prst="relaxedInset"/>
+      <a:contourClr>
+        <a:schemeClr val="bg1"/>
+      </a:contourClr>
+    </dgm:sp3d>
+    <dgm:txPr/>
+    <dgm:style>
+      <a:lnRef idx="0">
+        <a:scrgbClr r="0" g="0" b="0"/>
+      </a:lnRef>
+      <a:fillRef idx="1">
+        <a:scrgbClr r="0" g="0" b="0"/>
+      </a:fillRef>
+      <a:effectRef idx="0">
+        <a:scrgbClr r="0" g="0" b="0"/>
+      </a:effectRef>
+      <a:fontRef idx="minor"/>
+    </dgm:style>
+  </dgm:styleLbl>
+  <dgm:styleLbl name="alignImgPlace1">
+    <dgm:scene3d>
+      <a:camera prst="orthographicFront"/>
+      <a:lightRig rig="threePt" dir="t">
+        <a:rot lat="0" lon="0" rev="7500000"/>
+      </a:lightRig>
+    </dgm:scene3d>
+    <dgm:sp3d z="254000" extrusionH="63500" contourW="12700" prstMaterial="matte">
+      <a:contourClr>
+        <a:schemeClr val="lt1"/>
+      </a:contourClr>
+    </dgm:sp3d>
+    <dgm:txPr/>
+    <dgm:style>
+      <a:lnRef idx="0">
+        <a:scrgbClr r="0" g="0" b="0"/>
+      </a:lnRef>
+      <a:fillRef idx="1">
+        <a:scrgbClr r="0" g="0" b="0"/>
+      </a:fillRef>
+      <a:effectRef idx="0">
+        <a:scrgbClr r="0" g="0" b="0"/>
+      </a:effectRef>
+      <a:fontRef idx="minor"/>
+    </dgm:style>
+  </dgm:styleLbl>
+  <dgm:styleLbl name="bgImgPlace1">
+    <dgm:scene3d>
+      <a:camera prst="orthographicFront"/>
+      <a:lightRig rig="threePt" dir="t">
+        <a:rot lat="0" lon="0" rev="7500000"/>
+      </a:lightRig>
+    </dgm:scene3d>
+    <dgm:sp3d z="-152400" extrusionH="63500" contourW="127000" prstMaterial="matte">
+      <a:contourClr>
+        <a:schemeClr val="lt1"/>
+      </a:contourClr>
+    </dgm:sp3d>
+    <dgm:txPr/>
+    <dgm:style>
+      <a:lnRef idx="0">
+        <a:scrgbClr r="0" g="0" b="0"/>
+      </a:lnRef>
+      <a:fillRef idx="1">
+        <a:scrgbClr r="0" g="0" b="0"/>
+      </a:fillRef>
+      <a:effectRef idx="0">
+        <a:scrgbClr r="0" g="0" b="0"/>
+      </a:effectRef>
+      <a:fontRef idx="minor"/>
+    </dgm:style>
+  </dgm:styleLbl>
+  <dgm:styleLbl name="sibTrans2D1">
+    <dgm:scene3d>
+      <a:camera prst="orthographicFront"/>
+      <a:lightRig rig="threePt" dir="t">
+        <a:rot lat="0" lon="0" rev="7500000"/>
+      </a:lightRig>
+    </dgm:scene3d>
+    <dgm:sp3d z="-70000" extrusionH="63500" prstMaterial="matte">
+      <a:bevelT w="25400" h="6350" prst="relaxedInset"/>
+      <a:contourClr>
+        <a:schemeClr val="bg1"/>
+      </a:contourClr>
+    </dgm:sp3d>
+    <dgm:txPr/>
+    <dgm:style>
+      <a:lnRef idx="0">
+        <a:scrgbClr r="0" g="0" b="0"/>
+      </a:lnRef>
+      <a:fillRef idx="1">
+        <a:scrgbClr r="0" g="0" b="0"/>
+      </a:fillRef>
+      <a:effectRef idx="2">
+        <a:scrgbClr r="0" g="0" b="0"/>
+      </a:effectRef>
+      <a:fontRef idx="minor">
+        <a:schemeClr val="lt1"/>
+      </a:fontRef>
+    </dgm:style>
+  </dgm:styleLbl>
+  <dgm:styleLbl name="fgSibTrans2D1">
+    <dgm:scene3d>
+      <a:camera prst="orthographicFront"/>
+      <a:lightRig rig="threePt" dir="t">
+        <a:rot lat="0" lon="0" rev="7500000"/>
+      </a:lightRig>
+    </dgm:scene3d>
+    <dgm:sp3d z="152400" extrusionH="63500" prstMaterial="matte">
+      <a:bevelT w="25400" h="6350" prst="relaxedInset"/>
+      <a:contourClr>
+        <a:schemeClr val="bg1"/>
+      </a:contourClr>
+    </dgm:sp3d>
+    <dgm:txPr/>
+    <dgm:style>
+      <a:lnRef idx="0">
+        <a:scrgbClr r="0" g="0" b="0"/>
+      </a:lnRef>
+      <a:fillRef idx="1">
+        <a:scrgbClr r="0" g="0" b="0"/>
+      </a:fillRef>
+      <a:effectRef idx="2">
+        <a:scrgbClr r="0" g="0" b="0"/>
+      </a:effectRef>
+      <a:fontRef idx="minor">
+        <a:schemeClr val="lt1"/>
+      </a:fontRef>
+    </dgm:style>
+  </dgm:styleLbl>
+  <dgm:styleLbl name="bgSibTrans2D1">
+    <dgm:scene3d>
+      <a:camera prst="orthographicFront"/>
+      <a:lightRig rig="threePt" dir="t">
+        <a:rot lat="0" lon="0" rev="7500000"/>
+      </a:lightRig>
+    </dgm:scene3d>
+    <dgm:sp3d z="-152400" extrusionH="63500" prstMaterial="matte">
+      <a:bevelT w="25400" h="6350" prst="relaxedInset"/>
+      <a:contourClr>
+        <a:schemeClr val="bg1"/>
+      </a:contourClr>
+    </dgm:sp3d>
+    <dgm:txPr/>
+    <dgm:style>
+      <a:lnRef idx="0">
+        <a:scrgbClr r="0" g="0" b="0"/>
+      </a:lnRef>
+      <a:fillRef idx="1">
+        <a:scrgbClr r="0" g="0" b="0"/>
+      </a:fillRef>
+      <a:effectRef idx="2">
+        <a:scrgbClr r="0" g="0" b="0"/>
+      </a:effectRef>
+      <a:fontRef idx="minor">
+        <a:schemeClr val="lt1"/>
+      </a:fontRef>
+    </dgm:style>
+  </dgm:styleLbl>
+  <dgm:styleLbl name="sibTrans1D1">
+    <dgm:scene3d>
+      <a:camera prst="orthographicFront"/>
+      <a:lightRig rig="threePt" dir="t">
+        <a:rot lat="0" lon="0" rev="7500000"/>
+      </a:lightRig>
+    </dgm:scene3d>
+    <dgm:sp3d z="-40000" prstMaterial="matte"/>
+    <dgm:txPr/>
+    <dgm:style>
+      <a:lnRef idx="1">
+        <a:scrgbClr r="0" g="0" b="0"/>
+      </a:lnRef>
+      <a:fillRef idx="0">
+        <a:scrgbClr r="0" g="0" b="0"/>
+      </a:fillRef>
+      <a:effectRef idx="0">
+        <a:scrgbClr r="0" g="0" b="0"/>
+      </a:effectRef>
+      <a:fontRef idx="minor"/>
+    </dgm:style>
+  </dgm:styleLbl>
+  <dgm:styleLbl name="callout">
+    <dgm:scene3d>
+      <a:camera prst="orthographicFront"/>
+      <a:lightRig rig="threePt" dir="t">
+        <a:rot lat="0" lon="0" rev="7500000"/>
+      </a:lightRig>
+    </dgm:scene3d>
+    <dgm:sp3d z="127000" prstMaterial="matte"/>
+    <dgm:txPr/>
+    <dgm:style>
+      <a:lnRef idx="2">
+        <a:scrgbClr r="0" g="0" b="0"/>
+      </a:lnRef>
+      <a:fillRef idx="1">
+        <a:scrgbClr r="0" g="0" b="0"/>
+      </a:fillRef>
+      <a:effectRef idx="0">
+        <a:scrgbClr r="0" g="0" b="0"/>
+      </a:effectRef>
+      <a:fontRef idx="minor"/>
+    </dgm:style>
+  </dgm:styleLbl>
+  <dgm:styleLbl name="asst0">
+    <dgm:scene3d>
+      <a:camera prst="orthographicFront"/>
+      <a:lightRig rig="threePt" dir="t">
+        <a:rot lat="0" lon="0" rev="7500000"/>
+      </a:lightRig>
+    </dgm:scene3d>
+    <dgm:sp3d prstMaterial="plastic">
+      <a:bevelT w="127000" h="25400" prst="relaxedInset"/>
+    </dgm:sp3d>
+    <dgm:txPr/>
+    <dgm:style>
+      <a:lnRef idx="0">
+        <a:scrgbClr r="0" g="0" b="0"/>
+      </a:lnRef>
+      <a:fillRef idx="3">
+        <a:scrgbClr r="0" g="0" b="0"/>
+      </a:fillRef>
+      <a:effectRef idx="2">
+        <a:scrgbClr r="0" g="0" b="0"/>
+      </a:effectRef>
+      <a:fontRef idx="minor">
+        <a:schemeClr val="lt1"/>
+      </a:fontRef>
+    </dgm:style>
+  </dgm:styleLbl>
+  <dgm:styleLbl name="asst1">
+    <dgm:scene3d>
+      <a:camera prst="orthographicFront"/>
+      <a:lightRig rig="threePt" dir="t">
+        <a:rot lat="0" lon="0" rev="7500000"/>
+      </a:lightRig>
+    </dgm:scene3d>
+    <dgm:sp3d prstMaterial="plastic">
+      <a:bevelT w="127000" h="25400" prst="relaxedInset"/>
+    </dgm:sp3d>
+    <dgm:txPr/>
+    <dgm:style>
+      <a:lnRef idx="0">
+        <a:scrgbClr r="0" g="0" b="0"/>
+      </a:lnRef>
+      <a:fillRef idx="3">
+        <a:scrgbClr r="0" g="0" b="0"/>
+      </a:fillRef>
+      <a:effectRef idx="2">
+        <a:scrgbClr r="0" g="0" b="0"/>
+      </a:effectRef>
+      <a:fontRef idx="minor">
+        <a:schemeClr val="lt1"/>
+      </a:fontRef>
+    </dgm:style>
+  </dgm:styleLbl>
+  <dgm:styleLbl name="asst2">
+    <dgm:scene3d>
+      <a:camera prst="orthographicFront"/>
+      <a:lightRig rig="threePt" dir="t">
+        <a:rot lat="0" lon="0" rev="7500000"/>
+      </a:lightRig>
+    </dgm:scene3d>
+    <dgm:sp3d prstMaterial="plastic">
+      <a:bevelT w="127000" h="25400" prst="relaxedInset"/>
+    </dgm:sp3d>
+    <dgm:txPr/>
+    <dgm:style>
+      <a:lnRef idx="0">
+        <a:scrgbClr r="0" g="0" b="0"/>
+      </a:lnRef>
+      <a:fillRef idx="3">
+        <a:scrgbClr r="0" g="0" b="0"/>
+      </a:fillRef>
+      <a:effectRef idx="2">
+        <a:scrgbClr r="0" g="0" b="0"/>
+      </a:effectRef>
+      <a:fontRef idx="minor">
+        <a:schemeClr val="lt1"/>
+      </a:fontRef>
+    </dgm:style>
+  </dgm:styleLbl>
+  <dgm:styleLbl name="asst3">
+    <dgm:scene3d>
+      <a:camera prst="orthographicFront"/>
+      <a:lightRig rig="threePt" dir="t">
+        <a:rot lat="0" lon="0" rev="7500000"/>
+      </a:lightRig>
+    </dgm:scene3d>
+    <dgm:sp3d prstMaterial="plastic">
+      <a:bevelT w="127000" h="25400" prst="relaxedInset"/>
+    </dgm:sp3d>
+    <dgm:txPr/>
+    <dgm:style>
+      <a:lnRef idx="0">
+        <a:scrgbClr r="0" g="0" b="0"/>
+      </a:lnRef>
+      <a:fillRef idx="3">
+        <a:scrgbClr r="0" g="0" b="0"/>
+      </a:fillRef>
+      <a:effectRef idx="2">
+        <a:scrgbClr r="0" g="0" b="0"/>
+      </a:effectRef>
+      <a:fontRef idx="minor">
+        <a:schemeClr val="lt1"/>
+      </a:fontRef>
+    </dgm:style>
+  </dgm:styleLbl>
+  <dgm:styleLbl name="parChTrans2D1">
+    <dgm:scene3d>
+      <a:camera prst="orthographicFront"/>
+      <a:lightRig rig="threePt" dir="t">
+        <a:rot lat="0" lon="0" rev="7500000"/>
+      </a:lightRig>
+    </dgm:scene3d>
+    <dgm:sp3d extrusionH="63500" prstMaterial="matte">
+      <a:bevelT w="50800" h="19050" prst="relaxedInset"/>
+      <a:contourClr>
+        <a:schemeClr val="bg1"/>
+      </a:contourClr>
+    </dgm:sp3d>
+    <dgm:txPr/>
+    <dgm:style>
+      <a:lnRef idx="0">
+        <a:scrgbClr r="0" g="0" b="0"/>
+      </a:lnRef>
+      <a:fillRef idx="1">
+        <a:scrgbClr r="0" g="0" b="0"/>
+      </a:fillRef>
+      <a:effectRef idx="2">
+        <a:scrgbClr r="0" g="0" b="0"/>
+      </a:effectRef>
+      <a:fontRef idx="minor">
+        <a:schemeClr val="lt1"/>
+      </a:fontRef>
+    </dgm:style>
+  </dgm:styleLbl>
+  <dgm:styleLbl name="parChTrans2D2">
+    <dgm:scene3d>
+      <a:camera prst="orthographicFront"/>
+      <a:lightRig rig="threePt" dir="t">
+        <a:rot lat="0" lon="0" rev="7500000"/>
+      </a:lightRig>
+    </dgm:scene3d>
+    <dgm:sp3d extrusionH="63500" prstMaterial="matte">
+      <a:bevelT w="50800" h="19050" prst="relaxedInset"/>
+      <a:contourClr>
+        <a:schemeClr val="bg1"/>
+      </a:contourClr>
+    </dgm:sp3d>
+    <dgm:txPr/>
+    <dgm:style>
+      <a:lnRef idx="0">
+        <a:scrgbClr r="0" g="0" b="0"/>
+      </a:lnRef>
+      <a:fillRef idx="1">
+        <a:scrgbClr r="0" g="0" b="0"/>
+      </a:fillRef>
+      <a:effectRef idx="0">
+        <a:scrgbClr r="0" g="0" b="0"/>
+      </a:effectRef>
+      <a:fontRef idx="minor">
+        <a:schemeClr val="lt1"/>
+      </a:fontRef>
+    </dgm:style>
+  </dgm:styleLbl>
+  <dgm:styleLbl name="parChTrans2D3">
+    <dgm:scene3d>
+      <a:camera prst="orthographicFront"/>
+      <a:lightRig rig="threePt" dir="t">
+        <a:rot lat="0" lon="0" rev="7500000"/>
+      </a:lightRig>
+    </dgm:scene3d>
+    <dgm:sp3d z="60000" prstMaterial="flat">
+      <a:bevelT w="120900" h="88900"/>
+    </dgm:sp3d>
+    <dgm:txPr/>
+    <dgm:style>
+      <a:lnRef idx="0">
+        <a:scrgbClr r="0" g="0" b="0"/>
+      </a:lnRef>
+      <a:fillRef idx="3">
+        <a:scrgbClr r="0" g="0" b="0"/>
+      </a:fillRef>
+      <a:effectRef idx="1">
+        <a:scrgbClr r="0" g="0" b="0"/>
+      </a:effectRef>
+      <a:fontRef idx="minor">
+        <a:schemeClr val="lt1"/>
+      </a:fontRef>
+    </dgm:style>
+  </dgm:styleLbl>
+  <dgm:styleLbl name="parChTrans2D4">
+    <dgm:scene3d>
+      <a:camera prst="orthographicFront"/>
+      <a:lightRig rig="threePt" dir="t">
+        <a:rot lat="0" lon="0" rev="7500000"/>
+      </a:lightRig>
+    </dgm:scene3d>
+    <dgm:sp3d z="60000" prstMaterial="flat">
+      <a:bevelT w="120900" h="88900"/>
+    </dgm:sp3d>
+    <dgm:txPr/>
+    <dgm:style>
+      <a:lnRef idx="0">
+        <a:scrgbClr r="0" g="0" b="0"/>
+      </a:lnRef>
+      <a:fillRef idx="3">
+        <a:scrgbClr r="0" g="0" b="0"/>
+      </a:fillRef>
+      <a:effectRef idx="1">
+        <a:scrgbClr r="0" g="0" b="0"/>
+      </a:effectRef>
+      <a:fontRef idx="minor">
+        <a:schemeClr val="lt1"/>
+      </a:fontRef>
+    </dgm:style>
+  </dgm:styleLbl>
+  <dgm:styleLbl name="parChTrans1D1">
+    <dgm:scene3d>
+      <a:camera prst="orthographicFront"/>
+      <a:lightRig rig="threePt" dir="t">
+        <a:rot lat="0" lon="0" rev="7500000"/>
+      </a:lightRig>
+    </dgm:scene3d>
+    <dgm:sp3d z="-40000" prstMaterial="matte"/>
+    <dgm:txPr/>
+    <dgm:style>
+      <a:lnRef idx="2">
+        <a:scrgbClr r="0" g="0" b="0"/>
+      </a:lnRef>
+      <a:fillRef idx="0">
+        <a:scrgbClr r="0" g="0" b="0"/>
+      </a:fillRef>
+      <a:effectRef idx="0">
+        <a:scrgbClr r="0" g="0" b="0"/>
+      </a:effectRef>
+      <a:fontRef idx="minor"/>
+    </dgm:style>
+  </dgm:styleLbl>
+  <dgm:styleLbl name="parChTrans1D2">
+    <dgm:scene3d>
+      <a:camera prst="orthographicFront"/>
+      <a:lightRig rig="threePt" dir="t">
+        <a:rot lat="0" lon="0" rev="7500000"/>
+      </a:lightRig>
+    </dgm:scene3d>
+    <dgm:sp3d z="-40000" prstMaterial="matte"/>
+    <dgm:txPr/>
+    <dgm:style>
+      <a:lnRef idx="2">
+        <a:scrgbClr r="0" g="0" b="0"/>
+      </a:lnRef>
+      <a:fillRef idx="0">
+        <a:scrgbClr r="0" g="0" b="0"/>
+      </a:fillRef>
+      <a:effectRef idx="0">
+        <a:scrgbClr r="0" g="0" b="0"/>
+      </a:effectRef>
+      <a:fontRef idx="minor"/>
+    </dgm:style>
+  </dgm:styleLbl>
+  <dgm:styleLbl name="parChTrans1D3">
+    <dgm:scene3d>
+      <a:camera prst="orthographicFront"/>
+      <a:lightRig rig="threePt" dir="t">
+        <a:rot lat="0" lon="0" rev="7500000"/>
+      </a:lightRig>
+    </dgm:scene3d>
+    <dgm:sp3d z="-40000" prstMaterial="matte"/>
+    <dgm:txPr/>
+    <dgm:style>
+      <a:lnRef idx="2">
+        <a:scrgbClr r="0" g="0" b="0"/>
+      </a:lnRef>
+      <a:fillRef idx="0">
+        <a:scrgbClr r="0" g="0" b="0"/>
+      </a:fillRef>
+      <a:effectRef idx="0">
+        <a:scrgbClr r="0" g="0" b="0"/>
+      </a:effectRef>
+      <a:fontRef idx="minor"/>
+    </dgm:style>
+  </dgm:styleLbl>
+  <dgm:styleLbl name="parChTrans1D4">
+    <dgm:scene3d>
+      <a:camera prst="orthographicFront"/>
+      <a:lightRig rig="threePt" dir="t">
+        <a:rot lat="0" lon="0" rev="7500000"/>
+      </a:lightRig>
+    </dgm:scene3d>
+    <dgm:sp3d z="-40000" prstMaterial="matte"/>
+    <dgm:txPr/>
+    <dgm:style>
+      <a:lnRef idx="2">
+        <a:scrgbClr r="0" g="0" b="0"/>
+      </a:lnRef>
+      <a:fillRef idx="0">
+        <a:scrgbClr r="0" g="0" b="0"/>
+      </a:fillRef>
+      <a:effectRef idx="0">
+        <a:scrgbClr r="0" g="0" b="0"/>
+      </a:effectRef>
+      <a:fontRef idx="minor"/>
+    </dgm:style>
+  </dgm:styleLbl>
+  <dgm:styleLbl name="fgAcc1">
+    <dgm:scene3d>
+      <a:camera prst="orthographicFront"/>
+      <a:lightRig rig="threePt" dir="t">
+        <a:rot lat="0" lon="0" rev="7500000"/>
+      </a:lightRig>
+    </dgm:scene3d>
+    <dgm:sp3d z="152400" extrusionH="63500" prstMaterial="dkEdge">
+      <a:bevelT w="135400" h="16350" prst="relaxedInset"/>
+      <a:contourClr>
+        <a:schemeClr val="bg1"/>
+      </a:contourClr>
+    </dgm:sp3d>
+    <dgm:txPr/>
+    <dgm:style>
+      <a:lnRef idx="1">
+        <a:scrgbClr r="0" g="0" b="0"/>
+      </a:lnRef>
+      <a:fillRef idx="1">
+        <a:scrgbClr r="0" g="0" b="0"/>
+      </a:fillRef>
+      <a:effectRef idx="2">
+        <a:scrgbClr r="0" g="0" b="0"/>
+      </a:effectRef>
+      <a:fontRef idx="minor"/>
+    </dgm:style>
+  </dgm:styleLbl>
+  <dgm:styleLbl name="conFgAcc1">
+    <dgm:scene3d>
+      <a:camera prst="orthographicFront"/>
+      <a:lightRig rig="threePt" dir="t">
+        <a:rot lat="0" lon="0" rev="7500000"/>
+      </a:lightRig>
+    </dgm:scene3d>
+    <dgm:sp3d z="152400" extrusionH="63500" prstMaterial="dkEdge">
+      <a:bevelT w="135400" h="16350" prst="relaxedInset"/>
+      <a:contourClr>
+        <a:schemeClr val="bg1"/>
+      </a:contourClr>
+    </dgm:sp3d>
+    <dgm:txPr/>
+    <dgm:style>
+      <a:lnRef idx="1">
+        <a:scrgbClr r="0" g="0" b="0"/>
+      </a:lnRef>
+      <a:fillRef idx="1">
+        <a:scrgbClr r="0" g="0" b="0"/>
+      </a:fillRef>
+      <a:effectRef idx="2">
+        <a:scrgbClr r="0" g="0" b="0"/>
+      </a:effectRef>
+      <a:fontRef idx="minor"/>
+    </dgm:style>
+  </dgm:styleLbl>
+  <dgm:styleLbl name="alignAcc1">
+    <dgm:scene3d>
+      <a:camera prst="orthographicFront"/>
+      <a:lightRig rig="threePt" dir="t">
+        <a:rot lat="0" lon="0" rev="7500000"/>
+      </a:lightRig>
+    </dgm:scene3d>
+    <dgm:sp3d extrusionH="190500" prstMaterial="dkEdge">
+      <a:bevelT w="135400" h="16350" prst="relaxedInset"/>
+      <a:contourClr>
+        <a:schemeClr val="bg1"/>
+      </a:contourClr>
+    </dgm:sp3d>
+    <dgm:txPr/>
+    <dgm:style>
+      <a:lnRef idx="1">
+        <a:scrgbClr r="0" g="0" b="0"/>
+      </a:lnRef>
+      <a:fillRef idx="1">
+        <a:scrgbClr r="0" g="0" b="0"/>
+      </a:fillRef>
+      <a:effectRef idx="2">
+        <a:scrgbClr r="0" g="0" b="0"/>
+      </a:effectRef>
+      <a:fontRef idx="minor"/>
+    </dgm:style>
+  </dgm:styleLbl>
+  <dgm:styleLbl name="trAlignAcc1">
+    <dgm:scene3d>
+      <a:camera prst="orthographicFront"/>
+      <a:lightRig rig="threePt" dir="t">
+        <a:rot lat="0" lon="0" rev="7500000"/>
+      </a:lightRig>
+    </dgm:scene3d>
+    <dgm:sp3d prstMaterial="plastic">
+      <a:bevelT w="127000" h="35400"/>
+    </dgm:sp3d>
+    <dgm:txPr/>
+    <dgm:style>
+      <a:lnRef idx="1">
+        <a:scrgbClr r="0" g="0" b="0"/>
+      </a:lnRef>
+      <a:fillRef idx="1">
+        <a:scrgbClr r="0" g="0" b="0"/>
+      </a:fillRef>
+      <a:effectRef idx="2">
+        <a:scrgbClr r="0" g="0" b="0"/>
+      </a:effectRef>
+      <a:fontRef idx="minor">
+        <a:schemeClr val="lt1"/>
+      </a:fontRef>
+    </dgm:style>
+  </dgm:styleLbl>
+  <dgm:styleLbl name="bgAcc1">
+    <dgm:scene3d>
+      <a:camera prst="orthographicFront"/>
+      <a:lightRig rig="threePt" dir="t">
+        <a:rot lat="0" lon="0" rev="7500000"/>
+      </a:lightRig>
+    </dgm:scene3d>
+    <dgm:sp3d z="-152400" extrusionH="63500" prstMaterial="dkEdge">
+      <a:bevelT w="124450" h="16350" prst="relaxedInset"/>
+      <a:contourClr>
+        <a:schemeClr val="bg1"/>
+      </a:contourClr>
+    </dgm:sp3d>
+    <dgm:txPr/>
+    <dgm:style>
+      <a:lnRef idx="1">
+        <a:scrgbClr r="0" g="0" b="0"/>
+      </a:lnRef>
+      <a:fillRef idx="1">
+        <a:scrgbClr r="0" g="0" b="0"/>
+      </a:fillRef>
+      <a:effectRef idx="0">
+        <a:scrgbClr r="0" g="0" b="0"/>
+      </a:effectRef>
+      <a:fontRef idx="minor"/>
+    </dgm:style>
+  </dgm:styleLbl>
+  <dgm:styleLbl name="solidFgAcc1">
+    <dgm:scene3d>
+      <a:camera prst="orthographicFront"/>
+      <a:lightRig rig="threePt" dir="t">
+        <a:rot lat="0" lon="0" rev="7500000"/>
+      </a:lightRig>
+    </dgm:scene3d>
+    <dgm:sp3d z="152400" extrusionH="63500" prstMaterial="dkEdge">
+      <a:bevelT w="120800" h="19050" prst="relaxedInset"/>
+      <a:contourClr>
+        <a:schemeClr val="bg1"/>
+      </a:contourClr>
+    </dgm:sp3d>
+    <dgm:txPr/>
+    <dgm:style>
+      <a:lnRef idx="1">
+        <a:scrgbClr r="0" g="0" b="0"/>
+      </a:lnRef>
+      <a:fillRef idx="1">
+        <a:scrgbClr r="0" g="0" b="0"/>
+      </a:fillRef>
+      <a:effectRef idx="2">
+        <a:scrgbClr r="0" g="0" b="0"/>
+      </a:effectRef>
+      <a:fontRef idx="minor"/>
+    </dgm:style>
+  </dgm:styleLbl>
+  <dgm:styleLbl name="solidAlignAcc1">
+    <dgm:scene3d>
+      <a:camera prst="orthographicFront"/>
+      <a:lightRig rig="threePt" dir="t">
+        <a:rot lat="0" lon="0" rev="7500000"/>
+      </a:lightRig>
+    </dgm:scene3d>
+    <dgm:sp3d extrusionH="190500" prstMaterial="dkEdge">
+      <a:bevelT w="120650" h="38100" prst="relaxedInset"/>
+      <a:contourClr>
+        <a:schemeClr val="bg1"/>
+      </a:contourClr>
+    </dgm:sp3d>
+    <dgm:txPr/>
+    <dgm:style>
+      <a:lnRef idx="1">
+        <a:scrgbClr r="0" g="0" b="0"/>
+      </a:lnRef>
+      <a:fillRef idx="1">
+        <a:scrgbClr r="0" g="0" b="0"/>
+      </a:fillRef>
+      <a:effectRef idx="2">
+        <a:scrgbClr r="0" g="0" b="0"/>
+      </a:effectRef>
+      <a:fontRef idx="minor"/>
+    </dgm:style>
+  </dgm:styleLbl>
+  <dgm:styleLbl name="solidBgAcc1">
+    <dgm:scene3d>
+      <a:camera prst="orthographicFront"/>
+      <a:lightRig rig="threePt" dir="t">
+        <a:rot lat="0" lon="0" rev="7500000"/>
+      </a:lightRig>
+    </dgm:scene3d>
+    <dgm:sp3d z="-152400" extrusionH="63500" prstMaterial="dkEdge">
+      <a:bevelT w="144450" h="36350" prst="relaxedInset"/>
+      <a:contourClr>
+        <a:schemeClr val="bg1"/>
+      </a:contourClr>
+    </dgm:sp3d>
+    <dgm:txPr/>
+    <dgm:style>
+      <a:lnRef idx="1">
+        <a:scrgbClr r="0" g="0" b="0"/>
+      </a:lnRef>
+      <a:fillRef idx="1">
+        <a:scrgbClr r="0" g="0" b="0"/>
+      </a:fillRef>
+      <a:effectRef idx="0">
+        <a:scrgbClr r="0" g="0" b="0"/>
+      </a:effectRef>
+      <a:fontRef idx="minor"/>
+    </dgm:style>
+  </dgm:styleLbl>
+  <dgm:styleLbl name="fgAccFollowNode1">
+    <dgm:scene3d>
+      <a:camera prst="orthographicFront"/>
+      <a:lightRig rig="threePt" dir="t">
+        <a:rot lat="0" lon="0" rev="7500000"/>
+      </a:lightRig>
+    </dgm:scene3d>
+    <dgm:sp3d z="152400" extrusionH="63500" prstMaterial="dkEdge">
+      <a:bevelT w="125400" h="36350" prst="relaxedInset"/>
+      <a:contourClr>
+        <a:schemeClr val="bg1"/>
+      </a:contourClr>
+    </dgm:sp3d>
+    <dgm:txPr/>
+    <dgm:style>
+      <a:lnRef idx="1">
+        <a:scrgbClr r="0" g="0" b="0"/>
+      </a:lnRef>
+      <a:fillRef idx="1">
+        <a:scrgbClr r="0" g="0" b="0"/>
+      </a:fillRef>
+      <a:effectRef idx="0">
+        <a:scrgbClr r="0" g="0" b="0"/>
+      </a:effectRef>
+      <a:fontRef idx="minor"/>
+    </dgm:style>
+  </dgm:styleLbl>
+  <dgm:styleLbl name="alignAccFollowNode1">
+    <dgm:scene3d>
+      <a:camera prst="orthographicFront"/>
+      <a:lightRig rig="threePt" dir="t">
+        <a:rot lat="0" lon="0" rev="7500000"/>
+      </a:lightRig>
+    </dgm:scene3d>
+    <dgm:sp3d extrusionH="190500" prstMaterial="dkEdge">
+      <a:bevelT w="120650" h="38100" prst="relaxedInset"/>
+      <a:bevelB w="120650" h="57150" prst="relaxedInset"/>
+      <a:contourClr>
+        <a:schemeClr val="bg1"/>
+      </a:contourClr>
+    </dgm:sp3d>
+    <dgm:txPr/>
+    <dgm:style>
+      <a:lnRef idx="1">
+        <a:scrgbClr r="0" g="0" b="0"/>
+      </a:lnRef>
+      <a:fillRef idx="1">
+        <a:scrgbClr r="0" g="0" b="0"/>
+      </a:fillRef>
+      <a:effectRef idx="2">
+        <a:scrgbClr r="0" g="0" b="0"/>
+      </a:effectRef>
+      <a:fontRef idx="minor"/>
+    </dgm:style>
+  </dgm:styleLbl>
+  <dgm:styleLbl name="bgAccFollowNode1">
+    <dgm:scene3d>
+      <a:camera prst="orthographicFront"/>
+      <a:lightRig rig="threePt" dir="t">
+        <a:rot lat="0" lon="0" rev="7500000"/>
+      </a:lightRig>
+    </dgm:scene3d>
+    <dgm:sp3d z="-152400" extrusionH="63500" prstMaterial="dkEdge">
+      <a:bevelT w="144450" h="36350" prst="relaxedInset"/>
+      <a:contourClr>
+        <a:schemeClr val="bg1"/>
+      </a:contourClr>
+    </dgm:sp3d>
+    <dgm:txPr/>
+    <dgm:style>
+      <a:lnRef idx="1">
+        <a:scrgbClr r="0" g="0" b="0"/>
+      </a:lnRef>
+      <a:fillRef idx="1">
+        <a:scrgbClr r="0" g="0" b="0"/>
+      </a:fillRef>
+      <a:effectRef idx="2">
+        <a:scrgbClr r="0" g="0" b="0"/>
+      </a:effectRef>
+      <a:fontRef idx="minor"/>
+    </dgm:style>
+  </dgm:styleLbl>
+  <dgm:styleLbl name="fgAcc0">
+    <dgm:scene3d>
+      <a:camera prst="orthographicFront"/>
+      <a:lightRig rig="threePt" dir="t">
+        <a:rot lat="0" lon="0" rev="7500000"/>
+      </a:lightRig>
+    </dgm:scene3d>
+    <dgm:sp3d z="152400" extrusionH="63500" prstMaterial="dkEdge">
+      <a:bevelT w="125400" h="36350" prst="relaxedInset"/>
+      <a:contourClr>
+        <a:schemeClr val="bg1"/>
+      </a:contourClr>
+    </dgm:sp3d>
+    <dgm:txPr/>
+    <dgm:style>
+      <a:lnRef idx="1">
+        <a:scrgbClr r="0" g="0" b="0"/>
+      </a:lnRef>
+      <a:fillRef idx="1">
+        <a:scrgbClr r="0" g="0" b="0"/>
+      </a:fillRef>
+      <a:effectRef idx="2">
+        <a:scrgbClr r="0" g="0" b="0"/>
+      </a:effectRef>
+      <a:fontRef idx="minor"/>
+    </dgm:style>
+  </dgm:styleLbl>
+  <dgm:styleLbl name="fgAcc2">
+    <dgm:scene3d>
+      <a:camera prst="orthographicFront"/>
+      <a:lightRig rig="threePt" dir="t">
+        <a:rot lat="0" lon="0" rev="7500000"/>
+      </a:lightRig>
+    </dgm:scene3d>
+    <dgm:sp3d z="152400" extrusionH="63500" prstMaterial="dkEdge">
+      <a:bevelT w="125400" h="36350" prst="relaxedInset"/>
+      <a:contourClr>
+        <a:schemeClr val="bg1"/>
+      </a:contourClr>
+    </dgm:sp3d>
+    <dgm:txPr/>
+    <dgm:style>
+      <a:lnRef idx="1">
+        <a:scrgbClr r="0" g="0" b="0"/>
+      </a:lnRef>
+      <a:fillRef idx="1">
+        <a:scrgbClr r="0" g="0" b="0"/>
+      </a:fillRef>
+      <a:effectRef idx="2">
+        <a:scrgbClr r="0" g="0" b="0"/>
+      </a:effectRef>
+      <a:fontRef idx="minor"/>
+    </dgm:style>
+  </dgm:styleLbl>
+  <dgm:styleLbl name="fgAcc3">
+    <dgm:scene3d>
+      <a:camera prst="orthographicFront"/>
+      <a:lightRig rig="threePt" dir="t">
+        <a:rot lat="0" lon="0" rev="7500000"/>
+      </a:lightRig>
+    </dgm:scene3d>
+    <dgm:sp3d z="152400" extrusionH="63500" prstMaterial="dkEdge">
+      <a:bevelT w="125400" h="36350" prst="relaxedInset"/>
+      <a:contourClr>
+        <a:schemeClr val="bg1"/>
+      </a:contourClr>
+    </dgm:sp3d>
+    <dgm:txPr/>
+    <dgm:style>
+      <a:lnRef idx="1">
+        <a:scrgbClr r="0" g="0" b="0"/>
+      </a:lnRef>
+      <a:fillRef idx="1">
+        <a:scrgbClr r="0" g="0" b="0"/>
+      </a:fillRef>
+      <a:effectRef idx="2">
+        <a:scrgbClr r="0" g="0" b="0"/>
+      </a:effectRef>
+      <a:fontRef idx="minor"/>
+    </dgm:style>
+  </dgm:styleLbl>
+  <dgm:styleLbl name="fgAcc4">
+    <dgm:scene3d>
+      <a:camera prst="orthographicFront"/>
+      <a:lightRig rig="threePt" dir="t">
+        <a:rot lat="0" lon="0" rev="7500000"/>
+      </a:lightRig>
+    </dgm:scene3d>
+    <dgm:sp3d z="152400" extrusionH="63500" prstMaterial="dkEdge">
+      <a:bevelT w="125400" h="36350" prst="relaxedInset"/>
+      <a:contourClr>
+        <a:schemeClr val="bg1"/>
+      </a:contourClr>
+    </dgm:sp3d>
+    <dgm:txPr/>
+    <dgm:style>
+      <a:lnRef idx="1">
+        <a:scrgbClr r="0" g="0" b="0"/>
+      </a:lnRef>
+      <a:fillRef idx="1">
+        <a:scrgbClr r="0" g="0" b="0"/>
+      </a:fillRef>
+      <a:effectRef idx="2">
+        <a:scrgbClr r="0" g="0" b="0"/>
+      </a:effectRef>
+      <a:fontRef idx="minor"/>
+    </dgm:style>
+  </dgm:styleLbl>
+  <dgm:styleLbl name="bgShp">
+    <dgm:scene3d>
+      <a:camera prst="orthographicFront"/>
+      <a:lightRig rig="threePt" dir="t">
+        <a:rot lat="0" lon="0" rev="7500000"/>
+      </a:lightRig>
+    </dgm:scene3d>
+    <dgm:sp3d z="-152400" extrusionH="63500" prstMaterial="matte">
+      <a:bevelT w="144450" h="6350" prst="relaxedInset"/>
+      <a:contourClr>
+        <a:schemeClr val="bg1"/>
+      </a:contourClr>
+    </dgm:sp3d>
+    <dgm:txPr/>
+    <dgm:style>
+      <a:lnRef idx="0">
+        <a:scrgbClr r="0" g="0" b="0"/>
+      </a:lnRef>
+      <a:fillRef idx="3">
+        <a:scrgbClr r="0" g="0" b="0"/>
+      </a:fillRef>
+      <a:effectRef idx="0">
+        <a:scrgbClr r="0" g="0" b="0"/>
+      </a:effectRef>
+      <a:fontRef idx="minor"/>
+    </dgm:style>
+  </dgm:styleLbl>
+  <dgm:styleLbl name="dkBgShp">
+    <dgm:scene3d>
+      <a:camera prst="orthographicFront"/>
+      <a:lightRig rig="threePt" dir="t">
+        <a:rot lat="0" lon="0" rev="7500000"/>
+      </a:lightRig>
+    </dgm:scene3d>
+    <dgm:sp3d prstMaterial="plastic">
+      <a:bevelT w="127000" h="25400" prst="relaxedInset"/>
+      <a:bevelB w="88900" h="121750" prst="angle"/>
+    </dgm:sp3d>
+    <dgm:txPr/>
+    <dgm:style>
+      <a:lnRef idx="0">
+        <a:scrgbClr r="0" g="0" b="0"/>
+      </a:lnRef>
+      <a:fillRef idx="1">
+        <a:scrgbClr r="0" g="0" b="0"/>
+      </a:fillRef>
+      <a:effectRef idx="2">
+        <a:scrgbClr r="0" g="0" b="0"/>
+      </a:effectRef>
+      <a:fontRef idx="minor">
+        <a:schemeClr val="lt1"/>
+      </a:fontRef>
+    </dgm:style>
+  </dgm:styleLbl>
+  <dgm:styleLbl name="trBgShp">
+    <dgm:scene3d>
+      <a:camera prst="orthographicFront"/>
+      <a:lightRig rig="threePt" dir="t"/>
+    </dgm:scene3d>
+    <dgm:sp3d z="-152400" prstMaterial="matte"/>
+    <dgm:txPr/>
+    <dgm:style>
+      <a:lnRef idx="0">
+        <a:scrgbClr r="0" g="0" b="0"/>
+      </a:lnRef>
+      <a:fillRef idx="1">
+        <a:scrgbClr r="0" g="0" b="0"/>
+      </a:fillRef>
+      <a:effectRef idx="0">
+        <a:scrgbClr r="0" g="0" b="0"/>
+      </a:effectRef>
+      <a:fontRef idx="minor"/>
+    </dgm:style>
+  </dgm:styleLbl>
+  <dgm:styleLbl name="fgShp">
+    <dgm:scene3d>
+      <a:camera prst="orthographicFront"/>
+      <a:lightRig rig="threePt" dir="t">
+        <a:rot lat="0" lon="0" rev="7500000"/>
+      </a:lightRig>
+    </dgm:scene3d>
+    <dgm:sp3d z="152400" extrusionH="63500" prstMaterial="matte">
+      <a:bevelT w="50800" h="19050" prst="relaxedInset"/>
+      <a:contourClr>
+        <a:schemeClr val="bg1"/>
+      </a:contourClr>
+    </dgm:sp3d>
+    <dgm:txPr/>
+    <dgm:style>
+      <a:lnRef idx="0">
+        <a:scrgbClr r="0" g="0" b="0"/>
+      </a:lnRef>
+      <a:fillRef idx="1">
+        <a:scrgbClr r="0" g="0" b="0"/>
+      </a:fillRef>
+      <a:effectRef idx="2">
+        <a:scrgbClr r="0" g="0" b="0"/>
+      </a:effectRef>
+      <a:fontRef idx="minor">
+        <a:schemeClr val="lt1"/>
+      </a:fontRef>
+    </dgm:style>
+  </dgm:styleLbl>
+  <dgm:styleLbl name="revTx">
+    <dgm:scene3d>
+      <a:camera prst="orthographicFront"/>
+      <a:lightRig rig="threePt" dir="t"/>
+    </dgm:scene3d>
+    <dgm:sp3d/>
+    <dgm:txPr/>
+    <dgm:style>
+      <a:lnRef idx="0">
+        <a:scrgbClr r="0" g="0" b="0"/>
+      </a:lnRef>
+      <a:fillRef idx="0">
+        <a:scrgbClr r="0" g="0" b="0"/>
+      </a:fillRef>
+      <a:effectRef idx="0">
+        <a:scrgbClr r="0" g="0" b="0"/>
+      </a:effectRef>
+      <a:fontRef idx="minor"/>
+    </dgm:style>
+  </dgm:styleLbl>
+</dgm:styleDef>
 </file>
 
 <file path=ppt/slideLayouts/slideLayout1.xml><?xml version="1.0" encoding="utf-8"?>
@@ -5963,7 +9332,15 @@
           <a:p>
             <a:r>
               <a:rPr lang="zh-CN" altLang="en-US"/>
-              <a:t>机器人是工业文明的梦</a:t>
+              <a:t>机器人是工业文明的梦，</a:t>
+            </a:r>
+            <a:r>
+              <a:rPr lang="en-US" altLang="zh-CN"/>
+              <a:t>out</a:t>
+            </a:r>
+            <a:r>
+              <a:rPr lang="zh-CN" altLang="en-US"/>
+              <a:t>了</a:t>
             </a:r>
             <a:br>
               <a:rPr lang="en-US" altLang="zh-CN"/>
@@ -6381,7 +9758,7 @@
           <p:cNvPr id="2" name="标题 1">
             <a:extLst>
               <a:ext uri="{FF2B5EF4-FFF2-40B4-BE49-F238E27FC236}">
-                <a16:creationId xmlns:a16="http://schemas.microsoft.com/office/drawing/2014/main" id="{0B2D841E-4580-450E-ACD7-2FEA99D565BA}"/>
+                <a16:creationId xmlns:a16="http://schemas.microsoft.com/office/drawing/2014/main" id="{00FF369E-F509-415C-B471-2DEE1D17B411}"/>
               </a:ext>
             </a:extLst>
           </p:cNvPr>
@@ -6399,21 +9776,154 @@
           <a:p>
             <a:r>
               <a:rPr lang="zh-CN" altLang="en-US"/>
-              <a:t>如何在生物医学背景下学习机器学习？</a:t>
-            </a:r>
-            <a:br>
+              <a:t>人工智能</a:t>
+            </a:r>
+            <a:r>
               <a:rPr lang="en-US" altLang="zh-CN"/>
-            </a:br>
-            <a:endParaRPr lang="zh-CN" altLang="en-US"/>
-          </a:p>
-        </p:txBody>
-      </p:sp>
-      <p:sp>
-        <p:nvSpPr>
-          <p:cNvPr id="3" name="内容占位符 2">
+              <a:t>x</a:t>
+            </a:r>
+            <a:r>
+              <a:rPr lang="zh-CN" altLang="en-US"/>
+              <a:t>医学</a:t>
+            </a:r>
+          </a:p>
+        </p:txBody>
+      </p:sp>
+      <p:pic>
+        <p:nvPicPr>
+          <p:cNvPr id="4" name="图片 3">
             <a:extLst>
               <a:ext uri="{FF2B5EF4-FFF2-40B4-BE49-F238E27FC236}">
-                <a16:creationId xmlns:a16="http://schemas.microsoft.com/office/drawing/2014/main" id="{1B46607D-99BD-4E35-9FF1-DD98CF081C6D}"/>
+                <a16:creationId xmlns:a16="http://schemas.microsoft.com/office/drawing/2014/main" id="{12AB168A-6C27-4571-9BAF-34BBDE78148A}"/>
+              </a:ext>
+            </a:extLst>
+          </p:cNvPr>
+          <p:cNvPicPr>
+            <a:picLocks noChangeAspect="1"/>
+          </p:cNvPicPr>
+          <p:nvPr/>
+        </p:nvPicPr>
+        <p:blipFill>
+          <a:blip r:embed="rId2"/>
+          <a:stretch>
+            <a:fillRect/>
+          </a:stretch>
+        </p:blipFill>
+        <p:spPr>
+          <a:xfrm>
+            <a:off x="5669095" y="-2"/>
+            <a:ext cx="3604956" cy="6858000"/>
+          </a:xfrm>
+          <a:prstGeom prst="rect">
+            <a:avLst/>
+          </a:prstGeom>
+        </p:spPr>
+      </p:pic>
+      <p:pic>
+        <p:nvPicPr>
+          <p:cNvPr id="5" name="图片 4">
+            <a:extLst>
+              <a:ext uri="{FF2B5EF4-FFF2-40B4-BE49-F238E27FC236}">
+                <a16:creationId xmlns:a16="http://schemas.microsoft.com/office/drawing/2014/main" id="{6990595D-46D7-466F-A571-42B615FD73C7}"/>
+              </a:ext>
+            </a:extLst>
+          </p:cNvPr>
+          <p:cNvPicPr>
+            <a:picLocks noChangeAspect="1"/>
+          </p:cNvPicPr>
+          <p:nvPr/>
+        </p:nvPicPr>
+        <p:blipFill>
+          <a:blip r:embed="rId3"/>
+          <a:stretch>
+            <a:fillRect/>
+          </a:stretch>
+        </p:blipFill>
+        <p:spPr>
+          <a:xfrm>
+            <a:off x="665508" y="1702490"/>
+            <a:ext cx="4732020" cy="5097780"/>
+          </a:xfrm>
+          <a:prstGeom prst="rect">
+            <a:avLst/>
+          </a:prstGeom>
+        </p:spPr>
+      </p:pic>
+      <p:sp>
+        <p:nvSpPr>
+          <p:cNvPr id="6" name="文本框 5">
+            <a:extLst>
+              <a:ext uri="{FF2B5EF4-FFF2-40B4-BE49-F238E27FC236}">
+                <a16:creationId xmlns:a16="http://schemas.microsoft.com/office/drawing/2014/main" id="{969CD5C1-805D-4907-82DE-4F742BC0CB86}"/>
+              </a:ext>
+            </a:extLst>
+          </p:cNvPr>
+          <p:cNvSpPr txBox="1"/>
+          <p:nvPr/>
+        </p:nvSpPr>
+        <p:spPr>
+          <a:xfrm>
+            <a:off x="9545618" y="5239910"/>
+            <a:ext cx="1387425" cy="369332"/>
+          </a:xfrm>
+          <a:prstGeom prst="rect">
+            <a:avLst/>
+          </a:prstGeom>
+          <a:noFill/>
+          <a:ln>
+            <a:noFill/>
+          </a:ln>
+        </p:spPr>
+        <p:txBody>
+          <a:bodyPr wrap="square" rtlCol="0">
+            <a:spAutoFit/>
+          </a:bodyPr>
+          <a:lstStyle/>
+          <a:p>
+            <a:r>
+              <a:rPr lang="en-US" altLang="zh-CN"/>
+              <a:t>Topol,2019</a:t>
+            </a:r>
+            <a:endParaRPr lang="zh-CN" altLang="en-US"/>
+          </a:p>
+        </p:txBody>
+      </p:sp>
+    </p:spTree>
+    <p:extLst>
+      <p:ext uri="{BB962C8B-B14F-4D97-AF65-F5344CB8AC3E}">
+        <p14:creationId xmlns:p14="http://schemas.microsoft.com/office/powerpoint/2010/main" val="209920991"/>
+      </p:ext>
+    </p:extLst>
+  </p:cSld>
+  <p:clrMapOvr>
+    <a:masterClrMapping/>
+  </p:clrMapOvr>
+</p:sld>
+</file>
+
+<file path=ppt/slides/slide14.xml><?xml version="1.0" encoding="utf-8"?>
+<p:sld xmlns:a="http://schemas.openxmlformats.org/drawingml/2006/main" xmlns:r="http://schemas.openxmlformats.org/officeDocument/2006/relationships" xmlns:p="http://schemas.openxmlformats.org/presentationml/2006/main">
+  <p:cSld>
+    <p:spTree>
+      <p:nvGrpSpPr>
+        <p:cNvPr id="1" name=""/>
+        <p:cNvGrpSpPr/>
+        <p:nvPr/>
+      </p:nvGrpSpPr>
+      <p:grpSpPr>
+        <a:xfrm>
+          <a:off x="0" y="0"/>
+          <a:ext cx="0" cy="0"/>
+          <a:chOff x="0" y="0"/>
+          <a:chExt cx="0" cy="0"/>
+        </a:xfrm>
+      </p:grpSpPr>
+      <p:sp>
+        <p:nvSpPr>
+          <p:cNvPr id="2" name="标题 1">
+            <a:extLst>
+              <a:ext uri="{FF2B5EF4-FFF2-40B4-BE49-F238E27FC236}">
+                <a16:creationId xmlns:a16="http://schemas.microsoft.com/office/drawing/2014/main" id="{18E7CF45-6A87-4154-BE5A-A5E0A379F104}"/>
               </a:ext>
             </a:extLst>
           </p:cNvPr>
@@ -6421,76 +9931,690 @@
             <a:spLocks noGrp="1"/>
           </p:cNvSpPr>
           <p:nvPr>
-            <p:ph idx="1"/>
+            <p:ph type="title"/>
           </p:nvPr>
         </p:nvSpPr>
         <p:spPr/>
         <p:txBody>
-          <a:bodyPr>
-            <a:normAutofit fontScale="92500" lnSpcReduction="10000"/>
+          <a:bodyPr/>
+          <a:lstStyle/>
+          <a:p>
+            <a:r>
+              <a:rPr lang="zh-CN" altLang="en-US"/>
+              <a:t>人工智能医学影像处理</a:t>
+            </a:r>
+          </a:p>
+        </p:txBody>
+      </p:sp>
+      <p:pic>
+        <p:nvPicPr>
+          <p:cNvPr id="4" name="图片 3">
+            <a:extLst>
+              <a:ext uri="{FF2B5EF4-FFF2-40B4-BE49-F238E27FC236}">
+                <a16:creationId xmlns:a16="http://schemas.microsoft.com/office/drawing/2014/main" id="{E5632C7A-6FDB-4377-933F-95C681C2CBB8}"/>
+              </a:ext>
+            </a:extLst>
+          </p:cNvPr>
+          <p:cNvPicPr>
+            <a:picLocks noChangeAspect="1"/>
+          </p:cNvPicPr>
+          <p:nvPr/>
+        </p:nvPicPr>
+        <p:blipFill>
+          <a:blip r:embed="rId2"/>
+          <a:stretch>
+            <a:fillRect/>
+          </a:stretch>
+        </p:blipFill>
+        <p:spPr>
+          <a:xfrm>
+            <a:off x="225824" y="2455296"/>
+            <a:ext cx="10372725" cy="3124200"/>
+          </a:xfrm>
+          <a:prstGeom prst="rect">
+            <a:avLst/>
+          </a:prstGeom>
+        </p:spPr>
+      </p:pic>
+      <p:sp>
+        <p:nvSpPr>
+          <p:cNvPr id="5" name="文本框 4">
+            <a:extLst>
+              <a:ext uri="{FF2B5EF4-FFF2-40B4-BE49-F238E27FC236}">
+                <a16:creationId xmlns:a16="http://schemas.microsoft.com/office/drawing/2014/main" id="{D13BC043-E49E-402C-ADE8-F10660C3AF89}"/>
+              </a:ext>
+            </a:extLst>
+          </p:cNvPr>
+          <p:cNvSpPr txBox="1"/>
+          <p:nvPr/>
+        </p:nvSpPr>
+        <p:spPr>
+          <a:xfrm>
+            <a:off x="9151952" y="5979382"/>
+            <a:ext cx="2409246" cy="369332"/>
+          </a:xfrm>
+          <a:prstGeom prst="rect">
+            <a:avLst/>
+          </a:prstGeom>
+          <a:noFill/>
+          <a:ln>
+            <a:noFill/>
+          </a:ln>
+        </p:spPr>
+        <p:txBody>
+          <a:bodyPr wrap="square" rtlCol="0">
+            <a:spAutoFit/>
           </a:bodyPr>
           <a:lstStyle/>
           <a:p>
             <a:r>
-              <a:rPr lang="zh-CN" altLang="en-US" sz="2400"/>
-              <a:t>高中和本科数学不要丢掉</a:t>
-            </a:r>
-            <a:endParaRPr lang="en-US" altLang="zh-CN" sz="2400"/>
-          </a:p>
-          <a:p>
-            <a:endParaRPr lang="en-US" altLang="zh-CN" sz="2400"/>
-          </a:p>
-          <a:p>
-            <a:r>
-              <a:rPr lang="zh-CN" altLang="en-US" sz="2400"/>
-              <a:t>充分掌握一门编程语言</a:t>
-            </a:r>
-            <a:endParaRPr lang="en-US" altLang="zh-CN" sz="2400"/>
-          </a:p>
-          <a:p>
-            <a:endParaRPr lang="en-US" altLang="zh-CN" sz="2400"/>
-          </a:p>
-          <a:p>
-            <a:r>
-              <a:rPr lang="zh-CN" altLang="en-US" sz="2400"/>
-              <a:t>打好统计学基础</a:t>
-            </a:r>
-            <a:endParaRPr lang="en-US" altLang="zh-CN" sz="2400"/>
-          </a:p>
-          <a:p>
-            <a:endParaRPr lang="en-US" altLang="zh-CN" sz="2400"/>
-          </a:p>
-          <a:p>
-            <a:r>
-              <a:rPr lang="zh-CN" altLang="en-US" sz="2400"/>
-              <a:t>学一点机器学习理念</a:t>
-            </a:r>
-            <a:endParaRPr lang="en-US" altLang="zh-CN" sz="2400"/>
-          </a:p>
-          <a:p>
-            <a:endParaRPr lang="en-US" altLang="zh-CN" sz="2400"/>
-          </a:p>
-          <a:p>
-            <a:r>
-              <a:rPr lang="zh-CN" altLang="en-US" sz="2400"/>
-              <a:t>听说一点</a:t>
-            </a:r>
-            <a:r>
-              <a:rPr lang="en-US" altLang="zh-CN" sz="2400"/>
-              <a:t>AI</a:t>
-            </a:r>
-            <a:r>
-              <a:rPr lang="zh-CN" altLang="en-US" sz="2400"/>
-              <a:t>知识</a:t>
-            </a:r>
-            <a:endParaRPr lang="en-US" altLang="zh-CN" sz="2400"/>
+              <a:rPr lang="en-US" altLang="zh-CN"/>
+              <a:t>Esteva et al ,2019</a:t>
+            </a:r>
+            <a:endParaRPr lang="zh-CN" altLang="en-US"/>
           </a:p>
         </p:txBody>
       </p:sp>
     </p:spTree>
     <p:extLst>
       <p:ext uri="{BB962C8B-B14F-4D97-AF65-F5344CB8AC3E}">
-        <p14:creationId xmlns:p14="http://schemas.microsoft.com/office/powerpoint/2010/main" val="2285253975"/>
+        <p14:creationId xmlns:p14="http://schemas.microsoft.com/office/powerpoint/2010/main" val="624927849"/>
+      </p:ext>
+    </p:extLst>
+  </p:cSld>
+  <p:clrMapOvr>
+    <a:masterClrMapping/>
+  </p:clrMapOvr>
+</p:sld>
+</file>
+
+<file path=ppt/slides/slide15.xml><?xml version="1.0" encoding="utf-8"?>
+<p:sld xmlns:a="http://schemas.openxmlformats.org/drawingml/2006/main" xmlns:r="http://schemas.openxmlformats.org/officeDocument/2006/relationships" xmlns:p="http://schemas.openxmlformats.org/presentationml/2006/main">
+  <p:cSld>
+    <p:spTree>
+      <p:nvGrpSpPr>
+        <p:cNvPr id="1" name=""/>
+        <p:cNvGrpSpPr/>
+        <p:nvPr/>
+      </p:nvGrpSpPr>
+      <p:grpSpPr>
+        <a:xfrm>
+          <a:off x="0" y="0"/>
+          <a:ext cx="0" cy="0"/>
+          <a:chOff x="0" y="0"/>
+          <a:chExt cx="0" cy="0"/>
+        </a:xfrm>
+      </p:grpSpPr>
+      <p:sp>
+        <p:nvSpPr>
+          <p:cNvPr id="2" name="标题 1">
+            <a:extLst>
+              <a:ext uri="{FF2B5EF4-FFF2-40B4-BE49-F238E27FC236}">
+                <a16:creationId xmlns:a16="http://schemas.microsoft.com/office/drawing/2014/main" id="{0CE7B13F-C530-4338-AA11-4C60F1CBE818}"/>
+              </a:ext>
+            </a:extLst>
+          </p:cNvPr>
+          <p:cNvSpPr>
+            <a:spLocks noGrp="1"/>
+          </p:cNvSpPr>
+          <p:nvPr>
+            <p:ph type="title"/>
+          </p:nvPr>
+        </p:nvSpPr>
+        <p:spPr/>
+        <p:txBody>
+          <a:bodyPr/>
+          <a:lstStyle/>
+          <a:p>
+            <a:r>
+              <a:rPr lang="zh-CN" altLang="en-US"/>
+              <a:t>人工智能电子病历分析</a:t>
+            </a:r>
+          </a:p>
+        </p:txBody>
+      </p:sp>
+      <p:pic>
+        <p:nvPicPr>
+          <p:cNvPr id="4" name="图片 3">
+            <a:extLst>
+              <a:ext uri="{FF2B5EF4-FFF2-40B4-BE49-F238E27FC236}">
+                <a16:creationId xmlns:a16="http://schemas.microsoft.com/office/drawing/2014/main" id="{BAFE4424-B268-4A5B-8AE4-4202E30C9108}"/>
+              </a:ext>
+            </a:extLst>
+          </p:cNvPr>
+          <p:cNvPicPr>
+            <a:picLocks noChangeAspect="1"/>
+          </p:cNvPicPr>
+          <p:nvPr/>
+        </p:nvPicPr>
+        <p:blipFill>
+          <a:blip r:embed="rId2"/>
+          <a:stretch>
+            <a:fillRect/>
+          </a:stretch>
+        </p:blipFill>
+        <p:spPr>
+          <a:xfrm>
+            <a:off x="383193" y="1534272"/>
+            <a:ext cx="10296525" cy="4648200"/>
+          </a:xfrm>
+          <a:prstGeom prst="rect">
+            <a:avLst/>
+          </a:prstGeom>
+        </p:spPr>
+      </p:pic>
+      <p:sp>
+        <p:nvSpPr>
+          <p:cNvPr id="5" name="文本框 4">
+            <a:extLst>
+              <a:ext uri="{FF2B5EF4-FFF2-40B4-BE49-F238E27FC236}">
+                <a16:creationId xmlns:a16="http://schemas.microsoft.com/office/drawing/2014/main" id="{D362BDD6-8510-4293-910F-DC1FBAF80A61}"/>
+              </a:ext>
+            </a:extLst>
+          </p:cNvPr>
+          <p:cNvSpPr txBox="1"/>
+          <p:nvPr/>
+        </p:nvSpPr>
+        <p:spPr>
+          <a:xfrm>
+            <a:off x="9151952" y="6408752"/>
+            <a:ext cx="2409246" cy="369332"/>
+          </a:xfrm>
+          <a:prstGeom prst="rect">
+            <a:avLst/>
+          </a:prstGeom>
+          <a:noFill/>
+          <a:ln>
+            <a:noFill/>
+          </a:ln>
+        </p:spPr>
+        <p:txBody>
+          <a:bodyPr wrap="square" rtlCol="0">
+            <a:spAutoFit/>
+          </a:bodyPr>
+          <a:lstStyle/>
+          <a:p>
+            <a:r>
+              <a:rPr lang="en-US" altLang="zh-CN"/>
+              <a:t>Esteva et al ,2019</a:t>
+            </a:r>
+            <a:endParaRPr lang="zh-CN" altLang="en-US"/>
+          </a:p>
+        </p:txBody>
+      </p:sp>
+    </p:spTree>
+    <p:extLst>
+      <p:ext uri="{BB962C8B-B14F-4D97-AF65-F5344CB8AC3E}">
+        <p14:creationId xmlns:p14="http://schemas.microsoft.com/office/powerpoint/2010/main" val="2555046879"/>
+      </p:ext>
+    </p:extLst>
+  </p:cSld>
+  <p:clrMapOvr>
+    <a:masterClrMapping/>
+  </p:clrMapOvr>
+</p:sld>
+</file>
+
+<file path=ppt/slides/slide16.xml><?xml version="1.0" encoding="utf-8"?>
+<p:sld xmlns:a="http://schemas.openxmlformats.org/drawingml/2006/main" xmlns:r="http://schemas.openxmlformats.org/officeDocument/2006/relationships" xmlns:p="http://schemas.openxmlformats.org/presentationml/2006/main">
+  <p:cSld>
+    <p:spTree>
+      <p:nvGrpSpPr>
+        <p:cNvPr id="1" name=""/>
+        <p:cNvGrpSpPr/>
+        <p:nvPr/>
+      </p:nvGrpSpPr>
+      <p:grpSpPr>
+        <a:xfrm>
+          <a:off x="0" y="0"/>
+          <a:ext cx="0" cy="0"/>
+          <a:chOff x="0" y="0"/>
+          <a:chExt cx="0" cy="0"/>
+        </a:xfrm>
+      </p:grpSpPr>
+      <p:sp>
+        <p:nvSpPr>
+          <p:cNvPr id="2" name="标题 1">
+            <a:extLst>
+              <a:ext uri="{FF2B5EF4-FFF2-40B4-BE49-F238E27FC236}">
+                <a16:creationId xmlns:a16="http://schemas.microsoft.com/office/drawing/2014/main" id="{0F3BD492-D829-450B-AFF2-BC21C5B82D14}"/>
+              </a:ext>
+            </a:extLst>
+          </p:cNvPr>
+          <p:cNvSpPr>
+            <a:spLocks noGrp="1"/>
+          </p:cNvSpPr>
+          <p:nvPr>
+            <p:ph type="title"/>
+          </p:nvPr>
+        </p:nvSpPr>
+        <p:spPr/>
+        <p:txBody>
+          <a:bodyPr/>
+          <a:lstStyle/>
+          <a:p>
+            <a:r>
+              <a:rPr lang="zh-CN" altLang="en-US"/>
+              <a:t>人工智能在基因组学中的应用</a:t>
+            </a:r>
+          </a:p>
+        </p:txBody>
+      </p:sp>
+      <p:pic>
+        <p:nvPicPr>
+          <p:cNvPr id="4" name="图片 3">
+            <a:extLst>
+              <a:ext uri="{FF2B5EF4-FFF2-40B4-BE49-F238E27FC236}">
+                <a16:creationId xmlns:a16="http://schemas.microsoft.com/office/drawing/2014/main" id="{D8CBBA71-A14B-4277-BB4A-0E2CC5669E1A}"/>
+              </a:ext>
+            </a:extLst>
+          </p:cNvPr>
+          <p:cNvPicPr>
+            <a:picLocks noChangeAspect="1"/>
+          </p:cNvPicPr>
+          <p:nvPr/>
+        </p:nvPicPr>
+        <p:blipFill>
+          <a:blip r:embed="rId2"/>
+          <a:stretch>
+            <a:fillRect/>
+          </a:stretch>
+        </p:blipFill>
+        <p:spPr>
+          <a:xfrm>
+            <a:off x="427670" y="1720340"/>
+            <a:ext cx="10239375" cy="4657725"/>
+          </a:xfrm>
+          <a:prstGeom prst="rect">
+            <a:avLst/>
+          </a:prstGeom>
+        </p:spPr>
+      </p:pic>
+      <p:sp>
+        <p:nvSpPr>
+          <p:cNvPr id="5" name="文本框 4">
+            <a:extLst>
+              <a:ext uri="{FF2B5EF4-FFF2-40B4-BE49-F238E27FC236}">
+                <a16:creationId xmlns:a16="http://schemas.microsoft.com/office/drawing/2014/main" id="{6A3415B7-CF93-444C-B90E-FF0161BE5623}"/>
+              </a:ext>
+            </a:extLst>
+          </p:cNvPr>
+          <p:cNvSpPr txBox="1"/>
+          <p:nvPr/>
+        </p:nvSpPr>
+        <p:spPr>
+          <a:xfrm>
+            <a:off x="9151952" y="6416705"/>
+            <a:ext cx="2409246" cy="369332"/>
+          </a:xfrm>
+          <a:prstGeom prst="rect">
+            <a:avLst/>
+          </a:prstGeom>
+          <a:noFill/>
+          <a:ln>
+            <a:noFill/>
+          </a:ln>
+        </p:spPr>
+        <p:txBody>
+          <a:bodyPr wrap="square" rtlCol="0">
+            <a:spAutoFit/>
+          </a:bodyPr>
+          <a:lstStyle/>
+          <a:p>
+            <a:r>
+              <a:rPr lang="en-US" altLang="zh-CN"/>
+              <a:t>Esteva et al ,2019</a:t>
+            </a:r>
+            <a:endParaRPr lang="zh-CN" altLang="en-US"/>
+          </a:p>
+        </p:txBody>
+      </p:sp>
+    </p:spTree>
+    <p:extLst>
+      <p:ext uri="{BB962C8B-B14F-4D97-AF65-F5344CB8AC3E}">
+        <p14:creationId xmlns:p14="http://schemas.microsoft.com/office/powerpoint/2010/main" val="2446249134"/>
+      </p:ext>
+    </p:extLst>
+  </p:cSld>
+  <p:clrMapOvr>
+    <a:masterClrMapping/>
+  </p:clrMapOvr>
+</p:sld>
+</file>
+
+<file path=ppt/slides/slide17.xml><?xml version="1.0" encoding="utf-8"?>
+<p:sld xmlns:a="http://schemas.openxmlformats.org/drawingml/2006/main" xmlns:r="http://schemas.openxmlformats.org/officeDocument/2006/relationships" xmlns:p="http://schemas.openxmlformats.org/presentationml/2006/main">
+  <p:cSld>
+    <p:spTree>
+      <p:nvGrpSpPr>
+        <p:cNvPr id="1" name=""/>
+        <p:cNvGrpSpPr/>
+        <p:nvPr/>
+      </p:nvGrpSpPr>
+      <p:grpSpPr>
+        <a:xfrm>
+          <a:off x="0" y="0"/>
+          <a:ext cx="0" cy="0"/>
+          <a:chOff x="0" y="0"/>
+          <a:chExt cx="0" cy="0"/>
+        </a:xfrm>
+      </p:grpSpPr>
+      <p:sp>
+        <p:nvSpPr>
+          <p:cNvPr id="2" name="标题 1">
+            <a:extLst>
+              <a:ext uri="{FF2B5EF4-FFF2-40B4-BE49-F238E27FC236}">
+                <a16:creationId xmlns:a16="http://schemas.microsoft.com/office/drawing/2014/main" id="{A6298522-EFA5-4B3F-9F82-EA858ABC50F2}"/>
+              </a:ext>
+            </a:extLst>
+          </p:cNvPr>
+          <p:cNvSpPr>
+            <a:spLocks noGrp="1"/>
+          </p:cNvSpPr>
+          <p:nvPr>
+            <p:ph type="title"/>
+          </p:nvPr>
+        </p:nvSpPr>
+        <p:spPr/>
+        <p:txBody>
+          <a:bodyPr/>
+          <a:lstStyle/>
+          <a:p>
+            <a:r>
+              <a:rPr lang="zh-CN" altLang="en-US"/>
+              <a:t>人工智能多模态整合框架</a:t>
+            </a:r>
+          </a:p>
+        </p:txBody>
+      </p:sp>
+      <p:pic>
+        <p:nvPicPr>
+          <p:cNvPr id="4" name="图片 3">
+            <a:extLst>
+              <a:ext uri="{FF2B5EF4-FFF2-40B4-BE49-F238E27FC236}">
+                <a16:creationId xmlns:a16="http://schemas.microsoft.com/office/drawing/2014/main" id="{61CCF746-4394-4861-96E9-63BA5022448D}"/>
+              </a:ext>
+            </a:extLst>
+          </p:cNvPr>
+          <p:cNvPicPr>
+            <a:picLocks noChangeAspect="1"/>
+          </p:cNvPicPr>
+          <p:nvPr/>
+        </p:nvPicPr>
+        <p:blipFill>
+          <a:blip r:embed="rId2"/>
+          <a:stretch>
+            <a:fillRect/>
+          </a:stretch>
+        </p:blipFill>
+        <p:spPr>
+          <a:xfrm>
+            <a:off x="817494" y="1864705"/>
+            <a:ext cx="4991100" cy="4257675"/>
+          </a:xfrm>
+          <a:prstGeom prst="rect">
+            <a:avLst/>
+          </a:prstGeom>
+        </p:spPr>
+      </p:pic>
+      <p:sp>
+        <p:nvSpPr>
+          <p:cNvPr id="5" name="文本框 4">
+            <a:extLst>
+              <a:ext uri="{FF2B5EF4-FFF2-40B4-BE49-F238E27FC236}">
+                <a16:creationId xmlns:a16="http://schemas.microsoft.com/office/drawing/2014/main" id="{7F2CE599-0CF6-4E80-9FAB-1FF3FCFBD406}"/>
+              </a:ext>
+            </a:extLst>
+          </p:cNvPr>
+          <p:cNvSpPr txBox="1"/>
+          <p:nvPr/>
+        </p:nvSpPr>
+        <p:spPr>
+          <a:xfrm>
+            <a:off x="9151952" y="6329239"/>
+            <a:ext cx="2409246" cy="369332"/>
+          </a:xfrm>
+          <a:prstGeom prst="rect">
+            <a:avLst/>
+          </a:prstGeom>
+          <a:noFill/>
+          <a:ln>
+            <a:noFill/>
+          </a:ln>
+        </p:spPr>
+        <p:txBody>
+          <a:bodyPr wrap="square" rtlCol="0">
+            <a:spAutoFit/>
+          </a:bodyPr>
+          <a:lstStyle/>
+          <a:p>
+            <a:r>
+              <a:rPr lang="en-US" altLang="zh-CN"/>
+              <a:t>Esteva et al ,2019</a:t>
+            </a:r>
+            <a:endParaRPr lang="zh-CN" altLang="en-US"/>
+          </a:p>
+        </p:txBody>
+      </p:sp>
+    </p:spTree>
+    <p:extLst>
+      <p:ext uri="{BB962C8B-B14F-4D97-AF65-F5344CB8AC3E}">
+        <p14:creationId xmlns:p14="http://schemas.microsoft.com/office/powerpoint/2010/main" val="3484596767"/>
+      </p:ext>
+    </p:extLst>
+  </p:cSld>
+  <p:clrMapOvr>
+    <a:masterClrMapping/>
+  </p:clrMapOvr>
+</p:sld>
+</file>
+
+<file path=ppt/slides/slide18.xml><?xml version="1.0" encoding="utf-8"?>
+<p:sld xmlns:a="http://schemas.openxmlformats.org/drawingml/2006/main" xmlns:r="http://schemas.openxmlformats.org/officeDocument/2006/relationships" xmlns:p="http://schemas.openxmlformats.org/presentationml/2006/main">
+  <p:cSld>
+    <p:spTree>
+      <p:nvGrpSpPr>
+        <p:cNvPr id="1" name=""/>
+        <p:cNvGrpSpPr/>
+        <p:nvPr/>
+      </p:nvGrpSpPr>
+      <p:grpSpPr>
+        <a:xfrm>
+          <a:off x="0" y="0"/>
+          <a:ext cx="0" cy="0"/>
+          <a:chOff x="0" y="0"/>
+          <a:chExt cx="0" cy="0"/>
+        </a:xfrm>
+      </p:grpSpPr>
+      <p:sp>
+        <p:nvSpPr>
+          <p:cNvPr id="2" name="标题 1">
+            <a:extLst>
+              <a:ext uri="{FF2B5EF4-FFF2-40B4-BE49-F238E27FC236}">
+                <a16:creationId xmlns:a16="http://schemas.microsoft.com/office/drawing/2014/main" id="{8B6C1E04-C907-4FEC-9205-B2EECE187A50}"/>
+              </a:ext>
+            </a:extLst>
+          </p:cNvPr>
+          <p:cNvSpPr>
+            <a:spLocks noGrp="1"/>
+          </p:cNvSpPr>
+          <p:nvPr>
+            <p:ph type="title"/>
+          </p:nvPr>
+        </p:nvSpPr>
+        <p:spPr/>
+        <p:txBody>
+          <a:bodyPr/>
+          <a:lstStyle/>
+          <a:p>
+            <a:r>
+              <a:rPr lang="zh-CN" altLang="en-US"/>
+              <a:t>人工智能根据面部特征识别罕见病</a:t>
+            </a:r>
+          </a:p>
+        </p:txBody>
+      </p:sp>
+      <p:pic>
+        <p:nvPicPr>
+          <p:cNvPr id="4" name="图片 3">
+            <a:extLst>
+              <a:ext uri="{FF2B5EF4-FFF2-40B4-BE49-F238E27FC236}">
+                <a16:creationId xmlns:a16="http://schemas.microsoft.com/office/drawing/2014/main" id="{FF225B8C-B178-4B2E-BDE7-7BF0DF9E712C}"/>
+              </a:ext>
+            </a:extLst>
+          </p:cNvPr>
+          <p:cNvPicPr>
+            <a:picLocks noChangeAspect="1"/>
+          </p:cNvPicPr>
+          <p:nvPr/>
+        </p:nvPicPr>
+        <p:blipFill>
+          <a:blip r:embed="rId2"/>
+          <a:stretch>
+            <a:fillRect/>
+          </a:stretch>
+        </p:blipFill>
+        <p:spPr>
+          <a:xfrm>
+            <a:off x="396073" y="1615481"/>
+            <a:ext cx="10477500" cy="4772025"/>
+          </a:xfrm>
+          <a:prstGeom prst="rect">
+            <a:avLst/>
+          </a:prstGeom>
+        </p:spPr>
+      </p:pic>
+      <p:sp>
+        <p:nvSpPr>
+          <p:cNvPr id="5" name="文本框 4">
+            <a:extLst>
+              <a:ext uri="{FF2B5EF4-FFF2-40B4-BE49-F238E27FC236}">
+                <a16:creationId xmlns:a16="http://schemas.microsoft.com/office/drawing/2014/main" id="{425B79E0-2464-4EFF-9E31-85882641905B}"/>
+              </a:ext>
+            </a:extLst>
+          </p:cNvPr>
+          <p:cNvSpPr txBox="1"/>
+          <p:nvPr/>
+        </p:nvSpPr>
+        <p:spPr>
+          <a:xfrm>
+            <a:off x="9151952" y="6440559"/>
+            <a:ext cx="2409246" cy="369332"/>
+          </a:xfrm>
+          <a:prstGeom prst="rect">
+            <a:avLst/>
+          </a:prstGeom>
+          <a:noFill/>
+          <a:ln>
+            <a:noFill/>
+          </a:ln>
+        </p:spPr>
+        <p:txBody>
+          <a:bodyPr wrap="square" rtlCol="0">
+            <a:spAutoFit/>
+          </a:bodyPr>
+          <a:lstStyle/>
+          <a:p>
+            <a:r>
+              <a:rPr lang="en-US" altLang="zh-CN"/>
+              <a:t>Gurovich  et al ,2019</a:t>
+            </a:r>
+            <a:endParaRPr lang="zh-CN" altLang="en-US"/>
+          </a:p>
+        </p:txBody>
+      </p:sp>
+    </p:spTree>
+    <p:extLst>
+      <p:ext uri="{BB962C8B-B14F-4D97-AF65-F5344CB8AC3E}">
+        <p14:creationId xmlns:p14="http://schemas.microsoft.com/office/powerpoint/2010/main" val="3858046208"/>
+      </p:ext>
+    </p:extLst>
+  </p:cSld>
+  <p:clrMapOvr>
+    <a:masterClrMapping/>
+  </p:clrMapOvr>
+</p:sld>
+</file>
+
+<file path=ppt/slides/slide19.xml><?xml version="1.0" encoding="utf-8"?>
+<p:sld xmlns:a="http://schemas.openxmlformats.org/drawingml/2006/main" xmlns:r="http://schemas.openxmlformats.org/officeDocument/2006/relationships" xmlns:p="http://schemas.openxmlformats.org/presentationml/2006/main">
+  <p:cSld>
+    <p:spTree>
+      <p:nvGrpSpPr>
+        <p:cNvPr id="1" name=""/>
+        <p:cNvGrpSpPr/>
+        <p:nvPr/>
+      </p:nvGrpSpPr>
+      <p:grpSpPr>
+        <a:xfrm>
+          <a:off x="0" y="0"/>
+          <a:ext cx="0" cy="0"/>
+          <a:chOff x="0" y="0"/>
+          <a:chExt cx="0" cy="0"/>
+        </a:xfrm>
+      </p:grpSpPr>
+      <p:sp>
+        <p:nvSpPr>
+          <p:cNvPr id="2" name="标题 1">
+            <a:extLst>
+              <a:ext uri="{FF2B5EF4-FFF2-40B4-BE49-F238E27FC236}">
+                <a16:creationId xmlns:a16="http://schemas.microsoft.com/office/drawing/2014/main" id="{ED06631D-A66A-42BF-A90E-6B0F8E0128F6}"/>
+              </a:ext>
+            </a:extLst>
+          </p:cNvPr>
+          <p:cNvSpPr>
+            <a:spLocks noGrp="1"/>
+          </p:cNvSpPr>
+          <p:nvPr>
+            <p:ph type="title"/>
+          </p:nvPr>
+        </p:nvSpPr>
+        <p:spPr/>
+        <p:txBody>
+          <a:bodyPr/>
+          <a:lstStyle/>
+          <a:p>
+            <a:r>
+              <a:rPr lang="zh-CN" altLang="en-US"/>
+              <a:t>我的“体用合一”的复合型创新体系</a:t>
+            </a:r>
+          </a:p>
+        </p:txBody>
+      </p:sp>
+      <p:graphicFrame>
+        <p:nvGraphicFramePr>
+          <p:cNvPr id="8" name="内容占位符 5">
+            <a:extLst>
+              <a:ext uri="{FF2B5EF4-FFF2-40B4-BE49-F238E27FC236}">
+                <a16:creationId xmlns:a16="http://schemas.microsoft.com/office/drawing/2014/main" id="{B87133F6-5EFD-469F-87E0-1607C7DFFDEB}"/>
+              </a:ext>
+            </a:extLst>
+          </p:cNvPr>
+          <p:cNvGraphicFramePr>
+            <a:graphicFrameLocks/>
+          </p:cNvGraphicFramePr>
+          <p:nvPr>
+            <p:extLst>
+              <p:ext uri="{D42A27DB-BD31-4B8C-83A1-F6EECF244321}">
+                <p14:modId xmlns:p14="http://schemas.microsoft.com/office/powerpoint/2010/main" val="3776366666"/>
+              </p:ext>
+            </p:extLst>
+          </p:nvPr>
+        </p:nvGraphicFramePr>
+        <p:xfrm>
+          <a:off x="1115616" y="1412776"/>
+          <a:ext cx="7848872" cy="5328592"/>
+        </p:xfrm>
+        <a:graphic>
+          <a:graphicData uri="http://schemas.openxmlformats.org/drawingml/2006/diagram">
+            <dgm:relIds xmlns:dgm="http://schemas.openxmlformats.org/drawingml/2006/diagram" xmlns:r="http://schemas.openxmlformats.org/officeDocument/2006/relationships" r:dm="rId2" r:lo="rId3" r:qs="rId4" r:cs="rId5"/>
+          </a:graphicData>
+        </a:graphic>
+      </p:graphicFrame>
+    </p:spTree>
+    <p:extLst>
+      <p:ext uri="{BB962C8B-B14F-4D97-AF65-F5344CB8AC3E}">
+        <p14:creationId xmlns:p14="http://schemas.microsoft.com/office/powerpoint/2010/main" val="72266426"/>
       </p:ext>
     </p:extLst>
   </p:cSld>
@@ -6600,6 +10724,147 @@
     <p:extLst>
       <p:ext uri="{BB962C8B-B14F-4D97-AF65-F5344CB8AC3E}">
         <p14:creationId xmlns:p14="http://schemas.microsoft.com/office/powerpoint/2010/main" val="1538923167"/>
+      </p:ext>
+    </p:extLst>
+  </p:cSld>
+  <p:clrMapOvr>
+    <a:masterClrMapping/>
+  </p:clrMapOvr>
+</p:sld>
+</file>
+
+<file path=ppt/slides/slide20.xml><?xml version="1.0" encoding="utf-8"?>
+<p:sld xmlns:a="http://schemas.openxmlformats.org/drawingml/2006/main" xmlns:r="http://schemas.openxmlformats.org/officeDocument/2006/relationships" xmlns:p="http://schemas.openxmlformats.org/presentationml/2006/main">
+  <p:cSld>
+    <p:spTree>
+      <p:nvGrpSpPr>
+        <p:cNvPr id="1" name=""/>
+        <p:cNvGrpSpPr/>
+        <p:nvPr/>
+      </p:nvGrpSpPr>
+      <p:grpSpPr>
+        <a:xfrm>
+          <a:off x="0" y="0"/>
+          <a:ext cx="0" cy="0"/>
+          <a:chOff x="0" y="0"/>
+          <a:chExt cx="0" cy="0"/>
+        </a:xfrm>
+      </p:grpSpPr>
+      <p:sp>
+        <p:nvSpPr>
+          <p:cNvPr id="2" name="标题 1">
+            <a:extLst>
+              <a:ext uri="{FF2B5EF4-FFF2-40B4-BE49-F238E27FC236}">
+                <a16:creationId xmlns:a16="http://schemas.microsoft.com/office/drawing/2014/main" id="{0B2D841E-4580-450E-ACD7-2FEA99D565BA}"/>
+              </a:ext>
+            </a:extLst>
+          </p:cNvPr>
+          <p:cNvSpPr>
+            <a:spLocks noGrp="1"/>
+          </p:cNvSpPr>
+          <p:nvPr>
+            <p:ph type="title"/>
+          </p:nvPr>
+        </p:nvSpPr>
+        <p:spPr/>
+        <p:txBody>
+          <a:bodyPr/>
+          <a:lstStyle/>
+          <a:p>
+            <a:r>
+              <a:rPr lang="zh-CN" altLang="en-US"/>
+              <a:t>如何在生物医学背景下学习机器学习？</a:t>
+            </a:r>
+            <a:br>
+              <a:rPr lang="en-US" altLang="zh-CN"/>
+            </a:br>
+            <a:endParaRPr lang="zh-CN" altLang="en-US"/>
+          </a:p>
+        </p:txBody>
+      </p:sp>
+      <p:sp>
+        <p:nvSpPr>
+          <p:cNvPr id="3" name="内容占位符 2">
+            <a:extLst>
+              <a:ext uri="{FF2B5EF4-FFF2-40B4-BE49-F238E27FC236}">
+                <a16:creationId xmlns:a16="http://schemas.microsoft.com/office/drawing/2014/main" id="{1B46607D-99BD-4E35-9FF1-DD98CF081C6D}"/>
+              </a:ext>
+            </a:extLst>
+          </p:cNvPr>
+          <p:cNvSpPr>
+            <a:spLocks noGrp="1"/>
+          </p:cNvSpPr>
+          <p:nvPr>
+            <p:ph idx="1"/>
+          </p:nvPr>
+        </p:nvSpPr>
+        <p:spPr/>
+        <p:txBody>
+          <a:bodyPr>
+            <a:normAutofit fontScale="92500" lnSpcReduction="10000"/>
+          </a:bodyPr>
+          <a:lstStyle/>
+          <a:p>
+            <a:r>
+              <a:rPr lang="zh-CN" altLang="en-US" sz="2400"/>
+              <a:t>高中和本科数学不要丢掉</a:t>
+            </a:r>
+            <a:endParaRPr lang="en-US" altLang="zh-CN" sz="2400"/>
+          </a:p>
+          <a:p>
+            <a:endParaRPr lang="en-US" altLang="zh-CN" sz="2400"/>
+          </a:p>
+          <a:p>
+            <a:r>
+              <a:rPr lang="zh-CN" altLang="en-US" sz="2400"/>
+              <a:t>充分掌握一门编程语言</a:t>
+            </a:r>
+            <a:endParaRPr lang="en-US" altLang="zh-CN" sz="2400"/>
+          </a:p>
+          <a:p>
+            <a:endParaRPr lang="en-US" altLang="zh-CN" sz="2400"/>
+          </a:p>
+          <a:p>
+            <a:r>
+              <a:rPr lang="zh-CN" altLang="en-US" sz="2400"/>
+              <a:t>打好统计学基础</a:t>
+            </a:r>
+            <a:endParaRPr lang="en-US" altLang="zh-CN" sz="2400"/>
+          </a:p>
+          <a:p>
+            <a:endParaRPr lang="en-US" altLang="zh-CN" sz="2400"/>
+          </a:p>
+          <a:p>
+            <a:r>
+              <a:rPr lang="zh-CN" altLang="en-US" sz="2400"/>
+              <a:t>学一点机器学习理念</a:t>
+            </a:r>
+            <a:endParaRPr lang="en-US" altLang="zh-CN" sz="2400"/>
+          </a:p>
+          <a:p>
+            <a:endParaRPr lang="en-US" altLang="zh-CN" sz="2400"/>
+          </a:p>
+          <a:p>
+            <a:r>
+              <a:rPr lang="zh-CN" altLang="en-US" sz="2400"/>
+              <a:t>听说一点</a:t>
+            </a:r>
+            <a:r>
+              <a:rPr lang="en-US" altLang="zh-CN" sz="2400"/>
+              <a:t>AI</a:t>
+            </a:r>
+            <a:r>
+              <a:rPr lang="zh-CN" altLang="en-US" sz="2400"/>
+              <a:t>知识</a:t>
+            </a:r>
+            <a:endParaRPr lang="en-US" altLang="zh-CN" sz="2400"/>
+          </a:p>
+        </p:txBody>
+      </p:sp>
+    </p:spTree>
+    <p:extLst>
+      <p:ext uri="{BB962C8B-B14F-4D97-AF65-F5344CB8AC3E}">
+        <p14:creationId xmlns:p14="http://schemas.microsoft.com/office/powerpoint/2010/main" val="2285253975"/>
       </p:ext>
     </p:extLst>
   </p:cSld>

--- a/0_why_and_how.pptx
+++ b/0_why_and_how.pptx
@@ -25,6 +25,15 @@
     <p:sldId id="274" r:id="rId19"/>
     <p:sldId id="275" r:id="rId20"/>
     <p:sldId id="258" r:id="rId21"/>
+    <p:sldId id="276" r:id="rId22"/>
+    <p:sldId id="277" r:id="rId23"/>
+    <p:sldId id="278" r:id="rId24"/>
+    <p:sldId id="279" r:id="rId25"/>
+    <p:sldId id="280" r:id="rId26"/>
+    <p:sldId id="281" r:id="rId27"/>
+    <p:sldId id="282" r:id="rId28"/>
+    <p:sldId id="283" r:id="rId29"/>
+    <p:sldId id="284" r:id="rId30"/>
   </p:sldIdLst>
   <p:sldSz cx="12192000" cy="6858000"/>
   <p:notesSz cx="6858000" cy="9144000"/>
@@ -4215,7 +4224,7 @@
           <a:p>
             <a:fld id="{172A82DE-3DBB-4EE9-9B00-16515567728F}" type="datetimeFigureOut">
               <a:rPr lang="zh-CN" altLang="en-US" smtClean="0"/>
-              <a:t>2019/8/22</a:t>
+              <a:t>2019/8/24</a:t>
             </a:fld>
             <a:endParaRPr lang="zh-CN" altLang="en-US"/>
           </a:p>
@@ -4466,7 +4475,7 @@
           <a:p>
             <a:fld id="{172A82DE-3DBB-4EE9-9B00-16515567728F}" type="datetimeFigureOut">
               <a:rPr lang="zh-CN" altLang="en-US" smtClean="0"/>
-              <a:t>2019/8/22</a:t>
+              <a:t>2019/8/24</a:t>
             </a:fld>
             <a:endParaRPr lang="zh-CN" altLang="en-US"/>
           </a:p>
@@ -4780,7 +4789,7 @@
           <a:p>
             <a:fld id="{172A82DE-3DBB-4EE9-9B00-16515567728F}" type="datetimeFigureOut">
               <a:rPr lang="zh-CN" altLang="en-US" smtClean="0"/>
-              <a:t>2019/8/22</a:t>
+              <a:t>2019/8/24</a:t>
             </a:fld>
             <a:endParaRPr lang="zh-CN" altLang="en-US"/>
           </a:p>
@@ -5121,7 +5130,7 @@
           <a:p>
             <a:fld id="{172A82DE-3DBB-4EE9-9B00-16515567728F}" type="datetimeFigureOut">
               <a:rPr lang="zh-CN" altLang="en-US" smtClean="0"/>
-              <a:t>2019/8/22</a:t>
+              <a:t>2019/8/24</a:t>
             </a:fld>
             <a:endParaRPr lang="zh-CN" altLang="en-US"/>
           </a:p>
@@ -5435,7 +5444,7 @@
           <a:p>
             <a:fld id="{172A82DE-3DBB-4EE9-9B00-16515567728F}" type="datetimeFigureOut">
               <a:rPr lang="zh-CN" altLang="en-US" smtClean="0"/>
-              <a:t>2019/8/22</a:t>
+              <a:t>2019/8/24</a:t>
             </a:fld>
             <a:endParaRPr lang="zh-CN" altLang="en-US"/>
           </a:p>
@@ -5828,7 +5837,7 @@
           <a:p>
             <a:fld id="{172A82DE-3DBB-4EE9-9B00-16515567728F}" type="datetimeFigureOut">
               <a:rPr lang="zh-CN" altLang="en-US" smtClean="0"/>
-              <a:t>2019/8/22</a:t>
+              <a:t>2019/8/24</a:t>
             </a:fld>
             <a:endParaRPr lang="zh-CN" altLang="en-US"/>
           </a:p>
@@ -5998,7 +6007,7 @@
           <a:p>
             <a:fld id="{172A82DE-3DBB-4EE9-9B00-16515567728F}" type="datetimeFigureOut">
               <a:rPr lang="zh-CN" altLang="en-US" smtClean="0"/>
-              <a:t>2019/8/22</a:t>
+              <a:t>2019/8/24</a:t>
             </a:fld>
             <a:endParaRPr lang="zh-CN" altLang="en-US"/>
           </a:p>
@@ -6178,7 +6187,7 @@
           <a:p>
             <a:fld id="{172A82DE-3DBB-4EE9-9B00-16515567728F}" type="datetimeFigureOut">
               <a:rPr lang="zh-CN" altLang="en-US" smtClean="0"/>
-              <a:t>2019/8/22</a:t>
+              <a:t>2019/8/24</a:t>
             </a:fld>
             <a:endParaRPr lang="zh-CN" altLang="en-US"/>
           </a:p>
@@ -6354,7 +6363,7 @@
           <a:p>
             <a:fld id="{172A82DE-3DBB-4EE9-9B00-16515567728F}" type="datetimeFigureOut">
               <a:rPr lang="zh-CN" altLang="en-US" smtClean="0"/>
-              <a:t>2019/8/22</a:t>
+              <a:t>2019/8/24</a:t>
             </a:fld>
             <a:endParaRPr lang="zh-CN" altLang="en-US"/>
           </a:p>
@@ -6601,7 +6610,7 @@
           <a:p>
             <a:fld id="{172A82DE-3DBB-4EE9-9B00-16515567728F}" type="datetimeFigureOut">
               <a:rPr lang="zh-CN" altLang="en-US" smtClean="0"/>
-              <a:t>2019/8/22</a:t>
+              <a:t>2019/8/24</a:t>
             </a:fld>
             <a:endParaRPr lang="zh-CN" altLang="en-US"/>
           </a:p>
@@ -6833,7 +6842,7 @@
           <a:p>
             <a:fld id="{172A82DE-3DBB-4EE9-9B00-16515567728F}" type="datetimeFigureOut">
               <a:rPr lang="zh-CN" altLang="en-US" smtClean="0"/>
-              <a:t>2019/8/22</a:t>
+              <a:t>2019/8/24</a:t>
             </a:fld>
             <a:endParaRPr lang="zh-CN" altLang="en-US"/>
           </a:p>
@@ -7207,7 +7216,7 @@
           <a:p>
             <a:fld id="{172A82DE-3DBB-4EE9-9B00-16515567728F}" type="datetimeFigureOut">
               <a:rPr lang="zh-CN" altLang="en-US" smtClean="0"/>
-              <a:t>2019/8/22</a:t>
+              <a:t>2019/8/24</a:t>
             </a:fld>
             <a:endParaRPr lang="zh-CN" altLang="en-US"/>
           </a:p>
@@ -7330,7 +7339,7 @@
           <a:p>
             <a:fld id="{172A82DE-3DBB-4EE9-9B00-16515567728F}" type="datetimeFigureOut">
               <a:rPr lang="zh-CN" altLang="en-US" smtClean="0"/>
-              <a:t>2019/8/22</a:t>
+              <a:t>2019/8/24</a:t>
             </a:fld>
             <a:endParaRPr lang="zh-CN" altLang="en-US"/>
           </a:p>
@@ -7425,7 +7434,7 @@
           <a:p>
             <a:fld id="{172A82DE-3DBB-4EE9-9B00-16515567728F}" type="datetimeFigureOut">
               <a:rPr lang="zh-CN" altLang="en-US" smtClean="0"/>
-              <a:t>2019/8/22</a:t>
+              <a:t>2019/8/24</a:t>
             </a:fld>
             <a:endParaRPr lang="zh-CN" altLang="en-US"/>
           </a:p>
@@ -7680,7 +7689,7 @@
           <a:p>
             <a:fld id="{172A82DE-3DBB-4EE9-9B00-16515567728F}" type="datetimeFigureOut">
               <a:rPr lang="zh-CN" altLang="en-US" smtClean="0"/>
-              <a:t>2019/8/22</a:t>
+              <a:t>2019/8/24</a:t>
             </a:fld>
             <a:endParaRPr lang="zh-CN" altLang="en-US"/>
           </a:p>
@@ -7943,7 +7952,7 @@
           <a:p>
             <a:fld id="{172A82DE-3DBB-4EE9-9B00-16515567728F}" type="datetimeFigureOut">
               <a:rPr lang="zh-CN" altLang="en-US" smtClean="0"/>
-              <a:t>2019/8/22</a:t>
+              <a:t>2019/8/24</a:t>
             </a:fld>
             <a:endParaRPr lang="zh-CN" altLang="en-US"/>
           </a:p>
@@ -8686,7 +8695,7 @@
           <a:p>
             <a:fld id="{172A82DE-3DBB-4EE9-9B00-16515567728F}" type="datetimeFigureOut">
               <a:rPr lang="zh-CN" altLang="en-US" smtClean="0"/>
-              <a:t>2019/8/22</a:t>
+              <a:t>2019/8/24</a:t>
             </a:fld>
             <a:endParaRPr lang="zh-CN" altLang="en-US"/>
           </a:p>
@@ -10806,58 +10815,58 @@
           <a:lstStyle/>
           <a:p>
             <a:r>
-              <a:rPr lang="zh-CN" altLang="en-US" sz="2400"/>
+              <a:rPr lang="zh-CN" altLang="en-US" sz="2400" dirty="0"/>
               <a:t>高中和本科数学不要丢掉</a:t>
             </a:r>
-            <a:endParaRPr lang="en-US" altLang="zh-CN" sz="2400"/>
-          </a:p>
-          <a:p>
-            <a:endParaRPr lang="en-US" altLang="zh-CN" sz="2400"/>
-          </a:p>
-          <a:p>
-            <a:r>
-              <a:rPr lang="zh-CN" altLang="en-US" sz="2400"/>
+            <a:endParaRPr lang="en-US" altLang="zh-CN" sz="2400" dirty="0"/>
+          </a:p>
+          <a:p>
+            <a:endParaRPr lang="en-US" altLang="zh-CN" sz="2400" dirty="0"/>
+          </a:p>
+          <a:p>
+            <a:r>
+              <a:rPr lang="zh-CN" altLang="en-US" sz="2400" dirty="0"/>
               <a:t>充分掌握一门编程语言</a:t>
             </a:r>
-            <a:endParaRPr lang="en-US" altLang="zh-CN" sz="2400"/>
-          </a:p>
-          <a:p>
-            <a:endParaRPr lang="en-US" altLang="zh-CN" sz="2400"/>
-          </a:p>
-          <a:p>
-            <a:r>
-              <a:rPr lang="zh-CN" altLang="en-US" sz="2400"/>
+            <a:endParaRPr lang="en-US" altLang="zh-CN" sz="2400" dirty="0"/>
+          </a:p>
+          <a:p>
+            <a:endParaRPr lang="en-US" altLang="zh-CN" sz="2400" dirty="0"/>
+          </a:p>
+          <a:p>
+            <a:r>
+              <a:rPr lang="zh-CN" altLang="en-US" sz="2400" dirty="0"/>
               <a:t>打好统计学基础</a:t>
             </a:r>
-            <a:endParaRPr lang="en-US" altLang="zh-CN" sz="2400"/>
-          </a:p>
-          <a:p>
-            <a:endParaRPr lang="en-US" altLang="zh-CN" sz="2400"/>
-          </a:p>
-          <a:p>
-            <a:r>
-              <a:rPr lang="zh-CN" altLang="en-US" sz="2400"/>
+            <a:endParaRPr lang="en-US" altLang="zh-CN" sz="2400" dirty="0"/>
+          </a:p>
+          <a:p>
+            <a:endParaRPr lang="en-US" altLang="zh-CN" sz="2400" dirty="0"/>
+          </a:p>
+          <a:p>
+            <a:r>
+              <a:rPr lang="zh-CN" altLang="en-US" sz="2400" dirty="0"/>
               <a:t>学一点机器学习理念</a:t>
             </a:r>
-            <a:endParaRPr lang="en-US" altLang="zh-CN" sz="2400"/>
-          </a:p>
-          <a:p>
-            <a:endParaRPr lang="en-US" altLang="zh-CN" sz="2400"/>
-          </a:p>
-          <a:p>
-            <a:r>
-              <a:rPr lang="zh-CN" altLang="en-US" sz="2400"/>
+            <a:endParaRPr lang="en-US" altLang="zh-CN" sz="2400" dirty="0"/>
+          </a:p>
+          <a:p>
+            <a:endParaRPr lang="en-US" altLang="zh-CN" sz="2400" dirty="0"/>
+          </a:p>
+          <a:p>
+            <a:r>
+              <a:rPr lang="zh-CN" altLang="en-US" sz="2400" dirty="0"/>
               <a:t>听说一点</a:t>
             </a:r>
             <a:r>
-              <a:rPr lang="en-US" altLang="zh-CN" sz="2400"/>
+              <a:rPr lang="en-US" altLang="zh-CN" sz="2400" dirty="0"/>
               <a:t>AI</a:t>
             </a:r>
             <a:r>
-              <a:rPr lang="zh-CN" altLang="en-US" sz="2400"/>
+              <a:rPr lang="zh-CN" altLang="en-US" sz="2400" dirty="0"/>
               <a:t>知识</a:t>
             </a:r>
-            <a:endParaRPr lang="en-US" altLang="zh-CN" sz="2400"/>
+            <a:endParaRPr lang="en-US" altLang="zh-CN" sz="2400" dirty="0"/>
           </a:p>
         </p:txBody>
       </p:sp>
@@ -10865,6 +10874,1305 @@
     <p:extLst>
       <p:ext uri="{BB962C8B-B14F-4D97-AF65-F5344CB8AC3E}">
         <p14:creationId xmlns:p14="http://schemas.microsoft.com/office/powerpoint/2010/main" val="2285253975"/>
+      </p:ext>
+    </p:extLst>
+  </p:cSld>
+  <p:clrMapOvr>
+    <a:masterClrMapping/>
+  </p:clrMapOvr>
+</p:sld>
+</file>
+
+<file path=ppt/slides/slide21.xml><?xml version="1.0" encoding="utf-8"?>
+<p:sld xmlns:a="http://schemas.openxmlformats.org/drawingml/2006/main" xmlns:r="http://schemas.openxmlformats.org/officeDocument/2006/relationships" xmlns:p="http://schemas.openxmlformats.org/presentationml/2006/main">
+  <p:cSld>
+    <p:spTree>
+      <p:nvGrpSpPr>
+        <p:cNvPr id="1" name=""/>
+        <p:cNvGrpSpPr/>
+        <p:nvPr/>
+      </p:nvGrpSpPr>
+      <p:grpSpPr>
+        <a:xfrm>
+          <a:off x="0" y="0"/>
+          <a:ext cx="0" cy="0"/>
+          <a:chOff x="0" y="0"/>
+          <a:chExt cx="0" cy="0"/>
+        </a:xfrm>
+      </p:grpSpPr>
+      <p:sp>
+        <p:nvSpPr>
+          <p:cNvPr id="2" name="标题 1">
+            <a:extLst>
+              <a:ext uri="{FF2B5EF4-FFF2-40B4-BE49-F238E27FC236}">
+                <a16:creationId xmlns:a16="http://schemas.microsoft.com/office/drawing/2014/main" id="{C0EA70B3-CC2A-4091-915D-C290AD8FD7E2}"/>
+              </a:ext>
+            </a:extLst>
+          </p:cNvPr>
+          <p:cNvSpPr>
+            <a:spLocks noGrp="1"/>
+          </p:cNvSpPr>
+          <p:nvPr>
+            <p:ph type="title"/>
+          </p:nvPr>
+        </p:nvSpPr>
+        <p:spPr/>
+        <p:txBody>
+          <a:bodyPr/>
+          <a:lstStyle/>
+          <a:p>
+            <a:r>
+              <a:rPr lang="zh-CN" altLang="en-US" dirty="0"/>
+              <a:t>高中和本科数学不要丢掉</a:t>
+            </a:r>
+            <a:br>
+              <a:rPr lang="en-US" altLang="zh-CN" dirty="0"/>
+            </a:br>
+            <a:endParaRPr lang="zh-CN" altLang="en-US" dirty="0"/>
+          </a:p>
+        </p:txBody>
+      </p:sp>
+      <p:sp>
+        <p:nvSpPr>
+          <p:cNvPr id="3" name="内容占位符 2">
+            <a:extLst>
+              <a:ext uri="{FF2B5EF4-FFF2-40B4-BE49-F238E27FC236}">
+                <a16:creationId xmlns:a16="http://schemas.microsoft.com/office/drawing/2014/main" id="{A4464361-02D4-45B1-9421-83F32233B290}"/>
+              </a:ext>
+            </a:extLst>
+          </p:cNvPr>
+          <p:cNvSpPr>
+            <a:spLocks noGrp="1"/>
+          </p:cNvSpPr>
+          <p:nvPr>
+            <p:ph idx="1"/>
+          </p:nvPr>
+        </p:nvSpPr>
+        <p:spPr/>
+        <p:txBody>
+          <a:bodyPr>
+            <a:normAutofit/>
+          </a:bodyPr>
+          <a:lstStyle/>
+          <a:p>
+            <a:r>
+              <a:rPr lang="zh-CN" altLang="en-US" sz="2400" dirty="0"/>
+              <a:t>高中所有数学知识</a:t>
+            </a:r>
+            <a:endParaRPr lang="en-US" altLang="zh-CN" sz="2400" dirty="0"/>
+          </a:p>
+          <a:p>
+            <a:endParaRPr lang="en-US" altLang="zh-CN" sz="2400" dirty="0"/>
+          </a:p>
+          <a:p>
+            <a:r>
+              <a:rPr lang="zh-CN" altLang="en-US" sz="2400" dirty="0"/>
+              <a:t>微积分</a:t>
+            </a:r>
+            <a:endParaRPr lang="en-US" altLang="zh-CN" sz="2400" dirty="0"/>
+          </a:p>
+          <a:p>
+            <a:endParaRPr lang="en-US" altLang="zh-CN" sz="2400" dirty="0"/>
+          </a:p>
+          <a:p>
+            <a:r>
+              <a:rPr lang="zh-CN" altLang="en-US" sz="2400" dirty="0"/>
+              <a:t>线性代数</a:t>
+            </a:r>
+            <a:endParaRPr lang="en-US" altLang="zh-CN" sz="2400" dirty="0"/>
+          </a:p>
+          <a:p>
+            <a:endParaRPr lang="en-US" altLang="zh-CN" sz="2400" dirty="0"/>
+          </a:p>
+          <a:p>
+            <a:r>
+              <a:rPr lang="zh-CN" altLang="en-US" sz="2400" dirty="0"/>
+              <a:t>概率论</a:t>
+            </a:r>
+            <a:endParaRPr lang="en-US" altLang="zh-CN" sz="2400" dirty="0"/>
+          </a:p>
+        </p:txBody>
+      </p:sp>
+    </p:spTree>
+    <p:extLst>
+      <p:ext uri="{BB962C8B-B14F-4D97-AF65-F5344CB8AC3E}">
+        <p14:creationId xmlns:p14="http://schemas.microsoft.com/office/powerpoint/2010/main" val="1510578151"/>
+      </p:ext>
+    </p:extLst>
+  </p:cSld>
+  <p:clrMapOvr>
+    <a:masterClrMapping/>
+  </p:clrMapOvr>
+</p:sld>
+</file>
+
+<file path=ppt/slides/slide22.xml><?xml version="1.0" encoding="utf-8"?>
+<p:sld xmlns:a="http://schemas.openxmlformats.org/drawingml/2006/main" xmlns:r="http://schemas.openxmlformats.org/officeDocument/2006/relationships" xmlns:p="http://schemas.openxmlformats.org/presentationml/2006/main">
+  <p:cSld>
+    <p:spTree>
+      <p:nvGrpSpPr>
+        <p:cNvPr id="1" name=""/>
+        <p:cNvGrpSpPr/>
+        <p:nvPr/>
+      </p:nvGrpSpPr>
+      <p:grpSpPr>
+        <a:xfrm>
+          <a:off x="0" y="0"/>
+          <a:ext cx="0" cy="0"/>
+          <a:chOff x="0" y="0"/>
+          <a:chExt cx="0" cy="0"/>
+        </a:xfrm>
+      </p:grpSpPr>
+      <p:sp>
+        <p:nvSpPr>
+          <p:cNvPr id="2" name="标题 1">
+            <a:extLst>
+              <a:ext uri="{FF2B5EF4-FFF2-40B4-BE49-F238E27FC236}">
+                <a16:creationId xmlns:a16="http://schemas.microsoft.com/office/drawing/2014/main" id="{21237D1D-45FE-4355-9D72-504DD921ED10}"/>
+              </a:ext>
+            </a:extLst>
+          </p:cNvPr>
+          <p:cNvSpPr>
+            <a:spLocks noGrp="1"/>
+          </p:cNvSpPr>
+          <p:nvPr>
+            <p:ph type="title"/>
+          </p:nvPr>
+        </p:nvSpPr>
+        <p:spPr/>
+        <p:txBody>
+          <a:bodyPr/>
+          <a:lstStyle/>
+          <a:p>
+            <a:r>
+              <a:rPr lang="zh-CN" altLang="en-US" dirty="0"/>
+              <a:t>充分掌握一门编程语言</a:t>
+            </a:r>
+            <a:br>
+              <a:rPr lang="en-US" altLang="zh-CN" dirty="0"/>
+            </a:br>
+            <a:endParaRPr lang="zh-CN" altLang="en-US" dirty="0"/>
+          </a:p>
+        </p:txBody>
+      </p:sp>
+      <p:sp>
+        <p:nvSpPr>
+          <p:cNvPr id="3" name="内容占位符 2">
+            <a:extLst>
+              <a:ext uri="{FF2B5EF4-FFF2-40B4-BE49-F238E27FC236}">
+                <a16:creationId xmlns:a16="http://schemas.microsoft.com/office/drawing/2014/main" id="{8B2BDEEE-16E2-4A7B-A357-543D4D7C8FB1}"/>
+              </a:ext>
+            </a:extLst>
+          </p:cNvPr>
+          <p:cNvSpPr>
+            <a:spLocks noGrp="1"/>
+          </p:cNvSpPr>
+          <p:nvPr>
+            <p:ph idx="1"/>
+          </p:nvPr>
+        </p:nvSpPr>
+        <p:spPr/>
+        <p:txBody>
+          <a:bodyPr/>
+          <a:lstStyle/>
+          <a:p>
+            <a:r>
+              <a:rPr lang="en-US" altLang="zh-CN" sz="2400" dirty="0"/>
+              <a:t>C++		</a:t>
+            </a:r>
+            <a:r>
+              <a:rPr lang="zh-CN" altLang="en-US" sz="2400" dirty="0"/>
+              <a:t>功力上不封顶。据说很难？高中一个月自学完。</a:t>
+            </a:r>
+            <a:endParaRPr lang="en-US" altLang="zh-CN" sz="2400" dirty="0"/>
+          </a:p>
+          <a:p>
+            <a:endParaRPr lang="en-US" altLang="zh-CN" sz="2400" dirty="0"/>
+          </a:p>
+          <a:p>
+            <a:r>
+              <a:rPr lang="en-US" altLang="zh-CN" sz="2400" dirty="0"/>
+              <a:t>Python	</a:t>
+            </a:r>
+            <a:r>
+              <a:rPr lang="zh-CN" altLang="en-US" sz="2400" dirty="0"/>
+              <a:t>前途无量，人工智能主流。让下一代学习？</a:t>
+            </a:r>
+            <a:endParaRPr lang="en-US" altLang="zh-CN" sz="2400" dirty="0"/>
+          </a:p>
+          <a:p>
+            <a:endParaRPr lang="en-US" altLang="zh-CN" sz="2400" dirty="0"/>
+          </a:p>
+          <a:p>
+            <a:r>
+              <a:rPr lang="en-US" altLang="zh-CN" sz="2400" dirty="0"/>
+              <a:t>R		</a:t>
+            </a:r>
+            <a:r>
+              <a:rPr lang="zh-CN" altLang="en-US" sz="2400" dirty="0"/>
+              <a:t>简单有效，论文利器。</a:t>
+            </a:r>
+            <a:r>
+              <a:rPr lang="zh-CN" altLang="en-US" sz="2400" dirty="0">
+                <a:solidFill>
+                  <a:srgbClr val="7030A0"/>
+                </a:solidFill>
+              </a:rPr>
+              <a:t>本课程用</a:t>
+            </a:r>
+            <a:r>
+              <a:rPr lang="en-US" altLang="zh-CN" sz="2400" dirty="0">
+                <a:solidFill>
+                  <a:srgbClr val="7030A0"/>
+                </a:solidFill>
+              </a:rPr>
+              <a:t>R</a:t>
+            </a:r>
+          </a:p>
+          <a:p>
+            <a:endParaRPr lang="en-US" altLang="zh-CN" sz="2400" dirty="0"/>
+          </a:p>
+          <a:p>
+            <a:r>
+              <a:rPr lang="zh-CN" altLang="en-US" sz="2400" dirty="0">
+                <a:solidFill>
+                  <a:srgbClr val="C00000"/>
+                </a:solidFill>
+              </a:rPr>
+              <a:t>关键是要有热情，勤于练习，熟能生巧。</a:t>
+            </a:r>
+            <a:endParaRPr lang="en-US" altLang="zh-CN" sz="2400" dirty="0">
+              <a:solidFill>
+                <a:srgbClr val="C00000"/>
+              </a:solidFill>
+            </a:endParaRPr>
+          </a:p>
+          <a:p>
+            <a:endParaRPr lang="zh-CN" altLang="en-US" dirty="0"/>
+          </a:p>
+        </p:txBody>
+      </p:sp>
+    </p:spTree>
+    <p:extLst>
+      <p:ext uri="{BB962C8B-B14F-4D97-AF65-F5344CB8AC3E}">
+        <p14:creationId xmlns:p14="http://schemas.microsoft.com/office/powerpoint/2010/main" val="2480455858"/>
+      </p:ext>
+    </p:extLst>
+  </p:cSld>
+  <p:clrMapOvr>
+    <a:masterClrMapping/>
+  </p:clrMapOvr>
+</p:sld>
+</file>
+
+<file path=ppt/slides/slide23.xml><?xml version="1.0" encoding="utf-8"?>
+<p:sld xmlns:a="http://schemas.openxmlformats.org/drawingml/2006/main" xmlns:r="http://schemas.openxmlformats.org/officeDocument/2006/relationships" xmlns:p="http://schemas.openxmlformats.org/presentationml/2006/main">
+  <p:cSld>
+    <p:spTree>
+      <p:nvGrpSpPr>
+        <p:cNvPr id="1" name=""/>
+        <p:cNvGrpSpPr/>
+        <p:nvPr/>
+      </p:nvGrpSpPr>
+      <p:grpSpPr>
+        <a:xfrm>
+          <a:off x="0" y="0"/>
+          <a:ext cx="0" cy="0"/>
+          <a:chOff x="0" y="0"/>
+          <a:chExt cx="0" cy="0"/>
+        </a:xfrm>
+      </p:grpSpPr>
+      <p:sp>
+        <p:nvSpPr>
+          <p:cNvPr id="2" name="标题 1">
+            <a:extLst>
+              <a:ext uri="{FF2B5EF4-FFF2-40B4-BE49-F238E27FC236}">
+                <a16:creationId xmlns:a16="http://schemas.microsoft.com/office/drawing/2014/main" id="{A63F677E-DEC1-4734-9579-32C2A99137DB}"/>
+              </a:ext>
+            </a:extLst>
+          </p:cNvPr>
+          <p:cNvSpPr>
+            <a:spLocks noGrp="1"/>
+          </p:cNvSpPr>
+          <p:nvPr>
+            <p:ph type="title"/>
+          </p:nvPr>
+        </p:nvSpPr>
+        <p:spPr/>
+        <p:txBody>
+          <a:bodyPr/>
+          <a:lstStyle/>
+          <a:p>
+            <a:r>
+              <a:rPr lang="zh-CN" altLang="en-US" dirty="0"/>
+              <a:t>打好统计学基础</a:t>
+            </a:r>
+            <a:br>
+              <a:rPr lang="en-US" altLang="zh-CN" dirty="0"/>
+            </a:br>
+            <a:endParaRPr lang="zh-CN" altLang="en-US" dirty="0"/>
+          </a:p>
+        </p:txBody>
+      </p:sp>
+      <p:sp>
+        <p:nvSpPr>
+          <p:cNvPr id="3" name="内容占位符 2">
+            <a:extLst>
+              <a:ext uri="{FF2B5EF4-FFF2-40B4-BE49-F238E27FC236}">
+                <a16:creationId xmlns:a16="http://schemas.microsoft.com/office/drawing/2014/main" id="{AE1063DD-9596-437A-A2E6-B26F71636A85}"/>
+              </a:ext>
+            </a:extLst>
+          </p:cNvPr>
+          <p:cNvSpPr>
+            <a:spLocks noGrp="1"/>
+          </p:cNvSpPr>
+          <p:nvPr>
+            <p:ph idx="1"/>
+          </p:nvPr>
+        </p:nvSpPr>
+        <p:spPr/>
+        <p:txBody>
+          <a:bodyPr/>
+          <a:lstStyle/>
+          <a:p>
+            <a:r>
+              <a:rPr lang="zh-CN" altLang="en-US" dirty="0"/>
+              <a:t>数理统计</a:t>
+            </a:r>
+            <a:endParaRPr lang="en-US" altLang="zh-CN" dirty="0"/>
+          </a:p>
+          <a:p>
+            <a:r>
+              <a:rPr lang="zh-CN" altLang="en-US" dirty="0"/>
+              <a:t>高等数理统计</a:t>
+            </a:r>
+            <a:endParaRPr lang="en-US" altLang="zh-CN" dirty="0"/>
+          </a:p>
+          <a:p>
+            <a:r>
+              <a:rPr lang="zh-CN" altLang="en-US" dirty="0"/>
+              <a:t>非参统计</a:t>
+            </a:r>
+            <a:endParaRPr lang="en-US" altLang="zh-CN" dirty="0"/>
+          </a:p>
+          <a:p>
+            <a:r>
+              <a:rPr lang="zh-CN" altLang="en-US" dirty="0"/>
+              <a:t>贝叶斯统计</a:t>
+            </a:r>
+            <a:endParaRPr lang="en-US" altLang="zh-CN" dirty="0"/>
+          </a:p>
+          <a:p>
+            <a:r>
+              <a:rPr lang="zh-CN" altLang="en-US" dirty="0"/>
+              <a:t>多元统计</a:t>
+            </a:r>
+            <a:endParaRPr lang="en-US" altLang="zh-CN" dirty="0"/>
+          </a:p>
+          <a:p>
+            <a:endParaRPr lang="en-US" altLang="zh-CN" dirty="0"/>
+          </a:p>
+          <a:p>
+            <a:r>
+              <a:rPr lang="zh-CN" altLang="en-US" sz="2400" dirty="0"/>
+              <a:t>不要怕书单长，回头讲</a:t>
+            </a:r>
+            <a:r>
+              <a:rPr lang="zh-CN" altLang="en-US" sz="2400" dirty="0">
+                <a:solidFill>
+                  <a:srgbClr val="C00000"/>
+                </a:solidFill>
+              </a:rPr>
+              <a:t>读书秘诀</a:t>
+            </a:r>
+            <a:endParaRPr lang="en-US" altLang="zh-CN" sz="2400" dirty="0">
+              <a:solidFill>
+                <a:srgbClr val="C00000"/>
+              </a:solidFill>
+            </a:endParaRPr>
+          </a:p>
+        </p:txBody>
+      </p:sp>
+    </p:spTree>
+    <p:extLst>
+      <p:ext uri="{BB962C8B-B14F-4D97-AF65-F5344CB8AC3E}">
+        <p14:creationId xmlns:p14="http://schemas.microsoft.com/office/powerpoint/2010/main" val="2501852700"/>
+      </p:ext>
+    </p:extLst>
+  </p:cSld>
+  <p:clrMapOvr>
+    <a:masterClrMapping/>
+  </p:clrMapOvr>
+</p:sld>
+</file>
+
+<file path=ppt/slides/slide24.xml><?xml version="1.0" encoding="utf-8"?>
+<p:sld xmlns:a="http://schemas.openxmlformats.org/drawingml/2006/main" xmlns:r="http://schemas.openxmlformats.org/officeDocument/2006/relationships" xmlns:p="http://schemas.openxmlformats.org/presentationml/2006/main">
+  <p:cSld>
+    <p:spTree>
+      <p:nvGrpSpPr>
+        <p:cNvPr id="1" name=""/>
+        <p:cNvGrpSpPr/>
+        <p:nvPr/>
+      </p:nvGrpSpPr>
+      <p:grpSpPr>
+        <a:xfrm>
+          <a:off x="0" y="0"/>
+          <a:ext cx="0" cy="0"/>
+          <a:chOff x="0" y="0"/>
+          <a:chExt cx="0" cy="0"/>
+        </a:xfrm>
+      </p:grpSpPr>
+      <p:sp>
+        <p:nvSpPr>
+          <p:cNvPr id="2" name="标题 1">
+            <a:extLst>
+              <a:ext uri="{FF2B5EF4-FFF2-40B4-BE49-F238E27FC236}">
+                <a16:creationId xmlns:a16="http://schemas.microsoft.com/office/drawing/2014/main" id="{1206EC7E-46D2-4151-AC0D-63D77E5854D5}"/>
+              </a:ext>
+            </a:extLst>
+          </p:cNvPr>
+          <p:cNvSpPr>
+            <a:spLocks noGrp="1"/>
+          </p:cNvSpPr>
+          <p:nvPr>
+            <p:ph type="title"/>
+          </p:nvPr>
+        </p:nvSpPr>
+        <p:spPr/>
+        <p:txBody>
+          <a:bodyPr/>
+          <a:lstStyle/>
+          <a:p>
+            <a:r>
+              <a:rPr lang="zh-CN" altLang="en-US" dirty="0"/>
+              <a:t>学一点机器学习理念</a:t>
+            </a:r>
+          </a:p>
+        </p:txBody>
+      </p:sp>
+      <p:sp>
+        <p:nvSpPr>
+          <p:cNvPr id="3" name="内容占位符 2">
+            <a:extLst>
+              <a:ext uri="{FF2B5EF4-FFF2-40B4-BE49-F238E27FC236}">
+                <a16:creationId xmlns:a16="http://schemas.microsoft.com/office/drawing/2014/main" id="{0401BEBA-B101-460C-82E1-ABFFAB17EC3D}"/>
+              </a:ext>
+            </a:extLst>
+          </p:cNvPr>
+          <p:cNvSpPr>
+            <a:spLocks noGrp="1"/>
+          </p:cNvSpPr>
+          <p:nvPr>
+            <p:ph idx="1"/>
+          </p:nvPr>
+        </p:nvSpPr>
+        <p:spPr/>
+        <p:txBody>
+          <a:bodyPr>
+            <a:normAutofit/>
+          </a:bodyPr>
+          <a:lstStyle/>
+          <a:p>
+            <a:r>
+              <a:rPr lang="zh-CN" altLang="en-US" sz="2800" dirty="0"/>
+              <a:t>各种有监督机器学习方法都要有初步了解</a:t>
+            </a:r>
+            <a:endParaRPr lang="en-US" altLang="zh-CN" sz="2800" dirty="0"/>
+          </a:p>
+          <a:p>
+            <a:endParaRPr lang="en-US" altLang="zh-CN" sz="2800" dirty="0"/>
+          </a:p>
+          <a:p>
+            <a:r>
+              <a:rPr lang="zh-CN" altLang="en-US" sz="2800" dirty="0"/>
+              <a:t>无监督学习方法要掌握</a:t>
+            </a:r>
+            <a:endParaRPr lang="en-US" altLang="zh-CN" sz="2800" dirty="0"/>
+          </a:p>
+          <a:p>
+            <a:endParaRPr lang="en-US" altLang="zh-CN" sz="2800" dirty="0"/>
+          </a:p>
+          <a:p>
+            <a:r>
+              <a:rPr lang="zh-CN" altLang="en-US" sz="2800" dirty="0"/>
+              <a:t>正则化方面的知识要掌握</a:t>
+            </a:r>
+            <a:endParaRPr lang="en-US" altLang="zh-CN" sz="2800" dirty="0"/>
+          </a:p>
+          <a:p>
+            <a:endParaRPr lang="en-US" altLang="zh-CN" sz="2800" dirty="0"/>
+          </a:p>
+          <a:p>
+            <a:r>
+              <a:rPr lang="zh-CN" altLang="en-US" sz="2800" dirty="0"/>
+              <a:t>模型选择等方面的知识要懂一点</a:t>
+            </a:r>
+          </a:p>
+        </p:txBody>
+      </p:sp>
+    </p:spTree>
+    <p:extLst>
+      <p:ext uri="{BB962C8B-B14F-4D97-AF65-F5344CB8AC3E}">
+        <p14:creationId xmlns:p14="http://schemas.microsoft.com/office/powerpoint/2010/main" val="2640417175"/>
+      </p:ext>
+    </p:extLst>
+  </p:cSld>
+  <p:clrMapOvr>
+    <a:masterClrMapping/>
+  </p:clrMapOvr>
+</p:sld>
+</file>
+
+<file path=ppt/slides/slide25.xml><?xml version="1.0" encoding="utf-8"?>
+<p:sld xmlns:a="http://schemas.openxmlformats.org/drawingml/2006/main" xmlns:r="http://schemas.openxmlformats.org/officeDocument/2006/relationships" xmlns:p="http://schemas.openxmlformats.org/presentationml/2006/main">
+  <p:cSld>
+    <p:spTree>
+      <p:nvGrpSpPr>
+        <p:cNvPr id="1" name=""/>
+        <p:cNvGrpSpPr/>
+        <p:nvPr/>
+      </p:nvGrpSpPr>
+      <p:grpSpPr>
+        <a:xfrm>
+          <a:off x="0" y="0"/>
+          <a:ext cx="0" cy="0"/>
+          <a:chOff x="0" y="0"/>
+          <a:chExt cx="0" cy="0"/>
+        </a:xfrm>
+      </p:grpSpPr>
+      <p:sp>
+        <p:nvSpPr>
+          <p:cNvPr id="2" name="标题 1">
+            <a:extLst>
+              <a:ext uri="{FF2B5EF4-FFF2-40B4-BE49-F238E27FC236}">
+                <a16:creationId xmlns:a16="http://schemas.microsoft.com/office/drawing/2014/main" id="{9BAB32AB-8014-4594-8BE9-6C5EAC8C96B3}"/>
+              </a:ext>
+            </a:extLst>
+          </p:cNvPr>
+          <p:cNvSpPr>
+            <a:spLocks noGrp="1"/>
+          </p:cNvSpPr>
+          <p:nvPr>
+            <p:ph type="title"/>
+          </p:nvPr>
+        </p:nvSpPr>
+        <p:spPr/>
+        <p:txBody>
+          <a:bodyPr/>
+          <a:lstStyle/>
+          <a:p>
+            <a:r>
+              <a:rPr lang="zh-CN" altLang="en-US" dirty="0"/>
+              <a:t>听说一点</a:t>
+            </a:r>
+            <a:r>
+              <a:rPr lang="en-US" altLang="zh-CN" dirty="0"/>
+              <a:t>AI</a:t>
+            </a:r>
+            <a:r>
+              <a:rPr lang="zh-CN" altLang="en-US" dirty="0"/>
+              <a:t>知识</a:t>
+            </a:r>
+            <a:br>
+              <a:rPr lang="en-US" altLang="zh-CN" dirty="0"/>
+            </a:br>
+            <a:endParaRPr lang="zh-CN" altLang="en-US" dirty="0"/>
+          </a:p>
+        </p:txBody>
+      </p:sp>
+      <p:sp>
+        <p:nvSpPr>
+          <p:cNvPr id="3" name="内容占位符 2">
+            <a:extLst>
+              <a:ext uri="{FF2B5EF4-FFF2-40B4-BE49-F238E27FC236}">
+                <a16:creationId xmlns:a16="http://schemas.microsoft.com/office/drawing/2014/main" id="{C6D1DA84-B93D-49B5-B131-27D353922381}"/>
+              </a:ext>
+            </a:extLst>
+          </p:cNvPr>
+          <p:cNvSpPr>
+            <a:spLocks noGrp="1"/>
+          </p:cNvSpPr>
+          <p:nvPr>
+            <p:ph idx="1"/>
+          </p:nvPr>
+        </p:nvSpPr>
+        <p:spPr/>
+        <p:txBody>
+          <a:bodyPr>
+            <a:normAutofit/>
+          </a:bodyPr>
+          <a:lstStyle/>
+          <a:p>
+            <a:r>
+              <a:rPr lang="zh-CN" altLang="en-US" sz="2400" dirty="0"/>
+              <a:t>要知道国内外</a:t>
+            </a:r>
+            <a:r>
+              <a:rPr lang="en-US" altLang="zh-CN" sz="2400" dirty="0"/>
+              <a:t>AI</a:t>
+            </a:r>
+            <a:r>
+              <a:rPr lang="zh-CN" altLang="en-US" sz="2400" dirty="0"/>
+              <a:t>的最新进展。公众号，知乎等。</a:t>
+            </a:r>
+            <a:endParaRPr lang="en-US" altLang="zh-CN" sz="2400" dirty="0"/>
+          </a:p>
+          <a:p>
+            <a:endParaRPr lang="en-US" altLang="zh-CN" sz="2400" dirty="0"/>
+          </a:p>
+          <a:p>
+            <a:r>
+              <a:rPr lang="zh-CN" altLang="en-US" sz="2400" dirty="0"/>
+              <a:t>对深度神经网络基础要掌握</a:t>
+            </a:r>
+            <a:endParaRPr lang="en-US" altLang="zh-CN" sz="2400" dirty="0"/>
+          </a:p>
+          <a:p>
+            <a:endParaRPr lang="en-US" altLang="zh-CN" sz="2400" dirty="0"/>
+          </a:p>
+          <a:p>
+            <a:r>
+              <a:rPr lang="zh-CN" altLang="en-US" sz="2400" dirty="0"/>
+              <a:t>对各种变种神经网络要听说过</a:t>
+            </a:r>
+            <a:endParaRPr lang="en-US" altLang="zh-CN" sz="2400" dirty="0"/>
+          </a:p>
+          <a:p>
+            <a:endParaRPr lang="en-US" altLang="zh-CN" sz="2400" dirty="0"/>
+          </a:p>
+          <a:p>
+            <a:r>
+              <a:rPr lang="zh-CN" altLang="en-US" sz="2400" dirty="0"/>
+              <a:t>有兴趣参加一些比赛</a:t>
+            </a:r>
+            <a:endParaRPr lang="en-US" altLang="zh-CN" sz="2400" dirty="0"/>
+          </a:p>
+        </p:txBody>
+      </p:sp>
+    </p:spTree>
+    <p:extLst>
+      <p:ext uri="{BB962C8B-B14F-4D97-AF65-F5344CB8AC3E}">
+        <p14:creationId xmlns:p14="http://schemas.microsoft.com/office/powerpoint/2010/main" val="3225138635"/>
+      </p:ext>
+    </p:extLst>
+  </p:cSld>
+  <p:clrMapOvr>
+    <a:masterClrMapping/>
+  </p:clrMapOvr>
+</p:sld>
+</file>
+
+<file path=ppt/slides/slide26.xml><?xml version="1.0" encoding="utf-8"?>
+<p:sld xmlns:a="http://schemas.openxmlformats.org/drawingml/2006/main" xmlns:r="http://schemas.openxmlformats.org/officeDocument/2006/relationships" xmlns:p="http://schemas.openxmlformats.org/presentationml/2006/main">
+  <p:cSld>
+    <p:spTree>
+      <p:nvGrpSpPr>
+        <p:cNvPr id="1" name=""/>
+        <p:cNvGrpSpPr/>
+        <p:nvPr/>
+      </p:nvGrpSpPr>
+      <p:grpSpPr>
+        <a:xfrm>
+          <a:off x="0" y="0"/>
+          <a:ext cx="0" cy="0"/>
+          <a:chOff x="0" y="0"/>
+          <a:chExt cx="0" cy="0"/>
+        </a:xfrm>
+      </p:grpSpPr>
+      <p:sp>
+        <p:nvSpPr>
+          <p:cNvPr id="2" name="标题 1">
+            <a:extLst>
+              <a:ext uri="{FF2B5EF4-FFF2-40B4-BE49-F238E27FC236}">
+                <a16:creationId xmlns:a16="http://schemas.microsoft.com/office/drawing/2014/main" id="{EC016F85-E27F-4294-9D5B-3B188C1A4E16}"/>
+              </a:ext>
+            </a:extLst>
+          </p:cNvPr>
+          <p:cNvSpPr>
+            <a:spLocks noGrp="1"/>
+          </p:cNvSpPr>
+          <p:nvPr>
+            <p:ph type="title"/>
+          </p:nvPr>
+        </p:nvSpPr>
+        <p:spPr/>
+        <p:txBody>
+          <a:bodyPr/>
+          <a:lstStyle/>
+          <a:p>
+            <a:r>
+              <a:rPr lang="zh-CN" altLang="en-US" dirty="0"/>
+              <a:t>读书秘诀：</a:t>
+            </a:r>
+            <a:r>
+              <a:rPr lang="zh-CN" altLang="en-US" dirty="0">
+                <a:solidFill>
+                  <a:srgbClr val="7030A0"/>
+                </a:solidFill>
+              </a:rPr>
+              <a:t>观其大略</a:t>
+            </a:r>
+          </a:p>
+        </p:txBody>
+      </p:sp>
+      <p:sp>
+        <p:nvSpPr>
+          <p:cNvPr id="3" name="内容占位符 2">
+            <a:extLst>
+              <a:ext uri="{FF2B5EF4-FFF2-40B4-BE49-F238E27FC236}">
+                <a16:creationId xmlns:a16="http://schemas.microsoft.com/office/drawing/2014/main" id="{1D781D69-C5F5-4403-BCF2-337CCC14975F}"/>
+              </a:ext>
+            </a:extLst>
+          </p:cNvPr>
+          <p:cNvSpPr>
+            <a:spLocks noGrp="1"/>
+          </p:cNvSpPr>
+          <p:nvPr>
+            <p:ph idx="1"/>
+          </p:nvPr>
+        </p:nvSpPr>
+        <p:spPr>
+          <a:xfrm>
+            <a:off x="677334" y="1753299"/>
+            <a:ext cx="8596668" cy="4924338"/>
+          </a:xfrm>
+        </p:spPr>
+        <p:txBody>
+          <a:bodyPr>
+            <a:normAutofit/>
+          </a:bodyPr>
+          <a:lstStyle/>
+          <a:p>
+            <a:r>
+              <a:rPr lang="zh-CN" altLang="en-US" sz="2400" dirty="0">
+                <a:solidFill>
+                  <a:schemeClr val="tx1"/>
+                </a:solidFill>
+              </a:rPr>
+              <a:t>快速通读，看不懂的地方跳过去，以后慢慢会懂。</a:t>
+            </a:r>
+            <a:endParaRPr lang="en-US" altLang="zh-CN" sz="2400" dirty="0">
+              <a:solidFill>
+                <a:schemeClr val="tx1"/>
+              </a:solidFill>
+            </a:endParaRPr>
+          </a:p>
+          <a:p>
+            <a:endParaRPr lang="en-US" altLang="zh-CN" sz="2400" dirty="0">
+              <a:solidFill>
+                <a:schemeClr val="tx1"/>
+              </a:solidFill>
+            </a:endParaRPr>
+          </a:p>
+          <a:p>
+            <a:r>
+              <a:rPr lang="zh-CN" altLang="en-US" sz="2400" dirty="0">
+                <a:solidFill>
+                  <a:schemeClr val="tx1"/>
+                </a:solidFill>
+              </a:rPr>
+              <a:t>搞明白“输入输出”就算大体掌握了知识，不用拆开黑箱。</a:t>
+            </a:r>
+            <a:endParaRPr lang="en-US" altLang="zh-CN" sz="2400" dirty="0">
+              <a:solidFill>
+                <a:schemeClr val="tx1"/>
+              </a:solidFill>
+            </a:endParaRPr>
+          </a:p>
+          <a:p>
+            <a:endParaRPr lang="en-US" altLang="zh-CN" sz="2400" dirty="0">
+              <a:solidFill>
+                <a:schemeClr val="tx1"/>
+              </a:solidFill>
+            </a:endParaRPr>
+          </a:p>
+          <a:p>
+            <a:r>
+              <a:rPr lang="zh-CN" altLang="en-US" sz="2400" dirty="0">
+                <a:solidFill>
+                  <a:schemeClr val="tx1"/>
+                </a:solidFill>
+              </a:rPr>
+              <a:t>处处留个念想。知其有，而不知其所以然。</a:t>
+            </a:r>
+            <a:endParaRPr lang="en-US" altLang="zh-CN" sz="2400" dirty="0">
+              <a:solidFill>
+                <a:schemeClr val="tx1"/>
+              </a:solidFill>
+            </a:endParaRPr>
+          </a:p>
+          <a:p>
+            <a:endParaRPr lang="en-US" altLang="zh-CN" sz="2400" dirty="0">
+              <a:solidFill>
+                <a:schemeClr val="tx1"/>
+              </a:solidFill>
+            </a:endParaRPr>
+          </a:p>
+          <a:p>
+            <a:r>
+              <a:rPr lang="zh-CN" altLang="en-US" sz="2400" dirty="0">
+                <a:solidFill>
+                  <a:schemeClr val="tx1"/>
+                </a:solidFill>
+              </a:rPr>
+              <a:t>跳出具体细节来问：这个作者到底想说明什么？</a:t>
+            </a:r>
+            <a:endParaRPr lang="en-US" altLang="zh-CN" sz="2400" dirty="0">
+              <a:solidFill>
+                <a:schemeClr val="tx1"/>
+              </a:solidFill>
+            </a:endParaRPr>
+          </a:p>
+          <a:p>
+            <a:endParaRPr lang="en-US" altLang="zh-CN" sz="2400" dirty="0">
+              <a:solidFill>
+                <a:schemeClr val="tx1"/>
+              </a:solidFill>
+            </a:endParaRPr>
+          </a:p>
+        </p:txBody>
+      </p:sp>
+    </p:spTree>
+    <p:extLst>
+      <p:ext uri="{BB962C8B-B14F-4D97-AF65-F5344CB8AC3E}">
+        <p14:creationId xmlns:p14="http://schemas.microsoft.com/office/powerpoint/2010/main" val="1358427789"/>
+      </p:ext>
+    </p:extLst>
+  </p:cSld>
+  <p:clrMapOvr>
+    <a:masterClrMapping/>
+  </p:clrMapOvr>
+</p:sld>
+</file>
+
+<file path=ppt/slides/slide27.xml><?xml version="1.0" encoding="utf-8"?>
+<p:sld xmlns:a="http://schemas.openxmlformats.org/drawingml/2006/main" xmlns:r="http://schemas.openxmlformats.org/officeDocument/2006/relationships" xmlns:p="http://schemas.openxmlformats.org/presentationml/2006/main">
+  <p:cSld>
+    <p:spTree>
+      <p:nvGrpSpPr>
+        <p:cNvPr id="1" name=""/>
+        <p:cNvGrpSpPr/>
+        <p:nvPr/>
+      </p:nvGrpSpPr>
+      <p:grpSpPr>
+        <a:xfrm>
+          <a:off x="0" y="0"/>
+          <a:ext cx="0" cy="0"/>
+          <a:chOff x="0" y="0"/>
+          <a:chExt cx="0" cy="0"/>
+        </a:xfrm>
+      </p:grpSpPr>
+      <p:sp>
+        <p:nvSpPr>
+          <p:cNvPr id="2" name="标题 1">
+            <a:extLst>
+              <a:ext uri="{FF2B5EF4-FFF2-40B4-BE49-F238E27FC236}">
+                <a16:creationId xmlns:a16="http://schemas.microsoft.com/office/drawing/2014/main" id="{CFFC9EA7-2D9D-47A7-BADC-7B3881578C7E}"/>
+              </a:ext>
+            </a:extLst>
+          </p:cNvPr>
+          <p:cNvSpPr>
+            <a:spLocks noGrp="1"/>
+          </p:cNvSpPr>
+          <p:nvPr>
+            <p:ph type="title"/>
+          </p:nvPr>
+        </p:nvSpPr>
+        <p:spPr/>
+        <p:txBody>
+          <a:bodyPr/>
+          <a:lstStyle/>
+          <a:p>
+            <a:r>
+              <a:rPr lang="zh-CN" altLang="en-US" dirty="0"/>
+              <a:t>读书秘诀：</a:t>
+            </a:r>
+            <a:r>
+              <a:rPr lang="zh-CN" altLang="en-US" dirty="0">
+                <a:solidFill>
+                  <a:srgbClr val="7030A0"/>
+                </a:solidFill>
+              </a:rPr>
+              <a:t>实践出真知</a:t>
+            </a:r>
+          </a:p>
+        </p:txBody>
+      </p:sp>
+      <p:sp>
+        <p:nvSpPr>
+          <p:cNvPr id="3" name="内容占位符 2">
+            <a:extLst>
+              <a:ext uri="{FF2B5EF4-FFF2-40B4-BE49-F238E27FC236}">
+                <a16:creationId xmlns:a16="http://schemas.microsoft.com/office/drawing/2014/main" id="{03DA1B90-908E-4691-A637-60A23A7A8087}"/>
+              </a:ext>
+            </a:extLst>
+          </p:cNvPr>
+          <p:cNvSpPr>
+            <a:spLocks noGrp="1"/>
+          </p:cNvSpPr>
+          <p:nvPr>
+            <p:ph idx="1"/>
+          </p:nvPr>
+        </p:nvSpPr>
+        <p:spPr/>
+        <p:txBody>
+          <a:bodyPr>
+            <a:normAutofit lnSpcReduction="10000"/>
+          </a:bodyPr>
+          <a:lstStyle/>
+          <a:p>
+            <a:r>
+              <a:rPr lang="zh-CN" altLang="en-US" sz="2200" dirty="0">
+                <a:solidFill>
+                  <a:schemeClr val="tx1"/>
+                </a:solidFill>
+              </a:rPr>
+              <a:t>高中式念书的好日子到头了。</a:t>
+            </a:r>
+            <a:endParaRPr lang="en-US" altLang="zh-CN" sz="2200" dirty="0">
+              <a:solidFill>
+                <a:schemeClr val="tx1"/>
+              </a:solidFill>
+            </a:endParaRPr>
+          </a:p>
+          <a:p>
+            <a:endParaRPr lang="en-US" altLang="zh-CN" sz="2200" dirty="0">
+              <a:solidFill>
+                <a:schemeClr val="tx1"/>
+              </a:solidFill>
+            </a:endParaRPr>
+          </a:p>
+          <a:p>
+            <a:r>
+              <a:rPr lang="zh-CN" altLang="en-US" sz="2200" dirty="0">
+                <a:solidFill>
+                  <a:schemeClr val="tx1"/>
+                </a:solidFill>
+              </a:rPr>
+              <a:t>通过实践可以让你看懂以前看不懂的书本知识。</a:t>
+            </a:r>
+            <a:endParaRPr lang="en-US" altLang="zh-CN" sz="2200" dirty="0">
+              <a:solidFill>
+                <a:schemeClr val="tx1"/>
+              </a:solidFill>
+            </a:endParaRPr>
+          </a:p>
+          <a:p>
+            <a:endParaRPr lang="en-US" altLang="zh-CN" sz="2200" dirty="0">
+              <a:solidFill>
+                <a:schemeClr val="tx1"/>
+              </a:solidFill>
+            </a:endParaRPr>
+          </a:p>
+          <a:p>
+            <a:r>
+              <a:rPr lang="zh-CN" altLang="en-US" sz="2200" dirty="0">
+                <a:solidFill>
+                  <a:schemeClr val="tx1"/>
+                </a:solidFill>
+              </a:rPr>
+              <a:t>实践可以让你熟练掌握复杂技能。</a:t>
+            </a:r>
+            <a:endParaRPr lang="en-US" altLang="zh-CN" sz="2200" dirty="0">
+              <a:solidFill>
+                <a:schemeClr val="tx1"/>
+              </a:solidFill>
+            </a:endParaRPr>
+          </a:p>
+          <a:p>
+            <a:endParaRPr lang="en-US" altLang="zh-CN" sz="2200" dirty="0">
+              <a:solidFill>
+                <a:schemeClr val="tx1"/>
+              </a:solidFill>
+            </a:endParaRPr>
+          </a:p>
+          <a:p>
+            <a:r>
+              <a:rPr lang="zh-CN" altLang="en-US" sz="2200" dirty="0">
+                <a:solidFill>
+                  <a:schemeClr val="tx1"/>
+                </a:solidFill>
+              </a:rPr>
+              <a:t>未来的知识一半来自自己实践。</a:t>
+            </a:r>
+            <a:endParaRPr lang="en-US" altLang="zh-CN" sz="2200" dirty="0">
+              <a:solidFill>
+                <a:schemeClr val="tx1"/>
+              </a:solidFill>
+            </a:endParaRPr>
+          </a:p>
+          <a:p>
+            <a:pPr marL="0" indent="0">
+              <a:buNone/>
+            </a:pPr>
+            <a:endParaRPr lang="en-US" altLang="zh-CN" sz="2200" dirty="0">
+              <a:solidFill>
+                <a:schemeClr val="tx1"/>
+              </a:solidFill>
+            </a:endParaRPr>
+          </a:p>
+          <a:p>
+            <a:r>
+              <a:rPr lang="zh-CN" altLang="en-US" sz="2200" dirty="0">
+                <a:solidFill>
+                  <a:schemeClr val="tx1"/>
+                </a:solidFill>
+              </a:rPr>
+              <a:t>实践创造新知识。</a:t>
+            </a:r>
+            <a:endParaRPr lang="en-US" altLang="zh-CN" sz="2200" dirty="0">
+              <a:solidFill>
+                <a:schemeClr val="tx1"/>
+              </a:solidFill>
+            </a:endParaRPr>
+          </a:p>
+          <a:p>
+            <a:endParaRPr lang="en-US" altLang="zh-CN" sz="2400" dirty="0">
+              <a:solidFill>
+                <a:schemeClr val="tx1"/>
+              </a:solidFill>
+            </a:endParaRPr>
+          </a:p>
+          <a:p>
+            <a:endParaRPr lang="zh-CN" altLang="en-US" dirty="0"/>
+          </a:p>
+        </p:txBody>
+      </p:sp>
+    </p:spTree>
+    <p:extLst>
+      <p:ext uri="{BB962C8B-B14F-4D97-AF65-F5344CB8AC3E}">
+        <p14:creationId xmlns:p14="http://schemas.microsoft.com/office/powerpoint/2010/main" val="2827453516"/>
+      </p:ext>
+    </p:extLst>
+  </p:cSld>
+  <p:clrMapOvr>
+    <a:masterClrMapping/>
+  </p:clrMapOvr>
+</p:sld>
+</file>
+
+<file path=ppt/slides/slide28.xml><?xml version="1.0" encoding="utf-8"?>
+<p:sld xmlns:a="http://schemas.openxmlformats.org/drawingml/2006/main" xmlns:r="http://schemas.openxmlformats.org/officeDocument/2006/relationships" xmlns:p="http://schemas.openxmlformats.org/presentationml/2006/main">
+  <p:cSld>
+    <p:spTree>
+      <p:nvGrpSpPr>
+        <p:cNvPr id="1" name=""/>
+        <p:cNvGrpSpPr/>
+        <p:nvPr/>
+      </p:nvGrpSpPr>
+      <p:grpSpPr>
+        <a:xfrm>
+          <a:off x="0" y="0"/>
+          <a:ext cx="0" cy="0"/>
+          <a:chOff x="0" y="0"/>
+          <a:chExt cx="0" cy="0"/>
+        </a:xfrm>
+      </p:grpSpPr>
+      <p:sp>
+        <p:nvSpPr>
+          <p:cNvPr id="2" name="标题 1">
+            <a:extLst>
+              <a:ext uri="{FF2B5EF4-FFF2-40B4-BE49-F238E27FC236}">
+                <a16:creationId xmlns:a16="http://schemas.microsoft.com/office/drawing/2014/main" id="{477CCDF1-8637-4D71-92C6-82C9CA025F9C}"/>
+              </a:ext>
+            </a:extLst>
+          </p:cNvPr>
+          <p:cNvSpPr>
+            <a:spLocks noGrp="1"/>
+          </p:cNvSpPr>
+          <p:nvPr>
+            <p:ph type="title"/>
+          </p:nvPr>
+        </p:nvSpPr>
+        <p:spPr/>
+        <p:txBody>
+          <a:bodyPr/>
+          <a:lstStyle/>
+          <a:p>
+            <a:r>
+              <a:rPr lang="zh-CN" altLang="en-US" dirty="0"/>
+              <a:t>读书秘诀：</a:t>
+            </a:r>
+            <a:r>
+              <a:rPr lang="zh-CN" altLang="en-US" dirty="0">
+                <a:solidFill>
+                  <a:srgbClr val="7030A0"/>
+                </a:solidFill>
+              </a:rPr>
+              <a:t>勇于创新</a:t>
+            </a:r>
+          </a:p>
+        </p:txBody>
+      </p:sp>
+      <p:sp>
+        <p:nvSpPr>
+          <p:cNvPr id="3" name="内容占位符 2">
+            <a:extLst>
+              <a:ext uri="{FF2B5EF4-FFF2-40B4-BE49-F238E27FC236}">
+                <a16:creationId xmlns:a16="http://schemas.microsoft.com/office/drawing/2014/main" id="{AC5D2744-F04F-47A2-AF19-2DB9998C8074}"/>
+              </a:ext>
+            </a:extLst>
+          </p:cNvPr>
+          <p:cNvSpPr>
+            <a:spLocks noGrp="1"/>
+          </p:cNvSpPr>
+          <p:nvPr>
+            <p:ph idx="1"/>
+          </p:nvPr>
+        </p:nvSpPr>
+        <p:spPr/>
+        <p:txBody>
+          <a:bodyPr/>
+          <a:lstStyle/>
+          <a:p>
+            <a:r>
+              <a:rPr lang="zh-CN" altLang="en-US" sz="2200" dirty="0">
+                <a:solidFill>
+                  <a:srgbClr val="C00000"/>
+                </a:solidFill>
+              </a:rPr>
+              <a:t>课本上的每一句话，你只要用全心去“格”，都是可以被扩展的，甚至可能颠覆。</a:t>
+            </a:r>
+            <a:endParaRPr lang="en-US" altLang="zh-CN" sz="2200" dirty="0">
+              <a:solidFill>
+                <a:srgbClr val="C00000"/>
+              </a:solidFill>
+            </a:endParaRPr>
+          </a:p>
+          <a:p>
+            <a:endParaRPr lang="en-US" altLang="zh-CN" sz="2200" dirty="0">
+              <a:solidFill>
+                <a:schemeClr val="tx1"/>
+              </a:solidFill>
+            </a:endParaRPr>
+          </a:p>
+          <a:p>
+            <a:r>
+              <a:rPr lang="en-US" altLang="zh-CN" sz="2200" dirty="0">
+                <a:solidFill>
+                  <a:schemeClr val="tx1"/>
+                </a:solidFill>
+              </a:rPr>
+              <a:t>PCA =&gt;Structural PCA</a:t>
+            </a:r>
+          </a:p>
+          <a:p>
+            <a:endParaRPr lang="en-US" altLang="zh-CN" sz="2200" dirty="0">
+              <a:solidFill>
+                <a:schemeClr val="tx1"/>
+              </a:solidFill>
+            </a:endParaRPr>
+          </a:p>
+          <a:p>
+            <a:r>
+              <a:rPr lang="en-US" altLang="zh-CN" sz="2200" dirty="0">
+                <a:solidFill>
+                  <a:schemeClr val="tx1"/>
+                </a:solidFill>
+              </a:rPr>
+              <a:t>2X2 Fisher‘s Exact Test =&gt; 2X2X2 Fisher‘s Exact Test</a:t>
+            </a:r>
+          </a:p>
+          <a:p>
+            <a:endParaRPr lang="zh-CN" altLang="en-US" sz="2200" dirty="0">
+              <a:solidFill>
+                <a:schemeClr val="tx1"/>
+              </a:solidFill>
+            </a:endParaRPr>
+          </a:p>
+          <a:p>
+            <a:endParaRPr lang="zh-CN" altLang="en-US" dirty="0"/>
+          </a:p>
+        </p:txBody>
+      </p:sp>
+    </p:spTree>
+    <p:extLst>
+      <p:ext uri="{BB962C8B-B14F-4D97-AF65-F5344CB8AC3E}">
+        <p14:creationId xmlns:p14="http://schemas.microsoft.com/office/powerpoint/2010/main" val="204503139"/>
+      </p:ext>
+    </p:extLst>
+  </p:cSld>
+  <p:clrMapOvr>
+    <a:masterClrMapping/>
+  </p:clrMapOvr>
+</p:sld>
+</file>
+
+<file path=ppt/slides/slide29.xml><?xml version="1.0" encoding="utf-8"?>
+<p:sld xmlns:a="http://schemas.openxmlformats.org/drawingml/2006/main" xmlns:r="http://schemas.openxmlformats.org/officeDocument/2006/relationships" xmlns:p="http://schemas.openxmlformats.org/presentationml/2006/main">
+  <p:cSld>
+    <p:spTree>
+      <p:nvGrpSpPr>
+        <p:cNvPr id="1" name=""/>
+        <p:cNvGrpSpPr/>
+        <p:nvPr/>
+      </p:nvGrpSpPr>
+      <p:grpSpPr>
+        <a:xfrm>
+          <a:off x="0" y="0"/>
+          <a:ext cx="0" cy="0"/>
+          <a:chOff x="0" y="0"/>
+          <a:chExt cx="0" cy="0"/>
+        </a:xfrm>
+      </p:grpSpPr>
+      <p:sp>
+        <p:nvSpPr>
+          <p:cNvPr id="2" name="标题 1">
+            <a:extLst>
+              <a:ext uri="{FF2B5EF4-FFF2-40B4-BE49-F238E27FC236}">
+                <a16:creationId xmlns:a16="http://schemas.microsoft.com/office/drawing/2014/main" id="{EA89C7A7-6BB3-44EE-9C29-A5F64F95FDC9}"/>
+              </a:ext>
+            </a:extLst>
+          </p:cNvPr>
+          <p:cNvSpPr>
+            <a:spLocks noGrp="1"/>
+          </p:cNvSpPr>
+          <p:nvPr>
+            <p:ph type="title"/>
+          </p:nvPr>
+        </p:nvSpPr>
+        <p:spPr/>
+        <p:txBody>
+          <a:bodyPr/>
+          <a:lstStyle/>
+          <a:p>
+            <a:r>
+              <a:rPr lang="zh-CN" altLang="en-US" dirty="0"/>
+              <a:t>提问时间</a:t>
+            </a:r>
+          </a:p>
+        </p:txBody>
+      </p:sp>
+      <p:sp>
+        <p:nvSpPr>
+          <p:cNvPr id="3" name="内容占位符 2">
+            <a:extLst>
+              <a:ext uri="{FF2B5EF4-FFF2-40B4-BE49-F238E27FC236}">
+                <a16:creationId xmlns:a16="http://schemas.microsoft.com/office/drawing/2014/main" id="{503F7857-4DE7-47C8-9794-5307A118E69D}"/>
+              </a:ext>
+            </a:extLst>
+          </p:cNvPr>
+          <p:cNvSpPr>
+            <a:spLocks noGrp="1"/>
+          </p:cNvSpPr>
+          <p:nvPr>
+            <p:ph idx="1"/>
+          </p:nvPr>
+        </p:nvSpPr>
+        <p:spPr/>
+        <p:txBody>
+          <a:bodyPr/>
+          <a:lstStyle/>
+          <a:p>
+            <a:endParaRPr lang="zh-CN" altLang="en-US" dirty="0"/>
+          </a:p>
+        </p:txBody>
+      </p:sp>
+    </p:spTree>
+    <p:extLst>
+      <p:ext uri="{BB962C8B-B14F-4D97-AF65-F5344CB8AC3E}">
+        <p14:creationId xmlns:p14="http://schemas.microsoft.com/office/powerpoint/2010/main" val="4142327869"/>
       </p:ext>
     </p:extLst>
   </p:cSld>
@@ -10943,57 +12251,57 @@
           <a:lstStyle/>
           <a:p>
             <a:r>
-              <a:rPr lang="zh-CN" altLang="en-US" sz="2200"/>
+              <a:rPr lang="zh-CN" altLang="en-US" sz="2200" dirty="0"/>
               <a:t>自带笔记本电脑听课</a:t>
             </a:r>
-            <a:endParaRPr lang="en-US" altLang="zh-CN" sz="2200"/>
-          </a:p>
-          <a:p>
-            <a:endParaRPr lang="en-US" altLang="zh-CN" sz="2200"/>
-          </a:p>
-          <a:p>
-            <a:r>
-              <a:rPr lang="zh-CN" altLang="en-US" sz="2200"/>
-              <a:t>考试成绩权重：</a:t>
-            </a:r>
-            <a:endParaRPr lang="en-US" altLang="zh-CN" sz="2200"/>
+            <a:endParaRPr lang="en-US" altLang="zh-CN" sz="2200" dirty="0"/>
+          </a:p>
+          <a:p>
+            <a:endParaRPr lang="en-US" altLang="zh-CN" sz="2200" dirty="0"/>
+          </a:p>
+          <a:p>
+            <a:r>
+              <a:rPr lang="zh-CN" altLang="en-US" sz="2200" dirty="0"/>
+              <a:t>成绩权重：</a:t>
+            </a:r>
+            <a:endParaRPr lang="en-US" altLang="zh-CN" sz="2200" dirty="0"/>
           </a:p>
           <a:p>
             <a:pPr lvl="1"/>
             <a:r>
-              <a:rPr lang="zh-CN" altLang="en-US" sz="2200"/>
+              <a:rPr lang="zh-CN" altLang="en-US" sz="2200" dirty="0"/>
               <a:t>上课出勤：</a:t>
             </a:r>
             <a:r>
-              <a:rPr lang="en-US" altLang="zh-CN" sz="2200"/>
+              <a:rPr lang="en-US" altLang="zh-CN" sz="2200" dirty="0"/>
               <a:t>50%</a:t>
             </a:r>
           </a:p>
           <a:p>
             <a:pPr lvl="1"/>
             <a:r>
-              <a:rPr lang="zh-CN" altLang="en-US" sz="2200"/>
+              <a:rPr lang="zh-CN" altLang="en-US" sz="2200" dirty="0"/>
               <a:t>课堂活跃：</a:t>
             </a:r>
             <a:r>
-              <a:rPr lang="en-US" altLang="zh-CN" sz="2200"/>
+              <a:rPr lang="en-US" altLang="zh-CN" sz="2200" dirty="0"/>
               <a:t>20%</a:t>
             </a:r>
           </a:p>
           <a:p>
             <a:pPr lvl="1"/>
             <a:r>
-              <a:rPr lang="zh-CN" altLang="en-US" sz="2200"/>
+              <a:rPr lang="zh-CN" altLang="en-US" sz="2200" dirty="0"/>
               <a:t>期末考试：</a:t>
             </a:r>
             <a:r>
-              <a:rPr lang="en-US" altLang="zh-CN" sz="2200"/>
+              <a:rPr lang="en-US" altLang="zh-CN" sz="2200" dirty="0"/>
               <a:t>30%</a:t>
             </a:r>
           </a:p>
           <a:p>
             <a:pPr lvl="1"/>
-            <a:endParaRPr lang="zh-CN" altLang="en-US" sz="2200"/>
+            <a:endParaRPr lang="zh-CN" altLang="en-US" sz="2200" dirty="0"/>
           </a:p>
         </p:txBody>
       </p:sp>
@@ -11344,7 +12652,7 @@
         </p:blipFill>
         <p:spPr>
           <a:xfrm>
-            <a:off x="6336942" y="1826892"/>
+            <a:off x="6076883" y="1826892"/>
             <a:ext cx="5785714" cy="4512857"/>
           </a:xfrm>
         </p:spPr>
@@ -11363,8 +12671,8 @@
         </p:nvSpPr>
         <p:spPr>
           <a:xfrm>
-            <a:off x="53442" y="1846837"/>
-            <a:ext cx="6267598" cy="4401205"/>
+            <a:off x="545284" y="1930727"/>
+            <a:ext cx="5080932" cy="4154984"/>
           </a:xfrm>
           <a:prstGeom prst="rect">
             <a:avLst/>
@@ -11378,14 +12686,14 @@
           <a:lstStyle/>
           <a:p>
             <a:r>
-              <a:rPr lang="zh-CN" altLang="en-US" sz="2800">
+              <a:rPr lang="zh-CN" altLang="en-US" sz="2400" dirty="0">
                 <a:solidFill>
                   <a:srgbClr val="00B0F0"/>
                 </a:solidFill>
               </a:rPr>
               <a:t>高考</a:t>
             </a:r>
-            <a:endParaRPr lang="en-US" altLang="zh-CN" sz="2800">
+            <a:endParaRPr lang="en-US" altLang="zh-CN" sz="2400" dirty="0">
               <a:solidFill>
                 <a:srgbClr val="00B0F0"/>
               </a:solidFill>
@@ -11393,28 +12701,35 @@
           </a:p>
           <a:p>
             <a:r>
-              <a:rPr lang="zh-CN" altLang="en-US" sz="2800"/>
+              <a:rPr lang="zh-CN" altLang="en-US" sz="2400" dirty="0"/>
               <a:t>我：想去中科大学机器人。</a:t>
             </a:r>
-            <a:endParaRPr lang="en-US" altLang="zh-CN" sz="2800"/>
-          </a:p>
-          <a:p>
-            <a:r>
-              <a:rPr lang="zh-CN" altLang="en-US" sz="2800"/>
+            <a:endParaRPr lang="en-US" altLang="zh-CN" sz="2400" dirty="0"/>
+          </a:p>
+          <a:p>
+            <a:r>
+              <a:rPr lang="zh-CN" altLang="en-US" sz="2400" dirty="0"/>
               <a:t>父亲：二十一世纪是生物的世纪。。。</a:t>
             </a:r>
-            <a:endParaRPr lang="en-US" altLang="zh-CN" sz="2800"/>
-          </a:p>
-          <a:p>
-            <a:r>
-              <a:rPr lang="zh-CN" altLang="en-US" sz="2800">
+            <a:endParaRPr lang="en-US" altLang="zh-CN" sz="2400" dirty="0"/>
+          </a:p>
+          <a:p>
+            <a:endParaRPr lang="en-US" altLang="zh-CN" sz="2400" dirty="0">
+              <a:solidFill>
+                <a:srgbClr val="00B0F0"/>
+              </a:solidFill>
+            </a:endParaRPr>
+          </a:p>
+          <a:p>
+            <a:r>
+              <a:rPr lang="zh-CN" altLang="en-US" sz="2400" dirty="0">
                 <a:solidFill>
                   <a:srgbClr val="00B0F0"/>
                 </a:solidFill>
               </a:rPr>
               <a:t>二十年历程</a:t>
             </a:r>
-            <a:endParaRPr lang="en-US" altLang="zh-CN" sz="2800">
+            <a:endParaRPr lang="en-US" altLang="zh-CN" sz="2400" dirty="0">
               <a:solidFill>
                 <a:srgbClr val="00B0F0"/>
               </a:solidFill>
@@ -11422,36 +12737,36 @@
           </a:p>
           <a:p>
             <a:r>
-              <a:rPr lang="zh-CN" altLang="en-US" sz="2800"/>
+              <a:rPr lang="zh-CN" altLang="en-US" sz="2400" dirty="0"/>
               <a:t>父亲是对的：不念生物不上科学正轨。当年</a:t>
             </a:r>
             <a:r>
-              <a:rPr lang="en-US" altLang="zh-CN" sz="2800"/>
+              <a:rPr lang="en-US" altLang="zh-CN" sz="2400" dirty="0"/>
               <a:t>AI</a:t>
             </a:r>
             <a:r>
-              <a:rPr lang="zh-CN" altLang="en-US" sz="2800"/>
+              <a:rPr lang="zh-CN" altLang="en-US" sz="2400" dirty="0"/>
               <a:t>还没上正轨，入坑即死坑。</a:t>
             </a:r>
-            <a:endParaRPr lang="en-US" altLang="zh-CN" sz="2800"/>
-          </a:p>
-          <a:p>
-            <a:r>
-              <a:rPr lang="zh-CN" altLang="en-US" sz="2800"/>
+            <a:endParaRPr lang="en-US" altLang="zh-CN" sz="2400" dirty="0"/>
+          </a:p>
+          <a:p>
+            <a:r>
+              <a:rPr lang="zh-CN" altLang="en-US" sz="2400" dirty="0"/>
               <a:t>我也是对的：人工智能是未来的大势所趋，体现为工业革命。</a:t>
             </a:r>
-            <a:endParaRPr lang="en-US" altLang="zh-CN" sz="2800"/>
-          </a:p>
-          <a:p>
-            <a:r>
-              <a:rPr lang="zh-CN" altLang="en-US" sz="2800">
+            <a:endParaRPr lang="en-US" altLang="zh-CN" sz="2400" dirty="0"/>
+          </a:p>
+          <a:p>
+            <a:r>
+              <a:rPr lang="zh-CN" altLang="en-US" sz="2400" dirty="0">
                 <a:solidFill>
                   <a:srgbClr val="C00000"/>
                 </a:solidFill>
               </a:rPr>
               <a:t>生命科学是所有科技发力的对象，</a:t>
             </a:r>
-            <a:endParaRPr lang="en-US" altLang="zh-CN" sz="2800">
+            <a:endParaRPr lang="en-US" altLang="zh-CN" sz="2400" dirty="0">
               <a:solidFill>
                 <a:srgbClr val="C00000"/>
               </a:solidFill>
@@ -11459,14 +12774,14 @@
           </a:p>
           <a:p>
             <a:r>
-              <a:rPr lang="zh-CN" altLang="en-US" sz="2800">
+              <a:rPr lang="zh-CN" altLang="en-US" sz="2400" dirty="0">
                 <a:solidFill>
                   <a:srgbClr val="C00000"/>
                 </a:solidFill>
               </a:rPr>
               <a:t>人工智能是对所有领域发力武器。</a:t>
             </a:r>
-            <a:endParaRPr lang="en-US" altLang="zh-CN" sz="2800">
+            <a:endParaRPr lang="en-US" altLang="zh-CN" sz="2400" dirty="0">
               <a:solidFill>
                 <a:srgbClr val="C00000"/>
               </a:solidFill>

--- a/0_why_and_how.pptx
+++ b/0_why_and_how.pptx
@@ -9,31 +9,35 @@
     <p:sldId id="259" r:id="rId3"/>
     <p:sldId id="260" r:id="rId4"/>
     <p:sldId id="261" r:id="rId5"/>
-    <p:sldId id="257" r:id="rId6"/>
-    <p:sldId id="262" r:id="rId7"/>
-    <p:sldId id="263" r:id="rId8"/>
-    <p:sldId id="264" r:id="rId9"/>
-    <p:sldId id="265" r:id="rId10"/>
-    <p:sldId id="266" r:id="rId11"/>
-    <p:sldId id="267" r:id="rId12"/>
-    <p:sldId id="268" r:id="rId13"/>
-    <p:sldId id="269" r:id="rId14"/>
-    <p:sldId id="271" r:id="rId15"/>
-    <p:sldId id="272" r:id="rId16"/>
-    <p:sldId id="273" r:id="rId17"/>
-    <p:sldId id="270" r:id="rId18"/>
-    <p:sldId id="274" r:id="rId19"/>
-    <p:sldId id="275" r:id="rId20"/>
-    <p:sldId id="258" r:id="rId21"/>
-    <p:sldId id="276" r:id="rId22"/>
-    <p:sldId id="277" r:id="rId23"/>
-    <p:sldId id="278" r:id="rId24"/>
-    <p:sldId id="279" r:id="rId25"/>
-    <p:sldId id="280" r:id="rId26"/>
-    <p:sldId id="281" r:id="rId27"/>
-    <p:sldId id="282" r:id="rId28"/>
-    <p:sldId id="283" r:id="rId29"/>
-    <p:sldId id="284" r:id="rId30"/>
+    <p:sldId id="285" r:id="rId6"/>
+    <p:sldId id="286" r:id="rId7"/>
+    <p:sldId id="287" r:id="rId8"/>
+    <p:sldId id="288" r:id="rId9"/>
+    <p:sldId id="257" r:id="rId10"/>
+    <p:sldId id="262" r:id="rId11"/>
+    <p:sldId id="263" r:id="rId12"/>
+    <p:sldId id="264" r:id="rId13"/>
+    <p:sldId id="265" r:id="rId14"/>
+    <p:sldId id="266" r:id="rId15"/>
+    <p:sldId id="267" r:id="rId16"/>
+    <p:sldId id="268" r:id="rId17"/>
+    <p:sldId id="269" r:id="rId18"/>
+    <p:sldId id="271" r:id="rId19"/>
+    <p:sldId id="272" r:id="rId20"/>
+    <p:sldId id="273" r:id="rId21"/>
+    <p:sldId id="270" r:id="rId22"/>
+    <p:sldId id="274" r:id="rId23"/>
+    <p:sldId id="275" r:id="rId24"/>
+    <p:sldId id="258" r:id="rId25"/>
+    <p:sldId id="276" r:id="rId26"/>
+    <p:sldId id="277" r:id="rId27"/>
+    <p:sldId id="278" r:id="rId28"/>
+    <p:sldId id="279" r:id="rId29"/>
+    <p:sldId id="280" r:id="rId30"/>
+    <p:sldId id="281" r:id="rId31"/>
+    <p:sldId id="282" r:id="rId32"/>
+    <p:sldId id="283" r:id="rId33"/>
+    <p:sldId id="284" r:id="rId34"/>
   </p:sldIdLst>
   <p:sldSz cx="12192000" cy="6858000"/>
   <p:notesSz cx="6858000" cy="9144000"/>
@@ -4224,7 +4228,7 @@
           <a:p>
             <a:fld id="{172A82DE-3DBB-4EE9-9B00-16515567728F}" type="datetimeFigureOut">
               <a:rPr lang="zh-CN" altLang="en-US" smtClean="0"/>
-              <a:t>2019/8/24</a:t>
+              <a:t>2019/9/3</a:t>
             </a:fld>
             <a:endParaRPr lang="zh-CN" altLang="en-US"/>
           </a:p>
@@ -4475,7 +4479,7 @@
           <a:p>
             <a:fld id="{172A82DE-3DBB-4EE9-9B00-16515567728F}" type="datetimeFigureOut">
               <a:rPr lang="zh-CN" altLang="en-US" smtClean="0"/>
-              <a:t>2019/8/24</a:t>
+              <a:t>2019/9/3</a:t>
             </a:fld>
             <a:endParaRPr lang="zh-CN" altLang="en-US"/>
           </a:p>
@@ -4789,7 +4793,7 @@
           <a:p>
             <a:fld id="{172A82DE-3DBB-4EE9-9B00-16515567728F}" type="datetimeFigureOut">
               <a:rPr lang="zh-CN" altLang="en-US" smtClean="0"/>
-              <a:t>2019/8/24</a:t>
+              <a:t>2019/9/3</a:t>
             </a:fld>
             <a:endParaRPr lang="zh-CN" altLang="en-US"/>
           </a:p>
@@ -5130,7 +5134,7 @@
           <a:p>
             <a:fld id="{172A82DE-3DBB-4EE9-9B00-16515567728F}" type="datetimeFigureOut">
               <a:rPr lang="zh-CN" altLang="en-US" smtClean="0"/>
-              <a:t>2019/8/24</a:t>
+              <a:t>2019/9/3</a:t>
             </a:fld>
             <a:endParaRPr lang="zh-CN" altLang="en-US"/>
           </a:p>
@@ -5444,7 +5448,7 @@
           <a:p>
             <a:fld id="{172A82DE-3DBB-4EE9-9B00-16515567728F}" type="datetimeFigureOut">
               <a:rPr lang="zh-CN" altLang="en-US" smtClean="0"/>
-              <a:t>2019/8/24</a:t>
+              <a:t>2019/9/3</a:t>
             </a:fld>
             <a:endParaRPr lang="zh-CN" altLang="en-US"/>
           </a:p>
@@ -5837,7 +5841,7 @@
           <a:p>
             <a:fld id="{172A82DE-3DBB-4EE9-9B00-16515567728F}" type="datetimeFigureOut">
               <a:rPr lang="zh-CN" altLang="en-US" smtClean="0"/>
-              <a:t>2019/8/24</a:t>
+              <a:t>2019/9/3</a:t>
             </a:fld>
             <a:endParaRPr lang="zh-CN" altLang="en-US"/>
           </a:p>
@@ -6007,7 +6011,7 @@
           <a:p>
             <a:fld id="{172A82DE-3DBB-4EE9-9B00-16515567728F}" type="datetimeFigureOut">
               <a:rPr lang="zh-CN" altLang="en-US" smtClean="0"/>
-              <a:t>2019/8/24</a:t>
+              <a:t>2019/9/3</a:t>
             </a:fld>
             <a:endParaRPr lang="zh-CN" altLang="en-US"/>
           </a:p>
@@ -6187,7 +6191,7 @@
           <a:p>
             <a:fld id="{172A82DE-3DBB-4EE9-9B00-16515567728F}" type="datetimeFigureOut">
               <a:rPr lang="zh-CN" altLang="en-US" smtClean="0"/>
-              <a:t>2019/8/24</a:t>
+              <a:t>2019/9/3</a:t>
             </a:fld>
             <a:endParaRPr lang="zh-CN" altLang="en-US"/>
           </a:p>
@@ -6363,7 +6367,7 @@
           <a:p>
             <a:fld id="{172A82DE-3DBB-4EE9-9B00-16515567728F}" type="datetimeFigureOut">
               <a:rPr lang="zh-CN" altLang="en-US" smtClean="0"/>
-              <a:t>2019/8/24</a:t>
+              <a:t>2019/9/3</a:t>
             </a:fld>
             <a:endParaRPr lang="zh-CN" altLang="en-US"/>
           </a:p>
@@ -6610,7 +6614,7 @@
           <a:p>
             <a:fld id="{172A82DE-3DBB-4EE9-9B00-16515567728F}" type="datetimeFigureOut">
               <a:rPr lang="zh-CN" altLang="en-US" smtClean="0"/>
-              <a:t>2019/8/24</a:t>
+              <a:t>2019/9/3</a:t>
             </a:fld>
             <a:endParaRPr lang="zh-CN" altLang="en-US"/>
           </a:p>
@@ -6842,7 +6846,7 @@
           <a:p>
             <a:fld id="{172A82DE-3DBB-4EE9-9B00-16515567728F}" type="datetimeFigureOut">
               <a:rPr lang="zh-CN" altLang="en-US" smtClean="0"/>
-              <a:t>2019/8/24</a:t>
+              <a:t>2019/9/3</a:t>
             </a:fld>
             <a:endParaRPr lang="zh-CN" altLang="en-US"/>
           </a:p>
@@ -7216,7 +7220,7 @@
           <a:p>
             <a:fld id="{172A82DE-3DBB-4EE9-9B00-16515567728F}" type="datetimeFigureOut">
               <a:rPr lang="zh-CN" altLang="en-US" smtClean="0"/>
-              <a:t>2019/8/24</a:t>
+              <a:t>2019/9/3</a:t>
             </a:fld>
             <a:endParaRPr lang="zh-CN" altLang="en-US"/>
           </a:p>
@@ -7339,7 +7343,7 @@
           <a:p>
             <a:fld id="{172A82DE-3DBB-4EE9-9B00-16515567728F}" type="datetimeFigureOut">
               <a:rPr lang="zh-CN" altLang="en-US" smtClean="0"/>
-              <a:t>2019/8/24</a:t>
+              <a:t>2019/9/3</a:t>
             </a:fld>
             <a:endParaRPr lang="zh-CN" altLang="en-US"/>
           </a:p>
@@ -7434,7 +7438,7 @@
           <a:p>
             <a:fld id="{172A82DE-3DBB-4EE9-9B00-16515567728F}" type="datetimeFigureOut">
               <a:rPr lang="zh-CN" altLang="en-US" smtClean="0"/>
-              <a:t>2019/8/24</a:t>
+              <a:t>2019/9/3</a:t>
             </a:fld>
             <a:endParaRPr lang="zh-CN" altLang="en-US"/>
           </a:p>
@@ -7689,7 +7693,7 @@
           <a:p>
             <a:fld id="{172A82DE-3DBB-4EE9-9B00-16515567728F}" type="datetimeFigureOut">
               <a:rPr lang="zh-CN" altLang="en-US" smtClean="0"/>
-              <a:t>2019/8/24</a:t>
+              <a:t>2019/9/3</a:t>
             </a:fld>
             <a:endParaRPr lang="zh-CN" altLang="en-US"/>
           </a:p>
@@ -7952,7 +7956,7 @@
           <a:p>
             <a:fld id="{172A82DE-3DBB-4EE9-9B00-16515567728F}" type="datetimeFigureOut">
               <a:rPr lang="zh-CN" altLang="en-US" smtClean="0"/>
-              <a:t>2019/8/24</a:t>
+              <a:t>2019/9/3</a:t>
             </a:fld>
             <a:endParaRPr lang="zh-CN" altLang="en-US"/>
           </a:p>
@@ -8695,7 +8699,7 @@
           <a:p>
             <a:fld id="{172A82DE-3DBB-4EE9-9B00-16515567728F}" type="datetimeFigureOut">
               <a:rPr lang="zh-CN" altLang="en-US" smtClean="0"/>
-              <a:t>2019/8/24</a:t>
+              <a:t>2019/9/3</a:t>
             </a:fld>
             <a:endParaRPr lang="zh-CN" altLang="en-US"/>
           </a:p>
@@ -9323,6 +9327,624 @@
           <p:cNvPr id="2" name="标题 1">
             <a:extLst>
               <a:ext uri="{FF2B5EF4-FFF2-40B4-BE49-F238E27FC236}">
+                <a16:creationId xmlns:a16="http://schemas.microsoft.com/office/drawing/2014/main" id="{BF9C2EB4-8CB7-446F-A66F-D38712D645C6}"/>
+              </a:ext>
+            </a:extLst>
+          </p:cNvPr>
+          <p:cNvSpPr>
+            <a:spLocks noGrp="1"/>
+          </p:cNvSpPr>
+          <p:nvPr>
+            <p:ph type="title"/>
+          </p:nvPr>
+        </p:nvSpPr>
+        <p:spPr/>
+        <p:txBody>
+          <a:bodyPr>
+            <a:normAutofit/>
+          </a:bodyPr>
+          <a:lstStyle/>
+          <a:p>
+            <a:r>
+              <a:rPr lang="zh-CN" altLang="en-US" sz="2800"/>
+              <a:t>“人不是因为伟大才善梦，而是因为善梦才伟大”</a:t>
+            </a:r>
+            <a:br>
+              <a:rPr lang="en-US" altLang="zh-CN" sz="2800"/>
+            </a:br>
+            <a:r>
+              <a:rPr lang="zh-CN" altLang="en-US" sz="2800"/>
+              <a:t>－－钟扬</a:t>
+            </a:r>
+          </a:p>
+        </p:txBody>
+      </p:sp>
+      <p:pic>
+        <p:nvPicPr>
+          <p:cNvPr id="13" name="内容占位符 12">
+            <a:extLst>
+              <a:ext uri="{FF2B5EF4-FFF2-40B4-BE49-F238E27FC236}">
+                <a16:creationId xmlns:a16="http://schemas.microsoft.com/office/drawing/2014/main" id="{6E781C5C-B259-43DA-B840-39917257F0B6}"/>
+              </a:ext>
+            </a:extLst>
+          </p:cNvPr>
+          <p:cNvPicPr>
+            <a:picLocks noGrp="1" noChangeAspect="1"/>
+          </p:cNvPicPr>
+          <p:nvPr>
+            <p:ph idx="1"/>
+          </p:nvPr>
+        </p:nvPicPr>
+        <p:blipFill>
+          <a:blip r:embed="rId2">
+            <a:extLst>
+              <a:ext uri="{28A0092B-C50C-407E-A947-70E740481C1C}">
+                <a14:useLocalDpi xmlns:a14="http://schemas.microsoft.com/office/drawing/2010/main" val="0"/>
+              </a:ext>
+            </a:extLst>
+          </a:blip>
+          <a:stretch>
+            <a:fillRect/>
+          </a:stretch>
+        </p:blipFill>
+        <p:spPr>
+          <a:xfrm>
+            <a:off x="6076883" y="1826892"/>
+            <a:ext cx="5785714" cy="4512857"/>
+          </a:xfrm>
+        </p:spPr>
+      </p:pic>
+      <p:sp>
+        <p:nvSpPr>
+          <p:cNvPr id="14" name="文本框 13">
+            <a:extLst>
+              <a:ext uri="{FF2B5EF4-FFF2-40B4-BE49-F238E27FC236}">
+                <a16:creationId xmlns:a16="http://schemas.microsoft.com/office/drawing/2014/main" id="{0AD7379C-BD81-488A-98B1-C7D51E292444}"/>
+              </a:ext>
+            </a:extLst>
+          </p:cNvPr>
+          <p:cNvSpPr txBox="1"/>
+          <p:nvPr/>
+        </p:nvSpPr>
+        <p:spPr>
+          <a:xfrm>
+            <a:off x="545284" y="1930727"/>
+            <a:ext cx="5080932" cy="4154984"/>
+          </a:xfrm>
+          <a:prstGeom prst="rect">
+            <a:avLst/>
+          </a:prstGeom>
+          <a:noFill/>
+        </p:spPr>
+        <p:txBody>
+          <a:bodyPr wrap="square" rtlCol="0">
+            <a:spAutoFit/>
+          </a:bodyPr>
+          <a:lstStyle/>
+          <a:p>
+            <a:r>
+              <a:rPr lang="zh-CN" altLang="en-US" sz="2400" dirty="0">
+                <a:solidFill>
+                  <a:srgbClr val="00B0F0"/>
+                </a:solidFill>
+              </a:rPr>
+              <a:t>高考</a:t>
+            </a:r>
+            <a:endParaRPr lang="en-US" altLang="zh-CN" sz="2400" dirty="0">
+              <a:solidFill>
+                <a:srgbClr val="00B0F0"/>
+              </a:solidFill>
+            </a:endParaRPr>
+          </a:p>
+          <a:p>
+            <a:r>
+              <a:rPr lang="zh-CN" altLang="en-US" sz="2400" dirty="0"/>
+              <a:t>我：想去中科大学机器人。</a:t>
+            </a:r>
+            <a:endParaRPr lang="en-US" altLang="zh-CN" sz="2400" dirty="0"/>
+          </a:p>
+          <a:p>
+            <a:r>
+              <a:rPr lang="zh-CN" altLang="en-US" sz="2400" dirty="0"/>
+              <a:t>父亲：二十一世纪是生物的世纪。。。</a:t>
+            </a:r>
+            <a:endParaRPr lang="en-US" altLang="zh-CN" sz="2400" dirty="0"/>
+          </a:p>
+          <a:p>
+            <a:endParaRPr lang="en-US" altLang="zh-CN" sz="2400" dirty="0">
+              <a:solidFill>
+                <a:srgbClr val="00B0F0"/>
+              </a:solidFill>
+            </a:endParaRPr>
+          </a:p>
+          <a:p>
+            <a:r>
+              <a:rPr lang="zh-CN" altLang="en-US" sz="2400" dirty="0">
+                <a:solidFill>
+                  <a:srgbClr val="00B0F0"/>
+                </a:solidFill>
+              </a:rPr>
+              <a:t>二十年历程</a:t>
+            </a:r>
+            <a:endParaRPr lang="en-US" altLang="zh-CN" sz="2400" dirty="0">
+              <a:solidFill>
+                <a:srgbClr val="00B0F0"/>
+              </a:solidFill>
+            </a:endParaRPr>
+          </a:p>
+          <a:p>
+            <a:r>
+              <a:rPr lang="zh-CN" altLang="en-US" sz="2400" dirty="0"/>
+              <a:t>父亲是对的：不念生物不上科学正轨。当年</a:t>
+            </a:r>
+            <a:r>
+              <a:rPr lang="en-US" altLang="zh-CN" sz="2400" dirty="0"/>
+              <a:t>AI</a:t>
+            </a:r>
+            <a:r>
+              <a:rPr lang="zh-CN" altLang="en-US" sz="2400" dirty="0"/>
+              <a:t>还没上正轨，入坑即死坑。</a:t>
+            </a:r>
+            <a:endParaRPr lang="en-US" altLang="zh-CN" sz="2400" dirty="0"/>
+          </a:p>
+          <a:p>
+            <a:r>
+              <a:rPr lang="zh-CN" altLang="en-US" sz="2400" dirty="0"/>
+              <a:t>我也是对的：人工智能是未来的大势所趋，体现为工业革命。</a:t>
+            </a:r>
+            <a:endParaRPr lang="en-US" altLang="zh-CN" sz="2400" dirty="0"/>
+          </a:p>
+          <a:p>
+            <a:r>
+              <a:rPr lang="zh-CN" altLang="en-US" sz="2400" dirty="0">
+                <a:solidFill>
+                  <a:srgbClr val="C00000"/>
+                </a:solidFill>
+              </a:rPr>
+              <a:t>生命科学是所有科技发力的对象，</a:t>
+            </a:r>
+            <a:endParaRPr lang="en-US" altLang="zh-CN" sz="2400" dirty="0">
+              <a:solidFill>
+                <a:srgbClr val="C00000"/>
+              </a:solidFill>
+            </a:endParaRPr>
+          </a:p>
+          <a:p>
+            <a:r>
+              <a:rPr lang="zh-CN" altLang="en-US" sz="2400" dirty="0">
+                <a:solidFill>
+                  <a:srgbClr val="C00000"/>
+                </a:solidFill>
+              </a:rPr>
+              <a:t>人工智能是对所有领域发力武器。</a:t>
+            </a:r>
+            <a:endParaRPr lang="en-US" altLang="zh-CN" sz="2400" dirty="0">
+              <a:solidFill>
+                <a:srgbClr val="C00000"/>
+              </a:solidFill>
+            </a:endParaRPr>
+          </a:p>
+        </p:txBody>
+      </p:sp>
+    </p:spTree>
+    <p:extLst>
+      <p:ext uri="{BB962C8B-B14F-4D97-AF65-F5344CB8AC3E}">
+        <p14:creationId xmlns:p14="http://schemas.microsoft.com/office/powerpoint/2010/main" val="1883128606"/>
+      </p:ext>
+    </p:extLst>
+  </p:cSld>
+  <p:clrMapOvr>
+    <a:masterClrMapping/>
+  </p:clrMapOvr>
+</p:sld>
+</file>
+
+<file path=ppt/slides/slide11.xml><?xml version="1.0" encoding="utf-8"?>
+<p:sld xmlns:a="http://schemas.openxmlformats.org/drawingml/2006/main" xmlns:r="http://schemas.openxmlformats.org/officeDocument/2006/relationships" xmlns:p="http://schemas.openxmlformats.org/presentationml/2006/main">
+  <p:cSld>
+    <p:spTree>
+      <p:nvGrpSpPr>
+        <p:cNvPr id="1" name=""/>
+        <p:cNvGrpSpPr/>
+        <p:nvPr/>
+      </p:nvGrpSpPr>
+      <p:grpSpPr>
+        <a:xfrm>
+          <a:off x="0" y="0"/>
+          <a:ext cx="0" cy="0"/>
+          <a:chOff x="0" y="0"/>
+          <a:chExt cx="0" cy="0"/>
+        </a:xfrm>
+      </p:grpSpPr>
+      <p:sp>
+        <p:nvSpPr>
+          <p:cNvPr id="2" name="标题 1">
+            <a:extLst>
+              <a:ext uri="{FF2B5EF4-FFF2-40B4-BE49-F238E27FC236}">
+                <a16:creationId xmlns:a16="http://schemas.microsoft.com/office/drawing/2014/main" id="{BD8AAC5B-DF2F-40CE-B553-A56961176DB0}"/>
+              </a:ext>
+            </a:extLst>
+          </p:cNvPr>
+          <p:cNvSpPr>
+            <a:spLocks noGrp="1"/>
+          </p:cNvSpPr>
+          <p:nvPr>
+            <p:ph type="title"/>
+          </p:nvPr>
+        </p:nvSpPr>
+        <p:spPr>
+          <a:xfrm>
+            <a:off x="677334" y="538037"/>
+            <a:ext cx="8596668" cy="1320800"/>
+          </a:xfrm>
+        </p:spPr>
+        <p:txBody>
+          <a:bodyPr/>
+          <a:lstStyle/>
+          <a:p>
+            <a:r>
+              <a:rPr lang="zh-CN" altLang="en-US"/>
+              <a:t>论文投稿推荐和</a:t>
+            </a:r>
+            <a:r>
+              <a:rPr lang="en-US" altLang="zh-CN"/>
+              <a:t>Chinglish</a:t>
+            </a:r>
+            <a:r>
+              <a:rPr lang="zh-CN" altLang="en-US"/>
+              <a:t>检出</a:t>
+            </a:r>
+            <a:br>
+              <a:rPr lang="en-US" altLang="zh-CN"/>
+            </a:br>
+            <a:r>
+              <a:rPr lang="en-US" altLang="zh-CN"/>
+              <a:t>www.drwang.top</a:t>
+            </a:r>
+            <a:endParaRPr lang="zh-CN" altLang="en-US"/>
+          </a:p>
+        </p:txBody>
+      </p:sp>
+      <p:sp>
+        <p:nvSpPr>
+          <p:cNvPr id="3" name="内容占位符 2">
+            <a:extLst>
+              <a:ext uri="{FF2B5EF4-FFF2-40B4-BE49-F238E27FC236}">
+                <a16:creationId xmlns:a16="http://schemas.microsoft.com/office/drawing/2014/main" id="{E4C3AB18-8266-4276-A343-5653159A4C79}"/>
+              </a:ext>
+            </a:extLst>
+          </p:cNvPr>
+          <p:cNvSpPr>
+            <a:spLocks noGrp="1"/>
+          </p:cNvSpPr>
+          <p:nvPr>
+            <p:ph idx="1"/>
+          </p:nvPr>
+        </p:nvSpPr>
+        <p:spPr/>
+        <p:txBody>
+          <a:bodyPr/>
+          <a:lstStyle/>
+          <a:p>
+            <a:endParaRPr lang="zh-CN" altLang="en-US"/>
+          </a:p>
+        </p:txBody>
+      </p:sp>
+      <p:pic>
+        <p:nvPicPr>
+          <p:cNvPr id="4" name="图片 3">
+            <a:extLst>
+              <a:ext uri="{FF2B5EF4-FFF2-40B4-BE49-F238E27FC236}">
+                <a16:creationId xmlns:a16="http://schemas.microsoft.com/office/drawing/2014/main" id="{8BEAD2E6-55CC-412E-8FB6-48E61ECAC798}"/>
+              </a:ext>
+            </a:extLst>
+          </p:cNvPr>
+          <p:cNvPicPr>
+            <a:picLocks noChangeAspect="1"/>
+          </p:cNvPicPr>
+          <p:nvPr/>
+        </p:nvPicPr>
+        <p:blipFill>
+          <a:blip r:embed="rId2"/>
+          <a:stretch>
+            <a:fillRect/>
+          </a:stretch>
+        </p:blipFill>
+        <p:spPr>
+          <a:xfrm>
+            <a:off x="15902" y="1693627"/>
+            <a:ext cx="9144000" cy="5143500"/>
+          </a:xfrm>
+          <a:prstGeom prst="rect">
+            <a:avLst/>
+          </a:prstGeom>
+        </p:spPr>
+      </p:pic>
+    </p:spTree>
+    <p:extLst>
+      <p:ext uri="{BB962C8B-B14F-4D97-AF65-F5344CB8AC3E}">
+        <p14:creationId xmlns:p14="http://schemas.microsoft.com/office/powerpoint/2010/main" val="4172098231"/>
+      </p:ext>
+    </p:extLst>
+  </p:cSld>
+  <p:clrMapOvr>
+    <a:masterClrMapping/>
+  </p:clrMapOvr>
+</p:sld>
+</file>
+
+<file path=ppt/slides/slide12.xml><?xml version="1.0" encoding="utf-8"?>
+<p:sld xmlns:a="http://schemas.openxmlformats.org/drawingml/2006/main" xmlns:r="http://schemas.openxmlformats.org/officeDocument/2006/relationships" xmlns:p="http://schemas.openxmlformats.org/presentationml/2006/main">
+  <p:cSld>
+    <p:spTree>
+      <p:nvGrpSpPr>
+        <p:cNvPr id="1" name=""/>
+        <p:cNvGrpSpPr/>
+        <p:nvPr/>
+      </p:nvGrpSpPr>
+      <p:grpSpPr>
+        <a:xfrm>
+          <a:off x="0" y="0"/>
+          <a:ext cx="0" cy="0"/>
+          <a:chOff x="0" y="0"/>
+          <a:chExt cx="0" cy="0"/>
+        </a:xfrm>
+      </p:grpSpPr>
+      <p:sp>
+        <p:nvSpPr>
+          <p:cNvPr id="2" name="标题 1">
+            <a:extLst>
+              <a:ext uri="{FF2B5EF4-FFF2-40B4-BE49-F238E27FC236}">
+                <a16:creationId xmlns:a16="http://schemas.microsoft.com/office/drawing/2014/main" id="{60953D16-E0CC-4DB4-814F-FF0FD598EDF3}"/>
+              </a:ext>
+            </a:extLst>
+          </p:cNvPr>
+          <p:cNvSpPr>
+            <a:spLocks noGrp="1"/>
+          </p:cNvSpPr>
+          <p:nvPr>
+            <p:ph type="title"/>
+          </p:nvPr>
+        </p:nvSpPr>
+        <p:spPr/>
+        <p:txBody>
+          <a:bodyPr/>
+          <a:lstStyle/>
+          <a:p>
+            <a:r>
+              <a:rPr lang="zh-CN" altLang="en-US"/>
+              <a:t>小一机器人健康点评</a:t>
+            </a:r>
+          </a:p>
+        </p:txBody>
+      </p:sp>
+      <p:sp>
+        <p:nvSpPr>
+          <p:cNvPr id="3" name="内容占位符 2">
+            <a:extLst>
+              <a:ext uri="{FF2B5EF4-FFF2-40B4-BE49-F238E27FC236}">
+                <a16:creationId xmlns:a16="http://schemas.microsoft.com/office/drawing/2014/main" id="{1C97832C-9964-4068-84A7-715D030B42A9}"/>
+              </a:ext>
+            </a:extLst>
+          </p:cNvPr>
+          <p:cNvSpPr>
+            <a:spLocks noGrp="1"/>
+          </p:cNvSpPr>
+          <p:nvPr>
+            <p:ph idx="1"/>
+          </p:nvPr>
+        </p:nvSpPr>
+        <p:spPr/>
+        <p:txBody>
+          <a:bodyPr/>
+          <a:lstStyle/>
+          <a:p>
+            <a:endParaRPr lang="zh-CN" altLang="en-US"/>
+          </a:p>
+        </p:txBody>
+      </p:sp>
+      <p:pic>
+        <p:nvPicPr>
+          <p:cNvPr id="4" name="图片 3">
+            <a:extLst>
+              <a:ext uri="{FF2B5EF4-FFF2-40B4-BE49-F238E27FC236}">
+                <a16:creationId xmlns:a16="http://schemas.microsoft.com/office/drawing/2014/main" id="{4D06BCCC-B85E-4AE4-83DD-4048CF6ABBA7}"/>
+              </a:ext>
+            </a:extLst>
+          </p:cNvPr>
+          <p:cNvPicPr>
+            <a:picLocks noChangeAspect="1"/>
+          </p:cNvPicPr>
+          <p:nvPr/>
+        </p:nvPicPr>
+        <p:blipFill>
+          <a:blip r:embed="rId2"/>
+          <a:stretch>
+            <a:fillRect/>
+          </a:stretch>
+        </p:blipFill>
+        <p:spPr>
+          <a:xfrm>
+            <a:off x="0" y="1710813"/>
+            <a:ext cx="9144000" cy="5143500"/>
+          </a:xfrm>
+          <a:prstGeom prst="rect">
+            <a:avLst/>
+          </a:prstGeom>
+        </p:spPr>
+      </p:pic>
+    </p:spTree>
+    <p:extLst>
+      <p:ext uri="{BB962C8B-B14F-4D97-AF65-F5344CB8AC3E}">
+        <p14:creationId xmlns:p14="http://schemas.microsoft.com/office/powerpoint/2010/main" val="3870096952"/>
+      </p:ext>
+    </p:extLst>
+  </p:cSld>
+  <p:clrMapOvr>
+    <a:masterClrMapping/>
+  </p:clrMapOvr>
+</p:sld>
+</file>
+
+<file path=ppt/slides/slide13.xml><?xml version="1.0" encoding="utf-8"?>
+<p:sld xmlns:a="http://schemas.openxmlformats.org/drawingml/2006/main" xmlns:r="http://schemas.openxmlformats.org/officeDocument/2006/relationships" xmlns:p="http://schemas.openxmlformats.org/presentationml/2006/main">
+  <p:cSld>
+    <p:spTree>
+      <p:nvGrpSpPr>
+        <p:cNvPr id="1" name=""/>
+        <p:cNvGrpSpPr/>
+        <p:nvPr/>
+      </p:nvGrpSpPr>
+      <p:grpSpPr>
+        <a:xfrm>
+          <a:off x="0" y="0"/>
+          <a:ext cx="0" cy="0"/>
+          <a:chOff x="0" y="0"/>
+          <a:chExt cx="0" cy="0"/>
+        </a:xfrm>
+      </p:grpSpPr>
+      <p:sp>
+        <p:nvSpPr>
+          <p:cNvPr id="2" name="标题 1">
+            <a:extLst>
+              <a:ext uri="{FF2B5EF4-FFF2-40B4-BE49-F238E27FC236}">
+                <a16:creationId xmlns:a16="http://schemas.microsoft.com/office/drawing/2014/main" id="{F9BF0C2A-D4A6-42B7-9BEF-5373C9E9A711}"/>
+              </a:ext>
+            </a:extLst>
+          </p:cNvPr>
+          <p:cNvSpPr>
+            <a:spLocks noGrp="1"/>
+          </p:cNvSpPr>
+          <p:nvPr>
+            <p:ph type="title"/>
+          </p:nvPr>
+        </p:nvSpPr>
+        <p:spPr/>
+        <p:txBody>
+          <a:bodyPr/>
+          <a:lstStyle/>
+          <a:p>
+            <a:r>
+              <a:rPr lang="zh-CN" altLang="en-US"/>
+              <a:t>基于电子病历的</a:t>
+            </a:r>
+            <a:r>
+              <a:rPr lang="en-US" altLang="zh-CN"/>
+              <a:t>AI</a:t>
+            </a:r>
+            <a:r>
+              <a:rPr lang="zh-CN" altLang="en-US"/>
+              <a:t>诊断</a:t>
+            </a:r>
+          </a:p>
+        </p:txBody>
+      </p:sp>
+      <p:pic>
+        <p:nvPicPr>
+          <p:cNvPr id="7" name="图片 6">
+            <a:extLst>
+              <a:ext uri="{FF2B5EF4-FFF2-40B4-BE49-F238E27FC236}">
+                <a16:creationId xmlns:a16="http://schemas.microsoft.com/office/drawing/2014/main" id="{C597E609-C035-460B-869C-4E22AC5D35B5}"/>
+              </a:ext>
+            </a:extLst>
+          </p:cNvPr>
+          <p:cNvPicPr>
+            <a:picLocks noChangeAspect="1"/>
+          </p:cNvPicPr>
+          <p:nvPr/>
+        </p:nvPicPr>
+        <p:blipFill>
+          <a:blip r:embed="rId2">
+            <a:extLst>
+              <a:ext uri="{28A0092B-C50C-407E-A947-70E740481C1C}">
+                <a14:useLocalDpi xmlns:a14="http://schemas.microsoft.com/office/drawing/2010/main" val="0"/>
+              </a:ext>
+            </a:extLst>
+          </a:blip>
+          <a:stretch>
+            <a:fillRect/>
+          </a:stretch>
+        </p:blipFill>
+        <p:spPr>
+          <a:xfrm>
+            <a:off x="19664" y="1986119"/>
+            <a:ext cx="7315200" cy="4114800"/>
+          </a:xfrm>
+          <a:prstGeom prst="rect">
+            <a:avLst/>
+          </a:prstGeom>
+        </p:spPr>
+      </p:pic>
+      <p:pic>
+        <p:nvPicPr>
+          <p:cNvPr id="11" name="内容占位符 10">
+            <a:extLst>
+              <a:ext uri="{FF2B5EF4-FFF2-40B4-BE49-F238E27FC236}">
+                <a16:creationId xmlns:a16="http://schemas.microsoft.com/office/drawing/2014/main" id="{BED76E10-EAD1-49A9-ADEC-79F9726292AC}"/>
+              </a:ext>
+            </a:extLst>
+          </p:cNvPr>
+          <p:cNvPicPr>
+            <a:picLocks noGrp="1" noChangeAspect="1"/>
+          </p:cNvPicPr>
+          <p:nvPr>
+            <p:ph idx="1"/>
+          </p:nvPr>
+        </p:nvPicPr>
+        <p:blipFill>
+          <a:blip r:embed="rId3">
+            <a:extLst>
+              <a:ext uri="{28A0092B-C50C-407E-A947-70E740481C1C}">
+                <a14:useLocalDpi xmlns:a14="http://schemas.microsoft.com/office/drawing/2010/main" val="0"/>
+              </a:ext>
+            </a:extLst>
+          </a:blip>
+          <a:stretch>
+            <a:fillRect/>
+          </a:stretch>
+        </p:blipFill>
+        <p:spPr>
+          <a:xfrm>
+            <a:off x="4868828" y="2740689"/>
+            <a:ext cx="7315200" cy="4114800"/>
+          </a:xfrm>
+        </p:spPr>
+      </p:pic>
+    </p:spTree>
+    <p:extLst>
+      <p:ext uri="{BB962C8B-B14F-4D97-AF65-F5344CB8AC3E}">
+        <p14:creationId xmlns:p14="http://schemas.microsoft.com/office/powerpoint/2010/main" val="1672078440"/>
+      </p:ext>
+    </p:extLst>
+  </p:cSld>
+  <p:clrMapOvr>
+    <a:masterClrMapping/>
+  </p:clrMapOvr>
+</p:sld>
+</file>
+
+<file path=ppt/slides/slide14.xml><?xml version="1.0" encoding="utf-8"?>
+<p:sld xmlns:a="http://schemas.openxmlformats.org/drawingml/2006/main" xmlns:r="http://schemas.openxmlformats.org/officeDocument/2006/relationships" xmlns:p="http://schemas.openxmlformats.org/presentationml/2006/main">
+  <p:cSld>
+    <p:spTree>
+      <p:nvGrpSpPr>
+        <p:cNvPr id="1" name=""/>
+        <p:cNvGrpSpPr/>
+        <p:nvPr/>
+      </p:nvGrpSpPr>
+      <p:grpSpPr>
+        <a:xfrm>
+          <a:off x="0" y="0"/>
+          <a:ext cx="0" cy="0"/>
+          <a:chOff x="0" y="0"/>
+          <a:chExt cx="0" cy="0"/>
+        </a:xfrm>
+      </p:grpSpPr>
+      <p:sp>
+        <p:nvSpPr>
+          <p:cNvPr id="2" name="标题 1">
+            <a:extLst>
+              <a:ext uri="{FF2B5EF4-FFF2-40B4-BE49-F238E27FC236}">
                 <a16:creationId xmlns:a16="http://schemas.microsoft.com/office/drawing/2014/main" id="{BE84D168-4CC7-468C-8332-9AAE10D9B0FD}"/>
               </a:ext>
             </a:extLst>
@@ -9485,7 +10107,7 @@
 </p:sld>
 </file>
 
-<file path=ppt/slides/slide11.xml><?xml version="1.0" encoding="utf-8"?>
+<file path=ppt/slides/slide15.xml><?xml version="1.0" encoding="utf-8"?>
 <p:sld xmlns:a="http://schemas.openxmlformats.org/drawingml/2006/main" xmlns:r="http://schemas.openxmlformats.org/officeDocument/2006/relationships" xmlns:p="http://schemas.openxmlformats.org/presentationml/2006/main">
   <p:cSld>
     <p:spTree>
@@ -9614,7 +10236,7 @@
 </p:sld>
 </file>
 
-<file path=ppt/slides/slide12.xml><?xml version="1.0" encoding="utf-8"?>
+<file path=ppt/slides/slide16.xml><?xml version="1.0" encoding="utf-8"?>
 <p:sld xmlns:a="http://schemas.openxmlformats.org/drawingml/2006/main" xmlns:r="http://schemas.openxmlformats.org/officeDocument/2006/relationships" xmlns:p="http://schemas.openxmlformats.org/presentationml/2006/main">
   <p:cSld>
     <p:spTree>
@@ -9745,7 +10367,7 @@
 </p:sld>
 </file>
 
-<file path=ppt/slides/slide13.xml><?xml version="1.0" encoding="utf-8"?>
+<file path=ppt/slides/slide17.xml><?xml version="1.0" encoding="utf-8"?>
 <p:sld xmlns:a="http://schemas.openxmlformats.org/drawingml/2006/main" xmlns:r="http://schemas.openxmlformats.org/officeDocument/2006/relationships" xmlns:p="http://schemas.openxmlformats.org/presentationml/2006/main">
   <p:cSld>
     <p:spTree>
@@ -9910,7 +10532,7 @@
 </p:sld>
 </file>
 
-<file path=ppt/slides/slide14.xml><?xml version="1.0" encoding="utf-8"?>
+<file path=ppt/slides/slide18.xml><?xml version="1.0" encoding="utf-8"?>
 <p:sld xmlns:a="http://schemas.openxmlformats.org/drawingml/2006/main" xmlns:r="http://schemas.openxmlformats.org/officeDocument/2006/relationships" xmlns:p="http://schemas.openxmlformats.org/presentationml/2006/main">
   <p:cSld>
     <p:spTree>
@@ -10037,7 +10659,7 @@
 </p:sld>
 </file>
 
-<file path=ppt/slides/slide15.xml><?xml version="1.0" encoding="utf-8"?>
+<file path=ppt/slides/slide19.xml><?xml version="1.0" encoding="utf-8"?>
 <p:sld xmlns:a="http://schemas.openxmlformats.org/drawingml/2006/main" xmlns:r="http://schemas.openxmlformats.org/officeDocument/2006/relationships" xmlns:p="http://schemas.openxmlformats.org/presentationml/2006/main">
   <p:cSld>
     <p:spTree>
@@ -10164,7 +10786,116 @@
 </p:sld>
 </file>
 
-<file path=ppt/slides/slide16.xml><?xml version="1.0" encoding="utf-8"?>
+<file path=ppt/slides/slide2.xml><?xml version="1.0" encoding="utf-8"?>
+<p:sld xmlns:a="http://schemas.openxmlformats.org/drawingml/2006/main" xmlns:r="http://schemas.openxmlformats.org/officeDocument/2006/relationships" xmlns:p="http://schemas.openxmlformats.org/presentationml/2006/main">
+  <p:cSld>
+    <p:spTree>
+      <p:nvGrpSpPr>
+        <p:cNvPr id="1" name=""/>
+        <p:cNvGrpSpPr/>
+        <p:nvPr/>
+      </p:nvGrpSpPr>
+      <p:grpSpPr>
+        <a:xfrm>
+          <a:off x="0" y="0"/>
+          <a:ext cx="0" cy="0"/>
+          <a:chOff x="0" y="0"/>
+          <a:chExt cx="0" cy="0"/>
+        </a:xfrm>
+      </p:grpSpPr>
+      <p:sp>
+        <p:nvSpPr>
+          <p:cNvPr id="2" name="标题 1">
+            <a:extLst>
+              <a:ext uri="{FF2B5EF4-FFF2-40B4-BE49-F238E27FC236}">
+                <a16:creationId xmlns:a16="http://schemas.microsoft.com/office/drawing/2014/main" id="{134BB379-6CAB-4B71-BAFA-3096B06280D0}"/>
+              </a:ext>
+            </a:extLst>
+          </p:cNvPr>
+          <p:cNvSpPr>
+            <a:spLocks noGrp="1"/>
+          </p:cNvSpPr>
+          <p:nvPr>
+            <p:ph type="title"/>
+          </p:nvPr>
+        </p:nvSpPr>
+        <p:spPr/>
+        <p:txBody>
+          <a:bodyPr/>
+          <a:lstStyle/>
+          <a:p>
+            <a:r>
+              <a:rPr lang="zh-CN" altLang="en-US"/>
+              <a:t>课程理念</a:t>
+            </a:r>
+          </a:p>
+        </p:txBody>
+      </p:sp>
+      <p:sp>
+        <p:nvSpPr>
+          <p:cNvPr id="3" name="内容占位符 2">
+            <a:extLst>
+              <a:ext uri="{FF2B5EF4-FFF2-40B4-BE49-F238E27FC236}">
+                <a16:creationId xmlns:a16="http://schemas.microsoft.com/office/drawing/2014/main" id="{BB2FF8DC-DD02-4041-A207-5DF1BD89D475}"/>
+              </a:ext>
+            </a:extLst>
+          </p:cNvPr>
+          <p:cNvSpPr>
+            <a:spLocks noGrp="1"/>
+          </p:cNvSpPr>
+          <p:nvPr>
+            <p:ph idx="1"/>
+          </p:nvPr>
+        </p:nvSpPr>
+        <p:spPr/>
+        <p:txBody>
+          <a:bodyPr>
+            <a:normAutofit/>
+          </a:bodyPr>
+          <a:lstStyle/>
+          <a:p>
+            <a:r>
+              <a:rPr lang="zh-CN" altLang="en-US" sz="2200"/>
+              <a:t>入门性质，求浅求易</a:t>
+            </a:r>
+            <a:endParaRPr lang="en-US" altLang="zh-CN" sz="2200"/>
+          </a:p>
+          <a:p>
+            <a:endParaRPr lang="en-US" altLang="zh-CN" sz="2200"/>
+          </a:p>
+          <a:p>
+            <a:r>
+              <a:rPr lang="zh-CN" altLang="en-US" sz="2200"/>
+              <a:t>重视操作，一半时间上机</a:t>
+            </a:r>
+            <a:endParaRPr lang="en-US" altLang="zh-CN" sz="2200"/>
+          </a:p>
+          <a:p>
+            <a:endParaRPr lang="en-US" altLang="zh-CN" sz="2200"/>
+          </a:p>
+          <a:p>
+            <a:r>
+              <a:rPr lang="zh-CN" altLang="en-US" sz="2200"/>
+              <a:t>点拨理念，处处留个念想</a:t>
+            </a:r>
+            <a:endParaRPr lang="en-US" altLang="zh-CN" sz="2200"/>
+          </a:p>
+        </p:txBody>
+      </p:sp>
+    </p:spTree>
+    <p:extLst>
+      <p:ext uri="{BB962C8B-B14F-4D97-AF65-F5344CB8AC3E}">
+        <p14:creationId xmlns:p14="http://schemas.microsoft.com/office/powerpoint/2010/main" val="1538923167"/>
+      </p:ext>
+    </p:extLst>
+  </p:cSld>
+  <p:clrMapOvr>
+    <a:masterClrMapping/>
+  </p:clrMapOvr>
+</p:sld>
+</file>
+
+<file path=ppt/slides/slide20.xml><?xml version="1.0" encoding="utf-8"?>
 <p:sld xmlns:a="http://schemas.openxmlformats.org/drawingml/2006/main" xmlns:r="http://schemas.openxmlformats.org/officeDocument/2006/relationships" xmlns:p="http://schemas.openxmlformats.org/presentationml/2006/main">
   <p:cSld>
     <p:spTree>
@@ -10291,7 +11022,7 @@
 </p:sld>
 </file>
 
-<file path=ppt/slides/slide17.xml><?xml version="1.0" encoding="utf-8"?>
+<file path=ppt/slides/slide21.xml><?xml version="1.0" encoding="utf-8"?>
 <p:sld xmlns:a="http://schemas.openxmlformats.org/drawingml/2006/main" xmlns:r="http://schemas.openxmlformats.org/officeDocument/2006/relationships" xmlns:p="http://schemas.openxmlformats.org/presentationml/2006/main">
   <p:cSld>
     <p:spTree>
@@ -10418,7 +11149,7 @@
 </p:sld>
 </file>
 
-<file path=ppt/slides/slide18.xml><?xml version="1.0" encoding="utf-8"?>
+<file path=ppt/slides/slide22.xml><?xml version="1.0" encoding="utf-8"?>
 <p:sld xmlns:a="http://schemas.openxmlformats.org/drawingml/2006/main" xmlns:r="http://schemas.openxmlformats.org/officeDocument/2006/relationships" xmlns:p="http://schemas.openxmlformats.org/presentationml/2006/main">
   <p:cSld>
     <p:spTree>
@@ -10545,626 +11276,6 @@
 </p:sld>
 </file>
 
-<file path=ppt/slides/slide19.xml><?xml version="1.0" encoding="utf-8"?>
-<p:sld xmlns:a="http://schemas.openxmlformats.org/drawingml/2006/main" xmlns:r="http://schemas.openxmlformats.org/officeDocument/2006/relationships" xmlns:p="http://schemas.openxmlformats.org/presentationml/2006/main">
-  <p:cSld>
-    <p:spTree>
-      <p:nvGrpSpPr>
-        <p:cNvPr id="1" name=""/>
-        <p:cNvGrpSpPr/>
-        <p:nvPr/>
-      </p:nvGrpSpPr>
-      <p:grpSpPr>
-        <a:xfrm>
-          <a:off x="0" y="0"/>
-          <a:ext cx="0" cy="0"/>
-          <a:chOff x="0" y="0"/>
-          <a:chExt cx="0" cy="0"/>
-        </a:xfrm>
-      </p:grpSpPr>
-      <p:sp>
-        <p:nvSpPr>
-          <p:cNvPr id="2" name="标题 1">
-            <a:extLst>
-              <a:ext uri="{FF2B5EF4-FFF2-40B4-BE49-F238E27FC236}">
-                <a16:creationId xmlns:a16="http://schemas.microsoft.com/office/drawing/2014/main" id="{ED06631D-A66A-42BF-A90E-6B0F8E0128F6}"/>
-              </a:ext>
-            </a:extLst>
-          </p:cNvPr>
-          <p:cNvSpPr>
-            <a:spLocks noGrp="1"/>
-          </p:cNvSpPr>
-          <p:nvPr>
-            <p:ph type="title"/>
-          </p:nvPr>
-        </p:nvSpPr>
-        <p:spPr/>
-        <p:txBody>
-          <a:bodyPr/>
-          <a:lstStyle/>
-          <a:p>
-            <a:r>
-              <a:rPr lang="zh-CN" altLang="en-US"/>
-              <a:t>我的“体用合一”的复合型创新体系</a:t>
-            </a:r>
-          </a:p>
-        </p:txBody>
-      </p:sp>
-      <p:graphicFrame>
-        <p:nvGraphicFramePr>
-          <p:cNvPr id="8" name="内容占位符 5">
-            <a:extLst>
-              <a:ext uri="{FF2B5EF4-FFF2-40B4-BE49-F238E27FC236}">
-                <a16:creationId xmlns:a16="http://schemas.microsoft.com/office/drawing/2014/main" id="{B87133F6-5EFD-469F-87E0-1607C7DFFDEB}"/>
-              </a:ext>
-            </a:extLst>
-          </p:cNvPr>
-          <p:cNvGraphicFramePr>
-            <a:graphicFrameLocks/>
-          </p:cNvGraphicFramePr>
-          <p:nvPr>
-            <p:extLst>
-              <p:ext uri="{D42A27DB-BD31-4B8C-83A1-F6EECF244321}">
-                <p14:modId xmlns:p14="http://schemas.microsoft.com/office/powerpoint/2010/main" val="3776366666"/>
-              </p:ext>
-            </p:extLst>
-          </p:nvPr>
-        </p:nvGraphicFramePr>
-        <p:xfrm>
-          <a:off x="1115616" y="1412776"/>
-          <a:ext cx="7848872" cy="5328592"/>
-        </p:xfrm>
-        <a:graphic>
-          <a:graphicData uri="http://schemas.openxmlformats.org/drawingml/2006/diagram">
-            <dgm:relIds xmlns:dgm="http://schemas.openxmlformats.org/drawingml/2006/diagram" xmlns:r="http://schemas.openxmlformats.org/officeDocument/2006/relationships" r:dm="rId2" r:lo="rId3" r:qs="rId4" r:cs="rId5"/>
-          </a:graphicData>
-        </a:graphic>
-      </p:graphicFrame>
-    </p:spTree>
-    <p:extLst>
-      <p:ext uri="{BB962C8B-B14F-4D97-AF65-F5344CB8AC3E}">
-        <p14:creationId xmlns:p14="http://schemas.microsoft.com/office/powerpoint/2010/main" val="72266426"/>
-      </p:ext>
-    </p:extLst>
-  </p:cSld>
-  <p:clrMapOvr>
-    <a:masterClrMapping/>
-  </p:clrMapOvr>
-</p:sld>
-</file>
-
-<file path=ppt/slides/slide2.xml><?xml version="1.0" encoding="utf-8"?>
-<p:sld xmlns:a="http://schemas.openxmlformats.org/drawingml/2006/main" xmlns:r="http://schemas.openxmlformats.org/officeDocument/2006/relationships" xmlns:p="http://schemas.openxmlformats.org/presentationml/2006/main">
-  <p:cSld>
-    <p:spTree>
-      <p:nvGrpSpPr>
-        <p:cNvPr id="1" name=""/>
-        <p:cNvGrpSpPr/>
-        <p:nvPr/>
-      </p:nvGrpSpPr>
-      <p:grpSpPr>
-        <a:xfrm>
-          <a:off x="0" y="0"/>
-          <a:ext cx="0" cy="0"/>
-          <a:chOff x="0" y="0"/>
-          <a:chExt cx="0" cy="0"/>
-        </a:xfrm>
-      </p:grpSpPr>
-      <p:sp>
-        <p:nvSpPr>
-          <p:cNvPr id="2" name="标题 1">
-            <a:extLst>
-              <a:ext uri="{FF2B5EF4-FFF2-40B4-BE49-F238E27FC236}">
-                <a16:creationId xmlns:a16="http://schemas.microsoft.com/office/drawing/2014/main" id="{134BB379-6CAB-4B71-BAFA-3096B06280D0}"/>
-              </a:ext>
-            </a:extLst>
-          </p:cNvPr>
-          <p:cNvSpPr>
-            <a:spLocks noGrp="1"/>
-          </p:cNvSpPr>
-          <p:nvPr>
-            <p:ph type="title"/>
-          </p:nvPr>
-        </p:nvSpPr>
-        <p:spPr/>
-        <p:txBody>
-          <a:bodyPr/>
-          <a:lstStyle/>
-          <a:p>
-            <a:r>
-              <a:rPr lang="zh-CN" altLang="en-US"/>
-              <a:t>课程理念</a:t>
-            </a:r>
-          </a:p>
-        </p:txBody>
-      </p:sp>
-      <p:sp>
-        <p:nvSpPr>
-          <p:cNvPr id="3" name="内容占位符 2">
-            <a:extLst>
-              <a:ext uri="{FF2B5EF4-FFF2-40B4-BE49-F238E27FC236}">
-                <a16:creationId xmlns:a16="http://schemas.microsoft.com/office/drawing/2014/main" id="{BB2FF8DC-DD02-4041-A207-5DF1BD89D475}"/>
-              </a:ext>
-            </a:extLst>
-          </p:cNvPr>
-          <p:cNvSpPr>
-            <a:spLocks noGrp="1"/>
-          </p:cNvSpPr>
-          <p:nvPr>
-            <p:ph idx="1"/>
-          </p:nvPr>
-        </p:nvSpPr>
-        <p:spPr/>
-        <p:txBody>
-          <a:bodyPr>
-            <a:normAutofit/>
-          </a:bodyPr>
-          <a:lstStyle/>
-          <a:p>
-            <a:r>
-              <a:rPr lang="zh-CN" altLang="en-US" sz="2200"/>
-              <a:t>入门性质，求浅求易</a:t>
-            </a:r>
-            <a:endParaRPr lang="en-US" altLang="zh-CN" sz="2200"/>
-          </a:p>
-          <a:p>
-            <a:endParaRPr lang="en-US" altLang="zh-CN" sz="2200"/>
-          </a:p>
-          <a:p>
-            <a:r>
-              <a:rPr lang="zh-CN" altLang="en-US" sz="2200"/>
-              <a:t>重视操作，一半时间上机</a:t>
-            </a:r>
-            <a:endParaRPr lang="en-US" altLang="zh-CN" sz="2200"/>
-          </a:p>
-          <a:p>
-            <a:endParaRPr lang="en-US" altLang="zh-CN" sz="2200"/>
-          </a:p>
-          <a:p>
-            <a:r>
-              <a:rPr lang="zh-CN" altLang="en-US" sz="2200"/>
-              <a:t>点拨理念，处处留个念想</a:t>
-            </a:r>
-            <a:endParaRPr lang="en-US" altLang="zh-CN" sz="2200"/>
-          </a:p>
-        </p:txBody>
-      </p:sp>
-    </p:spTree>
-    <p:extLst>
-      <p:ext uri="{BB962C8B-B14F-4D97-AF65-F5344CB8AC3E}">
-        <p14:creationId xmlns:p14="http://schemas.microsoft.com/office/powerpoint/2010/main" val="1538923167"/>
-      </p:ext>
-    </p:extLst>
-  </p:cSld>
-  <p:clrMapOvr>
-    <a:masterClrMapping/>
-  </p:clrMapOvr>
-</p:sld>
-</file>
-
-<file path=ppt/slides/slide20.xml><?xml version="1.0" encoding="utf-8"?>
-<p:sld xmlns:a="http://schemas.openxmlformats.org/drawingml/2006/main" xmlns:r="http://schemas.openxmlformats.org/officeDocument/2006/relationships" xmlns:p="http://schemas.openxmlformats.org/presentationml/2006/main">
-  <p:cSld>
-    <p:spTree>
-      <p:nvGrpSpPr>
-        <p:cNvPr id="1" name=""/>
-        <p:cNvGrpSpPr/>
-        <p:nvPr/>
-      </p:nvGrpSpPr>
-      <p:grpSpPr>
-        <a:xfrm>
-          <a:off x="0" y="0"/>
-          <a:ext cx="0" cy="0"/>
-          <a:chOff x="0" y="0"/>
-          <a:chExt cx="0" cy="0"/>
-        </a:xfrm>
-      </p:grpSpPr>
-      <p:sp>
-        <p:nvSpPr>
-          <p:cNvPr id="2" name="标题 1">
-            <a:extLst>
-              <a:ext uri="{FF2B5EF4-FFF2-40B4-BE49-F238E27FC236}">
-                <a16:creationId xmlns:a16="http://schemas.microsoft.com/office/drawing/2014/main" id="{0B2D841E-4580-450E-ACD7-2FEA99D565BA}"/>
-              </a:ext>
-            </a:extLst>
-          </p:cNvPr>
-          <p:cNvSpPr>
-            <a:spLocks noGrp="1"/>
-          </p:cNvSpPr>
-          <p:nvPr>
-            <p:ph type="title"/>
-          </p:nvPr>
-        </p:nvSpPr>
-        <p:spPr/>
-        <p:txBody>
-          <a:bodyPr/>
-          <a:lstStyle/>
-          <a:p>
-            <a:r>
-              <a:rPr lang="zh-CN" altLang="en-US"/>
-              <a:t>如何在生物医学背景下学习机器学习？</a:t>
-            </a:r>
-            <a:br>
-              <a:rPr lang="en-US" altLang="zh-CN"/>
-            </a:br>
-            <a:endParaRPr lang="zh-CN" altLang="en-US"/>
-          </a:p>
-        </p:txBody>
-      </p:sp>
-      <p:sp>
-        <p:nvSpPr>
-          <p:cNvPr id="3" name="内容占位符 2">
-            <a:extLst>
-              <a:ext uri="{FF2B5EF4-FFF2-40B4-BE49-F238E27FC236}">
-                <a16:creationId xmlns:a16="http://schemas.microsoft.com/office/drawing/2014/main" id="{1B46607D-99BD-4E35-9FF1-DD98CF081C6D}"/>
-              </a:ext>
-            </a:extLst>
-          </p:cNvPr>
-          <p:cNvSpPr>
-            <a:spLocks noGrp="1"/>
-          </p:cNvSpPr>
-          <p:nvPr>
-            <p:ph idx="1"/>
-          </p:nvPr>
-        </p:nvSpPr>
-        <p:spPr/>
-        <p:txBody>
-          <a:bodyPr>
-            <a:normAutofit fontScale="92500" lnSpcReduction="10000"/>
-          </a:bodyPr>
-          <a:lstStyle/>
-          <a:p>
-            <a:r>
-              <a:rPr lang="zh-CN" altLang="en-US" sz="2400" dirty="0"/>
-              <a:t>高中和本科数学不要丢掉</a:t>
-            </a:r>
-            <a:endParaRPr lang="en-US" altLang="zh-CN" sz="2400" dirty="0"/>
-          </a:p>
-          <a:p>
-            <a:endParaRPr lang="en-US" altLang="zh-CN" sz="2400" dirty="0"/>
-          </a:p>
-          <a:p>
-            <a:r>
-              <a:rPr lang="zh-CN" altLang="en-US" sz="2400" dirty="0"/>
-              <a:t>充分掌握一门编程语言</a:t>
-            </a:r>
-            <a:endParaRPr lang="en-US" altLang="zh-CN" sz="2400" dirty="0"/>
-          </a:p>
-          <a:p>
-            <a:endParaRPr lang="en-US" altLang="zh-CN" sz="2400" dirty="0"/>
-          </a:p>
-          <a:p>
-            <a:r>
-              <a:rPr lang="zh-CN" altLang="en-US" sz="2400" dirty="0"/>
-              <a:t>打好统计学基础</a:t>
-            </a:r>
-            <a:endParaRPr lang="en-US" altLang="zh-CN" sz="2400" dirty="0"/>
-          </a:p>
-          <a:p>
-            <a:endParaRPr lang="en-US" altLang="zh-CN" sz="2400" dirty="0"/>
-          </a:p>
-          <a:p>
-            <a:r>
-              <a:rPr lang="zh-CN" altLang="en-US" sz="2400" dirty="0"/>
-              <a:t>学一点机器学习理念</a:t>
-            </a:r>
-            <a:endParaRPr lang="en-US" altLang="zh-CN" sz="2400" dirty="0"/>
-          </a:p>
-          <a:p>
-            <a:endParaRPr lang="en-US" altLang="zh-CN" sz="2400" dirty="0"/>
-          </a:p>
-          <a:p>
-            <a:r>
-              <a:rPr lang="zh-CN" altLang="en-US" sz="2400" dirty="0"/>
-              <a:t>听说一点</a:t>
-            </a:r>
-            <a:r>
-              <a:rPr lang="en-US" altLang="zh-CN" sz="2400" dirty="0"/>
-              <a:t>AI</a:t>
-            </a:r>
-            <a:r>
-              <a:rPr lang="zh-CN" altLang="en-US" sz="2400" dirty="0"/>
-              <a:t>知识</a:t>
-            </a:r>
-            <a:endParaRPr lang="en-US" altLang="zh-CN" sz="2400" dirty="0"/>
-          </a:p>
-        </p:txBody>
-      </p:sp>
-    </p:spTree>
-    <p:extLst>
-      <p:ext uri="{BB962C8B-B14F-4D97-AF65-F5344CB8AC3E}">
-        <p14:creationId xmlns:p14="http://schemas.microsoft.com/office/powerpoint/2010/main" val="2285253975"/>
-      </p:ext>
-    </p:extLst>
-  </p:cSld>
-  <p:clrMapOvr>
-    <a:masterClrMapping/>
-  </p:clrMapOvr>
-</p:sld>
-</file>
-
-<file path=ppt/slides/slide21.xml><?xml version="1.0" encoding="utf-8"?>
-<p:sld xmlns:a="http://schemas.openxmlformats.org/drawingml/2006/main" xmlns:r="http://schemas.openxmlformats.org/officeDocument/2006/relationships" xmlns:p="http://schemas.openxmlformats.org/presentationml/2006/main">
-  <p:cSld>
-    <p:spTree>
-      <p:nvGrpSpPr>
-        <p:cNvPr id="1" name=""/>
-        <p:cNvGrpSpPr/>
-        <p:nvPr/>
-      </p:nvGrpSpPr>
-      <p:grpSpPr>
-        <a:xfrm>
-          <a:off x="0" y="0"/>
-          <a:ext cx="0" cy="0"/>
-          <a:chOff x="0" y="0"/>
-          <a:chExt cx="0" cy="0"/>
-        </a:xfrm>
-      </p:grpSpPr>
-      <p:sp>
-        <p:nvSpPr>
-          <p:cNvPr id="2" name="标题 1">
-            <a:extLst>
-              <a:ext uri="{FF2B5EF4-FFF2-40B4-BE49-F238E27FC236}">
-                <a16:creationId xmlns:a16="http://schemas.microsoft.com/office/drawing/2014/main" id="{C0EA70B3-CC2A-4091-915D-C290AD8FD7E2}"/>
-              </a:ext>
-            </a:extLst>
-          </p:cNvPr>
-          <p:cNvSpPr>
-            <a:spLocks noGrp="1"/>
-          </p:cNvSpPr>
-          <p:nvPr>
-            <p:ph type="title"/>
-          </p:nvPr>
-        </p:nvSpPr>
-        <p:spPr/>
-        <p:txBody>
-          <a:bodyPr/>
-          <a:lstStyle/>
-          <a:p>
-            <a:r>
-              <a:rPr lang="zh-CN" altLang="en-US" dirty="0"/>
-              <a:t>高中和本科数学不要丢掉</a:t>
-            </a:r>
-            <a:br>
-              <a:rPr lang="en-US" altLang="zh-CN" dirty="0"/>
-            </a:br>
-            <a:endParaRPr lang="zh-CN" altLang="en-US" dirty="0"/>
-          </a:p>
-        </p:txBody>
-      </p:sp>
-      <p:sp>
-        <p:nvSpPr>
-          <p:cNvPr id="3" name="内容占位符 2">
-            <a:extLst>
-              <a:ext uri="{FF2B5EF4-FFF2-40B4-BE49-F238E27FC236}">
-                <a16:creationId xmlns:a16="http://schemas.microsoft.com/office/drawing/2014/main" id="{A4464361-02D4-45B1-9421-83F32233B290}"/>
-              </a:ext>
-            </a:extLst>
-          </p:cNvPr>
-          <p:cNvSpPr>
-            <a:spLocks noGrp="1"/>
-          </p:cNvSpPr>
-          <p:nvPr>
-            <p:ph idx="1"/>
-          </p:nvPr>
-        </p:nvSpPr>
-        <p:spPr/>
-        <p:txBody>
-          <a:bodyPr>
-            <a:normAutofit/>
-          </a:bodyPr>
-          <a:lstStyle/>
-          <a:p>
-            <a:r>
-              <a:rPr lang="zh-CN" altLang="en-US" sz="2400" dirty="0"/>
-              <a:t>高中所有数学知识</a:t>
-            </a:r>
-            <a:endParaRPr lang="en-US" altLang="zh-CN" sz="2400" dirty="0"/>
-          </a:p>
-          <a:p>
-            <a:endParaRPr lang="en-US" altLang="zh-CN" sz="2400" dirty="0"/>
-          </a:p>
-          <a:p>
-            <a:r>
-              <a:rPr lang="zh-CN" altLang="en-US" sz="2400" dirty="0"/>
-              <a:t>微积分</a:t>
-            </a:r>
-            <a:endParaRPr lang="en-US" altLang="zh-CN" sz="2400" dirty="0"/>
-          </a:p>
-          <a:p>
-            <a:endParaRPr lang="en-US" altLang="zh-CN" sz="2400" dirty="0"/>
-          </a:p>
-          <a:p>
-            <a:r>
-              <a:rPr lang="zh-CN" altLang="en-US" sz="2400" dirty="0"/>
-              <a:t>线性代数</a:t>
-            </a:r>
-            <a:endParaRPr lang="en-US" altLang="zh-CN" sz="2400" dirty="0"/>
-          </a:p>
-          <a:p>
-            <a:endParaRPr lang="en-US" altLang="zh-CN" sz="2400" dirty="0"/>
-          </a:p>
-          <a:p>
-            <a:r>
-              <a:rPr lang="zh-CN" altLang="en-US" sz="2400" dirty="0"/>
-              <a:t>概率论</a:t>
-            </a:r>
-            <a:endParaRPr lang="en-US" altLang="zh-CN" sz="2400" dirty="0"/>
-          </a:p>
-        </p:txBody>
-      </p:sp>
-    </p:spTree>
-    <p:extLst>
-      <p:ext uri="{BB962C8B-B14F-4D97-AF65-F5344CB8AC3E}">
-        <p14:creationId xmlns:p14="http://schemas.microsoft.com/office/powerpoint/2010/main" val="1510578151"/>
-      </p:ext>
-    </p:extLst>
-  </p:cSld>
-  <p:clrMapOvr>
-    <a:masterClrMapping/>
-  </p:clrMapOvr>
-</p:sld>
-</file>
-
-<file path=ppt/slides/slide22.xml><?xml version="1.0" encoding="utf-8"?>
-<p:sld xmlns:a="http://schemas.openxmlformats.org/drawingml/2006/main" xmlns:r="http://schemas.openxmlformats.org/officeDocument/2006/relationships" xmlns:p="http://schemas.openxmlformats.org/presentationml/2006/main">
-  <p:cSld>
-    <p:spTree>
-      <p:nvGrpSpPr>
-        <p:cNvPr id="1" name=""/>
-        <p:cNvGrpSpPr/>
-        <p:nvPr/>
-      </p:nvGrpSpPr>
-      <p:grpSpPr>
-        <a:xfrm>
-          <a:off x="0" y="0"/>
-          <a:ext cx="0" cy="0"/>
-          <a:chOff x="0" y="0"/>
-          <a:chExt cx="0" cy="0"/>
-        </a:xfrm>
-      </p:grpSpPr>
-      <p:sp>
-        <p:nvSpPr>
-          <p:cNvPr id="2" name="标题 1">
-            <a:extLst>
-              <a:ext uri="{FF2B5EF4-FFF2-40B4-BE49-F238E27FC236}">
-                <a16:creationId xmlns:a16="http://schemas.microsoft.com/office/drawing/2014/main" id="{21237D1D-45FE-4355-9D72-504DD921ED10}"/>
-              </a:ext>
-            </a:extLst>
-          </p:cNvPr>
-          <p:cNvSpPr>
-            <a:spLocks noGrp="1"/>
-          </p:cNvSpPr>
-          <p:nvPr>
-            <p:ph type="title"/>
-          </p:nvPr>
-        </p:nvSpPr>
-        <p:spPr/>
-        <p:txBody>
-          <a:bodyPr/>
-          <a:lstStyle/>
-          <a:p>
-            <a:r>
-              <a:rPr lang="zh-CN" altLang="en-US" dirty="0"/>
-              <a:t>充分掌握一门编程语言</a:t>
-            </a:r>
-            <a:br>
-              <a:rPr lang="en-US" altLang="zh-CN" dirty="0"/>
-            </a:br>
-            <a:endParaRPr lang="zh-CN" altLang="en-US" dirty="0"/>
-          </a:p>
-        </p:txBody>
-      </p:sp>
-      <p:sp>
-        <p:nvSpPr>
-          <p:cNvPr id="3" name="内容占位符 2">
-            <a:extLst>
-              <a:ext uri="{FF2B5EF4-FFF2-40B4-BE49-F238E27FC236}">
-                <a16:creationId xmlns:a16="http://schemas.microsoft.com/office/drawing/2014/main" id="{8B2BDEEE-16E2-4A7B-A357-543D4D7C8FB1}"/>
-              </a:ext>
-            </a:extLst>
-          </p:cNvPr>
-          <p:cNvSpPr>
-            <a:spLocks noGrp="1"/>
-          </p:cNvSpPr>
-          <p:nvPr>
-            <p:ph idx="1"/>
-          </p:nvPr>
-        </p:nvSpPr>
-        <p:spPr/>
-        <p:txBody>
-          <a:bodyPr/>
-          <a:lstStyle/>
-          <a:p>
-            <a:r>
-              <a:rPr lang="en-US" altLang="zh-CN" sz="2400" dirty="0"/>
-              <a:t>C++		</a:t>
-            </a:r>
-            <a:r>
-              <a:rPr lang="zh-CN" altLang="en-US" sz="2400" dirty="0"/>
-              <a:t>功力上不封顶。据说很难？高中一个月自学完。</a:t>
-            </a:r>
-            <a:endParaRPr lang="en-US" altLang="zh-CN" sz="2400" dirty="0"/>
-          </a:p>
-          <a:p>
-            <a:endParaRPr lang="en-US" altLang="zh-CN" sz="2400" dirty="0"/>
-          </a:p>
-          <a:p>
-            <a:r>
-              <a:rPr lang="en-US" altLang="zh-CN" sz="2400" dirty="0"/>
-              <a:t>Python	</a:t>
-            </a:r>
-            <a:r>
-              <a:rPr lang="zh-CN" altLang="en-US" sz="2400" dirty="0"/>
-              <a:t>前途无量，人工智能主流。让下一代学习？</a:t>
-            </a:r>
-            <a:endParaRPr lang="en-US" altLang="zh-CN" sz="2400" dirty="0"/>
-          </a:p>
-          <a:p>
-            <a:endParaRPr lang="en-US" altLang="zh-CN" sz="2400" dirty="0"/>
-          </a:p>
-          <a:p>
-            <a:r>
-              <a:rPr lang="en-US" altLang="zh-CN" sz="2400" dirty="0"/>
-              <a:t>R		</a:t>
-            </a:r>
-            <a:r>
-              <a:rPr lang="zh-CN" altLang="en-US" sz="2400" dirty="0"/>
-              <a:t>简单有效，论文利器。</a:t>
-            </a:r>
-            <a:r>
-              <a:rPr lang="zh-CN" altLang="en-US" sz="2400" dirty="0">
-                <a:solidFill>
-                  <a:srgbClr val="7030A0"/>
-                </a:solidFill>
-              </a:rPr>
-              <a:t>本课程用</a:t>
-            </a:r>
-            <a:r>
-              <a:rPr lang="en-US" altLang="zh-CN" sz="2400" dirty="0">
-                <a:solidFill>
-                  <a:srgbClr val="7030A0"/>
-                </a:solidFill>
-              </a:rPr>
-              <a:t>R</a:t>
-            </a:r>
-          </a:p>
-          <a:p>
-            <a:endParaRPr lang="en-US" altLang="zh-CN" sz="2400" dirty="0"/>
-          </a:p>
-          <a:p>
-            <a:r>
-              <a:rPr lang="zh-CN" altLang="en-US" sz="2400" dirty="0">
-                <a:solidFill>
-                  <a:srgbClr val="C00000"/>
-                </a:solidFill>
-              </a:rPr>
-              <a:t>关键是要有热情，勤于练习，熟能生巧。</a:t>
-            </a:r>
-            <a:endParaRPr lang="en-US" altLang="zh-CN" sz="2400" dirty="0">
-              <a:solidFill>
-                <a:srgbClr val="C00000"/>
-              </a:solidFill>
-            </a:endParaRPr>
-          </a:p>
-          <a:p>
-            <a:endParaRPr lang="zh-CN" altLang="en-US" dirty="0"/>
-          </a:p>
-        </p:txBody>
-      </p:sp>
-    </p:spTree>
-    <p:extLst>
-      <p:ext uri="{BB962C8B-B14F-4D97-AF65-F5344CB8AC3E}">
-        <p14:creationId xmlns:p14="http://schemas.microsoft.com/office/powerpoint/2010/main" val="2480455858"/>
-      </p:ext>
-    </p:extLst>
-  </p:cSld>
-  <p:clrMapOvr>
-    <a:masterClrMapping/>
-  </p:clrMapOvr>
-</p:sld>
-</file>
-
 <file path=ppt/slides/slide23.xml><?xml version="1.0" encoding="utf-8"?>
 <p:sld xmlns:a="http://schemas.openxmlformats.org/drawingml/2006/main" xmlns:r="http://schemas.openxmlformats.org/officeDocument/2006/relationships" xmlns:p="http://schemas.openxmlformats.org/presentationml/2006/main">
   <p:cSld>
@@ -11187,7 +11298,7 @@
           <p:cNvPr id="2" name="标题 1">
             <a:extLst>
               <a:ext uri="{FF2B5EF4-FFF2-40B4-BE49-F238E27FC236}">
-                <a16:creationId xmlns:a16="http://schemas.microsoft.com/office/drawing/2014/main" id="{A63F677E-DEC1-4734-9579-32C2A99137DB}"/>
+                <a16:creationId xmlns:a16="http://schemas.microsoft.com/office/drawing/2014/main" id="{ED06631D-A66A-42BF-A90E-6B0F8E0128F6}"/>
               </a:ext>
             </a:extLst>
           </p:cNvPr>
@@ -11204,99 +11315,46 @@
           <a:lstStyle/>
           <a:p>
             <a:r>
-              <a:rPr lang="zh-CN" altLang="en-US" dirty="0"/>
-              <a:t>打好统计学基础</a:t>
-            </a:r>
-            <a:br>
-              <a:rPr lang="en-US" altLang="zh-CN" dirty="0"/>
-            </a:br>
-            <a:endParaRPr lang="zh-CN" altLang="en-US" dirty="0"/>
-          </a:p>
-        </p:txBody>
-      </p:sp>
-      <p:sp>
-        <p:nvSpPr>
-          <p:cNvPr id="3" name="内容占位符 2">
+              <a:rPr lang="zh-CN" altLang="en-US"/>
+              <a:t>我的“体用合一”的复合型创新体系</a:t>
+            </a:r>
+          </a:p>
+        </p:txBody>
+      </p:sp>
+      <p:graphicFrame>
+        <p:nvGraphicFramePr>
+          <p:cNvPr id="8" name="内容占位符 5">
             <a:extLst>
               <a:ext uri="{FF2B5EF4-FFF2-40B4-BE49-F238E27FC236}">
-                <a16:creationId xmlns:a16="http://schemas.microsoft.com/office/drawing/2014/main" id="{AE1063DD-9596-437A-A2E6-B26F71636A85}"/>
+                <a16:creationId xmlns:a16="http://schemas.microsoft.com/office/drawing/2014/main" id="{B87133F6-5EFD-469F-87E0-1607C7DFFDEB}"/>
               </a:ext>
             </a:extLst>
           </p:cNvPr>
-          <p:cNvSpPr>
-            <a:spLocks noGrp="1"/>
-          </p:cNvSpPr>
-          <p:nvPr>
-            <p:ph idx="1"/>
-          </p:nvPr>
-        </p:nvSpPr>
-        <p:spPr/>
-        <p:txBody>
-          <a:bodyPr/>
-          <a:lstStyle/>
-          <a:p>
-            <a:r>
-              <a:rPr lang="zh-CN" altLang="en-US" dirty="0"/>
-              <a:t>数理统计</a:t>
-            </a:r>
-            <a:endParaRPr lang="en-US" altLang="zh-CN" dirty="0"/>
-          </a:p>
-          <a:p>
-            <a:r>
-              <a:rPr lang="zh-CN" altLang="en-US" dirty="0"/>
-              <a:t>高等数理统计</a:t>
-            </a:r>
-            <a:endParaRPr lang="en-US" altLang="zh-CN" dirty="0"/>
-          </a:p>
-          <a:p>
-            <a:r>
-              <a:rPr lang="zh-CN" altLang="en-US" dirty="0"/>
-              <a:t>非参统计</a:t>
-            </a:r>
-            <a:endParaRPr lang="en-US" altLang="zh-CN" dirty="0"/>
-          </a:p>
-          <a:p>
-            <a:r>
-              <a:rPr lang="zh-CN" altLang="en-US" dirty="0"/>
-              <a:t>贝叶斯统计</a:t>
-            </a:r>
-            <a:endParaRPr lang="en-US" altLang="zh-CN" dirty="0"/>
-          </a:p>
-          <a:p>
-            <a:r>
-              <a:rPr lang="zh-CN" altLang="en-US" dirty="0"/>
-              <a:t>多元统计</a:t>
-            </a:r>
-            <a:endParaRPr lang="en-US" altLang="zh-CN" dirty="0"/>
-          </a:p>
-          <a:p>
-            <a:endParaRPr lang="en-US" altLang="zh-CN" dirty="0"/>
-          </a:p>
-          <a:p>
-            <a:r>
-              <a:rPr lang="zh-CN" altLang="en-US" sz="2400" dirty="0"/>
-              <a:t>不要怕书单长，回头讲</a:t>
-            </a:r>
-            <a:r>
-              <a:rPr lang="zh-CN" altLang="en-US" sz="2400" dirty="0">
-                <a:solidFill>
-                  <a:srgbClr val="C00000"/>
-                </a:solidFill>
-              </a:rPr>
-              <a:t>读书秘诀</a:t>
-            </a:r>
-            <a:endParaRPr lang="en-US" altLang="zh-CN" sz="2400" dirty="0">
-              <a:solidFill>
-                <a:srgbClr val="C00000"/>
-              </a:solidFill>
-            </a:endParaRPr>
-          </a:p>
-        </p:txBody>
-      </p:sp>
+          <p:cNvGraphicFramePr>
+            <a:graphicFrameLocks/>
+          </p:cNvGraphicFramePr>
+          <p:nvPr>
+            <p:extLst>
+              <p:ext uri="{D42A27DB-BD31-4B8C-83A1-F6EECF244321}">
+                <p14:modId xmlns:p14="http://schemas.microsoft.com/office/powerpoint/2010/main" val="3776366666"/>
+              </p:ext>
+            </p:extLst>
+          </p:nvPr>
+        </p:nvGraphicFramePr>
+        <p:xfrm>
+          <a:off x="1115616" y="1412776"/>
+          <a:ext cx="7848872" cy="5328592"/>
+        </p:xfrm>
+        <a:graphic>
+          <a:graphicData uri="http://schemas.openxmlformats.org/drawingml/2006/diagram">
+            <dgm:relIds xmlns:dgm="http://schemas.openxmlformats.org/drawingml/2006/diagram" xmlns:r="http://schemas.openxmlformats.org/officeDocument/2006/relationships" r:dm="rId2" r:lo="rId3" r:qs="rId4" r:cs="rId5"/>
+          </a:graphicData>
+        </a:graphic>
+      </p:graphicFrame>
     </p:spTree>
     <p:extLst>
       <p:ext uri="{BB962C8B-B14F-4D97-AF65-F5344CB8AC3E}">
-        <p14:creationId xmlns:p14="http://schemas.microsoft.com/office/powerpoint/2010/main" val="2501852700"/>
+        <p14:creationId xmlns:p14="http://schemas.microsoft.com/office/powerpoint/2010/main" val="72266426"/>
       </p:ext>
     </p:extLst>
   </p:cSld>
@@ -11328,7 +11386,7 @@
           <p:cNvPr id="2" name="标题 1">
             <a:extLst>
               <a:ext uri="{FF2B5EF4-FFF2-40B4-BE49-F238E27FC236}">
-                <a16:creationId xmlns:a16="http://schemas.microsoft.com/office/drawing/2014/main" id="{1206EC7E-46D2-4151-AC0D-63D77E5854D5}"/>
+                <a16:creationId xmlns:a16="http://schemas.microsoft.com/office/drawing/2014/main" id="{0B2D841E-4580-450E-ACD7-2FEA99D565BA}"/>
               </a:ext>
             </a:extLst>
           </p:cNvPr>
@@ -11345,9 +11403,13 @@
           <a:lstStyle/>
           <a:p>
             <a:r>
-              <a:rPr lang="zh-CN" altLang="en-US" dirty="0"/>
-              <a:t>学一点机器学习理念</a:t>
-            </a:r>
+              <a:rPr lang="zh-CN" altLang="en-US"/>
+              <a:t>如何在生物医学背景下学习机器学习？</a:t>
+            </a:r>
+            <a:br>
+              <a:rPr lang="en-US" altLang="zh-CN"/>
+            </a:br>
+            <a:endParaRPr lang="zh-CN" altLang="en-US"/>
           </a:p>
         </p:txBody>
       </p:sp>
@@ -11356,7 +11418,7 @@
           <p:cNvPr id="3" name="内容占位符 2">
             <a:extLst>
               <a:ext uri="{FF2B5EF4-FFF2-40B4-BE49-F238E27FC236}">
-                <a16:creationId xmlns:a16="http://schemas.microsoft.com/office/drawing/2014/main" id="{0401BEBA-B101-460C-82E1-ABFFAB17EC3D}"/>
+                <a16:creationId xmlns:a16="http://schemas.microsoft.com/office/drawing/2014/main" id="{1B46607D-99BD-4E35-9FF1-DD98CF081C6D}"/>
               </a:ext>
             </a:extLst>
           </p:cNvPr>
@@ -11370,51 +11432,70 @@
         <p:spPr/>
         <p:txBody>
           <a:bodyPr>
-            <a:normAutofit/>
+            <a:normAutofit fontScale="92500" lnSpcReduction="10000"/>
           </a:bodyPr>
           <a:lstStyle/>
           <a:p>
             <a:r>
-              <a:rPr lang="zh-CN" altLang="en-US" sz="2800" dirty="0"/>
-              <a:t>各种有监督机器学习方法都要有初步了解</a:t>
-            </a:r>
-            <a:endParaRPr lang="en-US" altLang="zh-CN" sz="2800" dirty="0"/>
-          </a:p>
-          <a:p>
-            <a:endParaRPr lang="en-US" altLang="zh-CN" sz="2800" dirty="0"/>
-          </a:p>
-          <a:p>
-            <a:r>
-              <a:rPr lang="zh-CN" altLang="en-US" sz="2800" dirty="0"/>
-              <a:t>无监督学习方法要掌握</a:t>
-            </a:r>
-            <a:endParaRPr lang="en-US" altLang="zh-CN" sz="2800" dirty="0"/>
-          </a:p>
-          <a:p>
-            <a:endParaRPr lang="en-US" altLang="zh-CN" sz="2800" dirty="0"/>
-          </a:p>
-          <a:p>
-            <a:r>
-              <a:rPr lang="zh-CN" altLang="en-US" sz="2800" dirty="0"/>
-              <a:t>正则化方面的知识要掌握</a:t>
-            </a:r>
-            <a:endParaRPr lang="en-US" altLang="zh-CN" sz="2800" dirty="0"/>
-          </a:p>
-          <a:p>
-            <a:endParaRPr lang="en-US" altLang="zh-CN" sz="2800" dirty="0"/>
-          </a:p>
-          <a:p>
-            <a:r>
-              <a:rPr lang="zh-CN" altLang="en-US" sz="2800" dirty="0"/>
-              <a:t>模型选择等方面的知识要懂一点</a:t>
-            </a:r>
+              <a:rPr lang="zh-CN" altLang="en-US" sz="2400" dirty="0"/>
+              <a:t>高中和本科数学不要丢掉</a:t>
+            </a:r>
+            <a:endParaRPr lang="en-US" altLang="zh-CN" sz="2400" dirty="0"/>
+          </a:p>
+          <a:p>
+            <a:endParaRPr lang="en-US" altLang="zh-CN" sz="2400" dirty="0"/>
+          </a:p>
+          <a:p>
+            <a:r>
+              <a:rPr lang="zh-CN" altLang="en-US" sz="2400" dirty="0"/>
+              <a:t>充分掌握一门编程语言</a:t>
+            </a:r>
+            <a:endParaRPr lang="en-US" altLang="zh-CN" sz="2400" dirty="0"/>
+          </a:p>
+          <a:p>
+            <a:endParaRPr lang="en-US" altLang="zh-CN" sz="2400" dirty="0"/>
+          </a:p>
+          <a:p>
+            <a:r>
+              <a:rPr lang="zh-CN" altLang="en-US" sz="2400" dirty="0"/>
+              <a:t>打好统计学基础</a:t>
+            </a:r>
+            <a:endParaRPr lang="en-US" altLang="zh-CN" sz="2400" dirty="0"/>
+          </a:p>
+          <a:p>
+            <a:endParaRPr lang="en-US" altLang="zh-CN" sz="2400" dirty="0"/>
+          </a:p>
+          <a:p>
+            <a:r>
+              <a:rPr lang="zh-CN" altLang="en-US" sz="2400" dirty="0"/>
+              <a:t>学一点机器学习理念</a:t>
+            </a:r>
+            <a:endParaRPr lang="en-US" altLang="zh-CN" sz="2400" dirty="0"/>
+          </a:p>
+          <a:p>
+            <a:endParaRPr lang="en-US" altLang="zh-CN" sz="2400" dirty="0"/>
+          </a:p>
+          <a:p>
+            <a:r>
+              <a:rPr lang="zh-CN" altLang="en-US" sz="2400" dirty="0"/>
+              <a:t>听说一点</a:t>
+            </a:r>
+            <a:r>
+              <a:rPr lang="en-US" altLang="zh-CN" sz="2400" dirty="0"/>
+              <a:t>AI</a:t>
+            </a:r>
+            <a:r>
+              <a:rPr lang="zh-CN" altLang="en-US" sz="2400" dirty="0"/>
+              <a:t>知识</a:t>
+            </a:r>
+            <a:endParaRPr lang="en-US" altLang="zh-CN" sz="2400" dirty="0"/>
           </a:p>
         </p:txBody>
       </p:sp>
     </p:spTree>
     <p:extLst>
       <p:ext uri="{BB962C8B-B14F-4D97-AF65-F5344CB8AC3E}">
-        <p14:creationId xmlns:p14="http://schemas.microsoft.com/office/powerpoint/2010/main" val="2640417175"/>
+        <p14:creationId xmlns:p14="http://schemas.microsoft.com/office/powerpoint/2010/main" val="2285253975"/>
       </p:ext>
     </p:extLst>
   </p:cSld>
@@ -11446,7 +11527,7 @@
           <p:cNvPr id="2" name="标题 1">
             <a:extLst>
               <a:ext uri="{FF2B5EF4-FFF2-40B4-BE49-F238E27FC236}">
-                <a16:creationId xmlns:a16="http://schemas.microsoft.com/office/drawing/2014/main" id="{9BAB32AB-8014-4594-8BE9-6C5EAC8C96B3}"/>
+                <a16:creationId xmlns:a16="http://schemas.microsoft.com/office/drawing/2014/main" id="{C0EA70B3-CC2A-4091-915D-C290AD8FD7E2}"/>
               </a:ext>
             </a:extLst>
           </p:cNvPr>
@@ -11464,15 +11545,7 @@
           <a:p>
             <a:r>
               <a:rPr lang="zh-CN" altLang="en-US" dirty="0"/>
-              <a:t>听说一点</a:t>
-            </a:r>
-            <a:r>
-              <a:rPr lang="en-US" altLang="zh-CN" dirty="0"/>
-              <a:t>AI</a:t>
-            </a:r>
-            <a:r>
-              <a:rPr lang="zh-CN" altLang="en-US" dirty="0"/>
-              <a:t>知识</a:t>
+              <a:t>高中和本科数学不要丢掉</a:t>
             </a:r>
             <a:br>
               <a:rPr lang="en-US" altLang="zh-CN" dirty="0"/>
@@ -11486,7 +11559,7 @@
           <p:cNvPr id="3" name="内容占位符 2">
             <a:extLst>
               <a:ext uri="{FF2B5EF4-FFF2-40B4-BE49-F238E27FC236}">
-                <a16:creationId xmlns:a16="http://schemas.microsoft.com/office/drawing/2014/main" id="{C6D1DA84-B93D-49B5-B131-27D353922381}"/>
+                <a16:creationId xmlns:a16="http://schemas.microsoft.com/office/drawing/2014/main" id="{A4464361-02D4-45B1-9421-83F32233B290}"/>
               </a:ext>
             </a:extLst>
           </p:cNvPr>
@@ -11506,15 +11579,17 @@
           <a:p>
             <a:r>
               <a:rPr lang="zh-CN" altLang="en-US" sz="2400" dirty="0"/>
-              <a:t>要知道国内外</a:t>
-            </a:r>
-            <a:r>
-              <a:rPr lang="en-US" altLang="zh-CN" sz="2400" dirty="0"/>
-              <a:t>AI</a:t>
-            </a:r>
+              <a:t>高中所有数学知识</a:t>
+            </a:r>
+            <a:endParaRPr lang="en-US" altLang="zh-CN" sz="2400" dirty="0"/>
+          </a:p>
+          <a:p>
+            <a:endParaRPr lang="en-US" altLang="zh-CN" sz="2400" dirty="0"/>
+          </a:p>
+          <a:p>
             <a:r>
               <a:rPr lang="zh-CN" altLang="en-US" sz="2400" dirty="0"/>
-              <a:t>的最新进展。公众号，知乎等。</a:t>
+              <a:t>微积分</a:t>
             </a:r>
             <a:endParaRPr lang="en-US" altLang="zh-CN" sz="2400" dirty="0"/>
           </a:p>
@@ -11524,7 +11599,7 @@
           <a:p>
             <a:r>
               <a:rPr lang="zh-CN" altLang="en-US" sz="2400" dirty="0"/>
-              <a:t>对深度神经网络基础要掌握</a:t>
+              <a:t>线性代数</a:t>
             </a:r>
             <a:endParaRPr lang="en-US" altLang="zh-CN" sz="2400" dirty="0"/>
           </a:p>
@@ -11534,17 +11609,7 @@
           <a:p>
             <a:r>
               <a:rPr lang="zh-CN" altLang="en-US" sz="2400" dirty="0"/>
-              <a:t>对各种变种神经网络要听说过</a:t>
-            </a:r>
-            <a:endParaRPr lang="en-US" altLang="zh-CN" sz="2400" dirty="0"/>
-          </a:p>
-          <a:p>
-            <a:endParaRPr lang="en-US" altLang="zh-CN" sz="2400" dirty="0"/>
-          </a:p>
-          <a:p>
-            <a:r>
-              <a:rPr lang="zh-CN" altLang="en-US" sz="2400" dirty="0"/>
-              <a:t>有兴趣参加一些比赛</a:t>
+              <a:t>概率论</a:t>
             </a:r>
             <a:endParaRPr lang="en-US" altLang="zh-CN" sz="2400" dirty="0"/>
           </a:p>
@@ -11553,7 +11618,7 @@
     </p:spTree>
     <p:extLst>
       <p:ext uri="{BB962C8B-B14F-4D97-AF65-F5344CB8AC3E}">
-        <p14:creationId xmlns:p14="http://schemas.microsoft.com/office/powerpoint/2010/main" val="3225138635"/>
+        <p14:creationId xmlns:p14="http://schemas.microsoft.com/office/powerpoint/2010/main" val="1510578151"/>
       </p:ext>
     </p:extLst>
   </p:cSld>
@@ -11585,7 +11650,7 @@
           <p:cNvPr id="2" name="标题 1">
             <a:extLst>
               <a:ext uri="{FF2B5EF4-FFF2-40B4-BE49-F238E27FC236}">
-                <a16:creationId xmlns:a16="http://schemas.microsoft.com/office/drawing/2014/main" id="{EC016F85-E27F-4294-9D5B-3B188C1A4E16}"/>
+                <a16:creationId xmlns:a16="http://schemas.microsoft.com/office/drawing/2014/main" id="{21237D1D-45FE-4355-9D72-504DD921ED10}"/>
               </a:ext>
             </a:extLst>
           </p:cNvPr>
@@ -11603,140 +11668,116 @@
           <a:p>
             <a:r>
               <a:rPr lang="zh-CN" altLang="en-US" dirty="0"/>
-              <a:t>读书秘诀：</a:t>
-            </a:r>
-            <a:r>
-              <a:rPr lang="zh-CN" altLang="en-US" dirty="0">
+              <a:t>充分掌握一门编程语言</a:t>
+            </a:r>
+            <a:br>
+              <a:rPr lang="en-US" altLang="zh-CN" dirty="0"/>
+            </a:br>
+            <a:endParaRPr lang="zh-CN" altLang="en-US" dirty="0"/>
+          </a:p>
+        </p:txBody>
+      </p:sp>
+      <p:sp>
+        <p:nvSpPr>
+          <p:cNvPr id="3" name="内容占位符 2">
+            <a:extLst>
+              <a:ext uri="{FF2B5EF4-FFF2-40B4-BE49-F238E27FC236}">
+                <a16:creationId xmlns:a16="http://schemas.microsoft.com/office/drawing/2014/main" id="{8B2BDEEE-16E2-4A7B-A357-543D4D7C8FB1}"/>
+              </a:ext>
+            </a:extLst>
+          </p:cNvPr>
+          <p:cNvSpPr>
+            <a:spLocks noGrp="1"/>
+          </p:cNvSpPr>
+          <p:nvPr>
+            <p:ph idx="1"/>
+          </p:nvPr>
+        </p:nvSpPr>
+        <p:spPr/>
+        <p:txBody>
+          <a:bodyPr/>
+          <a:lstStyle/>
+          <a:p>
+            <a:r>
+              <a:rPr lang="en-US" altLang="zh-CN" sz="2400" dirty="0"/>
+              <a:t>C++		</a:t>
+            </a:r>
+            <a:r>
+              <a:rPr lang="zh-CN" altLang="en-US" sz="2400" dirty="0"/>
+              <a:t>功力上不封顶。据说很难？高中一个月自学完。</a:t>
+            </a:r>
+            <a:endParaRPr lang="en-US" altLang="zh-CN" sz="2400" dirty="0"/>
+          </a:p>
+          <a:p>
+            <a:endParaRPr lang="en-US" altLang="zh-CN" sz="2400" dirty="0"/>
+          </a:p>
+          <a:p>
+            <a:r>
+              <a:rPr lang="en-US" altLang="zh-CN" sz="2400" dirty="0"/>
+              <a:t>Python	</a:t>
+            </a:r>
+            <a:r>
+              <a:rPr lang="zh-CN" altLang="en-US" sz="2400" dirty="0"/>
+              <a:t>前途无量，人工智能主流。让下一代学习？</a:t>
+            </a:r>
+            <a:endParaRPr lang="en-US" altLang="zh-CN" sz="2400" dirty="0"/>
+          </a:p>
+          <a:p>
+            <a:endParaRPr lang="en-US" altLang="zh-CN" sz="2400" dirty="0"/>
+          </a:p>
+          <a:p>
+            <a:r>
+              <a:rPr lang="en-US" altLang="zh-CN" sz="2400" dirty="0"/>
+              <a:t>R		</a:t>
+            </a:r>
+            <a:r>
+              <a:rPr lang="zh-CN" altLang="en-US" sz="2400" dirty="0"/>
+              <a:t>简单有效，论文利器。</a:t>
+            </a:r>
+            <a:r>
+              <a:rPr lang="zh-CN" altLang="en-US" sz="2400" dirty="0">
                 <a:solidFill>
                   <a:srgbClr val="7030A0"/>
                 </a:solidFill>
               </a:rPr>
-              <a:t>观其大略</a:t>
-            </a:r>
-          </a:p>
-        </p:txBody>
-      </p:sp>
-      <p:sp>
-        <p:nvSpPr>
-          <p:cNvPr id="3" name="内容占位符 2">
-            <a:extLst>
-              <a:ext uri="{FF2B5EF4-FFF2-40B4-BE49-F238E27FC236}">
-                <a16:creationId xmlns:a16="http://schemas.microsoft.com/office/drawing/2014/main" id="{1D781D69-C5F5-4403-BCF2-337CCC14975F}"/>
-              </a:ext>
-            </a:extLst>
-          </p:cNvPr>
-          <p:cNvSpPr>
-            <a:spLocks noGrp="1"/>
-          </p:cNvSpPr>
-          <p:nvPr>
-            <p:ph idx="1"/>
-          </p:nvPr>
-        </p:nvSpPr>
-        <p:spPr>
-          <a:xfrm>
-            <a:off x="677334" y="1753299"/>
-            <a:ext cx="8596668" cy="4924338"/>
-          </a:xfrm>
-        </p:spPr>
-        <p:txBody>
-          <a:bodyPr>
-            <a:normAutofit/>
-          </a:bodyPr>
-          <a:lstStyle/>
+              <a:t>本课程用</a:t>
+            </a:r>
+            <a:r>
+              <a:rPr lang="en-US" altLang="zh-CN" sz="2400" dirty="0">
+                <a:solidFill>
+                  <a:srgbClr val="7030A0"/>
+                </a:solidFill>
+              </a:rPr>
+              <a:t>R</a:t>
+            </a:r>
+          </a:p>
+          <a:p>
+            <a:endParaRPr lang="en-US" altLang="zh-CN" sz="2400" dirty="0"/>
+          </a:p>
           <a:p>
             <a:r>
               <a:rPr lang="zh-CN" altLang="en-US" sz="2400" dirty="0">
                 <a:solidFill>
-                  <a:schemeClr val="tx1"/>
+                  <a:srgbClr val="C00000"/>
                 </a:solidFill>
               </a:rPr>
-              <a:t>快速通读，看不懂的地方跳过去，以后慢慢会懂。</a:t>
+              <a:t>关键是要有热情，勤于练习，熟能生巧。</a:t>
             </a:r>
             <a:endParaRPr lang="en-US" altLang="zh-CN" sz="2400" dirty="0">
               <a:solidFill>
-                <a:schemeClr val="tx1"/>
+                <a:srgbClr val="C00000"/>
               </a:solidFill>
             </a:endParaRPr>
           </a:p>
           <a:p>
-            <a:endParaRPr lang="en-US" altLang="zh-CN" sz="2400" dirty="0">
-              <a:solidFill>
-                <a:schemeClr val="tx1"/>
-              </a:solidFill>
-            </a:endParaRPr>
-          </a:p>
-          <a:p>
-            <a:r>
-              <a:rPr lang="zh-CN" altLang="en-US" sz="2400" dirty="0">
-                <a:solidFill>
-                  <a:schemeClr val="tx1"/>
-                </a:solidFill>
-              </a:rPr>
-              <a:t>搞明白“输入输出”就算大体掌握了知识，不用拆开黑箱。</a:t>
-            </a:r>
-            <a:endParaRPr lang="en-US" altLang="zh-CN" sz="2400" dirty="0">
-              <a:solidFill>
-                <a:schemeClr val="tx1"/>
-              </a:solidFill>
-            </a:endParaRPr>
-          </a:p>
-          <a:p>
-            <a:endParaRPr lang="en-US" altLang="zh-CN" sz="2400" dirty="0">
-              <a:solidFill>
-                <a:schemeClr val="tx1"/>
-              </a:solidFill>
-            </a:endParaRPr>
-          </a:p>
-          <a:p>
-            <a:r>
-              <a:rPr lang="zh-CN" altLang="en-US" sz="2400" dirty="0">
-                <a:solidFill>
-                  <a:schemeClr val="tx1"/>
-                </a:solidFill>
-              </a:rPr>
-              <a:t>处处留个念想。知其有，而不知其所以然。</a:t>
-            </a:r>
-            <a:endParaRPr lang="en-US" altLang="zh-CN" sz="2400" dirty="0">
-              <a:solidFill>
-                <a:schemeClr val="tx1"/>
-              </a:solidFill>
-            </a:endParaRPr>
-          </a:p>
-          <a:p>
-            <a:endParaRPr lang="en-US" altLang="zh-CN" sz="2400" dirty="0">
-              <a:solidFill>
-                <a:schemeClr val="tx1"/>
-              </a:solidFill>
-            </a:endParaRPr>
-          </a:p>
-          <a:p>
-            <a:r>
-              <a:rPr lang="zh-CN" altLang="en-US" sz="2400" dirty="0">
-                <a:solidFill>
-                  <a:schemeClr val="tx1"/>
-                </a:solidFill>
-              </a:rPr>
-              <a:t>跳出具体细节来问：这个作者到底想说明什么？</a:t>
-            </a:r>
-            <a:endParaRPr lang="en-US" altLang="zh-CN" sz="2400" dirty="0">
-              <a:solidFill>
-                <a:schemeClr val="tx1"/>
-              </a:solidFill>
-            </a:endParaRPr>
-          </a:p>
-          <a:p>
-            <a:endParaRPr lang="en-US" altLang="zh-CN" sz="2400" dirty="0">
-              <a:solidFill>
-                <a:schemeClr val="tx1"/>
-              </a:solidFill>
-            </a:endParaRPr>
+            <a:endParaRPr lang="zh-CN" altLang="en-US" dirty="0"/>
           </a:p>
         </p:txBody>
       </p:sp>
     </p:spTree>
     <p:extLst>
       <p:ext uri="{BB962C8B-B14F-4D97-AF65-F5344CB8AC3E}">
-        <p14:creationId xmlns:p14="http://schemas.microsoft.com/office/powerpoint/2010/main" val="1358427789"/>
+        <p14:creationId xmlns:p14="http://schemas.microsoft.com/office/powerpoint/2010/main" val="2480455858"/>
       </p:ext>
     </p:extLst>
   </p:cSld>
@@ -11768,7 +11809,7 @@
           <p:cNvPr id="2" name="标题 1">
             <a:extLst>
               <a:ext uri="{FF2B5EF4-FFF2-40B4-BE49-F238E27FC236}">
-                <a16:creationId xmlns:a16="http://schemas.microsoft.com/office/drawing/2014/main" id="{CFFC9EA7-2D9D-47A7-BADC-7B3881578C7E}"/>
+                <a16:creationId xmlns:a16="http://schemas.microsoft.com/office/drawing/2014/main" id="{A63F677E-DEC1-4734-9579-32C2A99137DB}"/>
               </a:ext>
             </a:extLst>
           </p:cNvPr>
@@ -11786,16 +11827,12 @@
           <a:p>
             <a:r>
               <a:rPr lang="zh-CN" altLang="en-US" dirty="0"/>
-              <a:t>读书秘诀：</a:t>
-            </a:r>
-            <a:r>
-              <a:rPr lang="zh-CN" altLang="en-US" dirty="0">
-                <a:solidFill>
-                  <a:srgbClr val="7030A0"/>
-                </a:solidFill>
-              </a:rPr>
-              <a:t>实践出真知</a:t>
-            </a:r>
+              <a:t>打好统计学基础</a:t>
+            </a:r>
+            <a:br>
+              <a:rPr lang="en-US" altLang="zh-CN" dirty="0"/>
+            </a:br>
+            <a:endParaRPr lang="zh-CN" altLang="en-US" dirty="0"/>
           </a:p>
         </p:txBody>
       </p:sp>
@@ -11804,7 +11841,7 @@
           <p:cNvPr id="3" name="内容占位符 2">
             <a:extLst>
               <a:ext uri="{FF2B5EF4-FFF2-40B4-BE49-F238E27FC236}">
-                <a16:creationId xmlns:a16="http://schemas.microsoft.com/office/drawing/2014/main" id="{03DA1B90-908E-4691-A637-60A23A7A8087}"/>
+                <a16:creationId xmlns:a16="http://schemas.microsoft.com/office/drawing/2014/main" id="{AE1063DD-9596-437A-A2E6-B26F71636A85}"/>
               </a:ext>
             </a:extLst>
           </p:cNvPr>
@@ -11817,132 +11854,71 @@
         </p:nvSpPr>
         <p:spPr/>
         <p:txBody>
-          <a:bodyPr>
-            <a:normAutofit lnSpcReduction="10000"/>
-          </a:bodyPr>
+          <a:bodyPr/>
           <a:lstStyle/>
           <a:p>
             <a:r>
-              <a:rPr lang="zh-CN" altLang="en-US" sz="2200" dirty="0">
+              <a:rPr lang="zh-CN" altLang="en-US" dirty="0"/>
+              <a:t>数理统计</a:t>
+            </a:r>
+            <a:endParaRPr lang="en-US" altLang="zh-CN" dirty="0"/>
+          </a:p>
+          <a:p>
+            <a:r>
+              <a:rPr lang="zh-CN" altLang="en-US" dirty="0"/>
+              <a:t>高等数理统计</a:t>
+            </a:r>
+            <a:endParaRPr lang="en-US" altLang="zh-CN" dirty="0"/>
+          </a:p>
+          <a:p>
+            <a:r>
+              <a:rPr lang="zh-CN" altLang="en-US" dirty="0"/>
+              <a:t>非参统计</a:t>
+            </a:r>
+            <a:endParaRPr lang="en-US" altLang="zh-CN" dirty="0"/>
+          </a:p>
+          <a:p>
+            <a:r>
+              <a:rPr lang="zh-CN" altLang="en-US" dirty="0"/>
+              <a:t>贝叶斯统计</a:t>
+            </a:r>
+            <a:endParaRPr lang="en-US" altLang="zh-CN" dirty="0"/>
+          </a:p>
+          <a:p>
+            <a:r>
+              <a:rPr lang="zh-CN" altLang="en-US" dirty="0"/>
+              <a:t>多元统计</a:t>
+            </a:r>
+            <a:endParaRPr lang="en-US" altLang="zh-CN" dirty="0"/>
+          </a:p>
+          <a:p>
+            <a:endParaRPr lang="en-US" altLang="zh-CN" dirty="0"/>
+          </a:p>
+          <a:p>
+            <a:r>
+              <a:rPr lang="zh-CN" altLang="en-US" sz="2400" dirty="0"/>
+              <a:t>不要怕书单长，回头讲</a:t>
+            </a:r>
+            <a:r>
+              <a:rPr lang="zh-CN" altLang="en-US" sz="2400" dirty="0">
                 <a:solidFill>
-                  <a:schemeClr val="tx1"/>
+                  <a:srgbClr val="C00000"/>
                 </a:solidFill>
               </a:rPr>
-              <a:t>高中式念书的好日子到头了。</a:t>
-            </a:r>
-            <a:endParaRPr lang="en-US" altLang="zh-CN" sz="2200" dirty="0">
+              <a:t>读书秘诀</a:t>
+            </a:r>
+            <a:endParaRPr lang="en-US" altLang="zh-CN" sz="2400" dirty="0">
               <a:solidFill>
-                <a:schemeClr val="tx1"/>
+                <a:srgbClr val="C00000"/>
               </a:solidFill>
             </a:endParaRPr>
-          </a:p>
-          <a:p>
-            <a:endParaRPr lang="en-US" altLang="zh-CN" sz="2200" dirty="0">
-              <a:solidFill>
-                <a:schemeClr val="tx1"/>
-              </a:solidFill>
-            </a:endParaRPr>
-          </a:p>
-          <a:p>
-            <a:r>
-              <a:rPr lang="zh-CN" altLang="en-US" sz="2200" dirty="0">
-                <a:solidFill>
-                  <a:schemeClr val="tx1"/>
-                </a:solidFill>
-              </a:rPr>
-              <a:t>通过实践可以让你看懂以前看不懂的书本知识。</a:t>
-            </a:r>
-            <a:endParaRPr lang="en-US" altLang="zh-CN" sz="2200" dirty="0">
-              <a:solidFill>
-                <a:schemeClr val="tx1"/>
-              </a:solidFill>
-            </a:endParaRPr>
-          </a:p>
-          <a:p>
-            <a:endParaRPr lang="en-US" altLang="zh-CN" sz="2200" dirty="0">
-              <a:solidFill>
-                <a:schemeClr val="tx1"/>
-              </a:solidFill>
-            </a:endParaRPr>
-          </a:p>
-          <a:p>
-            <a:r>
-              <a:rPr lang="zh-CN" altLang="en-US" sz="2200" dirty="0">
-                <a:solidFill>
-                  <a:schemeClr val="tx1"/>
-                </a:solidFill>
-              </a:rPr>
-              <a:t>实践可以让你熟练掌握复杂技能。</a:t>
-            </a:r>
-            <a:endParaRPr lang="en-US" altLang="zh-CN" sz="2200" dirty="0">
-              <a:solidFill>
-                <a:schemeClr val="tx1"/>
-              </a:solidFill>
-            </a:endParaRPr>
-          </a:p>
-          <a:p>
-            <a:endParaRPr lang="en-US" altLang="zh-CN" sz="2200" dirty="0">
-              <a:solidFill>
-                <a:schemeClr val="tx1"/>
-              </a:solidFill>
-            </a:endParaRPr>
-          </a:p>
-          <a:p>
-            <a:r>
-              <a:rPr lang="zh-CN" altLang="en-US" sz="2200" dirty="0">
-                <a:solidFill>
-                  <a:schemeClr val="tx1"/>
-                </a:solidFill>
-              </a:rPr>
-              <a:t>未来的知识一半来自自己实践。</a:t>
-            </a:r>
-            <a:endParaRPr lang="en-US" altLang="zh-CN" sz="2200" dirty="0">
-              <a:solidFill>
-                <a:schemeClr val="tx1"/>
-              </a:solidFill>
-            </a:endParaRPr>
-          </a:p>
-          <a:p>
-            <a:pPr marL="0" indent="0">
-              <a:buNone/>
-            </a:pPr>
-            <a:endParaRPr lang="en-US" altLang="zh-CN" sz="2200" dirty="0">
-              <a:solidFill>
-                <a:schemeClr val="tx1"/>
-              </a:solidFill>
-            </a:endParaRPr>
-          </a:p>
-          <a:p>
-            <a:r>
-              <a:rPr lang="zh-CN" altLang="en-US" sz="2200" dirty="0">
-                <a:solidFill>
-                  <a:schemeClr val="tx1"/>
-                </a:solidFill>
-              </a:rPr>
-              <a:t>实践创造新知识。</a:t>
-            </a:r>
-            <a:endParaRPr lang="en-US" altLang="zh-CN" sz="2200" dirty="0">
-              <a:solidFill>
-                <a:schemeClr val="tx1"/>
-              </a:solidFill>
-            </a:endParaRPr>
-          </a:p>
-          <a:p>
-            <a:endParaRPr lang="en-US" altLang="zh-CN" sz="2400" dirty="0">
-              <a:solidFill>
-                <a:schemeClr val="tx1"/>
-              </a:solidFill>
-            </a:endParaRPr>
-          </a:p>
-          <a:p>
-            <a:endParaRPr lang="zh-CN" altLang="en-US" dirty="0"/>
           </a:p>
         </p:txBody>
       </p:sp>
     </p:spTree>
     <p:extLst>
       <p:ext uri="{BB962C8B-B14F-4D97-AF65-F5344CB8AC3E}">
-        <p14:creationId xmlns:p14="http://schemas.microsoft.com/office/powerpoint/2010/main" val="2827453516"/>
+        <p14:creationId xmlns:p14="http://schemas.microsoft.com/office/powerpoint/2010/main" val="2501852700"/>
       </p:ext>
     </p:extLst>
   </p:cSld>
@@ -11974,7 +11950,7 @@
           <p:cNvPr id="2" name="标题 1">
             <a:extLst>
               <a:ext uri="{FF2B5EF4-FFF2-40B4-BE49-F238E27FC236}">
-                <a16:creationId xmlns:a16="http://schemas.microsoft.com/office/drawing/2014/main" id="{477CCDF1-8637-4D71-92C6-82C9CA025F9C}"/>
+                <a16:creationId xmlns:a16="http://schemas.microsoft.com/office/drawing/2014/main" id="{1206EC7E-46D2-4151-AC0D-63D77E5854D5}"/>
               </a:ext>
             </a:extLst>
           </p:cNvPr>
@@ -11992,15 +11968,7 @@
           <a:p>
             <a:r>
               <a:rPr lang="zh-CN" altLang="en-US" dirty="0"/>
-              <a:t>读书秘诀：</a:t>
-            </a:r>
-            <a:r>
-              <a:rPr lang="zh-CN" altLang="en-US" dirty="0">
-                <a:solidFill>
-                  <a:srgbClr val="7030A0"/>
-                </a:solidFill>
-              </a:rPr>
-              <a:t>勇于创新</a:t>
+              <a:t>学一点机器学习理念</a:t>
             </a:r>
           </a:p>
         </p:txBody>
@@ -12010,7 +11978,7 @@
           <p:cNvPr id="3" name="内容占位符 2">
             <a:extLst>
               <a:ext uri="{FF2B5EF4-FFF2-40B4-BE49-F238E27FC236}">
-                <a16:creationId xmlns:a16="http://schemas.microsoft.com/office/drawing/2014/main" id="{AC5D2744-F04F-47A2-AF19-2DB9998C8074}"/>
+                <a16:creationId xmlns:a16="http://schemas.microsoft.com/office/drawing/2014/main" id="{0401BEBA-B101-460C-82E1-ABFFAB17EC3D}"/>
               </a:ext>
             </a:extLst>
           </p:cNvPr>
@@ -12023,73 +11991,52 @@
         </p:nvSpPr>
         <p:spPr/>
         <p:txBody>
-          <a:bodyPr/>
+          <a:bodyPr>
+            <a:normAutofit/>
+          </a:bodyPr>
           <a:lstStyle/>
           <a:p>
             <a:r>
-              <a:rPr lang="zh-CN" altLang="en-US" sz="2200" dirty="0">
-                <a:solidFill>
-                  <a:srgbClr val="C00000"/>
-                </a:solidFill>
-              </a:rPr>
-              <a:t>课本上的每一句话，你只要用全心去“格”，都是可以被扩展的，甚至可能颠覆。</a:t>
-            </a:r>
-            <a:endParaRPr lang="en-US" altLang="zh-CN" sz="2200" dirty="0">
-              <a:solidFill>
-                <a:srgbClr val="C00000"/>
-              </a:solidFill>
-            </a:endParaRPr>
-          </a:p>
-          <a:p>
-            <a:endParaRPr lang="en-US" altLang="zh-CN" sz="2200" dirty="0">
-              <a:solidFill>
-                <a:schemeClr val="tx1"/>
-              </a:solidFill>
-            </a:endParaRPr>
-          </a:p>
-          <a:p>
-            <a:r>
-              <a:rPr lang="en-US" altLang="zh-CN" sz="2200" dirty="0">
-                <a:solidFill>
-                  <a:schemeClr val="tx1"/>
-                </a:solidFill>
-              </a:rPr>
-              <a:t>PCA =&gt;Structural PCA</a:t>
-            </a:r>
-          </a:p>
-          <a:p>
-            <a:endParaRPr lang="en-US" altLang="zh-CN" sz="2200" dirty="0">
-              <a:solidFill>
-                <a:schemeClr val="tx1"/>
-              </a:solidFill>
-            </a:endParaRPr>
-          </a:p>
-          <a:p>
-            <a:r>
-              <a:rPr lang="en-US" altLang="zh-CN" sz="2200" dirty="0">
-                <a:solidFill>
-                  <a:schemeClr val="tx1"/>
-                </a:solidFill>
-              </a:rPr>
-              <a:t>2X2 Fisher‘s Exact Test =&gt; 2X2X2 Fisher‘s Exact Test</a:t>
-            </a:r>
-          </a:p>
-          <a:p>
-            <a:endParaRPr lang="zh-CN" altLang="en-US" sz="2200" dirty="0">
-              <a:solidFill>
-                <a:schemeClr val="tx1"/>
-              </a:solidFill>
-            </a:endParaRPr>
-          </a:p>
-          <a:p>
-            <a:endParaRPr lang="zh-CN" altLang="en-US" dirty="0"/>
+              <a:rPr lang="zh-CN" altLang="en-US" sz="2800" dirty="0"/>
+              <a:t>各种有监督机器学习方法都要有初步了解</a:t>
+            </a:r>
+            <a:endParaRPr lang="en-US" altLang="zh-CN" sz="2800" dirty="0"/>
+          </a:p>
+          <a:p>
+            <a:endParaRPr lang="en-US" altLang="zh-CN" sz="2800" dirty="0"/>
+          </a:p>
+          <a:p>
+            <a:r>
+              <a:rPr lang="zh-CN" altLang="en-US" sz="2800" dirty="0"/>
+              <a:t>无监督学习方法要掌握</a:t>
+            </a:r>
+            <a:endParaRPr lang="en-US" altLang="zh-CN" sz="2800" dirty="0"/>
+          </a:p>
+          <a:p>
+            <a:endParaRPr lang="en-US" altLang="zh-CN" sz="2800" dirty="0"/>
+          </a:p>
+          <a:p>
+            <a:r>
+              <a:rPr lang="zh-CN" altLang="en-US" sz="2800" dirty="0"/>
+              <a:t>正则化方面的知识要掌握</a:t>
+            </a:r>
+            <a:endParaRPr lang="en-US" altLang="zh-CN" sz="2800" dirty="0"/>
+          </a:p>
+          <a:p>
+            <a:endParaRPr lang="en-US" altLang="zh-CN" sz="2800" dirty="0"/>
+          </a:p>
+          <a:p>
+            <a:r>
+              <a:rPr lang="zh-CN" altLang="en-US" sz="2800" dirty="0"/>
+              <a:t>模型选择等方面的知识要懂一点</a:t>
+            </a:r>
           </a:p>
         </p:txBody>
       </p:sp>
     </p:spTree>
     <p:extLst>
       <p:ext uri="{BB962C8B-B14F-4D97-AF65-F5344CB8AC3E}">
-        <p14:creationId xmlns:p14="http://schemas.microsoft.com/office/powerpoint/2010/main" val="204503139"/>
+        <p14:creationId xmlns:p14="http://schemas.microsoft.com/office/powerpoint/2010/main" val="2640417175"/>
       </p:ext>
     </p:extLst>
   </p:cSld>
@@ -12121,7 +12068,7 @@
           <p:cNvPr id="2" name="标题 1">
             <a:extLst>
               <a:ext uri="{FF2B5EF4-FFF2-40B4-BE49-F238E27FC236}">
-                <a16:creationId xmlns:a16="http://schemas.microsoft.com/office/drawing/2014/main" id="{EA89C7A7-6BB3-44EE-9C29-A5F64F95FDC9}"/>
+                <a16:creationId xmlns:a16="http://schemas.microsoft.com/office/drawing/2014/main" id="{9BAB32AB-8014-4594-8BE9-6C5EAC8C96B3}"/>
               </a:ext>
             </a:extLst>
           </p:cNvPr>
@@ -12139,8 +12086,20 @@
           <a:p>
             <a:r>
               <a:rPr lang="zh-CN" altLang="en-US" dirty="0"/>
-              <a:t>提问时间</a:t>
-            </a:r>
+              <a:t>听说一点</a:t>
+            </a:r>
+            <a:r>
+              <a:rPr lang="en-US" altLang="zh-CN" dirty="0"/>
+              <a:t>AI</a:t>
+            </a:r>
+            <a:r>
+              <a:rPr lang="zh-CN" altLang="en-US" dirty="0"/>
+              <a:t>知识</a:t>
+            </a:r>
+            <a:br>
+              <a:rPr lang="en-US" altLang="zh-CN" dirty="0"/>
+            </a:br>
+            <a:endParaRPr lang="zh-CN" altLang="en-US" dirty="0"/>
           </a:p>
         </p:txBody>
       </p:sp>
@@ -12149,7 +12108,7 @@
           <p:cNvPr id="3" name="内容占位符 2">
             <a:extLst>
               <a:ext uri="{FF2B5EF4-FFF2-40B4-BE49-F238E27FC236}">
-                <a16:creationId xmlns:a16="http://schemas.microsoft.com/office/drawing/2014/main" id="{503F7857-4DE7-47C8-9794-5307A118E69D}"/>
+                <a16:creationId xmlns:a16="http://schemas.microsoft.com/office/drawing/2014/main" id="{C6D1DA84-B93D-49B5-B131-27D353922381}"/>
               </a:ext>
             </a:extLst>
           </p:cNvPr>
@@ -12162,17 +12121,61 @@
         </p:nvSpPr>
         <p:spPr/>
         <p:txBody>
-          <a:bodyPr/>
+          <a:bodyPr>
+            <a:normAutofit/>
+          </a:bodyPr>
           <a:lstStyle/>
           <a:p>
-            <a:endParaRPr lang="zh-CN" altLang="en-US" dirty="0"/>
+            <a:r>
+              <a:rPr lang="zh-CN" altLang="en-US" sz="2400" dirty="0"/>
+              <a:t>要知道国内外</a:t>
+            </a:r>
+            <a:r>
+              <a:rPr lang="en-US" altLang="zh-CN" sz="2400" dirty="0"/>
+              <a:t>AI</a:t>
+            </a:r>
+            <a:r>
+              <a:rPr lang="zh-CN" altLang="en-US" sz="2400" dirty="0"/>
+              <a:t>的最新进展。公众号，知乎等。</a:t>
+            </a:r>
+            <a:endParaRPr lang="en-US" altLang="zh-CN" sz="2400" dirty="0"/>
+          </a:p>
+          <a:p>
+            <a:endParaRPr lang="en-US" altLang="zh-CN" sz="2400" dirty="0"/>
+          </a:p>
+          <a:p>
+            <a:r>
+              <a:rPr lang="zh-CN" altLang="en-US" sz="2400" dirty="0"/>
+              <a:t>对深度神经网络基础要掌握</a:t>
+            </a:r>
+            <a:endParaRPr lang="en-US" altLang="zh-CN" sz="2400" dirty="0"/>
+          </a:p>
+          <a:p>
+            <a:endParaRPr lang="en-US" altLang="zh-CN" sz="2400" dirty="0"/>
+          </a:p>
+          <a:p>
+            <a:r>
+              <a:rPr lang="zh-CN" altLang="en-US" sz="2400" dirty="0"/>
+              <a:t>对各种变种神经网络要听说过</a:t>
+            </a:r>
+            <a:endParaRPr lang="en-US" altLang="zh-CN" sz="2400" dirty="0"/>
+          </a:p>
+          <a:p>
+            <a:endParaRPr lang="en-US" altLang="zh-CN" sz="2400" dirty="0"/>
+          </a:p>
+          <a:p>
+            <a:r>
+              <a:rPr lang="zh-CN" altLang="en-US" sz="2400" dirty="0"/>
+              <a:t>有兴趣参加一些比赛</a:t>
+            </a:r>
+            <a:endParaRPr lang="en-US" altLang="zh-CN" sz="2400" dirty="0"/>
           </a:p>
         </p:txBody>
       </p:sp>
     </p:spTree>
     <p:extLst>
       <p:ext uri="{BB962C8B-B14F-4D97-AF65-F5344CB8AC3E}">
-        <p14:creationId xmlns:p14="http://schemas.microsoft.com/office/powerpoint/2010/main" val="4142327869"/>
+        <p14:creationId xmlns:p14="http://schemas.microsoft.com/office/powerpoint/2010/main" val="3225138635"/>
       </p:ext>
     </p:extLst>
   </p:cSld>
@@ -12284,9 +12287,14 @@
               <a:t>课堂活跃：</a:t>
             </a:r>
             <a:r>
-              <a:rPr lang="en-US" altLang="zh-CN" sz="2200" dirty="0"/>
+              <a:rPr lang="en-US" altLang="zh-CN" sz="2200"/>
               <a:t>20%</a:t>
             </a:r>
+            <a:r>
+              <a:rPr lang="zh-CN" altLang="en-US" sz="2200"/>
+              <a:t>，有一次提问即得分</a:t>
+            </a:r>
+            <a:endParaRPr lang="en-US" altLang="zh-CN" sz="2200" dirty="0"/>
           </a:p>
           <a:p>
             <a:pPr lvl="1"/>
@@ -12309,6 +12317,625 @@
     <p:extLst>
       <p:ext uri="{BB962C8B-B14F-4D97-AF65-F5344CB8AC3E}">
         <p14:creationId xmlns:p14="http://schemas.microsoft.com/office/powerpoint/2010/main" val="2006941573"/>
+      </p:ext>
+    </p:extLst>
+  </p:cSld>
+  <p:clrMapOvr>
+    <a:masterClrMapping/>
+  </p:clrMapOvr>
+</p:sld>
+</file>
+
+<file path=ppt/slides/slide30.xml><?xml version="1.0" encoding="utf-8"?>
+<p:sld xmlns:a="http://schemas.openxmlformats.org/drawingml/2006/main" xmlns:r="http://schemas.openxmlformats.org/officeDocument/2006/relationships" xmlns:p="http://schemas.openxmlformats.org/presentationml/2006/main">
+  <p:cSld>
+    <p:spTree>
+      <p:nvGrpSpPr>
+        <p:cNvPr id="1" name=""/>
+        <p:cNvGrpSpPr/>
+        <p:nvPr/>
+      </p:nvGrpSpPr>
+      <p:grpSpPr>
+        <a:xfrm>
+          <a:off x="0" y="0"/>
+          <a:ext cx="0" cy="0"/>
+          <a:chOff x="0" y="0"/>
+          <a:chExt cx="0" cy="0"/>
+        </a:xfrm>
+      </p:grpSpPr>
+      <p:sp>
+        <p:nvSpPr>
+          <p:cNvPr id="2" name="标题 1">
+            <a:extLst>
+              <a:ext uri="{FF2B5EF4-FFF2-40B4-BE49-F238E27FC236}">
+                <a16:creationId xmlns:a16="http://schemas.microsoft.com/office/drawing/2014/main" id="{EC016F85-E27F-4294-9D5B-3B188C1A4E16}"/>
+              </a:ext>
+            </a:extLst>
+          </p:cNvPr>
+          <p:cNvSpPr>
+            <a:spLocks noGrp="1"/>
+          </p:cNvSpPr>
+          <p:nvPr>
+            <p:ph type="title"/>
+          </p:nvPr>
+        </p:nvSpPr>
+        <p:spPr/>
+        <p:txBody>
+          <a:bodyPr/>
+          <a:lstStyle/>
+          <a:p>
+            <a:r>
+              <a:rPr lang="zh-CN" altLang="en-US" dirty="0"/>
+              <a:t>读书秘诀：</a:t>
+            </a:r>
+            <a:r>
+              <a:rPr lang="zh-CN" altLang="en-US" dirty="0">
+                <a:solidFill>
+                  <a:srgbClr val="7030A0"/>
+                </a:solidFill>
+              </a:rPr>
+              <a:t>观其大略</a:t>
+            </a:r>
+          </a:p>
+        </p:txBody>
+      </p:sp>
+      <p:sp>
+        <p:nvSpPr>
+          <p:cNvPr id="3" name="内容占位符 2">
+            <a:extLst>
+              <a:ext uri="{FF2B5EF4-FFF2-40B4-BE49-F238E27FC236}">
+                <a16:creationId xmlns:a16="http://schemas.microsoft.com/office/drawing/2014/main" id="{1D781D69-C5F5-4403-BCF2-337CCC14975F}"/>
+              </a:ext>
+            </a:extLst>
+          </p:cNvPr>
+          <p:cNvSpPr>
+            <a:spLocks noGrp="1"/>
+          </p:cNvSpPr>
+          <p:nvPr>
+            <p:ph idx="1"/>
+          </p:nvPr>
+        </p:nvSpPr>
+        <p:spPr>
+          <a:xfrm>
+            <a:off x="677334" y="1753299"/>
+            <a:ext cx="8596668" cy="4924338"/>
+          </a:xfrm>
+        </p:spPr>
+        <p:txBody>
+          <a:bodyPr>
+            <a:normAutofit/>
+          </a:bodyPr>
+          <a:lstStyle/>
+          <a:p>
+            <a:r>
+              <a:rPr lang="zh-CN" altLang="en-US" sz="2400" dirty="0">
+                <a:solidFill>
+                  <a:schemeClr val="tx1"/>
+                </a:solidFill>
+              </a:rPr>
+              <a:t>快速通读，看不懂的地方跳过去，以后慢慢会懂。</a:t>
+            </a:r>
+            <a:endParaRPr lang="en-US" altLang="zh-CN" sz="2400" dirty="0">
+              <a:solidFill>
+                <a:schemeClr val="tx1"/>
+              </a:solidFill>
+            </a:endParaRPr>
+          </a:p>
+          <a:p>
+            <a:endParaRPr lang="en-US" altLang="zh-CN" sz="2400" dirty="0">
+              <a:solidFill>
+                <a:schemeClr val="tx1"/>
+              </a:solidFill>
+            </a:endParaRPr>
+          </a:p>
+          <a:p>
+            <a:r>
+              <a:rPr lang="zh-CN" altLang="en-US" sz="2400" dirty="0">
+                <a:solidFill>
+                  <a:schemeClr val="tx1"/>
+                </a:solidFill>
+              </a:rPr>
+              <a:t>搞明白“输入输出”就算大体掌握了知识，不用拆开黑箱。</a:t>
+            </a:r>
+            <a:endParaRPr lang="en-US" altLang="zh-CN" sz="2400" dirty="0">
+              <a:solidFill>
+                <a:schemeClr val="tx1"/>
+              </a:solidFill>
+            </a:endParaRPr>
+          </a:p>
+          <a:p>
+            <a:endParaRPr lang="en-US" altLang="zh-CN" sz="2400" dirty="0">
+              <a:solidFill>
+                <a:schemeClr val="tx1"/>
+              </a:solidFill>
+            </a:endParaRPr>
+          </a:p>
+          <a:p>
+            <a:r>
+              <a:rPr lang="zh-CN" altLang="en-US" sz="2400" dirty="0">
+                <a:solidFill>
+                  <a:schemeClr val="tx1"/>
+                </a:solidFill>
+              </a:rPr>
+              <a:t>处处留个念想。知其有，而不知其所以然。</a:t>
+            </a:r>
+            <a:endParaRPr lang="en-US" altLang="zh-CN" sz="2400" dirty="0">
+              <a:solidFill>
+                <a:schemeClr val="tx1"/>
+              </a:solidFill>
+            </a:endParaRPr>
+          </a:p>
+          <a:p>
+            <a:endParaRPr lang="en-US" altLang="zh-CN" sz="2400" dirty="0">
+              <a:solidFill>
+                <a:schemeClr val="tx1"/>
+              </a:solidFill>
+            </a:endParaRPr>
+          </a:p>
+          <a:p>
+            <a:r>
+              <a:rPr lang="zh-CN" altLang="en-US" sz="2400" dirty="0">
+                <a:solidFill>
+                  <a:schemeClr val="tx1"/>
+                </a:solidFill>
+              </a:rPr>
+              <a:t>跳出具体细节来问：这个作者到底想说明什么？</a:t>
+            </a:r>
+            <a:endParaRPr lang="en-US" altLang="zh-CN" sz="2400" dirty="0">
+              <a:solidFill>
+                <a:schemeClr val="tx1"/>
+              </a:solidFill>
+            </a:endParaRPr>
+          </a:p>
+          <a:p>
+            <a:endParaRPr lang="en-US" altLang="zh-CN" sz="2400" dirty="0">
+              <a:solidFill>
+                <a:schemeClr val="tx1"/>
+              </a:solidFill>
+            </a:endParaRPr>
+          </a:p>
+        </p:txBody>
+      </p:sp>
+    </p:spTree>
+    <p:extLst>
+      <p:ext uri="{BB962C8B-B14F-4D97-AF65-F5344CB8AC3E}">
+        <p14:creationId xmlns:p14="http://schemas.microsoft.com/office/powerpoint/2010/main" val="1358427789"/>
+      </p:ext>
+    </p:extLst>
+  </p:cSld>
+  <p:clrMapOvr>
+    <a:masterClrMapping/>
+  </p:clrMapOvr>
+</p:sld>
+</file>
+
+<file path=ppt/slides/slide31.xml><?xml version="1.0" encoding="utf-8"?>
+<p:sld xmlns:a="http://schemas.openxmlformats.org/drawingml/2006/main" xmlns:r="http://schemas.openxmlformats.org/officeDocument/2006/relationships" xmlns:p="http://schemas.openxmlformats.org/presentationml/2006/main">
+  <p:cSld>
+    <p:spTree>
+      <p:nvGrpSpPr>
+        <p:cNvPr id="1" name=""/>
+        <p:cNvGrpSpPr/>
+        <p:nvPr/>
+      </p:nvGrpSpPr>
+      <p:grpSpPr>
+        <a:xfrm>
+          <a:off x="0" y="0"/>
+          <a:ext cx="0" cy="0"/>
+          <a:chOff x="0" y="0"/>
+          <a:chExt cx="0" cy="0"/>
+        </a:xfrm>
+      </p:grpSpPr>
+      <p:sp>
+        <p:nvSpPr>
+          <p:cNvPr id="2" name="标题 1">
+            <a:extLst>
+              <a:ext uri="{FF2B5EF4-FFF2-40B4-BE49-F238E27FC236}">
+                <a16:creationId xmlns:a16="http://schemas.microsoft.com/office/drawing/2014/main" id="{CFFC9EA7-2D9D-47A7-BADC-7B3881578C7E}"/>
+              </a:ext>
+            </a:extLst>
+          </p:cNvPr>
+          <p:cNvSpPr>
+            <a:spLocks noGrp="1"/>
+          </p:cNvSpPr>
+          <p:nvPr>
+            <p:ph type="title"/>
+          </p:nvPr>
+        </p:nvSpPr>
+        <p:spPr/>
+        <p:txBody>
+          <a:bodyPr/>
+          <a:lstStyle/>
+          <a:p>
+            <a:r>
+              <a:rPr lang="zh-CN" altLang="en-US" dirty="0"/>
+              <a:t>读书秘诀：</a:t>
+            </a:r>
+            <a:r>
+              <a:rPr lang="zh-CN" altLang="en-US" dirty="0">
+                <a:solidFill>
+                  <a:srgbClr val="7030A0"/>
+                </a:solidFill>
+              </a:rPr>
+              <a:t>实践出真知</a:t>
+            </a:r>
+          </a:p>
+        </p:txBody>
+      </p:sp>
+      <p:sp>
+        <p:nvSpPr>
+          <p:cNvPr id="3" name="内容占位符 2">
+            <a:extLst>
+              <a:ext uri="{FF2B5EF4-FFF2-40B4-BE49-F238E27FC236}">
+                <a16:creationId xmlns:a16="http://schemas.microsoft.com/office/drawing/2014/main" id="{03DA1B90-908E-4691-A637-60A23A7A8087}"/>
+              </a:ext>
+            </a:extLst>
+          </p:cNvPr>
+          <p:cNvSpPr>
+            <a:spLocks noGrp="1"/>
+          </p:cNvSpPr>
+          <p:nvPr>
+            <p:ph idx="1"/>
+          </p:nvPr>
+        </p:nvSpPr>
+        <p:spPr/>
+        <p:txBody>
+          <a:bodyPr>
+            <a:normAutofit lnSpcReduction="10000"/>
+          </a:bodyPr>
+          <a:lstStyle/>
+          <a:p>
+            <a:r>
+              <a:rPr lang="zh-CN" altLang="en-US" sz="2200" dirty="0">
+                <a:solidFill>
+                  <a:schemeClr val="tx1"/>
+                </a:solidFill>
+              </a:rPr>
+              <a:t>高中式念书的好日子到头了。</a:t>
+            </a:r>
+            <a:endParaRPr lang="en-US" altLang="zh-CN" sz="2200" dirty="0">
+              <a:solidFill>
+                <a:schemeClr val="tx1"/>
+              </a:solidFill>
+            </a:endParaRPr>
+          </a:p>
+          <a:p>
+            <a:endParaRPr lang="en-US" altLang="zh-CN" sz="2200" dirty="0">
+              <a:solidFill>
+                <a:schemeClr val="tx1"/>
+              </a:solidFill>
+            </a:endParaRPr>
+          </a:p>
+          <a:p>
+            <a:r>
+              <a:rPr lang="zh-CN" altLang="en-US" sz="2200" dirty="0">
+                <a:solidFill>
+                  <a:schemeClr val="tx1"/>
+                </a:solidFill>
+              </a:rPr>
+              <a:t>通过实践可以让你看懂以前看不懂的书本知识。</a:t>
+            </a:r>
+            <a:endParaRPr lang="en-US" altLang="zh-CN" sz="2200" dirty="0">
+              <a:solidFill>
+                <a:schemeClr val="tx1"/>
+              </a:solidFill>
+            </a:endParaRPr>
+          </a:p>
+          <a:p>
+            <a:endParaRPr lang="en-US" altLang="zh-CN" sz="2200" dirty="0">
+              <a:solidFill>
+                <a:schemeClr val="tx1"/>
+              </a:solidFill>
+            </a:endParaRPr>
+          </a:p>
+          <a:p>
+            <a:r>
+              <a:rPr lang="zh-CN" altLang="en-US" sz="2200" dirty="0">
+                <a:solidFill>
+                  <a:schemeClr val="tx1"/>
+                </a:solidFill>
+              </a:rPr>
+              <a:t>实践可以让你熟练掌握复杂技能。</a:t>
+            </a:r>
+            <a:endParaRPr lang="en-US" altLang="zh-CN" sz="2200" dirty="0">
+              <a:solidFill>
+                <a:schemeClr val="tx1"/>
+              </a:solidFill>
+            </a:endParaRPr>
+          </a:p>
+          <a:p>
+            <a:endParaRPr lang="en-US" altLang="zh-CN" sz="2200" dirty="0">
+              <a:solidFill>
+                <a:schemeClr val="tx1"/>
+              </a:solidFill>
+            </a:endParaRPr>
+          </a:p>
+          <a:p>
+            <a:r>
+              <a:rPr lang="zh-CN" altLang="en-US" sz="2200" dirty="0">
+                <a:solidFill>
+                  <a:schemeClr val="tx1"/>
+                </a:solidFill>
+              </a:rPr>
+              <a:t>未来的知识一半来自自己实践。</a:t>
+            </a:r>
+            <a:endParaRPr lang="en-US" altLang="zh-CN" sz="2200" dirty="0">
+              <a:solidFill>
+                <a:schemeClr val="tx1"/>
+              </a:solidFill>
+            </a:endParaRPr>
+          </a:p>
+          <a:p>
+            <a:pPr marL="0" indent="0">
+              <a:buNone/>
+            </a:pPr>
+            <a:endParaRPr lang="en-US" altLang="zh-CN" sz="2200" dirty="0">
+              <a:solidFill>
+                <a:schemeClr val="tx1"/>
+              </a:solidFill>
+            </a:endParaRPr>
+          </a:p>
+          <a:p>
+            <a:r>
+              <a:rPr lang="zh-CN" altLang="en-US" sz="2200" dirty="0">
+                <a:solidFill>
+                  <a:schemeClr val="tx1"/>
+                </a:solidFill>
+              </a:rPr>
+              <a:t>实践创造新知识。</a:t>
+            </a:r>
+            <a:endParaRPr lang="en-US" altLang="zh-CN" sz="2200" dirty="0">
+              <a:solidFill>
+                <a:schemeClr val="tx1"/>
+              </a:solidFill>
+            </a:endParaRPr>
+          </a:p>
+          <a:p>
+            <a:endParaRPr lang="en-US" altLang="zh-CN" sz="2400" dirty="0">
+              <a:solidFill>
+                <a:schemeClr val="tx1"/>
+              </a:solidFill>
+            </a:endParaRPr>
+          </a:p>
+          <a:p>
+            <a:endParaRPr lang="zh-CN" altLang="en-US" dirty="0"/>
+          </a:p>
+        </p:txBody>
+      </p:sp>
+    </p:spTree>
+    <p:extLst>
+      <p:ext uri="{BB962C8B-B14F-4D97-AF65-F5344CB8AC3E}">
+        <p14:creationId xmlns:p14="http://schemas.microsoft.com/office/powerpoint/2010/main" val="2827453516"/>
+      </p:ext>
+    </p:extLst>
+  </p:cSld>
+  <p:clrMapOvr>
+    <a:masterClrMapping/>
+  </p:clrMapOvr>
+</p:sld>
+</file>
+
+<file path=ppt/slides/slide32.xml><?xml version="1.0" encoding="utf-8"?>
+<p:sld xmlns:a="http://schemas.openxmlformats.org/drawingml/2006/main" xmlns:r="http://schemas.openxmlformats.org/officeDocument/2006/relationships" xmlns:p="http://schemas.openxmlformats.org/presentationml/2006/main">
+  <p:cSld>
+    <p:spTree>
+      <p:nvGrpSpPr>
+        <p:cNvPr id="1" name=""/>
+        <p:cNvGrpSpPr/>
+        <p:nvPr/>
+      </p:nvGrpSpPr>
+      <p:grpSpPr>
+        <a:xfrm>
+          <a:off x="0" y="0"/>
+          <a:ext cx="0" cy="0"/>
+          <a:chOff x="0" y="0"/>
+          <a:chExt cx="0" cy="0"/>
+        </a:xfrm>
+      </p:grpSpPr>
+      <p:sp>
+        <p:nvSpPr>
+          <p:cNvPr id="2" name="标题 1">
+            <a:extLst>
+              <a:ext uri="{FF2B5EF4-FFF2-40B4-BE49-F238E27FC236}">
+                <a16:creationId xmlns:a16="http://schemas.microsoft.com/office/drawing/2014/main" id="{477CCDF1-8637-4D71-92C6-82C9CA025F9C}"/>
+              </a:ext>
+            </a:extLst>
+          </p:cNvPr>
+          <p:cNvSpPr>
+            <a:spLocks noGrp="1"/>
+          </p:cNvSpPr>
+          <p:nvPr>
+            <p:ph type="title"/>
+          </p:nvPr>
+        </p:nvSpPr>
+        <p:spPr/>
+        <p:txBody>
+          <a:bodyPr/>
+          <a:lstStyle/>
+          <a:p>
+            <a:r>
+              <a:rPr lang="zh-CN" altLang="en-US" dirty="0"/>
+              <a:t>读书秘诀：</a:t>
+            </a:r>
+            <a:r>
+              <a:rPr lang="zh-CN" altLang="en-US" dirty="0">
+                <a:solidFill>
+                  <a:srgbClr val="7030A0"/>
+                </a:solidFill>
+              </a:rPr>
+              <a:t>勇于创新</a:t>
+            </a:r>
+          </a:p>
+        </p:txBody>
+      </p:sp>
+      <p:sp>
+        <p:nvSpPr>
+          <p:cNvPr id="3" name="内容占位符 2">
+            <a:extLst>
+              <a:ext uri="{FF2B5EF4-FFF2-40B4-BE49-F238E27FC236}">
+                <a16:creationId xmlns:a16="http://schemas.microsoft.com/office/drawing/2014/main" id="{AC5D2744-F04F-47A2-AF19-2DB9998C8074}"/>
+              </a:ext>
+            </a:extLst>
+          </p:cNvPr>
+          <p:cNvSpPr>
+            <a:spLocks noGrp="1"/>
+          </p:cNvSpPr>
+          <p:nvPr>
+            <p:ph idx="1"/>
+          </p:nvPr>
+        </p:nvSpPr>
+        <p:spPr/>
+        <p:txBody>
+          <a:bodyPr/>
+          <a:lstStyle/>
+          <a:p>
+            <a:r>
+              <a:rPr lang="zh-CN" altLang="en-US" sz="2200" dirty="0">
+                <a:solidFill>
+                  <a:srgbClr val="C00000"/>
+                </a:solidFill>
+              </a:rPr>
+              <a:t>课本上的每一句话，你只要用全心去“格”，都是可以被扩展的，甚至可能颠覆。</a:t>
+            </a:r>
+            <a:endParaRPr lang="en-US" altLang="zh-CN" sz="2200" dirty="0">
+              <a:solidFill>
+                <a:srgbClr val="C00000"/>
+              </a:solidFill>
+            </a:endParaRPr>
+          </a:p>
+          <a:p>
+            <a:endParaRPr lang="en-US" altLang="zh-CN" sz="2200" dirty="0">
+              <a:solidFill>
+                <a:schemeClr val="tx1"/>
+              </a:solidFill>
+            </a:endParaRPr>
+          </a:p>
+          <a:p>
+            <a:r>
+              <a:rPr lang="en-US" altLang="zh-CN" sz="2200" dirty="0">
+                <a:solidFill>
+                  <a:schemeClr val="tx1"/>
+                </a:solidFill>
+              </a:rPr>
+              <a:t>PCA =&gt;Structural PCA</a:t>
+            </a:r>
+          </a:p>
+          <a:p>
+            <a:endParaRPr lang="en-US" altLang="zh-CN" sz="2200" dirty="0">
+              <a:solidFill>
+                <a:schemeClr val="tx1"/>
+              </a:solidFill>
+            </a:endParaRPr>
+          </a:p>
+          <a:p>
+            <a:r>
+              <a:rPr lang="en-US" altLang="zh-CN" sz="2200" dirty="0">
+                <a:solidFill>
+                  <a:schemeClr val="tx1"/>
+                </a:solidFill>
+              </a:rPr>
+              <a:t>2X2 Fisher‘s Exact Test =&gt; 2X2X2 Fisher‘s Exact Test</a:t>
+            </a:r>
+          </a:p>
+          <a:p>
+            <a:endParaRPr lang="zh-CN" altLang="en-US" sz="2200" dirty="0">
+              <a:solidFill>
+                <a:schemeClr val="tx1"/>
+              </a:solidFill>
+            </a:endParaRPr>
+          </a:p>
+          <a:p>
+            <a:endParaRPr lang="zh-CN" altLang="en-US" dirty="0"/>
+          </a:p>
+        </p:txBody>
+      </p:sp>
+    </p:spTree>
+    <p:extLst>
+      <p:ext uri="{BB962C8B-B14F-4D97-AF65-F5344CB8AC3E}">
+        <p14:creationId xmlns:p14="http://schemas.microsoft.com/office/powerpoint/2010/main" val="204503139"/>
+      </p:ext>
+    </p:extLst>
+  </p:cSld>
+  <p:clrMapOvr>
+    <a:masterClrMapping/>
+  </p:clrMapOvr>
+</p:sld>
+</file>
+
+<file path=ppt/slides/slide33.xml><?xml version="1.0" encoding="utf-8"?>
+<p:sld xmlns:a="http://schemas.openxmlformats.org/drawingml/2006/main" xmlns:r="http://schemas.openxmlformats.org/officeDocument/2006/relationships" xmlns:p="http://schemas.openxmlformats.org/presentationml/2006/main">
+  <p:cSld>
+    <p:spTree>
+      <p:nvGrpSpPr>
+        <p:cNvPr id="1" name=""/>
+        <p:cNvGrpSpPr/>
+        <p:nvPr/>
+      </p:nvGrpSpPr>
+      <p:grpSpPr>
+        <a:xfrm>
+          <a:off x="0" y="0"/>
+          <a:ext cx="0" cy="0"/>
+          <a:chOff x="0" y="0"/>
+          <a:chExt cx="0" cy="0"/>
+        </a:xfrm>
+      </p:grpSpPr>
+      <p:sp>
+        <p:nvSpPr>
+          <p:cNvPr id="2" name="标题 1">
+            <a:extLst>
+              <a:ext uri="{FF2B5EF4-FFF2-40B4-BE49-F238E27FC236}">
+                <a16:creationId xmlns:a16="http://schemas.microsoft.com/office/drawing/2014/main" id="{EA89C7A7-6BB3-44EE-9C29-A5F64F95FDC9}"/>
+              </a:ext>
+            </a:extLst>
+          </p:cNvPr>
+          <p:cNvSpPr>
+            <a:spLocks noGrp="1"/>
+          </p:cNvSpPr>
+          <p:nvPr>
+            <p:ph type="title"/>
+          </p:nvPr>
+        </p:nvSpPr>
+        <p:spPr/>
+        <p:txBody>
+          <a:bodyPr/>
+          <a:lstStyle/>
+          <a:p>
+            <a:r>
+              <a:rPr lang="zh-CN" altLang="en-US" dirty="0"/>
+              <a:t>提问时间</a:t>
+            </a:r>
+          </a:p>
+        </p:txBody>
+      </p:sp>
+      <p:sp>
+        <p:nvSpPr>
+          <p:cNvPr id="3" name="内容占位符 2">
+            <a:extLst>
+              <a:ext uri="{FF2B5EF4-FFF2-40B4-BE49-F238E27FC236}">
+                <a16:creationId xmlns:a16="http://schemas.microsoft.com/office/drawing/2014/main" id="{503F7857-4DE7-47C8-9794-5307A118E69D}"/>
+              </a:ext>
+            </a:extLst>
+          </p:cNvPr>
+          <p:cNvSpPr>
+            <a:spLocks noGrp="1"/>
+          </p:cNvSpPr>
+          <p:nvPr>
+            <p:ph idx="1"/>
+          </p:nvPr>
+        </p:nvSpPr>
+        <p:spPr/>
+        <p:txBody>
+          <a:bodyPr/>
+          <a:lstStyle/>
+          <a:p>
+            <a:endParaRPr lang="zh-CN" altLang="en-US" dirty="0"/>
+          </a:p>
+        </p:txBody>
+      </p:sp>
+    </p:spTree>
+    <p:extLst>
+      <p:ext uri="{BB962C8B-B14F-4D97-AF65-F5344CB8AC3E}">
+        <p14:creationId xmlns:p14="http://schemas.microsoft.com/office/powerpoint/2010/main" val="4142327869"/>
       </p:ext>
     </p:extLst>
   </p:cSld>
@@ -12420,6 +13047,9 @@
               <a:rPr lang="zh-CN" altLang="en-US" sz="2200"/>
               <a:t>王一</a:t>
             </a:r>
+          </a:p>
+          <a:p>
+            <a:endParaRPr lang="en-US" altLang="zh-CN" sz="2200"/>
           </a:p>
         </p:txBody>
       </p:sp>
@@ -12458,7 +13088,7 @@
           <p:cNvPr id="2" name="标题 1">
             <a:extLst>
               <a:ext uri="{FF2B5EF4-FFF2-40B4-BE49-F238E27FC236}">
-                <a16:creationId xmlns:a16="http://schemas.microsoft.com/office/drawing/2014/main" id="{DF926A48-CEF4-4306-8BD3-4B6F1DBB65BD}"/>
+                <a16:creationId xmlns:a16="http://schemas.microsoft.com/office/drawing/2014/main" id="{1BAA8D2B-132E-46EB-B11B-851E0C07A09C}"/>
               </a:ext>
             </a:extLst>
           </p:cNvPr>
@@ -12476,7 +13106,7 @@
           <a:p>
             <a:r>
               <a:rPr lang="zh-CN" altLang="en-US"/>
-              <a:t>为什么生物医学背景要学习机器学习？</a:t>
+              <a:t>姚音 教授</a:t>
             </a:r>
           </a:p>
         </p:txBody>
@@ -12486,7 +13116,7 @@
           <p:cNvPr id="3" name="内容占位符 2">
             <a:extLst>
               <a:ext uri="{FF2B5EF4-FFF2-40B4-BE49-F238E27FC236}">
-                <a16:creationId xmlns:a16="http://schemas.microsoft.com/office/drawing/2014/main" id="{7A4240CC-41A0-49AC-85A3-07484FAE4E3A}"/>
+                <a16:creationId xmlns:a16="http://schemas.microsoft.com/office/drawing/2014/main" id="{E9BA3309-FFF5-44B6-8FB2-C606271A7C0F}"/>
               </a:ext>
             </a:extLst>
           </p:cNvPr>
@@ -12505,60 +13135,164 @@
           <a:lstStyle/>
           <a:p>
             <a:r>
-              <a:rPr lang="en-US" altLang="zh-CN" sz="2200"/>
-              <a:t>AI</a:t>
-            </a:r>
-            <a:r>
-              <a:rPr lang="zh-CN" altLang="en-US" sz="2200"/>
-              <a:t>既是人类的梦想，也是现实中工业革命</a:t>
-            </a:r>
-            <a:endParaRPr lang="en-US" altLang="zh-CN" sz="2200"/>
-          </a:p>
-          <a:p>
-            <a:endParaRPr lang="en-US" altLang="zh-CN" sz="2200"/>
-          </a:p>
-          <a:p>
-            <a:r>
-              <a:rPr lang="zh-CN" altLang="en-US" sz="2200"/>
-              <a:t>生物医学中的需求越来越大，体现为 </a:t>
-            </a:r>
-            <a:r>
-              <a:rPr lang="en-US" altLang="zh-CN" sz="2200"/>
-              <a:t>AI x</a:t>
-            </a:r>
-          </a:p>
-          <a:p>
-            <a:endParaRPr lang="en-US" altLang="zh-CN" sz="2200"/>
-          </a:p>
-          <a:p>
-            <a:r>
-              <a:rPr lang="zh-CN" altLang="en-US" sz="2200"/>
-              <a:t>生物</a:t>
-            </a:r>
-            <a:r>
-              <a:rPr lang="en-US" altLang="zh-CN" sz="2200"/>
-              <a:t>+</a:t>
-            </a:r>
-            <a:r>
-              <a:rPr lang="zh-CN" altLang="en-US" sz="2200"/>
-              <a:t>统计</a:t>
-            </a:r>
-            <a:r>
-              <a:rPr lang="en-US" altLang="zh-CN" sz="2200"/>
-              <a:t>+</a:t>
-            </a:r>
-            <a:r>
-              <a:rPr lang="zh-CN" altLang="en-US" sz="2200"/>
-              <a:t>计算机的复合型人才是未来的竞争要求</a:t>
-            </a:r>
-            <a:endParaRPr lang="en-US" altLang="zh-CN" sz="2200"/>
+              <a:rPr lang="en-US" altLang="zh-CN"/>
+              <a:t>2018-</a:t>
+            </a:r>
+            <a:r>
+              <a:rPr lang="zh-CN" altLang="zh-CN"/>
+              <a:t>今，</a:t>
+            </a:r>
+            <a:r>
+              <a:rPr lang="en-US" altLang="zh-CN"/>
+              <a:t>  </a:t>
+            </a:r>
+            <a:r>
+              <a:rPr lang="zh-CN" altLang="zh-CN"/>
+              <a:t>复旦大学生命科学学院 特聘教授</a:t>
+            </a:r>
+          </a:p>
+          <a:p>
+            <a:r>
+              <a:rPr lang="en-US" altLang="zh-CN"/>
+              <a:t>2010-2017</a:t>
+            </a:r>
+            <a:r>
+              <a:rPr lang="zh-CN" altLang="zh-CN"/>
+              <a:t>，美国国家精神卫生研究所统计基因组学和数据分析中心主任</a:t>
+            </a:r>
+          </a:p>
+          <a:p>
+            <a:r>
+              <a:rPr lang="en-US" altLang="zh-CN"/>
+              <a:t>2007-2010</a:t>
+            </a:r>
+            <a:r>
+              <a:rPr lang="zh-CN" altLang="zh-CN"/>
+              <a:t>，美国国家精神卫生研究所遗传流行病学研究组 项目首席</a:t>
+            </a:r>
+          </a:p>
+          <a:p>
+            <a:r>
+              <a:rPr lang="en-US" altLang="zh-CN"/>
+              <a:t>2004-2007</a:t>
+            </a:r>
+            <a:r>
+              <a:rPr lang="zh-CN" altLang="zh-CN"/>
+              <a:t>，美国约翰</a:t>
+            </a:r>
+            <a:r>
+              <a:rPr lang="en-US" altLang="zh-CN"/>
+              <a:t>•</a:t>
+            </a:r>
+            <a:r>
+              <a:rPr lang="zh-CN" altLang="zh-CN"/>
+              <a:t>霍普金斯</a:t>
+            </a:r>
+            <a:r>
+              <a:rPr lang="en-US" altLang="zh-CN"/>
+              <a:t>•</a:t>
+            </a:r>
+            <a:r>
+              <a:rPr lang="zh-CN" altLang="zh-CN"/>
+              <a:t>布隆伯格公共卫生学院 副教授</a:t>
+            </a:r>
+          </a:p>
+          <a:p>
+            <a:r>
+              <a:rPr lang="en-US" altLang="zh-CN"/>
+              <a:t>1998-2004</a:t>
+            </a:r>
+            <a:r>
+              <a:rPr lang="zh-CN" altLang="zh-CN"/>
+              <a:t>，美国约翰</a:t>
+            </a:r>
+            <a:r>
+              <a:rPr lang="en-US" altLang="zh-CN"/>
+              <a:t>•</a:t>
+            </a:r>
+            <a:r>
+              <a:rPr lang="zh-CN" altLang="zh-CN"/>
+              <a:t>霍普金斯</a:t>
+            </a:r>
+            <a:r>
+              <a:rPr lang="en-US" altLang="zh-CN"/>
+              <a:t>•</a:t>
+            </a:r>
+            <a:r>
+              <a:rPr lang="zh-CN" altLang="zh-CN"/>
+              <a:t>布隆伯格公共卫生学院 助理教授</a:t>
+            </a:r>
+          </a:p>
+          <a:p>
+            <a:r>
+              <a:rPr lang="en-US" altLang="zh-CN"/>
+              <a:t>1997-1998</a:t>
+            </a:r>
+            <a:r>
+              <a:rPr lang="zh-CN" altLang="zh-CN"/>
+              <a:t>，美国匹兹堡大学 助理教授</a:t>
+            </a:r>
+            <a:r>
+              <a:rPr lang="en-US" altLang="zh-CN"/>
+              <a:t> (</a:t>
+            </a:r>
+            <a:r>
+              <a:rPr lang="zh-CN" altLang="zh-CN"/>
+              <a:t>研究系列</a:t>
+            </a:r>
+            <a:r>
+              <a:rPr lang="en-US" altLang="zh-CN"/>
+              <a:t>)</a:t>
+            </a:r>
+            <a:endParaRPr lang="zh-CN" altLang="zh-CN"/>
+          </a:p>
+          <a:p>
+            <a:r>
+              <a:rPr lang="en-US" altLang="zh-CN"/>
+              <a:t>1996-1997</a:t>
+            </a:r>
+            <a:r>
+              <a:rPr lang="zh-CN" altLang="zh-CN"/>
+              <a:t>，法国国际癌症研究机构 博士后</a:t>
+            </a:r>
+            <a:endParaRPr lang="en-US" altLang="zh-CN"/>
+          </a:p>
+          <a:p>
+            <a:r>
+              <a:rPr lang="en-US" altLang="zh-CN"/>
+              <a:t>1991/09-1996/07</a:t>
+            </a:r>
+            <a:r>
+              <a:rPr lang="zh-CN" altLang="zh-CN"/>
+              <a:t>，美国哥伦比亚大学，遗传学博士</a:t>
+            </a:r>
+            <a:endParaRPr lang="en-US" altLang="zh-CN"/>
+          </a:p>
+          <a:p>
+            <a:r>
+              <a:rPr lang="en-US" altLang="zh-CN"/>
+              <a:t>1987/09-1991/07</a:t>
+            </a:r>
+            <a:r>
+              <a:rPr lang="zh-CN" altLang="zh-CN"/>
+              <a:t>，美国内布拉斯加大学，生物学学士</a:t>
+            </a:r>
+          </a:p>
+          <a:p>
+            <a:endParaRPr lang="zh-CN" altLang="zh-CN"/>
+          </a:p>
+          <a:p>
+            <a:endParaRPr lang="zh-CN" altLang="zh-CN"/>
+          </a:p>
+          <a:p>
+            <a:endParaRPr lang="zh-CN" altLang="en-US"/>
           </a:p>
         </p:txBody>
       </p:sp>
     </p:spTree>
     <p:extLst>
       <p:ext uri="{BB962C8B-B14F-4D97-AF65-F5344CB8AC3E}">
-        <p14:creationId xmlns:p14="http://schemas.microsoft.com/office/powerpoint/2010/main" val="415938458"/>
+        <p14:creationId xmlns:p14="http://schemas.microsoft.com/office/powerpoint/2010/main" val="3509161678"/>
       </p:ext>
     </p:extLst>
   </p:cSld>
@@ -12590,7 +13324,7 @@
           <p:cNvPr id="2" name="标题 1">
             <a:extLst>
               <a:ext uri="{FF2B5EF4-FFF2-40B4-BE49-F238E27FC236}">
-                <a16:creationId xmlns:a16="http://schemas.microsoft.com/office/drawing/2014/main" id="{BF9C2EB4-8CB7-446F-A66F-D38712D645C6}"/>
+                <a16:creationId xmlns:a16="http://schemas.microsoft.com/office/drawing/2014/main" id="{FF91BB43-3102-4492-BE5D-B9CCB290EE3C}"/>
               </a:ext>
             </a:extLst>
           </p:cNvPr>
@@ -12603,40 +13337,191 @@
         </p:nvSpPr>
         <p:spPr/>
         <p:txBody>
-          <a:bodyPr>
-            <a:normAutofit/>
-          </a:bodyPr>
+          <a:bodyPr/>
           <a:lstStyle/>
           <a:p>
             <a:r>
-              <a:rPr lang="zh-CN" altLang="en-US" sz="2800"/>
-              <a:t>“人不是因为伟大才善梦，而是因为善梦才伟大”</a:t>
-            </a:r>
-            <a:br>
-              <a:rPr lang="en-US" altLang="zh-CN" sz="2800"/>
-            </a:br>
-            <a:r>
-              <a:rPr lang="zh-CN" altLang="en-US" sz="2800"/>
-              <a:t>－－钟扬</a:t>
+              <a:rPr lang="zh-CN" altLang="en-US"/>
+              <a:t>黄强 教授</a:t>
+            </a:r>
+          </a:p>
+        </p:txBody>
+      </p:sp>
+      <p:sp>
+        <p:nvSpPr>
+          <p:cNvPr id="3" name="内容占位符 2">
+            <a:extLst>
+              <a:ext uri="{FF2B5EF4-FFF2-40B4-BE49-F238E27FC236}">
+                <a16:creationId xmlns:a16="http://schemas.microsoft.com/office/drawing/2014/main" id="{9A00B025-C832-46AF-A30B-1CF7D65E0E80}"/>
+              </a:ext>
+            </a:extLst>
+          </p:cNvPr>
+          <p:cNvSpPr>
+            <a:spLocks noGrp="1"/>
+          </p:cNvSpPr>
+          <p:nvPr>
+            <p:ph idx="1"/>
+          </p:nvPr>
+        </p:nvSpPr>
+        <p:spPr/>
+        <p:txBody>
+          <a:bodyPr/>
+          <a:lstStyle/>
+          <a:p>
+            <a:r>
+              <a:rPr lang="zh-CN" altLang="en-US"/>
+              <a:t>男，</a:t>
+            </a:r>
+            <a:r>
+              <a:rPr lang="en-US" altLang="zh-CN"/>
+              <a:t>1969</a:t>
+            </a:r>
+            <a:r>
+              <a:rPr lang="zh-CN" altLang="en-US"/>
+              <a:t>年</a:t>
+            </a:r>
+            <a:r>
+              <a:rPr lang="en-US" altLang="zh-CN"/>
+              <a:t>12</a:t>
+            </a:r>
+            <a:r>
+              <a:rPr lang="zh-CN" altLang="en-US"/>
+              <a:t>月生，博士，教授，博士生导师。</a:t>
+            </a:r>
+            <a:endParaRPr lang="en-US" altLang="zh-CN"/>
+          </a:p>
+          <a:p>
+            <a:r>
+              <a:rPr lang="en-US" altLang="zh-CN"/>
+              <a:t>1991</a:t>
+            </a:r>
+            <a:r>
+              <a:rPr lang="zh-CN" altLang="en-US"/>
+              <a:t>年本科毕业于浙江大学化学系，获学士学位 </a:t>
+            </a:r>
+            <a:r>
+              <a:rPr lang="en-US" altLang="zh-CN"/>
+              <a:t>(</a:t>
+            </a:r>
+            <a:r>
+              <a:rPr lang="zh-CN" altLang="en-US"/>
+              <a:t>化学专业</a:t>
+            </a:r>
+            <a:r>
+              <a:rPr lang="en-US" altLang="zh-CN"/>
+              <a:t>)</a:t>
+            </a:r>
+            <a:r>
+              <a:rPr lang="zh-CN" altLang="en-US"/>
+              <a:t>。</a:t>
+            </a:r>
+            <a:endParaRPr lang="en-US" altLang="zh-CN"/>
+          </a:p>
+          <a:p>
+            <a:r>
+              <a:rPr lang="zh-CN" altLang="en-US"/>
+              <a:t>分别于</a:t>
+            </a:r>
+            <a:r>
+              <a:rPr lang="en-US" altLang="zh-CN"/>
+              <a:t>1994</a:t>
+            </a:r>
+            <a:r>
+              <a:rPr lang="zh-CN" altLang="en-US"/>
+              <a:t>、</a:t>
+            </a:r>
+            <a:r>
+              <a:rPr lang="en-US" altLang="zh-CN"/>
+              <a:t>1998</a:t>
+            </a:r>
+            <a:r>
+              <a:rPr lang="zh-CN" altLang="en-US"/>
+              <a:t>年在浙大获硕士、博士学位 </a:t>
+            </a:r>
+            <a:r>
+              <a:rPr lang="en-US" altLang="zh-CN"/>
+              <a:t>(</a:t>
+            </a:r>
+            <a:r>
+              <a:rPr lang="zh-CN" altLang="en-US"/>
+              <a:t>物理化学专业</a:t>
+            </a:r>
+            <a:r>
+              <a:rPr lang="en-US" altLang="zh-CN"/>
+              <a:t>)</a:t>
+            </a:r>
+            <a:r>
+              <a:rPr lang="zh-CN" altLang="en-US"/>
+              <a:t>。</a:t>
+            </a:r>
+            <a:endParaRPr lang="en-US" altLang="zh-CN"/>
+          </a:p>
+          <a:p>
+            <a:r>
+              <a:rPr lang="en-US" altLang="zh-CN"/>
+              <a:t>1999-2000</a:t>
+            </a:r>
+            <a:r>
+              <a:rPr lang="zh-CN" altLang="en-US"/>
+              <a:t>年在柏林洪堡大学生物系分子生物物理专业从事博士后研究。</a:t>
+            </a:r>
+            <a:endParaRPr lang="en-US" altLang="zh-CN"/>
+          </a:p>
+          <a:p>
+            <a:r>
+              <a:rPr lang="en-US" altLang="zh-CN"/>
+              <a:t>2001-2003</a:t>
+            </a:r>
+            <a:r>
+              <a:rPr lang="zh-CN" altLang="en-US"/>
+              <a:t>年间又两次回到该系及到台湾中山大学化学系继续研究工作。</a:t>
+            </a:r>
+            <a:endParaRPr lang="en-US" altLang="zh-CN"/>
+          </a:p>
+          <a:p>
+            <a:r>
+              <a:rPr lang="en-US" altLang="zh-CN"/>
+              <a:t>2004</a:t>
+            </a:r>
+            <a:r>
+              <a:rPr lang="zh-CN" altLang="en-US"/>
+              <a:t>年</a:t>
+            </a:r>
+            <a:r>
+              <a:rPr lang="en-US" altLang="zh-CN"/>
+              <a:t>12</a:t>
+            </a:r>
+            <a:r>
+              <a:rPr lang="zh-CN" altLang="en-US"/>
+              <a:t>月进入复旦大学生命科学学院工作。</a:t>
+            </a:r>
+            <a:endParaRPr lang="en-US" altLang="zh-CN"/>
+          </a:p>
+          <a:p>
+            <a:r>
+              <a:rPr lang="en-US" altLang="zh-CN"/>
+              <a:t>2005</a:t>
+            </a:r>
+            <a:r>
+              <a:rPr lang="zh-CN" altLang="en-US"/>
+              <a:t>年起历任副教授、教授。</a:t>
             </a:r>
           </a:p>
         </p:txBody>
       </p:sp>
       <p:pic>
         <p:nvPicPr>
-          <p:cNvPr id="13" name="内容占位符 12">
+          <p:cNvPr id="5" name="图片 4">
             <a:extLst>
               <a:ext uri="{FF2B5EF4-FFF2-40B4-BE49-F238E27FC236}">
-                <a16:creationId xmlns:a16="http://schemas.microsoft.com/office/drawing/2014/main" id="{6E781C5C-B259-43DA-B840-39917257F0B6}"/>
+                <a16:creationId xmlns:a16="http://schemas.microsoft.com/office/drawing/2014/main" id="{EAC6B0B1-DC26-4DEC-8B21-AF8FF9641356}"/>
               </a:ext>
             </a:extLst>
           </p:cNvPr>
           <p:cNvPicPr>
-            <a:picLocks noGrp="1" noChangeAspect="1"/>
+            <a:picLocks noChangeAspect="1"/>
           </p:cNvPicPr>
-          <p:nvPr>
-            <p:ph idx="1"/>
-          </p:nvPr>
+          <p:nvPr/>
         </p:nvPicPr>
         <p:blipFill>
           <a:blip r:embed="rId2">
@@ -12652,147 +13537,18 @@
         </p:blipFill>
         <p:spPr>
           <a:xfrm>
-            <a:off x="6076883" y="1826892"/>
-            <a:ext cx="5785714" cy="4512857"/>
-          </a:xfrm>
-        </p:spPr>
-      </p:pic>
-      <p:sp>
-        <p:nvSpPr>
-          <p:cNvPr id="14" name="文本框 13">
-            <a:extLst>
-              <a:ext uri="{FF2B5EF4-FFF2-40B4-BE49-F238E27FC236}">
-                <a16:creationId xmlns:a16="http://schemas.microsoft.com/office/drawing/2014/main" id="{0AD7379C-BD81-488A-98B1-C7D51E292444}"/>
-              </a:ext>
-            </a:extLst>
-          </p:cNvPr>
-          <p:cNvSpPr txBox="1"/>
-          <p:nvPr/>
-        </p:nvSpPr>
-        <p:spPr>
-          <a:xfrm>
-            <a:off x="545284" y="1930727"/>
-            <a:ext cx="5080932" cy="4154984"/>
+            <a:off x="9144000" y="0"/>
+            <a:ext cx="3048000" cy="3105150"/>
           </a:xfrm>
           <a:prstGeom prst="rect">
             <a:avLst/>
           </a:prstGeom>
-          <a:noFill/>
         </p:spPr>
-        <p:txBody>
-          <a:bodyPr wrap="square" rtlCol="0">
-            <a:spAutoFit/>
-          </a:bodyPr>
-          <a:lstStyle/>
-          <a:p>
-            <a:r>
-              <a:rPr lang="zh-CN" altLang="en-US" sz="2400" dirty="0">
-                <a:solidFill>
-                  <a:srgbClr val="00B0F0"/>
-                </a:solidFill>
-              </a:rPr>
-              <a:t>高考</a:t>
-            </a:r>
-            <a:endParaRPr lang="en-US" altLang="zh-CN" sz="2400" dirty="0">
-              <a:solidFill>
-                <a:srgbClr val="00B0F0"/>
-              </a:solidFill>
-            </a:endParaRPr>
-          </a:p>
-          <a:p>
-            <a:r>
-              <a:rPr lang="zh-CN" altLang="en-US" sz="2400" dirty="0"/>
-              <a:t>我：想去中科大学机器人。</a:t>
-            </a:r>
-            <a:endParaRPr lang="en-US" altLang="zh-CN" sz="2400" dirty="0"/>
-          </a:p>
-          <a:p>
-            <a:r>
-              <a:rPr lang="zh-CN" altLang="en-US" sz="2400" dirty="0"/>
-              <a:t>父亲：二十一世纪是生物的世纪。。。</a:t>
-            </a:r>
-            <a:endParaRPr lang="en-US" altLang="zh-CN" sz="2400" dirty="0"/>
-          </a:p>
-          <a:p>
-            <a:endParaRPr lang="en-US" altLang="zh-CN" sz="2400" dirty="0">
-              <a:solidFill>
-                <a:srgbClr val="00B0F0"/>
-              </a:solidFill>
-            </a:endParaRPr>
-          </a:p>
-          <a:p>
-            <a:r>
-              <a:rPr lang="zh-CN" altLang="en-US" sz="2400" dirty="0">
-                <a:solidFill>
-                  <a:srgbClr val="00B0F0"/>
-                </a:solidFill>
-              </a:rPr>
-              <a:t>二十年历程</a:t>
-            </a:r>
-            <a:endParaRPr lang="en-US" altLang="zh-CN" sz="2400" dirty="0">
-              <a:solidFill>
-                <a:srgbClr val="00B0F0"/>
-              </a:solidFill>
-            </a:endParaRPr>
-          </a:p>
-          <a:p>
-            <a:r>
-              <a:rPr lang="zh-CN" altLang="en-US" sz="2400" dirty="0"/>
-              <a:t>父亲是对的：不念生物不上科学正轨。当年</a:t>
-            </a:r>
-            <a:r>
-              <a:rPr lang="en-US" altLang="zh-CN" sz="2400" dirty="0"/>
-              <a:t>AI</a:t>
-            </a:r>
-            <a:r>
-              <a:rPr lang="zh-CN" altLang="en-US" sz="2400" dirty="0"/>
-              <a:t>还没上正轨，入坑即死坑。</a:t>
-            </a:r>
-            <a:endParaRPr lang="en-US" altLang="zh-CN" sz="2400" dirty="0"/>
-          </a:p>
-          <a:p>
-            <a:r>
-              <a:rPr lang="zh-CN" altLang="en-US" sz="2400" dirty="0"/>
-              <a:t>我也是对的：人工智能是未来的大势所趋，体现为工业革命。</a:t>
-            </a:r>
-            <a:endParaRPr lang="en-US" altLang="zh-CN" sz="2400" dirty="0"/>
-          </a:p>
-          <a:p>
-            <a:r>
-              <a:rPr lang="zh-CN" altLang="en-US" sz="2400" dirty="0">
-                <a:solidFill>
-                  <a:srgbClr val="C00000"/>
-                </a:solidFill>
-              </a:rPr>
-              <a:t>生命科学是所有科技发力的对象，</a:t>
-            </a:r>
-            <a:endParaRPr lang="en-US" altLang="zh-CN" sz="2400" dirty="0">
-              <a:solidFill>
-                <a:srgbClr val="C00000"/>
-              </a:solidFill>
-            </a:endParaRPr>
-          </a:p>
-          <a:p>
-            <a:r>
-              <a:rPr lang="zh-CN" altLang="en-US" sz="2400" dirty="0">
-                <a:solidFill>
-                  <a:srgbClr val="C00000"/>
-                </a:solidFill>
-              </a:rPr>
-              <a:t>人工智能是对所有领域发力武器。</a:t>
-            </a:r>
-            <a:endParaRPr lang="en-US" altLang="zh-CN" sz="2400" dirty="0">
-              <a:solidFill>
-                <a:srgbClr val="C00000"/>
-              </a:solidFill>
-            </a:endParaRPr>
-          </a:p>
-        </p:txBody>
-      </p:sp>
+      </p:pic>
     </p:spTree>
     <p:extLst>
       <p:ext uri="{BB962C8B-B14F-4D97-AF65-F5344CB8AC3E}">
-        <p14:creationId xmlns:p14="http://schemas.microsoft.com/office/powerpoint/2010/main" val="1883128606"/>
+        <p14:creationId xmlns:p14="http://schemas.microsoft.com/office/powerpoint/2010/main" val="1875257733"/>
       </p:ext>
     </p:extLst>
   </p:cSld>
@@ -12824,7 +13580,7 @@
           <p:cNvPr id="2" name="标题 1">
             <a:extLst>
               <a:ext uri="{FF2B5EF4-FFF2-40B4-BE49-F238E27FC236}">
-                <a16:creationId xmlns:a16="http://schemas.microsoft.com/office/drawing/2014/main" id="{BD8AAC5B-DF2F-40CE-B553-A56961176DB0}"/>
+                <a16:creationId xmlns:a16="http://schemas.microsoft.com/office/drawing/2014/main" id="{DF94BAE3-6189-45C2-B698-3ABAB62789D1}"/>
               </a:ext>
             </a:extLst>
           </p:cNvPr>
@@ -12835,35 +13591,18 @@
             <p:ph type="title"/>
           </p:nvPr>
         </p:nvSpPr>
-        <p:spPr>
-          <a:xfrm>
-            <a:off x="677334" y="538037"/>
-            <a:ext cx="8596668" cy="1320800"/>
-          </a:xfrm>
-        </p:spPr>
+        <p:spPr/>
         <p:txBody>
           <a:bodyPr/>
           <a:lstStyle/>
           <a:p>
             <a:r>
-              <a:rPr lang="zh-CN" altLang="en-US"/>
-              <a:t>论文投稿推荐和</a:t>
-            </a:r>
-            <a:r>
-              <a:rPr lang="en-US" altLang="zh-CN"/>
-              <a:t>Chinglish</a:t>
-            </a:r>
-            <a:r>
-              <a:rPr lang="zh-CN" altLang="en-US"/>
-              <a:t>检出</a:t>
+              <a:rPr lang="zh-CN" altLang="zh-CN"/>
+              <a:t>陆晨琪 副教授</a:t>
             </a:r>
             <a:br>
-              <a:rPr lang="en-US" altLang="zh-CN"/>
+              <a:rPr lang="zh-CN" altLang="zh-CN"/>
             </a:br>
-            <a:r>
-              <a:rPr lang="en-US" altLang="zh-CN"/>
-              <a:t>www.drwang.top</a:t>
-            </a:r>
             <a:endParaRPr lang="zh-CN" altLang="en-US"/>
           </a:p>
         </p:txBody>
@@ -12873,7 +13612,7 @@
           <p:cNvPr id="3" name="内容占位符 2">
             <a:extLst>
               <a:ext uri="{FF2B5EF4-FFF2-40B4-BE49-F238E27FC236}">
-                <a16:creationId xmlns:a16="http://schemas.microsoft.com/office/drawing/2014/main" id="{E4C3AB18-8266-4276-A343-5653159A4C79}"/>
+                <a16:creationId xmlns:a16="http://schemas.microsoft.com/office/drawing/2014/main" id="{F25AA402-8120-477F-B367-3222E44E4EDA}"/>
               </a:ext>
             </a:extLst>
           </p:cNvPr>
@@ -12888,6 +13627,83 @@
         <p:txBody>
           <a:bodyPr/>
           <a:lstStyle/>
+          <a:p>
+            <a:r>
+              <a:rPr lang="en-US" altLang="zh-CN"/>
+              <a:t>1999-2003</a:t>
+            </a:r>
+            <a:r>
+              <a:rPr lang="zh-CN" altLang="zh-CN"/>
+              <a:t>年就读于复旦大学生命科学学院生物科学专业，获学士学位；</a:t>
+            </a:r>
+            <a:endParaRPr lang="en-US" altLang="zh-CN"/>
+          </a:p>
+          <a:p>
+            <a:r>
+              <a:rPr lang="en-US" altLang="zh-CN"/>
+              <a:t>2003-2008</a:t>
+            </a:r>
+            <a:r>
+              <a:rPr lang="zh-CN" altLang="zh-CN"/>
+              <a:t>年就读于复旦大学生命科学学院遗传学专业硕博连读，获博士学位；</a:t>
+            </a:r>
+            <a:endParaRPr lang="en-US" altLang="zh-CN"/>
+          </a:p>
+          <a:p>
+            <a:r>
+              <a:rPr lang="en-US" altLang="zh-CN"/>
+              <a:t>2008-2012</a:t>
+            </a:r>
+            <a:r>
+              <a:rPr lang="zh-CN" altLang="zh-CN"/>
+              <a:t>年进入复旦大学数理科技创新平台任助理研究员</a:t>
+            </a:r>
+            <a:r>
+              <a:rPr lang="zh-CN" altLang="en-US"/>
+              <a:t>。</a:t>
+            </a:r>
+            <a:endParaRPr lang="en-US" altLang="zh-CN"/>
+          </a:p>
+          <a:p>
+            <a:r>
+              <a:rPr lang="zh-CN" altLang="zh-CN"/>
+              <a:t>期间</a:t>
+            </a:r>
+            <a:r>
+              <a:rPr lang="en-US" altLang="zh-CN"/>
+              <a:t>2011-2012</a:t>
+            </a:r>
+            <a:r>
+              <a:rPr lang="zh-CN" altLang="zh-CN"/>
+              <a:t>年赴英国伯明翰大学生命科学系进行学术访问；</a:t>
+            </a:r>
+            <a:endParaRPr lang="en-US" altLang="zh-CN"/>
+          </a:p>
+          <a:p>
+            <a:r>
+              <a:rPr lang="en-US" altLang="zh-CN"/>
+              <a:t>2012</a:t>
+            </a:r>
+            <a:r>
+              <a:rPr lang="zh-CN" altLang="zh-CN"/>
+              <a:t>年进入复旦大学生命科学学院</a:t>
+            </a:r>
+            <a:r>
+              <a:rPr lang="zh-CN" altLang="en-US"/>
+              <a:t>。</a:t>
+            </a:r>
+            <a:endParaRPr lang="en-US" altLang="zh-CN"/>
+          </a:p>
+          <a:p>
+            <a:r>
+              <a:rPr lang="en-US" altLang="zh-CN"/>
+              <a:t>2017</a:t>
+            </a:r>
+            <a:r>
+              <a:rPr lang="zh-CN" altLang="zh-CN"/>
+              <a:t>年晋升副教授。</a:t>
+            </a:r>
+          </a:p>
           <a:p>
             <a:endParaRPr lang="zh-CN" altLang="en-US"/>
           </a:p>
@@ -12898,7 +13714,7 @@
           <p:cNvPr id="4" name="图片 3">
             <a:extLst>
               <a:ext uri="{FF2B5EF4-FFF2-40B4-BE49-F238E27FC236}">
-                <a16:creationId xmlns:a16="http://schemas.microsoft.com/office/drawing/2014/main" id="{8BEAD2E6-55CC-412E-8FB6-48E61ECAC798}"/>
+                <a16:creationId xmlns:a16="http://schemas.microsoft.com/office/drawing/2014/main" id="{DB6C1F85-DA88-4B87-89A4-3515472D1F1E}"/>
               </a:ext>
             </a:extLst>
           </p:cNvPr>
@@ -12908,15 +13724,21 @@
           <p:nvPr/>
         </p:nvPicPr>
         <p:blipFill>
-          <a:blip r:embed="rId2"/>
+          <a:blip r:embed="rId2" cstate="print">
+            <a:extLst>
+              <a:ext uri="{28A0092B-C50C-407E-A947-70E740481C1C}">
+                <a14:useLocalDpi xmlns:a14="http://schemas.microsoft.com/office/drawing/2010/main" val="0"/>
+              </a:ext>
+            </a:extLst>
+          </a:blip>
           <a:stretch>
             <a:fillRect/>
           </a:stretch>
         </p:blipFill>
         <p:spPr>
           <a:xfrm>
-            <a:off x="15902" y="1693627"/>
-            <a:ext cx="9144000" cy="5143500"/>
+            <a:off x="9334500" y="0"/>
+            <a:ext cx="2857500" cy="3810000"/>
           </a:xfrm>
           <a:prstGeom prst="rect">
             <a:avLst/>
@@ -12926,7 +13748,7 @@
     </p:spTree>
     <p:extLst>
       <p:ext uri="{BB962C8B-B14F-4D97-AF65-F5344CB8AC3E}">
-        <p14:creationId xmlns:p14="http://schemas.microsoft.com/office/powerpoint/2010/main" val="4172098231"/>
+        <p14:creationId xmlns:p14="http://schemas.microsoft.com/office/powerpoint/2010/main" val="1583468766"/>
       </p:ext>
     </p:extLst>
   </p:cSld>
@@ -12958,7 +13780,7 @@
           <p:cNvPr id="2" name="标题 1">
             <a:extLst>
               <a:ext uri="{FF2B5EF4-FFF2-40B4-BE49-F238E27FC236}">
-                <a16:creationId xmlns:a16="http://schemas.microsoft.com/office/drawing/2014/main" id="{60953D16-E0CC-4DB4-814F-FF0FD598EDF3}"/>
+                <a16:creationId xmlns:a16="http://schemas.microsoft.com/office/drawing/2014/main" id="{64E5EA08-2B76-43E4-9AEC-756A2E638D93}"/>
               </a:ext>
             </a:extLst>
           </p:cNvPr>
@@ -12976,7 +13798,7 @@
           <a:p>
             <a:r>
               <a:rPr lang="zh-CN" altLang="en-US"/>
-              <a:t>小一机器人健康点评</a:t>
+              <a:t>王一 青年副研究员</a:t>
             </a:r>
           </a:p>
         </p:txBody>
@@ -12986,7 +13808,7 @@
           <p:cNvPr id="3" name="内容占位符 2">
             <a:extLst>
               <a:ext uri="{FF2B5EF4-FFF2-40B4-BE49-F238E27FC236}">
-                <a16:creationId xmlns:a16="http://schemas.microsoft.com/office/drawing/2014/main" id="{1C97832C-9964-4068-84A7-715D030B42A9}"/>
+                <a16:creationId xmlns:a16="http://schemas.microsoft.com/office/drawing/2014/main" id="{1C62893C-1067-406C-97FB-9D012CB39DD0}"/>
               </a:ext>
             </a:extLst>
           </p:cNvPr>
@@ -13002,16 +13824,57 @@
           <a:bodyPr/>
           <a:lstStyle/>
           <a:p>
+            <a:r>
+              <a:rPr lang="zh-CN" altLang="zh-CN"/>
+              <a:t>男,1981年出生，遗传学博士。</a:t>
+            </a:r>
+          </a:p>
+          <a:p>
+            <a:r>
+              <a:rPr lang="zh-CN" altLang="zh-CN"/>
+              <a:t>2000.9-2004.7： 复旦大学生命科学学院，学士。</a:t>
+            </a:r>
+          </a:p>
+          <a:p>
+            <a:r>
+              <a:rPr lang="zh-CN" altLang="zh-CN"/>
+              <a:t>2004.9-2009.12：复旦大学现代人类学教育部重点实验室，遗传学博士</a:t>
+            </a:r>
+            <a:r>
+              <a:rPr lang="zh-CN" altLang="en-US"/>
+              <a:t>。</a:t>
+            </a:r>
+            <a:endParaRPr lang="zh-CN" altLang="zh-CN"/>
+          </a:p>
+          <a:p>
+            <a:r>
+              <a:rPr lang="zh-CN" altLang="zh-CN"/>
+              <a:t>2010.4-2011.8： 美国贝勒医学院人类基因组测序中心，博士后。</a:t>
+            </a:r>
+          </a:p>
+          <a:p>
+            <a:r>
+              <a:rPr lang="zh-CN" altLang="zh-CN"/>
+              <a:t>2012.8-2016.7： 复旦大学现代人类学教育部重点实验室，科研助理。</a:t>
+            </a:r>
+          </a:p>
+          <a:p>
+            <a:r>
+              <a:rPr lang="zh-CN" altLang="zh-CN"/>
+              <a:t>2016.8-今	 ： 复旦大学生命科学学院青年副研究员</a:t>
+            </a:r>
+          </a:p>
+          <a:p>
             <a:endParaRPr lang="zh-CN" altLang="en-US"/>
           </a:p>
         </p:txBody>
       </p:sp>
       <p:pic>
         <p:nvPicPr>
-          <p:cNvPr id="4" name="图片 3">
+          <p:cNvPr id="4" name="Picture">
             <a:extLst>
               <a:ext uri="{FF2B5EF4-FFF2-40B4-BE49-F238E27FC236}">
-                <a16:creationId xmlns:a16="http://schemas.microsoft.com/office/drawing/2014/main" id="{4D06BCCC-B85E-4AE4-83DD-4048CF6ABBA7}"/>
+                <a16:creationId xmlns:a16="http://schemas.microsoft.com/office/drawing/2014/main" id="{FA431238-55A8-4ABD-9D77-7B23E01151EF}"/>
               </a:ext>
             </a:extLst>
           </p:cNvPr>
@@ -13021,15 +13884,16 @@
           <p:nvPr/>
         </p:nvPicPr>
         <p:blipFill>
-          <a:blip r:embed="rId2"/>
+          <a:blip r:embed="rId2" cstate="print"/>
+          <a:srcRect l="29980" r="24302" b="54565"/>
           <a:stretch>
             <a:fillRect/>
           </a:stretch>
         </p:blipFill>
-        <p:spPr>
+        <p:spPr bwMode="auto">
           <a:xfrm>
-            <a:off x="0" y="1710813"/>
-            <a:ext cx="9144000" cy="5143500"/>
+            <a:off x="10116876" y="0"/>
+            <a:ext cx="2075124" cy="2923452"/>
           </a:xfrm>
           <a:prstGeom prst="rect">
             <a:avLst/>
@@ -13039,7 +13903,7 @@
     </p:spTree>
     <p:extLst>
       <p:ext uri="{BB962C8B-B14F-4D97-AF65-F5344CB8AC3E}">
-        <p14:creationId xmlns:p14="http://schemas.microsoft.com/office/powerpoint/2010/main" val="3870096952"/>
+        <p14:creationId xmlns:p14="http://schemas.microsoft.com/office/powerpoint/2010/main" val="2710717704"/>
       </p:ext>
     </p:extLst>
   </p:cSld>
@@ -13071,7 +13935,7 @@
           <p:cNvPr id="2" name="标题 1">
             <a:extLst>
               <a:ext uri="{FF2B5EF4-FFF2-40B4-BE49-F238E27FC236}">
-                <a16:creationId xmlns:a16="http://schemas.microsoft.com/office/drawing/2014/main" id="{F9BF0C2A-D4A6-42B7-9BEF-5373C9E9A711}"/>
+                <a16:creationId xmlns:a16="http://schemas.microsoft.com/office/drawing/2014/main" id="{DF926A48-CEF4-4306-8BD3-4B6F1DBB65BD}"/>
               </a:ext>
             </a:extLst>
           </p:cNvPr>
@@ -13089,94 +13953,89 @@
           <a:p>
             <a:r>
               <a:rPr lang="zh-CN" altLang="en-US"/>
-              <a:t>基于电子病历的</a:t>
-            </a:r>
-            <a:r>
-              <a:rPr lang="en-US" altLang="zh-CN"/>
-              <a:t>AI</a:t>
-            </a:r>
-            <a:r>
-              <a:rPr lang="zh-CN" altLang="en-US"/>
-              <a:t>诊断</a:t>
-            </a:r>
-          </a:p>
-        </p:txBody>
-      </p:sp>
-      <p:pic>
-        <p:nvPicPr>
-          <p:cNvPr id="7" name="图片 6">
+              <a:t>为什么生物医学背景要学习机器学习？</a:t>
+            </a:r>
+          </a:p>
+        </p:txBody>
+      </p:sp>
+      <p:sp>
+        <p:nvSpPr>
+          <p:cNvPr id="3" name="内容占位符 2">
             <a:extLst>
               <a:ext uri="{FF2B5EF4-FFF2-40B4-BE49-F238E27FC236}">
-                <a16:creationId xmlns:a16="http://schemas.microsoft.com/office/drawing/2014/main" id="{C597E609-C035-460B-869C-4E22AC5D35B5}"/>
+                <a16:creationId xmlns:a16="http://schemas.microsoft.com/office/drawing/2014/main" id="{7A4240CC-41A0-49AC-85A3-07484FAE4E3A}"/>
               </a:ext>
             </a:extLst>
           </p:cNvPr>
-          <p:cNvPicPr>
-            <a:picLocks noChangeAspect="1"/>
-          </p:cNvPicPr>
-          <p:nvPr/>
-        </p:nvPicPr>
-        <p:blipFill>
-          <a:blip r:embed="rId2">
-            <a:extLst>
-              <a:ext uri="{28A0092B-C50C-407E-A947-70E740481C1C}">
-                <a14:useLocalDpi xmlns:a14="http://schemas.microsoft.com/office/drawing/2010/main" val="0"/>
-              </a:ext>
-            </a:extLst>
-          </a:blip>
-          <a:stretch>
-            <a:fillRect/>
-          </a:stretch>
-        </p:blipFill>
-        <p:spPr>
-          <a:xfrm>
-            <a:off x="19664" y="1986119"/>
-            <a:ext cx="7315200" cy="4114800"/>
-          </a:xfrm>
-          <a:prstGeom prst="rect">
-            <a:avLst/>
-          </a:prstGeom>
-        </p:spPr>
-      </p:pic>
-      <p:pic>
-        <p:nvPicPr>
-          <p:cNvPr id="11" name="内容占位符 10">
-            <a:extLst>
-              <a:ext uri="{FF2B5EF4-FFF2-40B4-BE49-F238E27FC236}">
-                <a16:creationId xmlns:a16="http://schemas.microsoft.com/office/drawing/2014/main" id="{BED76E10-EAD1-49A9-ADEC-79F9726292AC}"/>
-              </a:ext>
-            </a:extLst>
-          </p:cNvPr>
-          <p:cNvPicPr>
-            <a:picLocks noGrp="1" noChangeAspect="1"/>
-          </p:cNvPicPr>
+          <p:cNvSpPr>
+            <a:spLocks noGrp="1"/>
+          </p:cNvSpPr>
           <p:nvPr>
             <p:ph idx="1"/>
           </p:nvPr>
-        </p:nvPicPr>
-        <p:blipFill>
-          <a:blip r:embed="rId3">
-            <a:extLst>
-              <a:ext uri="{28A0092B-C50C-407E-A947-70E740481C1C}">
-                <a14:useLocalDpi xmlns:a14="http://schemas.microsoft.com/office/drawing/2010/main" val="0"/>
-              </a:ext>
-            </a:extLst>
-          </a:blip>
-          <a:stretch>
-            <a:fillRect/>
-          </a:stretch>
-        </p:blipFill>
-        <p:spPr>
-          <a:xfrm>
-            <a:off x="4868828" y="2740689"/>
-            <a:ext cx="7315200" cy="4114800"/>
-          </a:xfrm>
-        </p:spPr>
-      </p:pic>
+        </p:nvSpPr>
+        <p:spPr/>
+        <p:txBody>
+          <a:bodyPr>
+            <a:normAutofit/>
+          </a:bodyPr>
+          <a:lstStyle/>
+          <a:p>
+            <a:r>
+              <a:rPr lang="en-US" altLang="zh-CN" sz="2200"/>
+              <a:t>AI</a:t>
+            </a:r>
+            <a:r>
+              <a:rPr lang="zh-CN" altLang="en-US" sz="2200"/>
+              <a:t>既是人类的梦想，也是现实中工业革命</a:t>
+            </a:r>
+            <a:endParaRPr lang="en-US" altLang="zh-CN" sz="2200"/>
+          </a:p>
+          <a:p>
+            <a:endParaRPr lang="en-US" altLang="zh-CN" sz="2200"/>
+          </a:p>
+          <a:p>
+            <a:r>
+              <a:rPr lang="zh-CN" altLang="en-US" sz="2200"/>
+              <a:t>生物医学中的需求越来越大，体现为 </a:t>
+            </a:r>
+            <a:r>
+              <a:rPr lang="en-US" altLang="zh-CN" sz="2200"/>
+              <a:t>AI x</a:t>
+            </a:r>
+          </a:p>
+          <a:p>
+            <a:endParaRPr lang="en-US" altLang="zh-CN" sz="2200"/>
+          </a:p>
+          <a:p>
+            <a:r>
+              <a:rPr lang="zh-CN" altLang="en-US" sz="2200"/>
+              <a:t>生物</a:t>
+            </a:r>
+            <a:r>
+              <a:rPr lang="en-US" altLang="zh-CN" sz="2200"/>
+              <a:t>+</a:t>
+            </a:r>
+            <a:r>
+              <a:rPr lang="zh-CN" altLang="en-US" sz="2200"/>
+              <a:t>统计</a:t>
+            </a:r>
+            <a:r>
+              <a:rPr lang="en-US" altLang="zh-CN" sz="2200"/>
+              <a:t>+</a:t>
+            </a:r>
+            <a:r>
+              <a:rPr lang="zh-CN" altLang="en-US" sz="2200"/>
+              <a:t>计算机的复合型人才是未来的竞争要求</a:t>
+            </a:r>
+            <a:endParaRPr lang="en-US" altLang="zh-CN" sz="2200"/>
+          </a:p>
+        </p:txBody>
+      </p:sp>
     </p:spTree>
     <p:extLst>
       <p:ext uri="{BB962C8B-B14F-4D97-AF65-F5344CB8AC3E}">
-        <p14:creationId xmlns:p14="http://schemas.microsoft.com/office/powerpoint/2010/main" val="1672078440"/>
+        <p14:creationId xmlns:p14="http://schemas.microsoft.com/office/powerpoint/2010/main" val="415938458"/>
       </p:ext>
     </p:extLst>
   </p:cSld>
